--- a/Tracker/tracker.pptx
+++ b/Tracker/tracker.pptx
@@ -5,8 +5,9 @@
     <p:sldMasterId id="2147483648" r:id="rId1"/>
   </p:sldMasterIdLst>
   <p:sldIdLst>
-    <p:sldId id="257" r:id="rId2"/>
-    <p:sldId id="258" r:id="rId3"/>
+    <p:sldId id="260" r:id="rId2"/>
+    <p:sldId id="257" r:id="rId3"/>
+    <p:sldId id="258" r:id="rId4"/>
   </p:sldIdLst>
   <p:sldSz cx="9144000" cy="6858000" type="screen4x3"/>
   <p:notesSz cx="6858000" cy="9144000"/>
@@ -290,7 +291,7 @@
             <a:fld id="{0BF082C9-9648-4404-A278-BF68CA761A07}" type="datetimeFigureOut">
               <a:rPr lang="ru-RU" smtClean="0"/>
               <a:pPr/>
-              <a:t>14.08.2016</a:t>
+              <a:t>11.09.2016</a:t>
             </a:fld>
             <a:endParaRPr lang="ru-RU"/>
           </a:p>
@@ -457,7 +458,7 @@
             <a:fld id="{0BF082C9-9648-4404-A278-BF68CA761A07}" type="datetimeFigureOut">
               <a:rPr lang="ru-RU" smtClean="0"/>
               <a:pPr/>
-              <a:t>14.08.2016</a:t>
+              <a:t>11.09.2016</a:t>
             </a:fld>
             <a:endParaRPr lang="ru-RU"/>
           </a:p>
@@ -634,7 +635,7 @@
             <a:fld id="{0BF082C9-9648-4404-A278-BF68CA761A07}" type="datetimeFigureOut">
               <a:rPr lang="ru-RU" smtClean="0"/>
               <a:pPr/>
-              <a:t>14.08.2016</a:t>
+              <a:t>11.09.2016</a:t>
             </a:fld>
             <a:endParaRPr lang="ru-RU"/>
           </a:p>
@@ -801,7 +802,7 @@
             <a:fld id="{0BF082C9-9648-4404-A278-BF68CA761A07}" type="datetimeFigureOut">
               <a:rPr lang="ru-RU" smtClean="0"/>
               <a:pPr/>
-              <a:t>14.08.2016</a:t>
+              <a:t>11.09.2016</a:t>
             </a:fld>
             <a:endParaRPr lang="ru-RU"/>
           </a:p>
@@ -1044,7 +1045,7 @@
             <a:fld id="{0BF082C9-9648-4404-A278-BF68CA761A07}" type="datetimeFigureOut">
               <a:rPr lang="ru-RU" smtClean="0"/>
               <a:pPr/>
-              <a:t>14.08.2016</a:t>
+              <a:t>11.09.2016</a:t>
             </a:fld>
             <a:endParaRPr lang="ru-RU"/>
           </a:p>
@@ -1329,7 +1330,7 @@
             <a:fld id="{0BF082C9-9648-4404-A278-BF68CA761A07}" type="datetimeFigureOut">
               <a:rPr lang="ru-RU" smtClean="0"/>
               <a:pPr/>
-              <a:t>14.08.2016</a:t>
+              <a:t>11.09.2016</a:t>
             </a:fld>
             <a:endParaRPr lang="ru-RU"/>
           </a:p>
@@ -1748,7 +1749,7 @@
             <a:fld id="{0BF082C9-9648-4404-A278-BF68CA761A07}" type="datetimeFigureOut">
               <a:rPr lang="ru-RU" smtClean="0"/>
               <a:pPr/>
-              <a:t>14.08.2016</a:t>
+              <a:t>11.09.2016</a:t>
             </a:fld>
             <a:endParaRPr lang="ru-RU"/>
           </a:p>
@@ -1863,7 +1864,7 @@
             <a:fld id="{0BF082C9-9648-4404-A278-BF68CA761A07}" type="datetimeFigureOut">
               <a:rPr lang="ru-RU" smtClean="0"/>
               <a:pPr/>
-              <a:t>14.08.2016</a:t>
+              <a:t>11.09.2016</a:t>
             </a:fld>
             <a:endParaRPr lang="ru-RU"/>
           </a:p>
@@ -1955,7 +1956,7 @@
             <a:fld id="{0BF082C9-9648-4404-A278-BF68CA761A07}" type="datetimeFigureOut">
               <a:rPr lang="ru-RU" smtClean="0"/>
               <a:pPr/>
-              <a:t>14.08.2016</a:t>
+              <a:t>11.09.2016</a:t>
             </a:fld>
             <a:endParaRPr lang="ru-RU"/>
           </a:p>
@@ -2229,7 +2230,7 @@
             <a:fld id="{0BF082C9-9648-4404-A278-BF68CA761A07}" type="datetimeFigureOut">
               <a:rPr lang="ru-RU" smtClean="0"/>
               <a:pPr/>
-              <a:t>14.08.2016</a:t>
+              <a:t>11.09.2016</a:t>
             </a:fld>
             <a:endParaRPr lang="ru-RU"/>
           </a:p>
@@ -2479,7 +2480,7 @@
             <a:fld id="{0BF082C9-9648-4404-A278-BF68CA761A07}" type="datetimeFigureOut">
               <a:rPr lang="ru-RU" smtClean="0"/>
               <a:pPr/>
-              <a:t>14.08.2016</a:t>
+              <a:t>11.09.2016</a:t>
             </a:fld>
             <a:endParaRPr lang="ru-RU"/>
           </a:p>
@@ -2689,7 +2690,7 @@
             <a:fld id="{0BF082C9-9648-4404-A278-BF68CA761A07}" type="datetimeFigureOut">
               <a:rPr lang="ru-RU" smtClean="0"/>
               <a:pPr/>
-              <a:t>14.08.2016</a:t>
+              <a:t>11.09.2016</a:t>
             </a:fld>
             <a:endParaRPr lang="ru-RU"/>
           </a:p>
@@ -3062,6 +3063,2956 @@
       </p:grpSpPr>
       <p:sp>
         <p:nvSpPr>
+          <p:cNvPr id="4" name="Прямоугольник 3"/>
+          <p:cNvSpPr/>
+          <p:nvPr/>
+        </p:nvSpPr>
+        <p:spPr>
+          <a:xfrm>
+            <a:off x="0" y="1857364"/>
+            <a:ext cx="1888629" cy="1104893"/>
+          </a:xfrm>
+          <a:prstGeom prst="rect">
+            <a:avLst/>
+          </a:prstGeom>
+          <a:solidFill>
+            <a:schemeClr val="accent1">
+              <a:alpha val="0"/>
+            </a:schemeClr>
+          </a:solidFill>
+        </p:spPr>
+        <p:style>
+          <a:lnRef idx="2">
+            <a:schemeClr val="accent1">
+              <a:shade val="50000"/>
+            </a:schemeClr>
+          </a:lnRef>
+          <a:fillRef idx="1">
+            <a:schemeClr val="accent1"/>
+          </a:fillRef>
+          <a:effectRef idx="0">
+            <a:schemeClr val="accent1"/>
+          </a:effectRef>
+          <a:fontRef idx="minor">
+            <a:schemeClr val="lt1"/>
+          </a:fontRef>
+        </p:style>
+        <p:txBody>
+          <a:bodyPr rtlCol="0" anchor="ctr"/>
+          <a:lstStyle/>
+          <a:p>
+            <a:r>
+              <a:rPr lang="en-US" sz="600" dirty="0" smtClean="0">
+                <a:solidFill>
+                  <a:schemeClr val="tx1"/>
+                </a:solidFill>
+                <a:latin typeface="Times New Roman" pitchFamily="18" charset="0"/>
+                <a:cs typeface="Times New Roman" pitchFamily="18" charset="0"/>
+              </a:rPr>
+              <a:t>Package </a:t>
+            </a:r>
+            <a:r>
+              <a:rPr lang="en-US" sz="600" dirty="0" err="1" smtClean="0">
+                <a:solidFill>
+                  <a:schemeClr val="tx1"/>
+                </a:solidFill>
+                <a:latin typeface="Times New Roman" pitchFamily="18" charset="0"/>
+                <a:cs typeface="Times New Roman" pitchFamily="18" charset="0"/>
+              </a:rPr>
+              <a:t>ru.tsibrovskii.start</a:t>
+            </a:r>
+            <a:r>
+              <a:rPr lang="en-US" sz="600" dirty="0" smtClean="0">
+                <a:solidFill>
+                  <a:schemeClr val="tx1"/>
+                </a:solidFill>
+                <a:latin typeface="Times New Roman" pitchFamily="18" charset="0"/>
+                <a:cs typeface="Times New Roman" pitchFamily="18" charset="0"/>
+              </a:rPr>
+              <a:t>;</a:t>
+            </a:r>
+          </a:p>
+          <a:p>
+            <a:endParaRPr lang="en-US" sz="600" dirty="0" smtClean="0">
+              <a:solidFill>
+                <a:schemeClr val="tx1"/>
+              </a:solidFill>
+              <a:latin typeface="Times New Roman" pitchFamily="18" charset="0"/>
+              <a:cs typeface="Times New Roman" pitchFamily="18" charset="0"/>
+            </a:endParaRPr>
+          </a:p>
+          <a:p>
+            <a:r>
+              <a:rPr lang="en-US" sz="600" dirty="0" smtClean="0">
+                <a:solidFill>
+                  <a:schemeClr val="tx1"/>
+                </a:solidFill>
+                <a:latin typeface="Times New Roman" pitchFamily="18" charset="0"/>
+                <a:cs typeface="Times New Roman" pitchFamily="18" charset="0"/>
+              </a:rPr>
+              <a:t>Import </a:t>
+            </a:r>
+            <a:r>
+              <a:rPr lang="en-US" sz="600" dirty="0" err="1" smtClean="0">
+                <a:solidFill>
+                  <a:schemeClr val="tx1"/>
+                </a:solidFill>
+                <a:latin typeface="Times New Roman" pitchFamily="18" charset="0"/>
+                <a:cs typeface="Times New Roman" pitchFamily="18" charset="0"/>
+              </a:rPr>
+              <a:t>java.util</a:t>
+            </a:r>
+            <a:r>
+              <a:rPr lang="en-US" sz="600" dirty="0" smtClean="0">
+                <a:solidFill>
+                  <a:schemeClr val="tx1"/>
+                </a:solidFill>
+                <a:latin typeface="Times New Roman" pitchFamily="18" charset="0"/>
+                <a:cs typeface="Times New Roman" pitchFamily="18" charset="0"/>
+              </a:rPr>
+              <a:t>.*;</a:t>
+            </a:r>
+          </a:p>
+          <a:p>
+            <a:endParaRPr lang="en-US" sz="600" dirty="0" smtClean="0">
+              <a:solidFill>
+                <a:schemeClr val="tx1"/>
+              </a:solidFill>
+              <a:latin typeface="Times New Roman" pitchFamily="18" charset="0"/>
+              <a:cs typeface="Times New Roman" pitchFamily="18" charset="0"/>
+            </a:endParaRPr>
+          </a:p>
+          <a:p>
+            <a:r>
+              <a:rPr lang="en-US" sz="600" dirty="0" smtClean="0">
+                <a:solidFill>
+                  <a:schemeClr val="tx1"/>
+                </a:solidFill>
+                <a:latin typeface="Times New Roman" pitchFamily="18" charset="0"/>
+                <a:cs typeface="Times New Roman" pitchFamily="18" charset="0"/>
+              </a:rPr>
+              <a:t>Public class </a:t>
+            </a:r>
+            <a:r>
+              <a:rPr lang="en-US" sz="600" dirty="0" err="1" smtClean="0">
+                <a:solidFill>
+                  <a:schemeClr val="tx1"/>
+                </a:solidFill>
+                <a:latin typeface="Times New Roman" pitchFamily="18" charset="0"/>
+                <a:cs typeface="Times New Roman" pitchFamily="18" charset="0"/>
+              </a:rPr>
+              <a:t>ConsoleInput</a:t>
+            </a:r>
+            <a:r>
+              <a:rPr lang="en-US" sz="600" dirty="0" smtClean="0">
+                <a:solidFill>
+                  <a:schemeClr val="tx1"/>
+                </a:solidFill>
+                <a:latin typeface="Times New Roman" pitchFamily="18" charset="0"/>
+                <a:cs typeface="Times New Roman" pitchFamily="18" charset="0"/>
+              </a:rPr>
+              <a:t> implements Input</a:t>
+            </a:r>
+          </a:p>
+          <a:p>
+            <a:endParaRPr lang="en-US" sz="600" dirty="0" smtClean="0">
+              <a:solidFill>
+                <a:schemeClr val="tx1"/>
+              </a:solidFill>
+              <a:latin typeface="Times New Roman" pitchFamily="18" charset="0"/>
+              <a:cs typeface="Times New Roman" pitchFamily="18" charset="0"/>
+            </a:endParaRPr>
+          </a:p>
+          <a:p>
+            <a:r>
+              <a:rPr lang="en-US" sz="600" dirty="0" smtClean="0">
+                <a:solidFill>
+                  <a:schemeClr val="tx1"/>
+                </a:solidFill>
+                <a:latin typeface="Times New Roman" pitchFamily="18" charset="0"/>
+                <a:cs typeface="Times New Roman" pitchFamily="18" charset="0"/>
+              </a:rPr>
+              <a:t>Private Scanner </a:t>
+            </a:r>
+            <a:r>
+              <a:rPr lang="en-US" sz="600" dirty="0" err="1" smtClean="0">
+                <a:solidFill>
+                  <a:schemeClr val="tx1"/>
+                </a:solidFill>
+                <a:latin typeface="Times New Roman" pitchFamily="18" charset="0"/>
+                <a:cs typeface="Times New Roman" pitchFamily="18" charset="0"/>
+              </a:rPr>
+              <a:t>scanner</a:t>
+            </a:r>
+            <a:r>
+              <a:rPr lang="en-US" sz="600" dirty="0" smtClean="0">
+                <a:solidFill>
+                  <a:schemeClr val="tx1"/>
+                </a:solidFill>
+                <a:latin typeface="Times New Roman" pitchFamily="18" charset="0"/>
+                <a:cs typeface="Times New Roman" pitchFamily="18" charset="0"/>
+              </a:rPr>
+              <a:t> = new Scanner(</a:t>
+            </a:r>
+            <a:r>
+              <a:rPr lang="en-US" sz="600" dirty="0" err="1" smtClean="0">
+                <a:solidFill>
+                  <a:schemeClr val="tx1"/>
+                </a:solidFill>
+                <a:latin typeface="Times New Roman" pitchFamily="18" charset="0"/>
+                <a:cs typeface="Times New Roman" pitchFamily="18" charset="0"/>
+              </a:rPr>
+              <a:t>System.in</a:t>
+            </a:r>
+            <a:r>
+              <a:rPr lang="en-US" sz="600" dirty="0" smtClean="0">
+                <a:solidFill>
+                  <a:schemeClr val="tx1"/>
+                </a:solidFill>
+                <a:latin typeface="Times New Roman" pitchFamily="18" charset="0"/>
+                <a:cs typeface="Times New Roman" pitchFamily="18" charset="0"/>
+              </a:rPr>
+              <a:t>);</a:t>
+            </a:r>
+          </a:p>
+          <a:p>
+            <a:endParaRPr lang="en-US" sz="600" dirty="0" smtClean="0">
+              <a:solidFill>
+                <a:schemeClr val="tx1"/>
+              </a:solidFill>
+              <a:latin typeface="Times New Roman" pitchFamily="18" charset="0"/>
+              <a:cs typeface="Times New Roman" pitchFamily="18" charset="0"/>
+            </a:endParaRPr>
+          </a:p>
+          <a:p>
+            <a:r>
+              <a:rPr lang="en-US" sz="600" dirty="0" smtClean="0">
+                <a:solidFill>
+                  <a:schemeClr val="tx1"/>
+                </a:solidFill>
+                <a:latin typeface="Times New Roman" pitchFamily="18" charset="0"/>
+                <a:cs typeface="Times New Roman" pitchFamily="18" charset="0"/>
+              </a:rPr>
+              <a:t>Public String ask(String question){}</a:t>
+            </a:r>
+          </a:p>
+          <a:p>
+            <a:r>
+              <a:rPr lang="en-US" sz="600" dirty="0" smtClean="0">
+                <a:solidFill>
+                  <a:schemeClr val="tx1"/>
+                </a:solidFill>
+                <a:latin typeface="Times New Roman" pitchFamily="18" charset="0"/>
+                <a:cs typeface="Times New Roman" pitchFamily="18" charset="0"/>
+              </a:rPr>
+              <a:t>Public </a:t>
+            </a:r>
+            <a:r>
+              <a:rPr lang="en-US" sz="600" dirty="0" err="1" smtClean="0">
+                <a:solidFill>
+                  <a:schemeClr val="tx1"/>
+                </a:solidFill>
+                <a:latin typeface="Times New Roman" pitchFamily="18" charset="0"/>
+                <a:cs typeface="Times New Roman" pitchFamily="18" charset="0"/>
+              </a:rPr>
+              <a:t>int</a:t>
+            </a:r>
+            <a:r>
+              <a:rPr lang="en-US" sz="600" dirty="0" smtClean="0">
+                <a:solidFill>
+                  <a:schemeClr val="tx1"/>
+                </a:solidFill>
+                <a:latin typeface="Times New Roman" pitchFamily="18" charset="0"/>
+                <a:cs typeface="Times New Roman" pitchFamily="18" charset="0"/>
+              </a:rPr>
+              <a:t> ask(String question, </a:t>
+            </a:r>
+            <a:r>
+              <a:rPr lang="en-US" sz="600" dirty="0" err="1" smtClean="0">
+                <a:solidFill>
+                  <a:schemeClr val="tx1"/>
+                </a:solidFill>
+                <a:latin typeface="Times New Roman" pitchFamily="18" charset="0"/>
+                <a:cs typeface="Times New Roman" pitchFamily="18" charset="0"/>
+              </a:rPr>
+              <a:t>int</a:t>
+            </a:r>
+            <a:r>
+              <a:rPr lang="en-US" sz="600" dirty="0" smtClean="0">
+                <a:solidFill>
+                  <a:schemeClr val="tx1"/>
+                </a:solidFill>
+                <a:latin typeface="Times New Roman" pitchFamily="18" charset="0"/>
+                <a:cs typeface="Times New Roman" pitchFamily="18" charset="0"/>
+              </a:rPr>
+              <a:t>[] range){}</a:t>
+            </a:r>
+            <a:endParaRPr lang="en-US" sz="600" dirty="0" smtClean="0">
+              <a:solidFill>
+                <a:schemeClr val="tx1"/>
+              </a:solidFill>
+              <a:latin typeface="Times New Roman" pitchFamily="18" charset="0"/>
+              <a:cs typeface="Times New Roman" pitchFamily="18" charset="0"/>
+            </a:endParaRPr>
+          </a:p>
+        </p:txBody>
+      </p:sp>
+      <p:sp>
+        <p:nvSpPr>
+          <p:cNvPr id="5" name="Прямоугольник 4"/>
+          <p:cNvSpPr/>
+          <p:nvPr/>
+        </p:nvSpPr>
+        <p:spPr>
+          <a:xfrm>
+            <a:off x="3929058" y="0"/>
+            <a:ext cx="1366242" cy="761994"/>
+          </a:xfrm>
+          <a:prstGeom prst="rect">
+            <a:avLst/>
+          </a:prstGeom>
+          <a:solidFill>
+            <a:schemeClr val="accent1">
+              <a:alpha val="0"/>
+            </a:schemeClr>
+          </a:solidFill>
+        </p:spPr>
+        <p:style>
+          <a:lnRef idx="2">
+            <a:schemeClr val="accent1">
+              <a:shade val="50000"/>
+            </a:schemeClr>
+          </a:lnRef>
+          <a:fillRef idx="1">
+            <a:schemeClr val="accent1"/>
+          </a:fillRef>
+          <a:effectRef idx="0">
+            <a:schemeClr val="accent1"/>
+          </a:effectRef>
+          <a:fontRef idx="minor">
+            <a:schemeClr val="lt1"/>
+          </a:fontRef>
+        </p:style>
+        <p:txBody>
+          <a:bodyPr rtlCol="0" anchor="ctr"/>
+          <a:lstStyle/>
+          <a:p>
+            <a:r>
+              <a:rPr lang="en-US" sz="600" dirty="0" smtClean="0">
+                <a:solidFill>
+                  <a:schemeClr val="tx1"/>
+                </a:solidFill>
+                <a:latin typeface="Times New Roman" pitchFamily="18" charset="0"/>
+                <a:cs typeface="Times New Roman" pitchFamily="18" charset="0"/>
+              </a:rPr>
+              <a:t>Package </a:t>
+            </a:r>
+            <a:r>
+              <a:rPr lang="en-US" sz="600" dirty="0" err="1" smtClean="0">
+                <a:solidFill>
+                  <a:schemeClr val="tx1"/>
+                </a:solidFill>
+                <a:latin typeface="Times New Roman" pitchFamily="18" charset="0"/>
+                <a:cs typeface="Times New Roman" pitchFamily="18" charset="0"/>
+              </a:rPr>
+              <a:t>ru.tsibrovskii.start</a:t>
+            </a:r>
+            <a:r>
+              <a:rPr lang="en-US" sz="600" dirty="0" smtClean="0">
+                <a:solidFill>
+                  <a:schemeClr val="tx1"/>
+                </a:solidFill>
+                <a:latin typeface="Times New Roman" pitchFamily="18" charset="0"/>
+                <a:cs typeface="Times New Roman" pitchFamily="18" charset="0"/>
+              </a:rPr>
+              <a:t>;</a:t>
+            </a:r>
+          </a:p>
+          <a:p>
+            <a:endParaRPr lang="en-US" sz="600" dirty="0" smtClean="0">
+              <a:solidFill>
+                <a:schemeClr val="tx1"/>
+              </a:solidFill>
+              <a:latin typeface="Times New Roman" pitchFamily="18" charset="0"/>
+              <a:cs typeface="Times New Roman" pitchFamily="18" charset="0"/>
+            </a:endParaRPr>
+          </a:p>
+          <a:p>
+            <a:r>
+              <a:rPr lang="en-US" sz="600" dirty="0" smtClean="0">
+                <a:solidFill>
+                  <a:schemeClr val="tx1"/>
+                </a:solidFill>
+                <a:latin typeface="Times New Roman" pitchFamily="18" charset="0"/>
+                <a:cs typeface="Times New Roman" pitchFamily="18" charset="0"/>
+              </a:rPr>
+              <a:t>Public interface Input</a:t>
+            </a:r>
+          </a:p>
+          <a:p>
+            <a:endParaRPr lang="en-US" sz="600" dirty="0" smtClean="0">
+              <a:solidFill>
+                <a:schemeClr val="tx1"/>
+              </a:solidFill>
+              <a:latin typeface="Times New Roman" pitchFamily="18" charset="0"/>
+              <a:cs typeface="Times New Roman" pitchFamily="18" charset="0"/>
+            </a:endParaRPr>
+          </a:p>
+          <a:p>
+            <a:r>
+              <a:rPr lang="en-US" sz="600" dirty="0" smtClean="0">
+                <a:solidFill>
+                  <a:schemeClr val="tx1"/>
+                </a:solidFill>
+                <a:latin typeface="Times New Roman" pitchFamily="18" charset="0"/>
+                <a:cs typeface="Times New Roman" pitchFamily="18" charset="0"/>
+              </a:rPr>
+              <a:t>String ask(String question);</a:t>
+            </a:r>
+          </a:p>
+          <a:p>
+            <a:r>
+              <a:rPr lang="en-US" sz="600" dirty="0" err="1" smtClean="0">
+                <a:solidFill>
+                  <a:schemeClr val="tx1"/>
+                </a:solidFill>
+                <a:latin typeface="Times New Roman" pitchFamily="18" charset="0"/>
+                <a:cs typeface="Times New Roman" pitchFamily="18" charset="0"/>
+              </a:rPr>
+              <a:t>Int</a:t>
+            </a:r>
+            <a:r>
+              <a:rPr lang="en-US" sz="600" dirty="0" smtClean="0">
+                <a:solidFill>
+                  <a:schemeClr val="tx1"/>
+                </a:solidFill>
+                <a:latin typeface="Times New Roman" pitchFamily="18" charset="0"/>
+                <a:cs typeface="Times New Roman" pitchFamily="18" charset="0"/>
+              </a:rPr>
+              <a:t> ask(String question, </a:t>
+            </a:r>
+            <a:r>
+              <a:rPr lang="en-US" sz="600" dirty="0" err="1" smtClean="0">
+                <a:solidFill>
+                  <a:schemeClr val="tx1"/>
+                </a:solidFill>
+                <a:latin typeface="Times New Roman" pitchFamily="18" charset="0"/>
+                <a:cs typeface="Times New Roman" pitchFamily="18" charset="0"/>
+              </a:rPr>
+              <a:t>int</a:t>
+            </a:r>
+            <a:r>
+              <a:rPr lang="en-US" sz="600" dirty="0" smtClean="0">
+                <a:solidFill>
+                  <a:schemeClr val="tx1"/>
+                </a:solidFill>
+                <a:latin typeface="Times New Roman" pitchFamily="18" charset="0"/>
+                <a:cs typeface="Times New Roman" pitchFamily="18" charset="0"/>
+              </a:rPr>
+              <a:t>[] range);</a:t>
+            </a:r>
+            <a:endParaRPr lang="en-US" sz="600" dirty="0" smtClean="0">
+              <a:solidFill>
+                <a:schemeClr val="tx1"/>
+              </a:solidFill>
+              <a:latin typeface="Times New Roman" pitchFamily="18" charset="0"/>
+              <a:cs typeface="Times New Roman" pitchFamily="18" charset="0"/>
+            </a:endParaRPr>
+          </a:p>
+        </p:txBody>
+      </p:sp>
+      <p:sp>
+        <p:nvSpPr>
+          <p:cNvPr id="7" name="Прямоугольник 6"/>
+          <p:cNvSpPr/>
+          <p:nvPr/>
+        </p:nvSpPr>
+        <p:spPr>
+          <a:xfrm>
+            <a:off x="0" y="3071810"/>
+            <a:ext cx="2210098" cy="647696"/>
+          </a:xfrm>
+          <a:prstGeom prst="rect">
+            <a:avLst/>
+          </a:prstGeom>
+          <a:solidFill>
+            <a:schemeClr val="accent1">
+              <a:alpha val="0"/>
+            </a:schemeClr>
+          </a:solidFill>
+        </p:spPr>
+        <p:style>
+          <a:lnRef idx="2">
+            <a:schemeClr val="accent1">
+              <a:shade val="50000"/>
+            </a:schemeClr>
+          </a:lnRef>
+          <a:fillRef idx="1">
+            <a:schemeClr val="accent1"/>
+          </a:fillRef>
+          <a:effectRef idx="0">
+            <a:schemeClr val="accent1"/>
+          </a:effectRef>
+          <a:fontRef idx="minor">
+            <a:schemeClr val="lt1"/>
+          </a:fontRef>
+        </p:style>
+        <p:txBody>
+          <a:bodyPr rtlCol="0" anchor="ctr"/>
+          <a:lstStyle/>
+          <a:p>
+            <a:r>
+              <a:rPr lang="en-US" sz="600" dirty="0" smtClean="0">
+                <a:solidFill>
+                  <a:schemeClr val="tx1"/>
+                </a:solidFill>
+                <a:latin typeface="Times New Roman" pitchFamily="18" charset="0"/>
+                <a:cs typeface="Times New Roman" pitchFamily="18" charset="0"/>
+              </a:rPr>
+              <a:t>Package </a:t>
+            </a:r>
+            <a:r>
+              <a:rPr lang="en-US" sz="600" dirty="0" err="1" smtClean="0">
+                <a:solidFill>
+                  <a:schemeClr val="tx1"/>
+                </a:solidFill>
+                <a:latin typeface="Times New Roman" pitchFamily="18" charset="0"/>
+                <a:cs typeface="Times New Roman" pitchFamily="18" charset="0"/>
+              </a:rPr>
+              <a:t>ru.tsibrovskii.start</a:t>
+            </a:r>
+            <a:r>
+              <a:rPr lang="en-US" sz="600" dirty="0" smtClean="0">
+                <a:solidFill>
+                  <a:schemeClr val="tx1"/>
+                </a:solidFill>
+                <a:latin typeface="Times New Roman" pitchFamily="18" charset="0"/>
+                <a:cs typeface="Times New Roman" pitchFamily="18" charset="0"/>
+              </a:rPr>
+              <a:t>;</a:t>
+            </a:r>
+          </a:p>
+          <a:p>
+            <a:endParaRPr lang="en-US" sz="600" dirty="0" smtClean="0">
+              <a:solidFill>
+                <a:schemeClr val="tx1"/>
+              </a:solidFill>
+              <a:latin typeface="Times New Roman" pitchFamily="18" charset="0"/>
+              <a:cs typeface="Times New Roman" pitchFamily="18" charset="0"/>
+            </a:endParaRPr>
+          </a:p>
+          <a:p>
+            <a:r>
+              <a:rPr lang="en-US" sz="600" dirty="0" smtClean="0">
+                <a:solidFill>
+                  <a:schemeClr val="tx1"/>
+                </a:solidFill>
+                <a:latin typeface="Times New Roman" pitchFamily="18" charset="0"/>
+                <a:cs typeface="Times New Roman" pitchFamily="18" charset="0"/>
+              </a:rPr>
+              <a:t>Public class </a:t>
+            </a:r>
+            <a:r>
+              <a:rPr lang="en-US" sz="600" dirty="0" err="1" smtClean="0">
+                <a:solidFill>
+                  <a:schemeClr val="tx1"/>
+                </a:solidFill>
+                <a:latin typeface="Times New Roman" pitchFamily="18" charset="0"/>
+                <a:cs typeface="Times New Roman" pitchFamily="18" charset="0"/>
+              </a:rPr>
+              <a:t>MenuOutException</a:t>
+            </a:r>
+            <a:r>
+              <a:rPr lang="en-US" sz="600" dirty="0" smtClean="0">
+                <a:solidFill>
+                  <a:schemeClr val="tx1"/>
+                </a:solidFill>
+                <a:latin typeface="Times New Roman" pitchFamily="18" charset="0"/>
+                <a:cs typeface="Times New Roman" pitchFamily="18" charset="0"/>
+              </a:rPr>
+              <a:t> extends </a:t>
+            </a:r>
+            <a:r>
+              <a:rPr lang="en-US" sz="600" dirty="0" err="1" smtClean="0">
+                <a:solidFill>
+                  <a:schemeClr val="tx1"/>
+                </a:solidFill>
+                <a:latin typeface="Times New Roman" pitchFamily="18" charset="0"/>
+                <a:cs typeface="Times New Roman" pitchFamily="18" charset="0"/>
+              </a:rPr>
+              <a:t>RuntimeException</a:t>
+            </a:r>
+            <a:endParaRPr lang="en-US" sz="600" dirty="0" smtClean="0">
+              <a:solidFill>
+                <a:schemeClr val="tx1"/>
+              </a:solidFill>
+              <a:latin typeface="Times New Roman" pitchFamily="18" charset="0"/>
+              <a:cs typeface="Times New Roman" pitchFamily="18" charset="0"/>
+            </a:endParaRPr>
+          </a:p>
+          <a:p>
+            <a:endParaRPr lang="en-US" sz="600" dirty="0" smtClean="0">
+              <a:solidFill>
+                <a:schemeClr val="tx1"/>
+              </a:solidFill>
+              <a:latin typeface="Times New Roman" pitchFamily="18" charset="0"/>
+              <a:cs typeface="Times New Roman" pitchFamily="18" charset="0"/>
+            </a:endParaRPr>
+          </a:p>
+          <a:p>
+            <a:r>
+              <a:rPr lang="en-US" sz="600" dirty="0" smtClean="0">
+                <a:solidFill>
+                  <a:schemeClr val="tx1"/>
+                </a:solidFill>
+                <a:latin typeface="Times New Roman" pitchFamily="18" charset="0"/>
+                <a:cs typeface="Times New Roman" pitchFamily="18" charset="0"/>
+              </a:rPr>
+              <a:t>Public </a:t>
+            </a:r>
+            <a:r>
+              <a:rPr lang="en-US" sz="600" dirty="0" err="1" smtClean="0">
+                <a:solidFill>
+                  <a:schemeClr val="tx1"/>
+                </a:solidFill>
+                <a:latin typeface="Times New Roman" pitchFamily="18" charset="0"/>
+                <a:cs typeface="Times New Roman" pitchFamily="18" charset="0"/>
+              </a:rPr>
+              <a:t>MenuOutException</a:t>
+            </a:r>
+            <a:r>
+              <a:rPr lang="en-US" sz="600" dirty="0" smtClean="0">
+                <a:solidFill>
+                  <a:schemeClr val="tx1"/>
+                </a:solidFill>
+                <a:latin typeface="Times New Roman" pitchFamily="18" charset="0"/>
+                <a:cs typeface="Times New Roman" pitchFamily="18" charset="0"/>
+              </a:rPr>
+              <a:t>(String </a:t>
+            </a:r>
+            <a:r>
+              <a:rPr lang="en-US" sz="600" dirty="0" err="1" smtClean="0">
+                <a:solidFill>
+                  <a:schemeClr val="tx1"/>
+                </a:solidFill>
+                <a:latin typeface="Times New Roman" pitchFamily="18" charset="0"/>
+                <a:cs typeface="Times New Roman" pitchFamily="18" charset="0"/>
+              </a:rPr>
+              <a:t>msg</a:t>
+            </a:r>
+            <a:r>
+              <a:rPr lang="en-US" sz="600" dirty="0" smtClean="0">
+                <a:solidFill>
+                  <a:schemeClr val="tx1"/>
+                </a:solidFill>
+                <a:latin typeface="Times New Roman" pitchFamily="18" charset="0"/>
+                <a:cs typeface="Times New Roman" pitchFamily="18" charset="0"/>
+              </a:rPr>
+              <a:t>){}</a:t>
+            </a:r>
+            <a:endParaRPr lang="en-US" sz="600" dirty="0" smtClean="0">
+              <a:solidFill>
+                <a:schemeClr val="tx1"/>
+              </a:solidFill>
+              <a:latin typeface="Times New Roman" pitchFamily="18" charset="0"/>
+              <a:cs typeface="Times New Roman" pitchFamily="18" charset="0"/>
+            </a:endParaRPr>
+          </a:p>
+        </p:txBody>
+      </p:sp>
+      <p:sp>
+        <p:nvSpPr>
+          <p:cNvPr id="8" name="Прямоугольник 7"/>
+          <p:cNvSpPr/>
+          <p:nvPr/>
+        </p:nvSpPr>
+        <p:spPr>
+          <a:xfrm>
+            <a:off x="2143108" y="0"/>
+            <a:ext cx="1647527" cy="761994"/>
+          </a:xfrm>
+          <a:prstGeom prst="rect">
+            <a:avLst/>
+          </a:prstGeom>
+          <a:solidFill>
+            <a:schemeClr val="accent1">
+              <a:alpha val="0"/>
+            </a:schemeClr>
+          </a:solidFill>
+        </p:spPr>
+        <p:style>
+          <a:lnRef idx="2">
+            <a:schemeClr val="accent1">
+              <a:shade val="50000"/>
+            </a:schemeClr>
+          </a:lnRef>
+          <a:fillRef idx="1">
+            <a:schemeClr val="accent1"/>
+          </a:fillRef>
+          <a:effectRef idx="0">
+            <a:schemeClr val="accent1"/>
+          </a:effectRef>
+          <a:fontRef idx="minor">
+            <a:schemeClr val="lt1"/>
+          </a:fontRef>
+        </p:style>
+        <p:txBody>
+          <a:bodyPr rtlCol="0" anchor="ctr"/>
+          <a:lstStyle/>
+          <a:p>
+            <a:r>
+              <a:rPr lang="en-US" sz="600" dirty="0" smtClean="0">
+                <a:solidFill>
+                  <a:schemeClr val="tx1"/>
+                </a:solidFill>
+                <a:latin typeface="Times New Roman" pitchFamily="18" charset="0"/>
+                <a:cs typeface="Times New Roman" pitchFamily="18" charset="0"/>
+              </a:rPr>
+              <a:t>Package </a:t>
+            </a:r>
+            <a:r>
+              <a:rPr lang="en-US" sz="600" dirty="0" err="1" smtClean="0">
+                <a:solidFill>
+                  <a:schemeClr val="tx1"/>
+                </a:solidFill>
+                <a:latin typeface="Times New Roman" pitchFamily="18" charset="0"/>
+                <a:cs typeface="Times New Roman" pitchFamily="18" charset="0"/>
+              </a:rPr>
+              <a:t>ru.tsibrovskii.start</a:t>
+            </a:r>
+            <a:r>
+              <a:rPr lang="en-US" sz="600" dirty="0" smtClean="0">
+                <a:solidFill>
+                  <a:schemeClr val="tx1"/>
+                </a:solidFill>
+                <a:latin typeface="Times New Roman" pitchFamily="18" charset="0"/>
+                <a:cs typeface="Times New Roman" pitchFamily="18" charset="0"/>
+              </a:rPr>
+              <a:t>;</a:t>
+            </a:r>
+          </a:p>
+          <a:p>
+            <a:endParaRPr lang="en-US" sz="600" dirty="0" smtClean="0">
+              <a:solidFill>
+                <a:schemeClr val="tx1"/>
+              </a:solidFill>
+              <a:latin typeface="Times New Roman" pitchFamily="18" charset="0"/>
+              <a:cs typeface="Times New Roman" pitchFamily="18" charset="0"/>
+            </a:endParaRPr>
+          </a:p>
+          <a:p>
+            <a:r>
+              <a:rPr lang="en-US" sz="600" dirty="0" smtClean="0">
+                <a:solidFill>
+                  <a:schemeClr val="tx1"/>
+                </a:solidFill>
+                <a:latin typeface="Times New Roman" pitchFamily="18" charset="0"/>
+                <a:cs typeface="Times New Roman" pitchFamily="18" charset="0"/>
+              </a:rPr>
+              <a:t>Public interface </a:t>
+            </a:r>
+            <a:r>
+              <a:rPr lang="en-US" sz="600" dirty="0" err="1" smtClean="0">
+                <a:solidFill>
+                  <a:schemeClr val="tx1"/>
+                </a:solidFill>
+                <a:latin typeface="Times New Roman" pitchFamily="18" charset="0"/>
+                <a:cs typeface="Times New Roman" pitchFamily="18" charset="0"/>
+              </a:rPr>
+              <a:t>UserAction</a:t>
+            </a:r>
+            <a:endParaRPr lang="en-US" sz="600" dirty="0" smtClean="0">
+              <a:solidFill>
+                <a:schemeClr val="tx1"/>
+              </a:solidFill>
+              <a:latin typeface="Times New Roman" pitchFamily="18" charset="0"/>
+              <a:cs typeface="Times New Roman" pitchFamily="18" charset="0"/>
+            </a:endParaRPr>
+          </a:p>
+          <a:p>
+            <a:endParaRPr lang="en-US" sz="600" dirty="0" smtClean="0">
+              <a:solidFill>
+                <a:schemeClr val="tx1"/>
+              </a:solidFill>
+              <a:latin typeface="Times New Roman" pitchFamily="18" charset="0"/>
+              <a:cs typeface="Times New Roman" pitchFamily="18" charset="0"/>
+            </a:endParaRPr>
+          </a:p>
+          <a:p>
+            <a:r>
+              <a:rPr lang="en-US" sz="600" dirty="0" err="1" smtClean="0">
+                <a:solidFill>
+                  <a:schemeClr val="tx1"/>
+                </a:solidFill>
+                <a:latin typeface="Times New Roman" pitchFamily="18" charset="0"/>
+                <a:cs typeface="Times New Roman" pitchFamily="18" charset="0"/>
+              </a:rPr>
+              <a:t>Int</a:t>
+            </a:r>
+            <a:r>
+              <a:rPr lang="en-US" sz="600" dirty="0" smtClean="0">
+                <a:solidFill>
+                  <a:schemeClr val="tx1"/>
+                </a:solidFill>
+                <a:latin typeface="Times New Roman" pitchFamily="18" charset="0"/>
+                <a:cs typeface="Times New Roman" pitchFamily="18" charset="0"/>
+              </a:rPr>
+              <a:t> key;</a:t>
+            </a:r>
+          </a:p>
+          <a:p>
+            <a:r>
+              <a:rPr lang="en-US" sz="600" dirty="0" smtClean="0">
+                <a:solidFill>
+                  <a:schemeClr val="tx1"/>
+                </a:solidFill>
+                <a:latin typeface="Times New Roman" pitchFamily="18" charset="0"/>
+                <a:cs typeface="Times New Roman" pitchFamily="18" charset="0"/>
+              </a:rPr>
+              <a:t>Void execute(Input </a:t>
+            </a:r>
+            <a:r>
+              <a:rPr lang="en-US" sz="600" dirty="0" err="1" smtClean="0">
+                <a:solidFill>
+                  <a:schemeClr val="tx1"/>
+                </a:solidFill>
+                <a:latin typeface="Times New Roman" pitchFamily="18" charset="0"/>
+                <a:cs typeface="Times New Roman" pitchFamily="18" charset="0"/>
+              </a:rPr>
+              <a:t>input</a:t>
+            </a:r>
+            <a:r>
+              <a:rPr lang="en-US" sz="600" dirty="0" smtClean="0">
+                <a:solidFill>
+                  <a:schemeClr val="tx1"/>
+                </a:solidFill>
+                <a:latin typeface="Times New Roman" pitchFamily="18" charset="0"/>
+                <a:cs typeface="Times New Roman" pitchFamily="18" charset="0"/>
+              </a:rPr>
+              <a:t>, Tracker </a:t>
+            </a:r>
+            <a:r>
+              <a:rPr lang="en-US" sz="600" dirty="0" err="1" smtClean="0">
+                <a:solidFill>
+                  <a:schemeClr val="tx1"/>
+                </a:solidFill>
+                <a:latin typeface="Times New Roman" pitchFamily="18" charset="0"/>
+                <a:cs typeface="Times New Roman" pitchFamily="18" charset="0"/>
+              </a:rPr>
+              <a:t>tracker</a:t>
+            </a:r>
+            <a:r>
+              <a:rPr lang="en-US" sz="600" dirty="0" smtClean="0">
+                <a:solidFill>
+                  <a:schemeClr val="tx1"/>
+                </a:solidFill>
+                <a:latin typeface="Times New Roman" pitchFamily="18" charset="0"/>
+                <a:cs typeface="Times New Roman" pitchFamily="18" charset="0"/>
+              </a:rPr>
+              <a:t>);</a:t>
+            </a:r>
+          </a:p>
+          <a:p>
+            <a:r>
+              <a:rPr lang="en-US" sz="600" dirty="0" smtClean="0">
+                <a:solidFill>
+                  <a:schemeClr val="tx1"/>
+                </a:solidFill>
+                <a:latin typeface="Times New Roman" pitchFamily="18" charset="0"/>
+                <a:cs typeface="Times New Roman" pitchFamily="18" charset="0"/>
+              </a:rPr>
+              <a:t>String info();</a:t>
+            </a:r>
+            <a:endParaRPr lang="en-US" sz="600" dirty="0" smtClean="0">
+              <a:solidFill>
+                <a:schemeClr val="tx1"/>
+              </a:solidFill>
+              <a:latin typeface="Times New Roman" pitchFamily="18" charset="0"/>
+              <a:cs typeface="Times New Roman" pitchFamily="18" charset="0"/>
+            </a:endParaRPr>
+          </a:p>
+        </p:txBody>
+      </p:sp>
+      <p:sp>
+        <p:nvSpPr>
+          <p:cNvPr id="9" name="Прямоугольник 8"/>
+          <p:cNvSpPr/>
+          <p:nvPr/>
+        </p:nvSpPr>
+        <p:spPr>
+          <a:xfrm>
+            <a:off x="0" y="0"/>
+            <a:ext cx="1928794" cy="1714488"/>
+          </a:xfrm>
+          <a:prstGeom prst="rect">
+            <a:avLst/>
+          </a:prstGeom>
+          <a:solidFill>
+            <a:schemeClr val="accent1">
+              <a:alpha val="0"/>
+            </a:schemeClr>
+          </a:solidFill>
+        </p:spPr>
+        <p:style>
+          <a:lnRef idx="2">
+            <a:schemeClr val="accent1">
+              <a:shade val="50000"/>
+            </a:schemeClr>
+          </a:lnRef>
+          <a:fillRef idx="1">
+            <a:schemeClr val="accent1"/>
+          </a:fillRef>
+          <a:effectRef idx="0">
+            <a:schemeClr val="accent1"/>
+          </a:effectRef>
+          <a:fontRef idx="minor">
+            <a:schemeClr val="lt1"/>
+          </a:fontRef>
+        </p:style>
+        <p:txBody>
+          <a:bodyPr rtlCol="0" anchor="ctr"/>
+          <a:lstStyle/>
+          <a:p>
+            <a:r>
+              <a:rPr lang="en-US" sz="600" dirty="0" smtClean="0">
+                <a:solidFill>
+                  <a:schemeClr val="tx1"/>
+                </a:solidFill>
+                <a:latin typeface="Times New Roman" pitchFamily="18" charset="0"/>
+                <a:cs typeface="Times New Roman" pitchFamily="18" charset="0"/>
+              </a:rPr>
+              <a:t>Package </a:t>
+            </a:r>
+            <a:r>
+              <a:rPr lang="en-US" sz="600" dirty="0" err="1" smtClean="0">
+                <a:solidFill>
+                  <a:schemeClr val="tx1"/>
+                </a:solidFill>
+                <a:latin typeface="Times New Roman" pitchFamily="18" charset="0"/>
+                <a:cs typeface="Times New Roman" pitchFamily="18" charset="0"/>
+              </a:rPr>
+              <a:t>ru.tsibrovskii.start</a:t>
+            </a:r>
+            <a:r>
+              <a:rPr lang="en-US" sz="600" dirty="0" smtClean="0">
+                <a:solidFill>
+                  <a:schemeClr val="tx1"/>
+                </a:solidFill>
+                <a:latin typeface="Times New Roman" pitchFamily="18" charset="0"/>
+                <a:cs typeface="Times New Roman" pitchFamily="18" charset="0"/>
+              </a:rPr>
+              <a:t>;</a:t>
+            </a:r>
+          </a:p>
+          <a:p>
+            <a:endParaRPr lang="en-US" sz="600" dirty="0" smtClean="0">
+              <a:solidFill>
+                <a:schemeClr val="tx1"/>
+              </a:solidFill>
+              <a:latin typeface="Times New Roman" pitchFamily="18" charset="0"/>
+              <a:cs typeface="Times New Roman" pitchFamily="18" charset="0"/>
+            </a:endParaRPr>
+          </a:p>
+          <a:p>
+            <a:r>
+              <a:rPr lang="en-US" sz="600" dirty="0" smtClean="0">
+                <a:solidFill>
+                  <a:schemeClr val="tx1"/>
+                </a:solidFill>
+                <a:latin typeface="Times New Roman" pitchFamily="18" charset="0"/>
+                <a:cs typeface="Times New Roman" pitchFamily="18" charset="0"/>
+              </a:rPr>
+              <a:t>Import </a:t>
+            </a:r>
+            <a:r>
+              <a:rPr lang="en-US" sz="600" dirty="0" err="1" smtClean="0">
+                <a:solidFill>
+                  <a:schemeClr val="tx1"/>
+                </a:solidFill>
+                <a:latin typeface="Times New Roman" pitchFamily="18" charset="0"/>
+                <a:cs typeface="Times New Roman" pitchFamily="18" charset="0"/>
+              </a:rPr>
+              <a:t>ru.tsibrovskii.models</a:t>
+            </a:r>
+            <a:r>
+              <a:rPr lang="en-US" sz="600" dirty="0" smtClean="0">
+                <a:solidFill>
+                  <a:schemeClr val="tx1"/>
+                </a:solidFill>
+                <a:latin typeface="Times New Roman" pitchFamily="18" charset="0"/>
+                <a:cs typeface="Times New Roman" pitchFamily="18" charset="0"/>
+              </a:rPr>
+              <a:t>.*;</a:t>
+            </a:r>
+          </a:p>
+          <a:p>
+            <a:endParaRPr lang="en-US" sz="600" dirty="0" smtClean="0">
+              <a:solidFill>
+                <a:schemeClr val="tx1"/>
+              </a:solidFill>
+              <a:latin typeface="Times New Roman" pitchFamily="18" charset="0"/>
+              <a:cs typeface="Times New Roman" pitchFamily="18" charset="0"/>
+            </a:endParaRPr>
+          </a:p>
+          <a:p>
+            <a:r>
+              <a:rPr lang="en-US" sz="600" dirty="0" smtClean="0">
+                <a:solidFill>
+                  <a:schemeClr val="tx1"/>
+                </a:solidFill>
+                <a:latin typeface="Times New Roman" pitchFamily="18" charset="0"/>
+                <a:cs typeface="Times New Roman" pitchFamily="18" charset="0"/>
+              </a:rPr>
+              <a:t>Import </a:t>
+            </a:r>
+            <a:r>
+              <a:rPr lang="en-US" sz="600" dirty="0" err="1" smtClean="0">
+                <a:solidFill>
+                  <a:schemeClr val="tx1"/>
+                </a:solidFill>
+                <a:latin typeface="Times New Roman" pitchFamily="18" charset="0"/>
+                <a:cs typeface="Times New Roman" pitchFamily="18" charset="0"/>
+              </a:rPr>
+              <a:t>java.util</a:t>
+            </a:r>
+            <a:r>
+              <a:rPr lang="en-US" sz="600" dirty="0" smtClean="0">
+                <a:solidFill>
+                  <a:schemeClr val="tx1"/>
+                </a:solidFill>
+                <a:latin typeface="Times New Roman" pitchFamily="18" charset="0"/>
+                <a:cs typeface="Times New Roman" pitchFamily="18" charset="0"/>
+              </a:rPr>
+              <a:t>.*;</a:t>
+            </a:r>
+          </a:p>
+          <a:p>
+            <a:endParaRPr lang="en-US" sz="600" dirty="0" smtClean="0">
+              <a:solidFill>
+                <a:schemeClr val="tx1"/>
+              </a:solidFill>
+              <a:latin typeface="Times New Roman" pitchFamily="18" charset="0"/>
+              <a:cs typeface="Times New Roman" pitchFamily="18" charset="0"/>
+            </a:endParaRPr>
+          </a:p>
+          <a:p>
+            <a:r>
+              <a:rPr lang="en-US" sz="600" dirty="0" smtClean="0">
+                <a:solidFill>
+                  <a:schemeClr val="tx1"/>
+                </a:solidFill>
+                <a:latin typeface="Times New Roman" pitchFamily="18" charset="0"/>
+                <a:cs typeface="Times New Roman" pitchFamily="18" charset="0"/>
+              </a:rPr>
+              <a:t>Public class Tracker</a:t>
+            </a:r>
+          </a:p>
+          <a:p>
+            <a:endParaRPr lang="en-US" sz="600" dirty="0" smtClean="0">
+              <a:solidFill>
+                <a:schemeClr val="tx1"/>
+              </a:solidFill>
+              <a:latin typeface="Times New Roman" pitchFamily="18" charset="0"/>
+              <a:cs typeface="Times New Roman" pitchFamily="18" charset="0"/>
+            </a:endParaRPr>
+          </a:p>
+          <a:p>
+            <a:r>
+              <a:rPr lang="en-US" sz="600" dirty="0" smtClean="0">
+                <a:solidFill>
+                  <a:schemeClr val="tx1"/>
+                </a:solidFill>
+                <a:latin typeface="Times New Roman" pitchFamily="18" charset="0"/>
+                <a:cs typeface="Times New Roman" pitchFamily="18" charset="0"/>
+              </a:rPr>
+              <a:t>Private Item[] items = new Item[100];</a:t>
+            </a:r>
+          </a:p>
+          <a:p>
+            <a:r>
+              <a:rPr lang="en-US" sz="600" dirty="0" smtClean="0">
+                <a:solidFill>
+                  <a:schemeClr val="tx1"/>
+                </a:solidFill>
+                <a:latin typeface="Times New Roman" pitchFamily="18" charset="0"/>
+                <a:cs typeface="Times New Roman" pitchFamily="18" charset="0"/>
+              </a:rPr>
+              <a:t>Private </a:t>
+            </a:r>
+            <a:r>
+              <a:rPr lang="en-US" sz="600" dirty="0" err="1" smtClean="0">
+                <a:solidFill>
+                  <a:schemeClr val="tx1"/>
+                </a:solidFill>
+                <a:latin typeface="Times New Roman" pitchFamily="18" charset="0"/>
+                <a:cs typeface="Times New Roman" pitchFamily="18" charset="0"/>
+              </a:rPr>
+              <a:t>int</a:t>
+            </a:r>
+            <a:r>
+              <a:rPr lang="en-US" sz="600" dirty="0" smtClean="0">
+                <a:solidFill>
+                  <a:schemeClr val="tx1"/>
+                </a:solidFill>
+                <a:latin typeface="Times New Roman" pitchFamily="18" charset="0"/>
+                <a:cs typeface="Times New Roman" pitchFamily="18" charset="0"/>
+              </a:rPr>
+              <a:t> position = 0;</a:t>
+            </a:r>
+          </a:p>
+          <a:p>
+            <a:r>
+              <a:rPr lang="en-US" sz="600" dirty="0" smtClean="0">
+                <a:solidFill>
+                  <a:schemeClr val="tx1"/>
+                </a:solidFill>
+                <a:latin typeface="Times New Roman" pitchFamily="18" charset="0"/>
+                <a:cs typeface="Times New Roman" pitchFamily="18" charset="0"/>
+              </a:rPr>
+              <a:t>Private static final Random RN = new Random();</a:t>
+            </a:r>
+          </a:p>
+          <a:p>
+            <a:endParaRPr lang="en-US" sz="600" dirty="0" smtClean="0">
+              <a:solidFill>
+                <a:schemeClr val="tx1"/>
+              </a:solidFill>
+              <a:latin typeface="Times New Roman" pitchFamily="18" charset="0"/>
+              <a:cs typeface="Times New Roman" pitchFamily="18" charset="0"/>
+            </a:endParaRPr>
+          </a:p>
+          <a:p>
+            <a:r>
+              <a:rPr lang="en-US" sz="600" dirty="0" smtClean="0">
+                <a:solidFill>
+                  <a:schemeClr val="tx1"/>
+                </a:solidFill>
+                <a:latin typeface="Times New Roman" pitchFamily="18" charset="0"/>
+                <a:cs typeface="Times New Roman" pitchFamily="18" charset="0"/>
+              </a:rPr>
+              <a:t>Public Item add(Item </a:t>
+            </a:r>
+            <a:r>
+              <a:rPr lang="en-US" sz="600" dirty="0" err="1" smtClean="0">
+                <a:solidFill>
+                  <a:schemeClr val="tx1"/>
+                </a:solidFill>
+                <a:latin typeface="Times New Roman" pitchFamily="18" charset="0"/>
+                <a:cs typeface="Times New Roman" pitchFamily="18" charset="0"/>
+              </a:rPr>
+              <a:t>item</a:t>
+            </a:r>
+            <a:r>
+              <a:rPr lang="en-US" sz="600" dirty="0" smtClean="0">
+                <a:solidFill>
+                  <a:schemeClr val="tx1"/>
+                </a:solidFill>
+                <a:latin typeface="Times New Roman" pitchFamily="18" charset="0"/>
+                <a:cs typeface="Times New Roman" pitchFamily="18" charset="0"/>
+              </a:rPr>
+              <a:t>){}</a:t>
+            </a:r>
+          </a:p>
+          <a:p>
+            <a:r>
+              <a:rPr lang="en-US" sz="600" dirty="0" smtClean="0">
+                <a:solidFill>
+                  <a:schemeClr val="tx1"/>
+                </a:solidFill>
+                <a:latin typeface="Times New Roman" pitchFamily="18" charset="0"/>
+                <a:cs typeface="Times New Roman" pitchFamily="18" charset="0"/>
+              </a:rPr>
+              <a:t>Public void edit(Item fresh){}</a:t>
+            </a:r>
+          </a:p>
+          <a:p>
+            <a:r>
+              <a:rPr lang="en-US" sz="600" dirty="0" smtClean="0">
+                <a:solidFill>
+                  <a:schemeClr val="tx1"/>
+                </a:solidFill>
+                <a:latin typeface="Times New Roman" pitchFamily="18" charset="0"/>
+                <a:cs typeface="Times New Roman" pitchFamily="18" charset="0"/>
+              </a:rPr>
+              <a:t>Protected Item </a:t>
+            </a:r>
+            <a:r>
+              <a:rPr lang="en-US" sz="600" dirty="0" err="1" smtClean="0">
+                <a:solidFill>
+                  <a:schemeClr val="tx1"/>
+                </a:solidFill>
+                <a:latin typeface="Times New Roman" pitchFamily="18" charset="0"/>
+                <a:cs typeface="Times New Roman" pitchFamily="18" charset="0"/>
+              </a:rPr>
+              <a:t>findById</a:t>
+            </a:r>
+            <a:r>
+              <a:rPr lang="en-US" sz="600" dirty="0" smtClean="0">
+                <a:solidFill>
+                  <a:schemeClr val="tx1"/>
+                </a:solidFill>
+                <a:latin typeface="Times New Roman" pitchFamily="18" charset="0"/>
+                <a:cs typeface="Times New Roman" pitchFamily="18" charset="0"/>
+              </a:rPr>
+              <a:t>(String id){}</a:t>
+            </a:r>
+          </a:p>
+          <a:p>
+            <a:r>
+              <a:rPr lang="en-US" sz="600" dirty="0" smtClean="0">
+                <a:solidFill>
+                  <a:schemeClr val="tx1"/>
+                </a:solidFill>
+                <a:latin typeface="Times New Roman" pitchFamily="18" charset="0"/>
+                <a:cs typeface="Times New Roman" pitchFamily="18" charset="0"/>
+              </a:rPr>
+              <a:t>String </a:t>
+            </a:r>
+            <a:r>
+              <a:rPr lang="en-US" sz="600" dirty="0" err="1" smtClean="0">
+                <a:solidFill>
+                  <a:schemeClr val="tx1"/>
+                </a:solidFill>
+                <a:latin typeface="Times New Roman" pitchFamily="18" charset="0"/>
+                <a:cs typeface="Times New Roman" pitchFamily="18" charset="0"/>
+              </a:rPr>
+              <a:t>generateId</a:t>
+            </a:r>
+            <a:r>
+              <a:rPr lang="en-US" sz="600" dirty="0" smtClean="0">
+                <a:solidFill>
+                  <a:schemeClr val="tx1"/>
+                </a:solidFill>
+                <a:latin typeface="Times New Roman" pitchFamily="18" charset="0"/>
+                <a:cs typeface="Times New Roman" pitchFamily="18" charset="0"/>
+              </a:rPr>
+              <a:t>(){}</a:t>
+            </a:r>
+          </a:p>
+          <a:p>
+            <a:r>
+              <a:rPr lang="en-US" sz="600" dirty="0" smtClean="0">
+                <a:solidFill>
+                  <a:schemeClr val="tx1"/>
+                </a:solidFill>
+                <a:latin typeface="Times New Roman" pitchFamily="18" charset="0"/>
+                <a:cs typeface="Times New Roman" pitchFamily="18" charset="0"/>
+              </a:rPr>
+              <a:t>Public Item[] </a:t>
+            </a:r>
+            <a:r>
+              <a:rPr lang="en-US" sz="600" dirty="0" err="1" smtClean="0">
+                <a:solidFill>
+                  <a:schemeClr val="tx1"/>
+                </a:solidFill>
+                <a:latin typeface="Times New Roman" pitchFamily="18" charset="0"/>
+                <a:cs typeface="Times New Roman" pitchFamily="18" charset="0"/>
+              </a:rPr>
+              <a:t>getall</a:t>
+            </a:r>
+            <a:r>
+              <a:rPr lang="en-US" sz="600" dirty="0" smtClean="0">
+                <a:solidFill>
+                  <a:schemeClr val="tx1"/>
+                </a:solidFill>
+                <a:latin typeface="Times New Roman" pitchFamily="18" charset="0"/>
+                <a:cs typeface="Times New Roman" pitchFamily="18" charset="0"/>
+              </a:rPr>
+              <a:t>(){}</a:t>
+            </a:r>
+            <a:endParaRPr lang="en-US" sz="600" dirty="0" smtClean="0">
+              <a:solidFill>
+                <a:schemeClr val="tx1"/>
+              </a:solidFill>
+              <a:latin typeface="Times New Roman" pitchFamily="18" charset="0"/>
+              <a:cs typeface="Times New Roman" pitchFamily="18" charset="0"/>
+            </a:endParaRPr>
+          </a:p>
+        </p:txBody>
+      </p:sp>
+      <p:sp>
+        <p:nvSpPr>
+          <p:cNvPr id="10" name="Прямоугольник 9"/>
+          <p:cNvSpPr/>
+          <p:nvPr/>
+        </p:nvSpPr>
+        <p:spPr>
+          <a:xfrm>
+            <a:off x="0" y="4786322"/>
+            <a:ext cx="1647527" cy="1104893"/>
+          </a:xfrm>
+          <a:prstGeom prst="rect">
+            <a:avLst/>
+          </a:prstGeom>
+          <a:solidFill>
+            <a:schemeClr val="accent1">
+              <a:alpha val="0"/>
+            </a:schemeClr>
+          </a:solidFill>
+        </p:spPr>
+        <p:style>
+          <a:lnRef idx="2">
+            <a:schemeClr val="accent1">
+              <a:shade val="50000"/>
+            </a:schemeClr>
+          </a:lnRef>
+          <a:fillRef idx="1">
+            <a:schemeClr val="accent1"/>
+          </a:fillRef>
+          <a:effectRef idx="0">
+            <a:schemeClr val="accent1"/>
+          </a:effectRef>
+          <a:fontRef idx="minor">
+            <a:schemeClr val="lt1"/>
+          </a:fontRef>
+        </p:style>
+        <p:txBody>
+          <a:bodyPr rtlCol="0" anchor="ctr"/>
+          <a:lstStyle/>
+          <a:p>
+            <a:r>
+              <a:rPr lang="en-US" sz="600" dirty="0" smtClean="0">
+                <a:solidFill>
+                  <a:schemeClr val="tx1"/>
+                </a:solidFill>
+                <a:latin typeface="Times New Roman" pitchFamily="18" charset="0"/>
+                <a:cs typeface="Times New Roman" pitchFamily="18" charset="0"/>
+              </a:rPr>
+              <a:t>Package </a:t>
+            </a:r>
+            <a:r>
+              <a:rPr lang="en-US" sz="600" dirty="0" err="1" smtClean="0">
+                <a:solidFill>
+                  <a:schemeClr val="tx1"/>
+                </a:solidFill>
+                <a:latin typeface="Times New Roman" pitchFamily="18" charset="0"/>
+                <a:cs typeface="Times New Roman" pitchFamily="18" charset="0"/>
+              </a:rPr>
+              <a:t>ru.tsibrovskii.start</a:t>
+            </a:r>
+            <a:r>
+              <a:rPr lang="en-US" sz="600" dirty="0" smtClean="0">
+                <a:solidFill>
+                  <a:schemeClr val="tx1"/>
+                </a:solidFill>
+                <a:latin typeface="Times New Roman" pitchFamily="18" charset="0"/>
+                <a:cs typeface="Times New Roman" pitchFamily="18" charset="0"/>
+              </a:rPr>
+              <a:t>;</a:t>
+            </a:r>
+          </a:p>
+          <a:p>
+            <a:endParaRPr lang="en-US" sz="600" dirty="0" smtClean="0">
+              <a:solidFill>
+                <a:schemeClr val="tx1"/>
+              </a:solidFill>
+              <a:latin typeface="Times New Roman" pitchFamily="18" charset="0"/>
+              <a:cs typeface="Times New Roman" pitchFamily="18" charset="0"/>
+            </a:endParaRPr>
+          </a:p>
+          <a:p>
+            <a:r>
+              <a:rPr lang="en-US" sz="600" dirty="0" smtClean="0">
+                <a:solidFill>
+                  <a:schemeClr val="tx1"/>
+                </a:solidFill>
+                <a:latin typeface="Times New Roman" pitchFamily="18" charset="0"/>
+                <a:cs typeface="Times New Roman" pitchFamily="18" charset="0"/>
+              </a:rPr>
+              <a:t>Public class </a:t>
+            </a:r>
+            <a:r>
+              <a:rPr lang="en-US" sz="600" dirty="0" err="1" smtClean="0">
+                <a:solidFill>
+                  <a:schemeClr val="tx1"/>
+                </a:solidFill>
+                <a:latin typeface="Times New Roman" pitchFamily="18" charset="0"/>
+                <a:cs typeface="Times New Roman" pitchFamily="18" charset="0"/>
+              </a:rPr>
+              <a:t>StubInput</a:t>
+            </a:r>
+            <a:r>
+              <a:rPr lang="en-US" sz="600" dirty="0" smtClean="0">
+                <a:solidFill>
+                  <a:schemeClr val="tx1"/>
+                </a:solidFill>
+                <a:latin typeface="Times New Roman" pitchFamily="18" charset="0"/>
+                <a:cs typeface="Times New Roman" pitchFamily="18" charset="0"/>
+              </a:rPr>
+              <a:t> implements Input</a:t>
+            </a:r>
+          </a:p>
+          <a:p>
+            <a:endParaRPr lang="en-US" sz="600" dirty="0" smtClean="0">
+              <a:solidFill>
+                <a:schemeClr val="tx1"/>
+              </a:solidFill>
+              <a:latin typeface="Times New Roman" pitchFamily="18" charset="0"/>
+              <a:cs typeface="Times New Roman" pitchFamily="18" charset="0"/>
+            </a:endParaRPr>
+          </a:p>
+          <a:p>
+            <a:r>
+              <a:rPr lang="en-US" sz="600" dirty="0" smtClean="0">
+                <a:solidFill>
+                  <a:schemeClr val="tx1"/>
+                </a:solidFill>
+                <a:latin typeface="Times New Roman" pitchFamily="18" charset="0"/>
+                <a:cs typeface="Times New Roman" pitchFamily="18" charset="0"/>
+              </a:rPr>
+              <a:t>Private String[] answers;</a:t>
+            </a:r>
+          </a:p>
+          <a:p>
+            <a:r>
+              <a:rPr lang="en-US" sz="600" dirty="0" smtClean="0">
+                <a:solidFill>
+                  <a:schemeClr val="tx1"/>
+                </a:solidFill>
+                <a:latin typeface="Times New Roman" pitchFamily="18" charset="0"/>
+                <a:cs typeface="Times New Roman" pitchFamily="18" charset="0"/>
+              </a:rPr>
+              <a:t>Private </a:t>
+            </a:r>
+            <a:r>
+              <a:rPr lang="en-US" sz="600" dirty="0" err="1" smtClean="0">
+                <a:solidFill>
+                  <a:schemeClr val="tx1"/>
+                </a:solidFill>
+                <a:latin typeface="Times New Roman" pitchFamily="18" charset="0"/>
+                <a:cs typeface="Times New Roman" pitchFamily="18" charset="0"/>
+              </a:rPr>
+              <a:t>int</a:t>
+            </a:r>
+            <a:r>
+              <a:rPr lang="en-US" sz="600" dirty="0" smtClean="0">
+                <a:solidFill>
+                  <a:schemeClr val="tx1"/>
+                </a:solidFill>
+                <a:latin typeface="Times New Roman" pitchFamily="18" charset="0"/>
+                <a:cs typeface="Times New Roman" pitchFamily="18" charset="0"/>
+              </a:rPr>
+              <a:t> position = 0;</a:t>
+            </a:r>
+          </a:p>
+          <a:p>
+            <a:endParaRPr lang="en-US" sz="600" dirty="0" smtClean="0">
+              <a:solidFill>
+                <a:schemeClr val="tx1"/>
+              </a:solidFill>
+              <a:latin typeface="Times New Roman" pitchFamily="18" charset="0"/>
+              <a:cs typeface="Times New Roman" pitchFamily="18" charset="0"/>
+            </a:endParaRPr>
+          </a:p>
+          <a:p>
+            <a:r>
+              <a:rPr lang="en-US" sz="600" dirty="0" smtClean="0">
+                <a:solidFill>
+                  <a:schemeClr val="tx1"/>
+                </a:solidFill>
+                <a:latin typeface="Times New Roman" pitchFamily="18" charset="0"/>
+                <a:cs typeface="Times New Roman" pitchFamily="18" charset="0"/>
+              </a:rPr>
+              <a:t>Public </a:t>
+            </a:r>
+            <a:r>
+              <a:rPr lang="en-US" sz="600" dirty="0" err="1" smtClean="0">
+                <a:solidFill>
+                  <a:schemeClr val="tx1"/>
+                </a:solidFill>
+                <a:latin typeface="Times New Roman" pitchFamily="18" charset="0"/>
+                <a:cs typeface="Times New Roman" pitchFamily="18" charset="0"/>
+              </a:rPr>
+              <a:t>StrubInput</a:t>
+            </a:r>
+            <a:r>
+              <a:rPr lang="en-US" sz="600" dirty="0" smtClean="0">
+                <a:solidFill>
+                  <a:schemeClr val="tx1"/>
+                </a:solidFill>
+                <a:latin typeface="Times New Roman" pitchFamily="18" charset="0"/>
+                <a:cs typeface="Times New Roman" pitchFamily="18" charset="0"/>
+              </a:rPr>
+              <a:t>(String[] answers){}</a:t>
+            </a:r>
+          </a:p>
+          <a:p>
+            <a:r>
+              <a:rPr lang="en-US" sz="600" dirty="0" smtClean="0">
+                <a:solidFill>
+                  <a:schemeClr val="tx1"/>
+                </a:solidFill>
+                <a:latin typeface="Times New Roman" pitchFamily="18" charset="0"/>
+                <a:cs typeface="Times New Roman" pitchFamily="18" charset="0"/>
+              </a:rPr>
+              <a:t>Public String ask(String question){}</a:t>
+            </a:r>
+          </a:p>
+          <a:p>
+            <a:r>
+              <a:rPr lang="en-US" sz="600" dirty="0" smtClean="0">
+                <a:solidFill>
+                  <a:schemeClr val="tx1"/>
+                </a:solidFill>
+                <a:latin typeface="Times New Roman" pitchFamily="18" charset="0"/>
+                <a:cs typeface="Times New Roman" pitchFamily="18" charset="0"/>
+              </a:rPr>
+              <a:t>Public </a:t>
+            </a:r>
+            <a:r>
+              <a:rPr lang="en-US" sz="600" dirty="0" err="1" smtClean="0">
+                <a:solidFill>
+                  <a:schemeClr val="tx1"/>
+                </a:solidFill>
+                <a:latin typeface="Times New Roman" pitchFamily="18" charset="0"/>
+                <a:cs typeface="Times New Roman" pitchFamily="18" charset="0"/>
+              </a:rPr>
+              <a:t>int</a:t>
+            </a:r>
+            <a:r>
+              <a:rPr lang="en-US" sz="600" dirty="0" smtClean="0">
+                <a:solidFill>
+                  <a:schemeClr val="tx1"/>
+                </a:solidFill>
+                <a:latin typeface="Times New Roman" pitchFamily="18" charset="0"/>
+                <a:cs typeface="Times New Roman" pitchFamily="18" charset="0"/>
+              </a:rPr>
+              <a:t> ask(String question, </a:t>
+            </a:r>
+            <a:r>
+              <a:rPr lang="en-US" sz="600" dirty="0" err="1" smtClean="0">
+                <a:solidFill>
+                  <a:schemeClr val="tx1"/>
+                </a:solidFill>
+                <a:latin typeface="Times New Roman" pitchFamily="18" charset="0"/>
+                <a:cs typeface="Times New Roman" pitchFamily="18" charset="0"/>
+              </a:rPr>
+              <a:t>int</a:t>
+            </a:r>
+            <a:r>
+              <a:rPr lang="en-US" sz="600" dirty="0" smtClean="0">
+                <a:solidFill>
+                  <a:schemeClr val="tx1"/>
+                </a:solidFill>
+                <a:latin typeface="Times New Roman" pitchFamily="18" charset="0"/>
+                <a:cs typeface="Times New Roman" pitchFamily="18" charset="0"/>
+              </a:rPr>
+              <a:t>[] range){}</a:t>
+            </a:r>
+            <a:endParaRPr lang="en-US" sz="600" dirty="0" smtClean="0">
+              <a:solidFill>
+                <a:schemeClr val="tx1"/>
+              </a:solidFill>
+              <a:latin typeface="Times New Roman" pitchFamily="18" charset="0"/>
+              <a:cs typeface="Times New Roman" pitchFamily="18" charset="0"/>
+            </a:endParaRPr>
+          </a:p>
+        </p:txBody>
+      </p:sp>
+      <p:sp>
+        <p:nvSpPr>
+          <p:cNvPr id="11" name="Прямоугольник 10"/>
+          <p:cNvSpPr/>
+          <p:nvPr/>
+        </p:nvSpPr>
+        <p:spPr>
+          <a:xfrm>
+            <a:off x="0" y="3857628"/>
+            <a:ext cx="1486794" cy="761982"/>
+          </a:xfrm>
+          <a:prstGeom prst="rect">
+            <a:avLst/>
+          </a:prstGeom>
+          <a:solidFill>
+            <a:schemeClr val="accent1">
+              <a:alpha val="0"/>
+            </a:schemeClr>
+          </a:solidFill>
+        </p:spPr>
+        <p:style>
+          <a:lnRef idx="2">
+            <a:schemeClr val="accent1">
+              <a:shade val="50000"/>
+            </a:schemeClr>
+          </a:lnRef>
+          <a:fillRef idx="1">
+            <a:schemeClr val="accent1"/>
+          </a:fillRef>
+          <a:effectRef idx="0">
+            <a:schemeClr val="accent1"/>
+          </a:effectRef>
+          <a:fontRef idx="minor">
+            <a:schemeClr val="lt1"/>
+          </a:fontRef>
+        </p:style>
+        <p:txBody>
+          <a:bodyPr rtlCol="0" anchor="ctr"/>
+          <a:lstStyle/>
+          <a:p>
+            <a:r>
+              <a:rPr lang="en-US" sz="600" dirty="0" smtClean="0">
+                <a:solidFill>
+                  <a:schemeClr val="tx1"/>
+                </a:solidFill>
+                <a:latin typeface="Times New Roman" pitchFamily="18" charset="0"/>
+                <a:cs typeface="Times New Roman" pitchFamily="18" charset="0"/>
+              </a:rPr>
+              <a:t>Package </a:t>
+            </a:r>
+            <a:r>
+              <a:rPr lang="en-US" sz="600" dirty="0" err="1" smtClean="0">
+                <a:solidFill>
+                  <a:schemeClr val="tx1"/>
+                </a:solidFill>
+                <a:latin typeface="Times New Roman" pitchFamily="18" charset="0"/>
+                <a:cs typeface="Times New Roman" pitchFamily="18" charset="0"/>
+              </a:rPr>
+              <a:t>ru.tsibrovskii.start</a:t>
+            </a:r>
+            <a:r>
+              <a:rPr lang="en-US" sz="600" dirty="0" smtClean="0">
+                <a:solidFill>
+                  <a:schemeClr val="tx1"/>
+                </a:solidFill>
+                <a:latin typeface="Times New Roman" pitchFamily="18" charset="0"/>
+                <a:cs typeface="Times New Roman" pitchFamily="18" charset="0"/>
+              </a:rPr>
+              <a:t>;</a:t>
+            </a:r>
+          </a:p>
+          <a:p>
+            <a:endParaRPr lang="en-US" sz="600" dirty="0" smtClean="0">
+              <a:solidFill>
+                <a:schemeClr val="tx1"/>
+              </a:solidFill>
+              <a:latin typeface="Times New Roman" pitchFamily="18" charset="0"/>
+              <a:cs typeface="Times New Roman" pitchFamily="18" charset="0"/>
+            </a:endParaRPr>
+          </a:p>
+          <a:p>
+            <a:r>
+              <a:rPr lang="en-US" sz="600" dirty="0" smtClean="0">
+                <a:solidFill>
+                  <a:schemeClr val="tx1"/>
+                </a:solidFill>
+                <a:latin typeface="Times New Roman" pitchFamily="18" charset="0"/>
+                <a:cs typeface="Times New Roman" pitchFamily="18" charset="0"/>
+              </a:rPr>
+              <a:t>Import </a:t>
+            </a:r>
+            <a:r>
+              <a:rPr lang="en-US" sz="600" dirty="0" err="1" smtClean="0">
+                <a:solidFill>
+                  <a:schemeClr val="tx1"/>
+                </a:solidFill>
+                <a:latin typeface="Times New Roman" pitchFamily="18" charset="0"/>
+                <a:cs typeface="Times New Roman" pitchFamily="18" charset="0"/>
+              </a:rPr>
+              <a:t>ru.tsibrovskii.models</a:t>
+            </a:r>
+            <a:r>
+              <a:rPr lang="en-US" sz="600" dirty="0" smtClean="0">
+                <a:solidFill>
+                  <a:schemeClr val="tx1"/>
+                </a:solidFill>
+                <a:latin typeface="Times New Roman" pitchFamily="18" charset="0"/>
+                <a:cs typeface="Times New Roman" pitchFamily="18" charset="0"/>
+              </a:rPr>
+              <a:t>.*;</a:t>
+            </a:r>
+          </a:p>
+          <a:p>
+            <a:endParaRPr lang="en-US" sz="600" dirty="0" smtClean="0">
+              <a:solidFill>
+                <a:schemeClr val="tx1"/>
+              </a:solidFill>
+              <a:latin typeface="Times New Roman" pitchFamily="18" charset="0"/>
+              <a:cs typeface="Times New Roman" pitchFamily="18" charset="0"/>
+            </a:endParaRPr>
+          </a:p>
+          <a:p>
+            <a:r>
+              <a:rPr lang="en-US" sz="600" dirty="0" smtClean="0">
+                <a:solidFill>
+                  <a:schemeClr val="tx1"/>
+                </a:solidFill>
+                <a:latin typeface="Times New Roman" pitchFamily="18" charset="0"/>
+                <a:cs typeface="Times New Roman" pitchFamily="18" charset="0"/>
+              </a:rPr>
+              <a:t>Public class </a:t>
+            </a:r>
+            <a:r>
+              <a:rPr lang="en-US" sz="600" dirty="0" err="1" smtClean="0">
+                <a:solidFill>
+                  <a:schemeClr val="tx1"/>
+                </a:solidFill>
+                <a:latin typeface="Times New Roman" pitchFamily="18" charset="0"/>
+                <a:cs typeface="Times New Roman" pitchFamily="18" charset="0"/>
+              </a:rPr>
+              <a:t>StartUITest</a:t>
+            </a:r>
+            <a:endParaRPr lang="en-US" sz="600" dirty="0" smtClean="0">
+              <a:solidFill>
+                <a:schemeClr val="tx1"/>
+              </a:solidFill>
+              <a:latin typeface="Times New Roman" pitchFamily="18" charset="0"/>
+              <a:cs typeface="Times New Roman" pitchFamily="18" charset="0"/>
+            </a:endParaRPr>
+          </a:p>
+          <a:p>
+            <a:endParaRPr lang="en-US" sz="600" dirty="0" smtClean="0">
+              <a:solidFill>
+                <a:schemeClr val="tx1"/>
+              </a:solidFill>
+              <a:latin typeface="Times New Roman" pitchFamily="18" charset="0"/>
+              <a:cs typeface="Times New Roman" pitchFamily="18" charset="0"/>
+            </a:endParaRPr>
+          </a:p>
+          <a:p>
+            <a:r>
+              <a:rPr lang="en-US" sz="600" dirty="0" smtClean="0">
+                <a:solidFill>
+                  <a:schemeClr val="tx1"/>
+                </a:solidFill>
+                <a:latin typeface="Times New Roman" pitchFamily="18" charset="0"/>
+                <a:cs typeface="Times New Roman" pitchFamily="18" charset="0"/>
+              </a:rPr>
+              <a:t>Public static void main(String[] </a:t>
+            </a:r>
+            <a:r>
+              <a:rPr lang="en-US" sz="600" dirty="0" err="1" smtClean="0">
+                <a:solidFill>
+                  <a:schemeClr val="tx1"/>
+                </a:solidFill>
+                <a:latin typeface="Times New Roman" pitchFamily="18" charset="0"/>
+                <a:cs typeface="Times New Roman" pitchFamily="18" charset="0"/>
+              </a:rPr>
+              <a:t>args</a:t>
+            </a:r>
+            <a:r>
+              <a:rPr lang="en-US" sz="600" dirty="0" smtClean="0">
+                <a:solidFill>
+                  <a:schemeClr val="tx1"/>
+                </a:solidFill>
+                <a:latin typeface="Times New Roman" pitchFamily="18" charset="0"/>
+                <a:cs typeface="Times New Roman" pitchFamily="18" charset="0"/>
+              </a:rPr>
+              <a:t>){}</a:t>
+            </a:r>
+            <a:endParaRPr lang="en-US" sz="600" dirty="0" smtClean="0">
+              <a:solidFill>
+                <a:schemeClr val="tx1"/>
+              </a:solidFill>
+              <a:latin typeface="Times New Roman" pitchFamily="18" charset="0"/>
+              <a:cs typeface="Times New Roman" pitchFamily="18" charset="0"/>
+            </a:endParaRPr>
+          </a:p>
+        </p:txBody>
+      </p:sp>
+      <p:sp>
+        <p:nvSpPr>
+          <p:cNvPr id="12" name="Прямоугольник 11"/>
+          <p:cNvSpPr/>
+          <p:nvPr/>
+        </p:nvSpPr>
+        <p:spPr>
+          <a:xfrm>
+            <a:off x="0" y="6000768"/>
+            <a:ext cx="1808260" cy="647696"/>
+          </a:xfrm>
+          <a:prstGeom prst="rect">
+            <a:avLst/>
+          </a:prstGeom>
+          <a:solidFill>
+            <a:schemeClr val="accent1">
+              <a:alpha val="0"/>
+            </a:schemeClr>
+          </a:solidFill>
+        </p:spPr>
+        <p:style>
+          <a:lnRef idx="2">
+            <a:schemeClr val="accent1">
+              <a:shade val="50000"/>
+            </a:schemeClr>
+          </a:lnRef>
+          <a:fillRef idx="1">
+            <a:schemeClr val="accent1"/>
+          </a:fillRef>
+          <a:effectRef idx="0">
+            <a:schemeClr val="accent1"/>
+          </a:effectRef>
+          <a:fontRef idx="minor">
+            <a:schemeClr val="lt1"/>
+          </a:fontRef>
+        </p:style>
+        <p:txBody>
+          <a:bodyPr rtlCol="0" anchor="ctr"/>
+          <a:lstStyle/>
+          <a:p>
+            <a:r>
+              <a:rPr lang="en-US" sz="600" dirty="0" smtClean="0">
+                <a:solidFill>
+                  <a:schemeClr val="tx1"/>
+                </a:solidFill>
+                <a:latin typeface="Times New Roman" pitchFamily="18" charset="0"/>
+                <a:cs typeface="Times New Roman" pitchFamily="18" charset="0"/>
+              </a:rPr>
+              <a:t>Package </a:t>
+            </a:r>
+            <a:r>
+              <a:rPr lang="en-US" sz="600" dirty="0" err="1" smtClean="0">
+                <a:solidFill>
+                  <a:schemeClr val="tx1"/>
+                </a:solidFill>
+                <a:latin typeface="Times New Roman" pitchFamily="18" charset="0"/>
+                <a:cs typeface="Times New Roman" pitchFamily="18" charset="0"/>
+              </a:rPr>
+              <a:t>ru.tsibrovskii.start</a:t>
+            </a:r>
+            <a:r>
+              <a:rPr lang="en-US" sz="600" dirty="0" smtClean="0">
+                <a:solidFill>
+                  <a:schemeClr val="tx1"/>
+                </a:solidFill>
+                <a:latin typeface="Times New Roman" pitchFamily="18" charset="0"/>
+                <a:cs typeface="Times New Roman" pitchFamily="18" charset="0"/>
+              </a:rPr>
+              <a:t>;</a:t>
+            </a:r>
+          </a:p>
+          <a:p>
+            <a:endParaRPr lang="en-US" sz="600" dirty="0" smtClean="0">
+              <a:solidFill>
+                <a:schemeClr val="tx1"/>
+              </a:solidFill>
+              <a:latin typeface="Times New Roman" pitchFamily="18" charset="0"/>
+              <a:cs typeface="Times New Roman" pitchFamily="18" charset="0"/>
+            </a:endParaRPr>
+          </a:p>
+          <a:p>
+            <a:r>
+              <a:rPr lang="en-US" sz="600" dirty="0" smtClean="0">
+                <a:solidFill>
+                  <a:schemeClr val="tx1"/>
+                </a:solidFill>
+                <a:latin typeface="Times New Roman" pitchFamily="18" charset="0"/>
+                <a:cs typeface="Times New Roman" pitchFamily="18" charset="0"/>
+              </a:rPr>
+              <a:t>Public class </a:t>
+            </a:r>
+            <a:r>
+              <a:rPr lang="en-US" sz="600" dirty="0" err="1" smtClean="0">
+                <a:solidFill>
+                  <a:schemeClr val="tx1"/>
+                </a:solidFill>
+                <a:latin typeface="Times New Roman" pitchFamily="18" charset="0"/>
+                <a:cs typeface="Times New Roman" pitchFamily="18" charset="0"/>
+              </a:rPr>
+              <a:t>ValidateInput</a:t>
+            </a:r>
+            <a:r>
+              <a:rPr lang="en-US" sz="600" dirty="0" smtClean="0">
+                <a:solidFill>
+                  <a:schemeClr val="tx1"/>
+                </a:solidFill>
+                <a:latin typeface="Times New Roman" pitchFamily="18" charset="0"/>
+                <a:cs typeface="Times New Roman" pitchFamily="18" charset="0"/>
+              </a:rPr>
+              <a:t> extends </a:t>
+            </a:r>
+            <a:r>
+              <a:rPr lang="en-US" sz="600" dirty="0" err="1" smtClean="0">
+                <a:solidFill>
+                  <a:schemeClr val="tx1"/>
+                </a:solidFill>
+                <a:latin typeface="Times New Roman" pitchFamily="18" charset="0"/>
+                <a:cs typeface="Times New Roman" pitchFamily="18" charset="0"/>
+              </a:rPr>
+              <a:t>ConsoleInput</a:t>
+            </a:r>
+            <a:endParaRPr lang="en-US" sz="600" dirty="0" smtClean="0">
+              <a:solidFill>
+                <a:schemeClr val="tx1"/>
+              </a:solidFill>
+              <a:latin typeface="Times New Roman" pitchFamily="18" charset="0"/>
+              <a:cs typeface="Times New Roman" pitchFamily="18" charset="0"/>
+            </a:endParaRPr>
+          </a:p>
+          <a:p>
+            <a:endParaRPr lang="en-US" sz="600" dirty="0" smtClean="0">
+              <a:solidFill>
+                <a:schemeClr val="tx1"/>
+              </a:solidFill>
+              <a:latin typeface="Times New Roman" pitchFamily="18" charset="0"/>
+              <a:cs typeface="Times New Roman" pitchFamily="18" charset="0"/>
+            </a:endParaRPr>
+          </a:p>
+          <a:p>
+            <a:r>
+              <a:rPr lang="en-US" sz="600" dirty="0" smtClean="0">
+                <a:solidFill>
+                  <a:schemeClr val="tx1"/>
+                </a:solidFill>
+                <a:latin typeface="Times New Roman" pitchFamily="18" charset="0"/>
+                <a:cs typeface="Times New Roman" pitchFamily="18" charset="0"/>
+              </a:rPr>
+              <a:t>Public </a:t>
+            </a:r>
+            <a:r>
+              <a:rPr lang="en-US" sz="600" dirty="0" err="1" smtClean="0">
+                <a:solidFill>
+                  <a:schemeClr val="tx1"/>
+                </a:solidFill>
+                <a:latin typeface="Times New Roman" pitchFamily="18" charset="0"/>
+                <a:cs typeface="Times New Roman" pitchFamily="18" charset="0"/>
+              </a:rPr>
+              <a:t>int</a:t>
+            </a:r>
+            <a:r>
+              <a:rPr lang="en-US" sz="600" dirty="0" smtClean="0">
+                <a:solidFill>
+                  <a:schemeClr val="tx1"/>
+                </a:solidFill>
+                <a:latin typeface="Times New Roman" pitchFamily="18" charset="0"/>
+                <a:cs typeface="Times New Roman" pitchFamily="18" charset="0"/>
+              </a:rPr>
+              <a:t> ask(String question, </a:t>
+            </a:r>
+            <a:r>
+              <a:rPr lang="en-US" sz="600" dirty="0" err="1" smtClean="0">
+                <a:solidFill>
+                  <a:schemeClr val="tx1"/>
+                </a:solidFill>
+                <a:latin typeface="Times New Roman" pitchFamily="18" charset="0"/>
+                <a:cs typeface="Times New Roman" pitchFamily="18" charset="0"/>
+              </a:rPr>
+              <a:t>int</a:t>
+            </a:r>
+            <a:r>
+              <a:rPr lang="en-US" sz="600" dirty="0" smtClean="0">
+                <a:solidFill>
+                  <a:schemeClr val="tx1"/>
+                </a:solidFill>
+                <a:latin typeface="Times New Roman" pitchFamily="18" charset="0"/>
+                <a:cs typeface="Times New Roman" pitchFamily="18" charset="0"/>
+              </a:rPr>
+              <a:t>[] range){}</a:t>
+            </a:r>
+            <a:endParaRPr lang="en-US" sz="600" dirty="0" smtClean="0">
+              <a:solidFill>
+                <a:schemeClr val="tx1"/>
+              </a:solidFill>
+              <a:latin typeface="Times New Roman" pitchFamily="18" charset="0"/>
+              <a:cs typeface="Times New Roman" pitchFamily="18" charset="0"/>
+            </a:endParaRPr>
+          </a:p>
+        </p:txBody>
+      </p:sp>
+      <p:sp>
+        <p:nvSpPr>
+          <p:cNvPr id="13" name="Прямоугольник 12"/>
+          <p:cNvSpPr/>
+          <p:nvPr/>
+        </p:nvSpPr>
+        <p:spPr>
+          <a:xfrm>
+            <a:off x="2143108" y="928670"/>
+            <a:ext cx="1486794" cy="1371590"/>
+          </a:xfrm>
+          <a:prstGeom prst="rect">
+            <a:avLst/>
+          </a:prstGeom>
+          <a:solidFill>
+            <a:schemeClr val="accent1">
+              <a:alpha val="0"/>
+            </a:schemeClr>
+          </a:solidFill>
+        </p:spPr>
+        <p:style>
+          <a:lnRef idx="2">
+            <a:schemeClr val="accent1">
+              <a:shade val="50000"/>
+            </a:schemeClr>
+          </a:lnRef>
+          <a:fillRef idx="1">
+            <a:schemeClr val="accent1"/>
+          </a:fillRef>
+          <a:effectRef idx="0">
+            <a:schemeClr val="accent1"/>
+          </a:effectRef>
+          <a:fontRef idx="minor">
+            <a:schemeClr val="lt1"/>
+          </a:fontRef>
+        </p:style>
+        <p:txBody>
+          <a:bodyPr rtlCol="0" anchor="ctr"/>
+          <a:lstStyle/>
+          <a:p>
+            <a:r>
+              <a:rPr lang="en-US" sz="600" dirty="0" smtClean="0">
+                <a:solidFill>
+                  <a:schemeClr val="tx1"/>
+                </a:solidFill>
+                <a:latin typeface="Times New Roman" pitchFamily="18" charset="0"/>
+                <a:cs typeface="Times New Roman" pitchFamily="18" charset="0"/>
+              </a:rPr>
+              <a:t>Package </a:t>
+            </a:r>
+            <a:r>
+              <a:rPr lang="en-US" sz="600" dirty="0" err="1" smtClean="0">
+                <a:solidFill>
+                  <a:schemeClr val="tx1"/>
+                </a:solidFill>
+                <a:latin typeface="Times New Roman" pitchFamily="18" charset="0"/>
+                <a:cs typeface="Times New Roman" pitchFamily="18" charset="0"/>
+              </a:rPr>
+              <a:t>ru.tsibrovskii.start</a:t>
+            </a:r>
+            <a:r>
+              <a:rPr lang="en-US" sz="600" dirty="0" smtClean="0">
+                <a:solidFill>
+                  <a:schemeClr val="tx1"/>
+                </a:solidFill>
+                <a:latin typeface="Times New Roman" pitchFamily="18" charset="0"/>
+                <a:cs typeface="Times New Roman" pitchFamily="18" charset="0"/>
+              </a:rPr>
+              <a:t>;</a:t>
+            </a:r>
+          </a:p>
+          <a:p>
+            <a:endParaRPr lang="en-US" sz="600" dirty="0" smtClean="0">
+              <a:solidFill>
+                <a:schemeClr val="tx1"/>
+              </a:solidFill>
+              <a:latin typeface="Times New Roman" pitchFamily="18" charset="0"/>
+              <a:cs typeface="Times New Roman" pitchFamily="18" charset="0"/>
+            </a:endParaRPr>
+          </a:p>
+          <a:p>
+            <a:r>
+              <a:rPr lang="en-US" sz="600" dirty="0" smtClean="0">
+                <a:solidFill>
+                  <a:schemeClr val="tx1"/>
+                </a:solidFill>
+                <a:latin typeface="Times New Roman" pitchFamily="18" charset="0"/>
+                <a:cs typeface="Times New Roman" pitchFamily="18" charset="0"/>
+              </a:rPr>
+              <a:t>Import </a:t>
+            </a:r>
+            <a:r>
+              <a:rPr lang="en-US" sz="600" dirty="0" err="1" smtClean="0">
+                <a:solidFill>
+                  <a:schemeClr val="tx1"/>
+                </a:solidFill>
+                <a:latin typeface="Times New Roman" pitchFamily="18" charset="0"/>
+                <a:cs typeface="Times New Roman" pitchFamily="18" charset="0"/>
+              </a:rPr>
+              <a:t>ru.tsibrovskii.models</a:t>
+            </a:r>
+            <a:r>
+              <a:rPr lang="en-US" sz="600" dirty="0" smtClean="0">
+                <a:solidFill>
+                  <a:schemeClr val="tx1"/>
+                </a:solidFill>
+                <a:latin typeface="Times New Roman" pitchFamily="18" charset="0"/>
+                <a:cs typeface="Times New Roman" pitchFamily="18" charset="0"/>
+              </a:rPr>
+              <a:t>.*;</a:t>
+            </a:r>
+          </a:p>
+          <a:p>
+            <a:endParaRPr lang="en-US" sz="600" dirty="0" smtClean="0">
+              <a:solidFill>
+                <a:schemeClr val="tx1"/>
+              </a:solidFill>
+              <a:latin typeface="Times New Roman" pitchFamily="18" charset="0"/>
+              <a:cs typeface="Times New Roman" pitchFamily="18" charset="0"/>
+            </a:endParaRPr>
+          </a:p>
+          <a:p>
+            <a:r>
+              <a:rPr lang="en-US" sz="600" dirty="0" smtClean="0">
+                <a:solidFill>
+                  <a:schemeClr val="tx1"/>
+                </a:solidFill>
+                <a:latin typeface="Times New Roman" pitchFamily="18" charset="0"/>
+                <a:cs typeface="Times New Roman" pitchFamily="18" charset="0"/>
+              </a:rPr>
+              <a:t>Public class </a:t>
+            </a:r>
+            <a:r>
+              <a:rPr lang="en-US" sz="600" dirty="0" err="1" smtClean="0">
+                <a:solidFill>
+                  <a:schemeClr val="tx1"/>
+                </a:solidFill>
+                <a:latin typeface="Times New Roman" pitchFamily="18" charset="0"/>
+                <a:cs typeface="Times New Roman" pitchFamily="18" charset="0"/>
+              </a:rPr>
+              <a:t>StartUI</a:t>
+            </a:r>
+            <a:endParaRPr lang="en-US" sz="600" dirty="0" smtClean="0">
+              <a:solidFill>
+                <a:schemeClr val="tx1"/>
+              </a:solidFill>
+              <a:latin typeface="Times New Roman" pitchFamily="18" charset="0"/>
+              <a:cs typeface="Times New Roman" pitchFamily="18" charset="0"/>
+            </a:endParaRPr>
+          </a:p>
+          <a:p>
+            <a:endParaRPr lang="en-US" sz="600" dirty="0" smtClean="0">
+              <a:solidFill>
+                <a:schemeClr val="tx1"/>
+              </a:solidFill>
+              <a:latin typeface="Times New Roman" pitchFamily="18" charset="0"/>
+              <a:cs typeface="Times New Roman" pitchFamily="18" charset="0"/>
+            </a:endParaRPr>
+          </a:p>
+          <a:p>
+            <a:r>
+              <a:rPr lang="en-US" sz="600" dirty="0" smtClean="0">
+                <a:solidFill>
+                  <a:schemeClr val="tx1"/>
+                </a:solidFill>
+                <a:latin typeface="Times New Roman" pitchFamily="18" charset="0"/>
+                <a:cs typeface="Times New Roman" pitchFamily="18" charset="0"/>
+              </a:rPr>
+              <a:t>Private </a:t>
+            </a:r>
+            <a:r>
+              <a:rPr lang="en-US" sz="600" dirty="0" err="1" smtClean="0">
+                <a:solidFill>
+                  <a:schemeClr val="tx1"/>
+                </a:solidFill>
+                <a:latin typeface="Times New Roman" pitchFamily="18" charset="0"/>
+                <a:cs typeface="Times New Roman" pitchFamily="18" charset="0"/>
+              </a:rPr>
+              <a:t>int</a:t>
+            </a:r>
+            <a:r>
+              <a:rPr lang="en-US" sz="600" dirty="0" smtClean="0">
+                <a:solidFill>
+                  <a:schemeClr val="tx1"/>
+                </a:solidFill>
+                <a:latin typeface="Times New Roman" pitchFamily="18" charset="0"/>
+                <a:cs typeface="Times New Roman" pitchFamily="18" charset="0"/>
+              </a:rPr>
+              <a:t>[] ranges = new </a:t>
+            </a:r>
+            <a:r>
+              <a:rPr lang="en-US" sz="600" dirty="0" err="1" smtClean="0">
+                <a:solidFill>
+                  <a:schemeClr val="tx1"/>
+                </a:solidFill>
+                <a:latin typeface="Times New Roman" pitchFamily="18" charset="0"/>
+                <a:cs typeface="Times New Roman" pitchFamily="18" charset="0"/>
+              </a:rPr>
+              <a:t>int</a:t>
+            </a:r>
+            <a:r>
+              <a:rPr lang="en-US" sz="600" dirty="0" smtClean="0">
+                <a:solidFill>
+                  <a:schemeClr val="tx1"/>
+                </a:solidFill>
+                <a:latin typeface="Times New Roman" pitchFamily="18" charset="0"/>
+                <a:cs typeface="Times New Roman" pitchFamily="18" charset="0"/>
+              </a:rPr>
+              <a:t>[] {0,1...};</a:t>
+            </a:r>
+          </a:p>
+          <a:p>
+            <a:r>
+              <a:rPr lang="en-US" sz="600" dirty="0" smtClean="0">
+                <a:solidFill>
+                  <a:schemeClr val="tx1"/>
+                </a:solidFill>
+                <a:latin typeface="Times New Roman" pitchFamily="18" charset="0"/>
+                <a:cs typeface="Times New Roman" pitchFamily="18" charset="0"/>
+              </a:rPr>
+              <a:t>Private Input </a:t>
+            </a:r>
+            <a:r>
+              <a:rPr lang="en-US" sz="600" dirty="0" err="1" smtClean="0">
+                <a:solidFill>
+                  <a:schemeClr val="tx1"/>
+                </a:solidFill>
+                <a:latin typeface="Times New Roman" pitchFamily="18" charset="0"/>
+                <a:cs typeface="Times New Roman" pitchFamily="18" charset="0"/>
+              </a:rPr>
+              <a:t>input</a:t>
+            </a:r>
+            <a:r>
+              <a:rPr lang="en-US" sz="600" dirty="0" smtClean="0">
+                <a:solidFill>
+                  <a:schemeClr val="tx1"/>
+                </a:solidFill>
+                <a:latin typeface="Times New Roman" pitchFamily="18" charset="0"/>
+                <a:cs typeface="Times New Roman" pitchFamily="18" charset="0"/>
+              </a:rPr>
+              <a:t>;</a:t>
+            </a:r>
+          </a:p>
+          <a:p>
+            <a:endParaRPr lang="en-US" sz="600" dirty="0" smtClean="0">
+              <a:solidFill>
+                <a:schemeClr val="tx1"/>
+              </a:solidFill>
+              <a:latin typeface="Times New Roman" pitchFamily="18" charset="0"/>
+              <a:cs typeface="Times New Roman" pitchFamily="18" charset="0"/>
+            </a:endParaRPr>
+          </a:p>
+          <a:p>
+            <a:r>
+              <a:rPr lang="en-US" sz="600" dirty="0" smtClean="0">
+                <a:solidFill>
+                  <a:schemeClr val="tx1"/>
+                </a:solidFill>
+                <a:latin typeface="Times New Roman" pitchFamily="18" charset="0"/>
+                <a:cs typeface="Times New Roman" pitchFamily="18" charset="0"/>
+              </a:rPr>
+              <a:t>Public </a:t>
+            </a:r>
+            <a:r>
+              <a:rPr lang="en-US" sz="600" dirty="0" err="1" smtClean="0">
+                <a:solidFill>
+                  <a:schemeClr val="tx1"/>
+                </a:solidFill>
+                <a:latin typeface="Times New Roman" pitchFamily="18" charset="0"/>
+                <a:cs typeface="Times New Roman" pitchFamily="18" charset="0"/>
+              </a:rPr>
+              <a:t>StartUI</a:t>
+            </a:r>
+            <a:r>
+              <a:rPr lang="en-US" sz="600" dirty="0" smtClean="0">
+                <a:solidFill>
+                  <a:schemeClr val="tx1"/>
+                </a:solidFill>
+                <a:latin typeface="Times New Roman" pitchFamily="18" charset="0"/>
+                <a:cs typeface="Times New Roman" pitchFamily="18" charset="0"/>
+              </a:rPr>
+              <a:t>(Input </a:t>
+            </a:r>
+            <a:r>
+              <a:rPr lang="en-US" sz="600" dirty="0" err="1" smtClean="0">
+                <a:solidFill>
+                  <a:schemeClr val="tx1"/>
+                </a:solidFill>
+                <a:latin typeface="Times New Roman" pitchFamily="18" charset="0"/>
+                <a:cs typeface="Times New Roman" pitchFamily="18" charset="0"/>
+              </a:rPr>
+              <a:t>input</a:t>
+            </a:r>
+            <a:r>
+              <a:rPr lang="en-US" sz="600" dirty="0" smtClean="0">
+                <a:solidFill>
+                  <a:schemeClr val="tx1"/>
+                </a:solidFill>
+                <a:latin typeface="Times New Roman" pitchFamily="18" charset="0"/>
+                <a:cs typeface="Times New Roman" pitchFamily="18" charset="0"/>
+              </a:rPr>
+              <a:t>){}</a:t>
+            </a:r>
+          </a:p>
+          <a:p>
+            <a:endParaRPr lang="en-US" sz="600" dirty="0" smtClean="0">
+              <a:solidFill>
+                <a:schemeClr val="tx1"/>
+              </a:solidFill>
+              <a:latin typeface="Times New Roman" pitchFamily="18" charset="0"/>
+              <a:cs typeface="Times New Roman" pitchFamily="18" charset="0"/>
+            </a:endParaRPr>
+          </a:p>
+          <a:p>
+            <a:r>
+              <a:rPr lang="en-US" sz="600" dirty="0" smtClean="0">
+                <a:solidFill>
+                  <a:schemeClr val="tx1"/>
+                </a:solidFill>
+                <a:latin typeface="Times New Roman" pitchFamily="18" charset="0"/>
+                <a:cs typeface="Times New Roman" pitchFamily="18" charset="0"/>
+              </a:rPr>
+              <a:t>Public void init(){}</a:t>
+            </a:r>
+            <a:endParaRPr lang="en-US" sz="600" dirty="0" smtClean="0">
+              <a:solidFill>
+                <a:schemeClr val="tx1"/>
+              </a:solidFill>
+              <a:latin typeface="Times New Roman" pitchFamily="18" charset="0"/>
+              <a:cs typeface="Times New Roman" pitchFamily="18" charset="0"/>
+            </a:endParaRPr>
+          </a:p>
+          <a:p>
+            <a:r>
+              <a:rPr lang="en-US" sz="600" dirty="0" smtClean="0">
+                <a:solidFill>
+                  <a:schemeClr val="tx1"/>
+                </a:solidFill>
+                <a:latin typeface="Times New Roman" pitchFamily="18" charset="0"/>
+                <a:cs typeface="Times New Roman" pitchFamily="18" charset="0"/>
+              </a:rPr>
+              <a:t>Public static void main(String[] </a:t>
+            </a:r>
+            <a:r>
+              <a:rPr lang="en-US" sz="600" dirty="0" err="1" smtClean="0">
+                <a:solidFill>
+                  <a:schemeClr val="tx1"/>
+                </a:solidFill>
+                <a:latin typeface="Times New Roman" pitchFamily="18" charset="0"/>
+                <a:cs typeface="Times New Roman" pitchFamily="18" charset="0"/>
+              </a:rPr>
+              <a:t>args</a:t>
+            </a:r>
+            <a:r>
+              <a:rPr lang="en-US" sz="600" dirty="0" smtClean="0">
+                <a:solidFill>
+                  <a:schemeClr val="tx1"/>
+                </a:solidFill>
+                <a:latin typeface="Times New Roman" pitchFamily="18" charset="0"/>
+                <a:cs typeface="Times New Roman" pitchFamily="18" charset="0"/>
+              </a:rPr>
+              <a:t>){}</a:t>
+            </a:r>
+            <a:endParaRPr lang="en-US" sz="600" dirty="0" smtClean="0">
+              <a:solidFill>
+                <a:schemeClr val="tx1"/>
+              </a:solidFill>
+              <a:latin typeface="Times New Roman" pitchFamily="18" charset="0"/>
+              <a:cs typeface="Times New Roman" pitchFamily="18" charset="0"/>
+            </a:endParaRPr>
+          </a:p>
+        </p:txBody>
+      </p:sp>
+      <p:sp>
+        <p:nvSpPr>
+          <p:cNvPr id="14" name="Прямоугольник 13"/>
+          <p:cNvSpPr/>
+          <p:nvPr/>
+        </p:nvSpPr>
+        <p:spPr>
+          <a:xfrm>
+            <a:off x="6858016" y="142852"/>
+            <a:ext cx="2143140" cy="1857388"/>
+          </a:xfrm>
+          <a:prstGeom prst="rect">
+            <a:avLst/>
+          </a:prstGeom>
+          <a:solidFill>
+            <a:schemeClr val="accent1">
+              <a:alpha val="0"/>
+            </a:schemeClr>
+          </a:solidFill>
+        </p:spPr>
+        <p:style>
+          <a:lnRef idx="2">
+            <a:schemeClr val="accent1">
+              <a:shade val="50000"/>
+            </a:schemeClr>
+          </a:lnRef>
+          <a:fillRef idx="1">
+            <a:schemeClr val="accent1"/>
+          </a:fillRef>
+          <a:effectRef idx="0">
+            <a:schemeClr val="accent1"/>
+          </a:effectRef>
+          <a:fontRef idx="minor">
+            <a:schemeClr val="lt1"/>
+          </a:fontRef>
+        </p:style>
+        <p:txBody>
+          <a:bodyPr rtlCol="0" anchor="ctr"/>
+          <a:lstStyle/>
+          <a:p>
+            <a:r>
+              <a:rPr lang="en-US" sz="600" dirty="0" smtClean="0">
+                <a:solidFill>
+                  <a:schemeClr val="tx1"/>
+                </a:solidFill>
+                <a:latin typeface="Times New Roman" pitchFamily="18" charset="0"/>
+                <a:cs typeface="Times New Roman" pitchFamily="18" charset="0"/>
+              </a:rPr>
+              <a:t>Package </a:t>
+            </a:r>
+            <a:r>
+              <a:rPr lang="en-US" sz="600" dirty="0" err="1" smtClean="0">
+                <a:solidFill>
+                  <a:schemeClr val="tx1"/>
+                </a:solidFill>
+                <a:latin typeface="Times New Roman" pitchFamily="18" charset="0"/>
+                <a:cs typeface="Times New Roman" pitchFamily="18" charset="0"/>
+              </a:rPr>
+              <a:t>ru.tsibrovskii.models</a:t>
+            </a:r>
+            <a:r>
+              <a:rPr lang="en-US" sz="600" dirty="0" smtClean="0">
+                <a:solidFill>
+                  <a:schemeClr val="tx1"/>
+                </a:solidFill>
+                <a:latin typeface="Times New Roman" pitchFamily="18" charset="0"/>
+                <a:cs typeface="Times New Roman" pitchFamily="18" charset="0"/>
+              </a:rPr>
+              <a:t>;</a:t>
+            </a:r>
+          </a:p>
+          <a:p>
+            <a:endParaRPr lang="en-US" sz="600" dirty="0" smtClean="0">
+              <a:solidFill>
+                <a:schemeClr val="tx1"/>
+              </a:solidFill>
+              <a:latin typeface="Times New Roman" pitchFamily="18" charset="0"/>
+              <a:cs typeface="Times New Roman" pitchFamily="18" charset="0"/>
+            </a:endParaRPr>
+          </a:p>
+          <a:p>
+            <a:r>
+              <a:rPr lang="en-US" sz="600" dirty="0" smtClean="0">
+                <a:solidFill>
+                  <a:schemeClr val="tx1"/>
+                </a:solidFill>
+                <a:latin typeface="Times New Roman" pitchFamily="18" charset="0"/>
+                <a:cs typeface="Times New Roman" pitchFamily="18" charset="0"/>
+              </a:rPr>
+              <a:t>Public class Item</a:t>
+            </a:r>
+          </a:p>
+          <a:p>
+            <a:endParaRPr lang="en-US" sz="600" dirty="0" smtClean="0">
+              <a:solidFill>
+                <a:schemeClr val="tx1"/>
+              </a:solidFill>
+              <a:latin typeface="Times New Roman" pitchFamily="18" charset="0"/>
+              <a:cs typeface="Times New Roman" pitchFamily="18" charset="0"/>
+            </a:endParaRPr>
+          </a:p>
+          <a:p>
+            <a:r>
+              <a:rPr lang="en-US" sz="600" dirty="0" smtClean="0">
+                <a:solidFill>
+                  <a:schemeClr val="tx1"/>
+                </a:solidFill>
+                <a:latin typeface="Times New Roman" pitchFamily="18" charset="0"/>
+                <a:cs typeface="Times New Roman" pitchFamily="18" charset="0"/>
+              </a:rPr>
+              <a:t>Private String id;</a:t>
+            </a:r>
+          </a:p>
+          <a:p>
+            <a:r>
+              <a:rPr lang="en-US" sz="600" dirty="0" smtClean="0">
+                <a:solidFill>
+                  <a:schemeClr val="tx1"/>
+                </a:solidFill>
+                <a:latin typeface="Times New Roman" pitchFamily="18" charset="0"/>
+                <a:cs typeface="Times New Roman" pitchFamily="18" charset="0"/>
+              </a:rPr>
+              <a:t>Public String name, description;</a:t>
+            </a:r>
+          </a:p>
+          <a:p>
+            <a:r>
+              <a:rPr lang="en-US" sz="600" dirty="0" smtClean="0">
+                <a:solidFill>
+                  <a:schemeClr val="tx1"/>
+                </a:solidFill>
+                <a:latin typeface="Times New Roman" pitchFamily="18" charset="0"/>
+                <a:cs typeface="Times New Roman" pitchFamily="18" charset="0"/>
+              </a:rPr>
+              <a:t>Public long create;</a:t>
+            </a:r>
+          </a:p>
+          <a:p>
+            <a:endParaRPr lang="en-US" sz="600" dirty="0" smtClean="0">
+              <a:solidFill>
+                <a:schemeClr val="tx1"/>
+              </a:solidFill>
+              <a:latin typeface="Times New Roman" pitchFamily="18" charset="0"/>
+              <a:cs typeface="Times New Roman" pitchFamily="18" charset="0"/>
+            </a:endParaRPr>
+          </a:p>
+          <a:p>
+            <a:r>
+              <a:rPr lang="en-US" sz="600" dirty="0" smtClean="0">
+                <a:solidFill>
+                  <a:schemeClr val="tx1"/>
+                </a:solidFill>
+                <a:latin typeface="Times New Roman" pitchFamily="18" charset="0"/>
+                <a:cs typeface="Times New Roman" pitchFamily="18" charset="0"/>
+              </a:rPr>
+              <a:t>Public Item(){}</a:t>
+            </a:r>
+          </a:p>
+          <a:p>
+            <a:r>
+              <a:rPr lang="en-US" sz="600" dirty="0" smtClean="0">
+                <a:solidFill>
+                  <a:schemeClr val="tx1"/>
+                </a:solidFill>
+                <a:latin typeface="Times New Roman" pitchFamily="18" charset="0"/>
+                <a:cs typeface="Times New Roman" pitchFamily="18" charset="0"/>
+              </a:rPr>
+              <a:t>Public Item(String name, String description, long create){}</a:t>
+            </a:r>
+          </a:p>
+          <a:p>
+            <a:endParaRPr lang="en-US" sz="600" dirty="0" smtClean="0">
+              <a:solidFill>
+                <a:schemeClr val="tx1"/>
+              </a:solidFill>
+              <a:latin typeface="Times New Roman" pitchFamily="18" charset="0"/>
+              <a:cs typeface="Times New Roman" pitchFamily="18" charset="0"/>
+            </a:endParaRPr>
+          </a:p>
+          <a:p>
+            <a:r>
+              <a:rPr lang="en-US" sz="600" dirty="0" smtClean="0">
+                <a:solidFill>
+                  <a:schemeClr val="tx1"/>
+                </a:solidFill>
+                <a:latin typeface="Times New Roman" pitchFamily="18" charset="0"/>
+                <a:cs typeface="Times New Roman" pitchFamily="18" charset="0"/>
+              </a:rPr>
+              <a:t>Public String </a:t>
+            </a:r>
+            <a:r>
+              <a:rPr lang="en-US" sz="600" dirty="0" err="1" smtClean="0">
+                <a:solidFill>
+                  <a:schemeClr val="tx1"/>
+                </a:solidFill>
+                <a:latin typeface="Times New Roman" pitchFamily="18" charset="0"/>
+                <a:cs typeface="Times New Roman" pitchFamily="18" charset="0"/>
+              </a:rPr>
+              <a:t>getName</a:t>
+            </a:r>
+            <a:r>
+              <a:rPr lang="en-US" sz="600" dirty="0" smtClean="0">
+                <a:solidFill>
+                  <a:schemeClr val="tx1"/>
+                </a:solidFill>
+                <a:latin typeface="Times New Roman" pitchFamily="18" charset="0"/>
+                <a:cs typeface="Times New Roman" pitchFamily="18" charset="0"/>
+              </a:rPr>
+              <a:t>(){}</a:t>
+            </a:r>
+          </a:p>
+          <a:p>
+            <a:r>
+              <a:rPr lang="en-US" sz="600" dirty="0" smtClean="0">
+                <a:solidFill>
+                  <a:schemeClr val="tx1"/>
+                </a:solidFill>
+                <a:latin typeface="Times New Roman" pitchFamily="18" charset="0"/>
+                <a:cs typeface="Times New Roman" pitchFamily="18" charset="0"/>
+              </a:rPr>
+              <a:t>Public String </a:t>
+            </a:r>
+            <a:r>
+              <a:rPr lang="en-US" sz="600" dirty="0" err="1" smtClean="0">
+                <a:solidFill>
+                  <a:schemeClr val="tx1"/>
+                </a:solidFill>
+                <a:latin typeface="Times New Roman" pitchFamily="18" charset="0"/>
+                <a:cs typeface="Times New Roman" pitchFamily="18" charset="0"/>
+              </a:rPr>
+              <a:t>getDescription</a:t>
+            </a:r>
+            <a:r>
+              <a:rPr lang="en-US" sz="600" dirty="0" smtClean="0">
+                <a:solidFill>
+                  <a:schemeClr val="tx1"/>
+                </a:solidFill>
+                <a:latin typeface="Times New Roman" pitchFamily="18" charset="0"/>
+                <a:cs typeface="Times New Roman" pitchFamily="18" charset="0"/>
+              </a:rPr>
+              <a:t>(){}</a:t>
+            </a:r>
+          </a:p>
+          <a:p>
+            <a:r>
+              <a:rPr lang="en-US" sz="600" dirty="0" smtClean="0">
+                <a:solidFill>
+                  <a:schemeClr val="tx1"/>
+                </a:solidFill>
+                <a:latin typeface="Times New Roman" pitchFamily="18" charset="0"/>
+                <a:cs typeface="Times New Roman" pitchFamily="18" charset="0"/>
+              </a:rPr>
+              <a:t>Public long </a:t>
+            </a:r>
+            <a:r>
+              <a:rPr lang="en-US" sz="600" dirty="0" err="1" smtClean="0">
+                <a:solidFill>
+                  <a:schemeClr val="tx1"/>
+                </a:solidFill>
+                <a:latin typeface="Times New Roman" pitchFamily="18" charset="0"/>
+                <a:cs typeface="Times New Roman" pitchFamily="18" charset="0"/>
+              </a:rPr>
+              <a:t>getCreate</a:t>
+            </a:r>
+            <a:r>
+              <a:rPr lang="en-US" sz="600" dirty="0" smtClean="0">
+                <a:solidFill>
+                  <a:schemeClr val="tx1"/>
+                </a:solidFill>
+                <a:latin typeface="Times New Roman" pitchFamily="18" charset="0"/>
+                <a:cs typeface="Times New Roman" pitchFamily="18" charset="0"/>
+              </a:rPr>
+              <a:t>(){}</a:t>
+            </a:r>
+          </a:p>
+          <a:p>
+            <a:r>
+              <a:rPr lang="en-US" sz="600" dirty="0" smtClean="0">
+                <a:solidFill>
+                  <a:schemeClr val="tx1"/>
+                </a:solidFill>
+                <a:latin typeface="Times New Roman" pitchFamily="18" charset="0"/>
+                <a:cs typeface="Times New Roman" pitchFamily="18" charset="0"/>
+              </a:rPr>
+              <a:t>Public String </a:t>
+            </a:r>
+            <a:r>
+              <a:rPr lang="en-US" sz="600" dirty="0" err="1" smtClean="0">
+                <a:solidFill>
+                  <a:schemeClr val="tx1"/>
+                </a:solidFill>
+                <a:latin typeface="Times New Roman" pitchFamily="18" charset="0"/>
+                <a:cs typeface="Times New Roman" pitchFamily="18" charset="0"/>
+              </a:rPr>
+              <a:t>getId</a:t>
+            </a:r>
+            <a:r>
+              <a:rPr lang="en-US" sz="600" dirty="0" smtClean="0">
+                <a:solidFill>
+                  <a:schemeClr val="tx1"/>
+                </a:solidFill>
+                <a:latin typeface="Times New Roman" pitchFamily="18" charset="0"/>
+                <a:cs typeface="Times New Roman" pitchFamily="18" charset="0"/>
+              </a:rPr>
+              <a:t>(){}</a:t>
+            </a:r>
+          </a:p>
+          <a:p>
+            <a:r>
+              <a:rPr lang="en-US" sz="600" dirty="0" smtClean="0">
+                <a:solidFill>
+                  <a:schemeClr val="tx1"/>
+                </a:solidFill>
+                <a:latin typeface="Times New Roman" pitchFamily="18" charset="0"/>
+                <a:cs typeface="Times New Roman" pitchFamily="18" charset="0"/>
+              </a:rPr>
+              <a:t>Public void </a:t>
+            </a:r>
+            <a:r>
+              <a:rPr lang="en-US" sz="600" dirty="0" err="1" smtClean="0">
+                <a:solidFill>
+                  <a:schemeClr val="tx1"/>
+                </a:solidFill>
+                <a:latin typeface="Times New Roman" pitchFamily="18" charset="0"/>
+                <a:cs typeface="Times New Roman" pitchFamily="18" charset="0"/>
+              </a:rPr>
+              <a:t>setId</a:t>
+            </a:r>
+            <a:r>
+              <a:rPr lang="en-US" sz="600" dirty="0" smtClean="0">
+                <a:solidFill>
+                  <a:schemeClr val="tx1"/>
+                </a:solidFill>
+                <a:latin typeface="Times New Roman" pitchFamily="18" charset="0"/>
+                <a:cs typeface="Times New Roman" pitchFamily="18" charset="0"/>
+              </a:rPr>
+              <a:t>(String id){}</a:t>
+            </a:r>
+            <a:endParaRPr lang="ru-RU" sz="600" dirty="0">
+              <a:solidFill>
+                <a:schemeClr val="tx1"/>
+              </a:solidFill>
+              <a:latin typeface="Times New Roman" pitchFamily="18" charset="0"/>
+              <a:cs typeface="Times New Roman" pitchFamily="18" charset="0"/>
+            </a:endParaRPr>
+          </a:p>
+        </p:txBody>
+      </p:sp>
+      <p:sp>
+        <p:nvSpPr>
+          <p:cNvPr id="15" name="Прямоугольник 14"/>
+          <p:cNvSpPr/>
+          <p:nvPr/>
+        </p:nvSpPr>
+        <p:spPr>
+          <a:xfrm>
+            <a:off x="6929454" y="2143116"/>
+            <a:ext cx="1636581" cy="807560"/>
+          </a:xfrm>
+          <a:prstGeom prst="rect">
+            <a:avLst/>
+          </a:prstGeom>
+          <a:solidFill>
+            <a:schemeClr val="accent1">
+              <a:alpha val="0"/>
+            </a:schemeClr>
+          </a:solidFill>
+        </p:spPr>
+        <p:style>
+          <a:lnRef idx="2">
+            <a:schemeClr val="accent1">
+              <a:shade val="50000"/>
+            </a:schemeClr>
+          </a:lnRef>
+          <a:fillRef idx="1">
+            <a:schemeClr val="accent1"/>
+          </a:fillRef>
+          <a:effectRef idx="0">
+            <a:schemeClr val="accent1"/>
+          </a:effectRef>
+          <a:fontRef idx="minor">
+            <a:schemeClr val="lt1"/>
+          </a:fontRef>
+        </p:style>
+        <p:txBody>
+          <a:bodyPr rtlCol="0" anchor="ctr"/>
+          <a:lstStyle/>
+          <a:p>
+            <a:r>
+              <a:rPr lang="en-US" sz="600" dirty="0" smtClean="0">
+                <a:solidFill>
+                  <a:schemeClr val="tx1"/>
+                </a:solidFill>
+                <a:latin typeface="Times New Roman" pitchFamily="18" charset="0"/>
+                <a:cs typeface="Times New Roman" pitchFamily="18" charset="0"/>
+              </a:rPr>
+              <a:t>Package </a:t>
+            </a:r>
+            <a:r>
+              <a:rPr lang="en-US" sz="600" dirty="0" err="1" smtClean="0">
+                <a:solidFill>
+                  <a:schemeClr val="tx1"/>
+                </a:solidFill>
+                <a:latin typeface="Times New Roman" pitchFamily="18" charset="0"/>
+                <a:cs typeface="Times New Roman" pitchFamily="18" charset="0"/>
+              </a:rPr>
+              <a:t>ru.tsibrovskii.models</a:t>
+            </a:r>
+            <a:r>
+              <a:rPr lang="en-US" sz="600" dirty="0" smtClean="0">
+                <a:solidFill>
+                  <a:schemeClr val="tx1"/>
+                </a:solidFill>
+                <a:latin typeface="Times New Roman" pitchFamily="18" charset="0"/>
+                <a:cs typeface="Times New Roman" pitchFamily="18" charset="0"/>
+              </a:rPr>
+              <a:t>;</a:t>
+            </a:r>
+          </a:p>
+          <a:p>
+            <a:endParaRPr lang="en-US" sz="600" dirty="0" smtClean="0">
+              <a:solidFill>
+                <a:schemeClr val="tx1"/>
+              </a:solidFill>
+              <a:latin typeface="Times New Roman" pitchFamily="18" charset="0"/>
+              <a:cs typeface="Times New Roman" pitchFamily="18" charset="0"/>
+            </a:endParaRPr>
+          </a:p>
+          <a:p>
+            <a:r>
+              <a:rPr lang="en-US" sz="600" dirty="0" smtClean="0">
+                <a:solidFill>
+                  <a:schemeClr val="tx1"/>
+                </a:solidFill>
+                <a:latin typeface="Times New Roman" pitchFamily="18" charset="0"/>
+                <a:cs typeface="Times New Roman" pitchFamily="18" charset="0"/>
+              </a:rPr>
+              <a:t>Public class Task extends Item</a:t>
+            </a:r>
+          </a:p>
+          <a:p>
+            <a:endParaRPr lang="en-US" sz="600" dirty="0" smtClean="0">
+              <a:solidFill>
+                <a:schemeClr val="tx1"/>
+              </a:solidFill>
+              <a:latin typeface="Times New Roman" pitchFamily="18" charset="0"/>
+              <a:cs typeface="Times New Roman" pitchFamily="18" charset="0"/>
+            </a:endParaRPr>
+          </a:p>
+          <a:p>
+            <a:r>
+              <a:rPr lang="en-US" sz="600" dirty="0" smtClean="0">
+                <a:solidFill>
+                  <a:schemeClr val="tx1"/>
+                </a:solidFill>
+                <a:latin typeface="Times New Roman" pitchFamily="18" charset="0"/>
+                <a:cs typeface="Times New Roman" pitchFamily="18" charset="0"/>
+              </a:rPr>
+              <a:t>Public Task(String name, String desk){}</a:t>
+            </a:r>
+          </a:p>
+          <a:p>
+            <a:endParaRPr lang="en-US" sz="600" dirty="0" smtClean="0">
+              <a:solidFill>
+                <a:schemeClr val="tx1"/>
+              </a:solidFill>
+              <a:latin typeface="Times New Roman" pitchFamily="18" charset="0"/>
+              <a:cs typeface="Times New Roman" pitchFamily="18" charset="0"/>
+            </a:endParaRPr>
+          </a:p>
+          <a:p>
+            <a:r>
+              <a:rPr lang="en-US" sz="600" dirty="0" smtClean="0">
+                <a:solidFill>
+                  <a:schemeClr val="tx1"/>
+                </a:solidFill>
+                <a:latin typeface="Times New Roman" pitchFamily="18" charset="0"/>
+                <a:cs typeface="Times New Roman" pitchFamily="18" charset="0"/>
+              </a:rPr>
+              <a:t>Public String </a:t>
+            </a:r>
+            <a:r>
+              <a:rPr lang="en-US" sz="600" dirty="0" err="1" smtClean="0">
+                <a:solidFill>
+                  <a:schemeClr val="tx1"/>
+                </a:solidFill>
+                <a:latin typeface="Times New Roman" pitchFamily="18" charset="0"/>
+                <a:cs typeface="Times New Roman" pitchFamily="18" charset="0"/>
+              </a:rPr>
+              <a:t>calculatePrice</a:t>
+            </a:r>
+            <a:r>
+              <a:rPr lang="en-US" sz="600" dirty="0" smtClean="0">
+                <a:solidFill>
+                  <a:schemeClr val="tx1"/>
+                </a:solidFill>
+                <a:latin typeface="Times New Roman" pitchFamily="18" charset="0"/>
+                <a:cs typeface="Times New Roman" pitchFamily="18" charset="0"/>
+              </a:rPr>
+              <a:t>(){}</a:t>
+            </a:r>
+            <a:endParaRPr lang="ru-RU" sz="600" dirty="0">
+              <a:solidFill>
+                <a:schemeClr val="tx1"/>
+              </a:solidFill>
+              <a:latin typeface="Times New Roman" pitchFamily="18" charset="0"/>
+              <a:cs typeface="Times New Roman" pitchFamily="18" charset="0"/>
+            </a:endParaRPr>
+          </a:p>
+        </p:txBody>
+      </p:sp>
+      <p:sp>
+        <p:nvSpPr>
+          <p:cNvPr id="16" name="Прямоугольник 15"/>
+          <p:cNvSpPr/>
+          <p:nvPr/>
+        </p:nvSpPr>
+        <p:spPr>
+          <a:xfrm>
+            <a:off x="6929454" y="3071810"/>
+            <a:ext cx="1130018" cy="444158"/>
+          </a:xfrm>
+          <a:prstGeom prst="rect">
+            <a:avLst/>
+          </a:prstGeom>
+          <a:solidFill>
+            <a:schemeClr val="accent1">
+              <a:alpha val="0"/>
+            </a:schemeClr>
+          </a:solidFill>
+        </p:spPr>
+        <p:style>
+          <a:lnRef idx="2">
+            <a:schemeClr val="accent1">
+              <a:shade val="50000"/>
+            </a:schemeClr>
+          </a:lnRef>
+          <a:fillRef idx="1">
+            <a:schemeClr val="accent1"/>
+          </a:fillRef>
+          <a:effectRef idx="0">
+            <a:schemeClr val="accent1"/>
+          </a:effectRef>
+          <a:fontRef idx="minor">
+            <a:schemeClr val="lt1"/>
+          </a:fontRef>
+        </p:style>
+        <p:txBody>
+          <a:bodyPr rtlCol="0" anchor="ctr"/>
+          <a:lstStyle/>
+          <a:p>
+            <a:r>
+              <a:rPr lang="en-US" sz="600" dirty="0" smtClean="0">
+                <a:solidFill>
+                  <a:schemeClr val="tx1"/>
+                </a:solidFill>
+                <a:latin typeface="Times New Roman" pitchFamily="18" charset="0"/>
+                <a:cs typeface="Times New Roman" pitchFamily="18" charset="0"/>
+              </a:rPr>
+              <a:t>Package </a:t>
+            </a:r>
+            <a:r>
+              <a:rPr lang="en-US" sz="600" dirty="0" err="1" smtClean="0">
+                <a:solidFill>
+                  <a:schemeClr val="tx1"/>
+                </a:solidFill>
+                <a:latin typeface="Times New Roman" pitchFamily="18" charset="0"/>
+                <a:cs typeface="Times New Roman" pitchFamily="18" charset="0"/>
+              </a:rPr>
+              <a:t>ru.tsibrovskii.models</a:t>
+            </a:r>
+            <a:r>
+              <a:rPr lang="en-US" sz="600" dirty="0" smtClean="0">
+                <a:solidFill>
+                  <a:schemeClr val="tx1"/>
+                </a:solidFill>
+                <a:latin typeface="Times New Roman" pitchFamily="18" charset="0"/>
+                <a:cs typeface="Times New Roman" pitchFamily="18" charset="0"/>
+              </a:rPr>
+              <a:t>;</a:t>
+            </a:r>
+          </a:p>
+          <a:p>
+            <a:endParaRPr lang="en-US" sz="600" dirty="0" smtClean="0">
+              <a:solidFill>
+                <a:schemeClr val="tx1"/>
+              </a:solidFill>
+              <a:latin typeface="Times New Roman" pitchFamily="18" charset="0"/>
+              <a:cs typeface="Times New Roman" pitchFamily="18" charset="0"/>
+            </a:endParaRPr>
+          </a:p>
+          <a:p>
+            <a:r>
+              <a:rPr lang="en-US" sz="600" dirty="0" smtClean="0">
+                <a:solidFill>
+                  <a:schemeClr val="tx1"/>
+                </a:solidFill>
+                <a:latin typeface="Times New Roman" pitchFamily="18" charset="0"/>
+                <a:cs typeface="Times New Roman" pitchFamily="18" charset="0"/>
+              </a:rPr>
+              <a:t>Public class Bug extends Item</a:t>
+            </a:r>
+          </a:p>
+        </p:txBody>
+      </p:sp>
+    </p:spTree>
+  </p:cSld>
+  <p:clrMapOvr>
+    <a:masterClrMapping/>
+  </p:clrMapOvr>
+</p:sld>
+</file>
+
+<file path=ppt/slides/slide2.xml><?xml version="1.0" encoding="utf-8"?>
+<p:sld xmlns:a="http://schemas.openxmlformats.org/drawingml/2006/main" xmlns:r="http://schemas.openxmlformats.org/officeDocument/2006/relationships" xmlns:p="http://schemas.openxmlformats.org/presentationml/2006/main">
+  <p:cSld>
+    <p:spTree>
+      <p:nvGrpSpPr>
+        <p:cNvPr id="1" name=""/>
+        <p:cNvGrpSpPr/>
+        <p:nvPr/>
+      </p:nvGrpSpPr>
+      <p:grpSpPr>
+        <a:xfrm>
+          <a:off x="0" y="0"/>
+          <a:ext cx="0" cy="0"/>
+          <a:chOff x="0" y="0"/>
+          <a:chExt cx="0" cy="0"/>
+        </a:xfrm>
+      </p:grpSpPr>
+      <p:sp>
+        <p:nvSpPr>
           <p:cNvPr id="5" name="Прямоугольник 4"/>
           <p:cNvSpPr/>
           <p:nvPr/>
@@ -3634,7 +6585,7 @@
 </p:sld>
 </file>
 
-<file path=ppt/slides/slide2.xml><?xml version="1.0" encoding="utf-8"?>
+<file path=ppt/slides/slide3.xml><?xml version="1.0" encoding="utf-8"?>
 <p:sld xmlns:a="http://schemas.openxmlformats.org/drawingml/2006/main" xmlns:r="http://schemas.openxmlformats.org/officeDocument/2006/relationships" xmlns:p="http://schemas.openxmlformats.org/presentationml/2006/main">
   <p:cSld>
     <p:spTree>

--- a/Tracker/tracker.pptx
+++ b/Tracker/tracker.pptx
@@ -6,8 +6,6 @@
   </p:sldMasterIdLst>
   <p:sldIdLst>
     <p:sldId id="260" r:id="rId2"/>
-    <p:sldId id="257" r:id="rId3"/>
-    <p:sldId id="258" r:id="rId4"/>
   </p:sldIdLst>
   <p:sldSz cx="9144000" cy="6858000" type="screen4x3"/>
   <p:notesSz cx="6858000" cy="9144000"/>
@@ -291,7 +289,7 @@
             <a:fld id="{0BF082C9-9648-4404-A278-BF68CA761A07}" type="datetimeFigureOut">
               <a:rPr lang="ru-RU" smtClean="0"/>
               <a:pPr/>
-              <a:t>11.09.2016</a:t>
+              <a:t>12.09.2016</a:t>
             </a:fld>
             <a:endParaRPr lang="ru-RU"/>
           </a:p>
@@ -458,7 +456,7 @@
             <a:fld id="{0BF082C9-9648-4404-A278-BF68CA761A07}" type="datetimeFigureOut">
               <a:rPr lang="ru-RU" smtClean="0"/>
               <a:pPr/>
-              <a:t>11.09.2016</a:t>
+              <a:t>12.09.2016</a:t>
             </a:fld>
             <a:endParaRPr lang="ru-RU"/>
           </a:p>
@@ -635,7 +633,7 @@
             <a:fld id="{0BF082C9-9648-4404-A278-BF68CA761A07}" type="datetimeFigureOut">
               <a:rPr lang="ru-RU" smtClean="0"/>
               <a:pPr/>
-              <a:t>11.09.2016</a:t>
+              <a:t>12.09.2016</a:t>
             </a:fld>
             <a:endParaRPr lang="ru-RU"/>
           </a:p>
@@ -802,7 +800,7 @@
             <a:fld id="{0BF082C9-9648-4404-A278-BF68CA761A07}" type="datetimeFigureOut">
               <a:rPr lang="ru-RU" smtClean="0"/>
               <a:pPr/>
-              <a:t>11.09.2016</a:t>
+              <a:t>12.09.2016</a:t>
             </a:fld>
             <a:endParaRPr lang="ru-RU"/>
           </a:p>
@@ -1045,7 +1043,7 @@
             <a:fld id="{0BF082C9-9648-4404-A278-BF68CA761A07}" type="datetimeFigureOut">
               <a:rPr lang="ru-RU" smtClean="0"/>
               <a:pPr/>
-              <a:t>11.09.2016</a:t>
+              <a:t>12.09.2016</a:t>
             </a:fld>
             <a:endParaRPr lang="ru-RU"/>
           </a:p>
@@ -1330,7 +1328,7 @@
             <a:fld id="{0BF082C9-9648-4404-A278-BF68CA761A07}" type="datetimeFigureOut">
               <a:rPr lang="ru-RU" smtClean="0"/>
               <a:pPr/>
-              <a:t>11.09.2016</a:t>
+              <a:t>12.09.2016</a:t>
             </a:fld>
             <a:endParaRPr lang="ru-RU"/>
           </a:p>
@@ -1749,7 +1747,7 @@
             <a:fld id="{0BF082C9-9648-4404-A278-BF68CA761A07}" type="datetimeFigureOut">
               <a:rPr lang="ru-RU" smtClean="0"/>
               <a:pPr/>
-              <a:t>11.09.2016</a:t>
+              <a:t>12.09.2016</a:t>
             </a:fld>
             <a:endParaRPr lang="ru-RU"/>
           </a:p>
@@ -1864,7 +1862,7 @@
             <a:fld id="{0BF082C9-9648-4404-A278-BF68CA761A07}" type="datetimeFigureOut">
               <a:rPr lang="ru-RU" smtClean="0"/>
               <a:pPr/>
-              <a:t>11.09.2016</a:t>
+              <a:t>12.09.2016</a:t>
             </a:fld>
             <a:endParaRPr lang="ru-RU"/>
           </a:p>
@@ -1956,7 +1954,7 @@
             <a:fld id="{0BF082C9-9648-4404-A278-BF68CA761A07}" type="datetimeFigureOut">
               <a:rPr lang="ru-RU" smtClean="0"/>
               <a:pPr/>
-              <a:t>11.09.2016</a:t>
+              <a:t>12.09.2016</a:t>
             </a:fld>
             <a:endParaRPr lang="ru-RU"/>
           </a:p>
@@ -2230,7 +2228,7 @@
             <a:fld id="{0BF082C9-9648-4404-A278-BF68CA761A07}" type="datetimeFigureOut">
               <a:rPr lang="ru-RU" smtClean="0"/>
               <a:pPr/>
-              <a:t>11.09.2016</a:t>
+              <a:t>12.09.2016</a:t>
             </a:fld>
             <a:endParaRPr lang="ru-RU"/>
           </a:p>
@@ -2480,7 +2478,7 @@
             <a:fld id="{0BF082C9-9648-4404-A278-BF68CA761A07}" type="datetimeFigureOut">
               <a:rPr lang="ru-RU" smtClean="0"/>
               <a:pPr/>
-              <a:t>11.09.2016</a:t>
+              <a:t>12.09.2016</a:t>
             </a:fld>
             <a:endParaRPr lang="ru-RU"/>
           </a:p>
@@ -2690,7 +2688,7 @@
             <a:fld id="{0BF082C9-9648-4404-A278-BF68CA761A07}" type="datetimeFigureOut">
               <a:rPr lang="ru-RU" smtClean="0"/>
               <a:pPr/>
-              <a:t>11.09.2016</a:t>
+              <a:t>12.09.2016</a:t>
             </a:fld>
             <a:endParaRPr lang="ru-RU"/>
           </a:p>
@@ -3069,7 +3067,7 @@
         </p:nvSpPr>
         <p:spPr>
           <a:xfrm>
-            <a:off x="0" y="1857364"/>
+            <a:off x="4214810" y="5000636"/>
             <a:ext cx="1888629" cy="1104893"/>
           </a:xfrm>
           <a:prstGeom prst="rect">
@@ -3347,13 +3345,6 @@
               </a:rPr>
               <a:t>[] range){}</a:t>
             </a:r>
-            <a:endParaRPr lang="en-US" sz="600" dirty="0" smtClean="0">
-              <a:solidFill>
-                <a:schemeClr val="tx1"/>
-              </a:solidFill>
-              <a:latin typeface="Times New Roman" pitchFamily="18" charset="0"/>
-              <a:cs typeface="Times New Roman" pitchFamily="18" charset="0"/>
-            </a:endParaRPr>
           </a:p>
         </p:txBody>
       </p:sp>
@@ -3365,7 +3356,7 @@
         </p:nvSpPr>
         <p:spPr>
           <a:xfrm>
-            <a:off x="3929058" y="0"/>
+            <a:off x="2357422" y="5072074"/>
             <a:ext cx="1366242" cy="761994"/>
           </a:xfrm>
           <a:prstGeom prst="rect">
@@ -3511,13 +3502,6 @@
               </a:rPr>
               <a:t>[] range);</a:t>
             </a:r>
-            <a:endParaRPr lang="en-US" sz="600" dirty="0" smtClean="0">
-              <a:solidFill>
-                <a:schemeClr val="tx1"/>
-              </a:solidFill>
-              <a:latin typeface="Times New Roman" pitchFamily="18" charset="0"/>
-              <a:cs typeface="Times New Roman" pitchFamily="18" charset="0"/>
-            </a:endParaRPr>
           </a:p>
         </p:txBody>
       </p:sp>
@@ -3529,7 +3513,7 @@
         </p:nvSpPr>
         <p:spPr>
           <a:xfrm>
-            <a:off x="0" y="3071810"/>
+            <a:off x="6429388" y="4286256"/>
             <a:ext cx="2210098" cy="647696"/>
           </a:xfrm>
           <a:prstGeom prst="rect">
@@ -3710,13 +3694,6 @@
               </a:rPr>
               <a:t>){}</a:t>
             </a:r>
-            <a:endParaRPr lang="en-US" sz="600" dirty="0" smtClean="0">
-              <a:solidFill>
-                <a:schemeClr val="tx1"/>
-              </a:solidFill>
-              <a:latin typeface="Times New Roman" pitchFamily="18" charset="0"/>
-              <a:cs typeface="Times New Roman" pitchFamily="18" charset="0"/>
-            </a:endParaRPr>
           </a:p>
         </p:txBody>
       </p:sp>
@@ -3728,7 +3705,7 @@
         </p:nvSpPr>
         <p:spPr>
           <a:xfrm>
-            <a:off x="2143108" y="0"/>
+            <a:off x="571472" y="428604"/>
             <a:ext cx="1647527" cy="761994"/>
           </a:xfrm>
           <a:prstGeom prst="rect">
@@ -3923,13 +3900,6 @@
               </a:rPr>
               <a:t>String info();</a:t>
             </a:r>
-            <a:endParaRPr lang="en-US" sz="600" dirty="0" smtClean="0">
-              <a:solidFill>
-                <a:schemeClr val="tx1"/>
-              </a:solidFill>
-              <a:latin typeface="Times New Roman" pitchFamily="18" charset="0"/>
-              <a:cs typeface="Times New Roman" pitchFamily="18" charset="0"/>
-            </a:endParaRPr>
           </a:p>
         </p:txBody>
       </p:sp>
@@ -3941,8 +3911,8 @@
         </p:nvSpPr>
         <p:spPr>
           <a:xfrm>
-            <a:off x="0" y="0"/>
-            <a:ext cx="1928794" cy="1714488"/>
+            <a:off x="3000364" y="285728"/>
+            <a:ext cx="1785950" cy="2071678"/>
           </a:xfrm>
           <a:prstGeom prst="rect">
             <a:avLst/>
@@ -4308,7 +4278,7 @@
                 <a:latin typeface="Times New Roman" pitchFamily="18" charset="0"/>
                 <a:cs typeface="Times New Roman" pitchFamily="18" charset="0"/>
               </a:rPr>
-              <a:t>getall</a:t>
+              <a:t>getAll</a:t>
             </a:r>
             <a:r>
               <a:rPr lang="en-US" sz="600" dirty="0" smtClean="0">
@@ -4320,6 +4290,72 @@
               </a:rPr>
               <a:t>(){}</a:t>
             </a:r>
+          </a:p>
+          <a:p>
+            <a:r>
+              <a:rPr lang="en-US" sz="600" dirty="0" smtClean="0">
+                <a:solidFill>
+                  <a:schemeClr val="tx1"/>
+                </a:solidFill>
+                <a:latin typeface="Times New Roman" pitchFamily="18" charset="0"/>
+                <a:cs typeface="Times New Roman" pitchFamily="18" charset="0"/>
+              </a:rPr>
+              <a:t>Public void </a:t>
+            </a:r>
+            <a:r>
+              <a:rPr lang="en-US" sz="600" dirty="0" err="1" smtClean="0">
+                <a:solidFill>
+                  <a:schemeClr val="tx1"/>
+                </a:solidFill>
+                <a:latin typeface="Times New Roman" pitchFamily="18" charset="0"/>
+                <a:cs typeface="Times New Roman" pitchFamily="18" charset="0"/>
+              </a:rPr>
+              <a:t>deleteItem</a:t>
+            </a:r>
+            <a:r>
+              <a:rPr lang="en-US" sz="600" dirty="0" smtClean="0">
+                <a:solidFill>
+                  <a:schemeClr val="tx1"/>
+                </a:solidFill>
+                <a:latin typeface="Times New Roman" pitchFamily="18" charset="0"/>
+                <a:cs typeface="Times New Roman" pitchFamily="18" charset="0"/>
+              </a:rPr>
+              <a:t>(String id){}</a:t>
+            </a:r>
+          </a:p>
+          <a:p>
+            <a:r>
+              <a:rPr lang="en-US" sz="600" dirty="0" smtClean="0">
+                <a:solidFill>
+                  <a:schemeClr val="tx1"/>
+                </a:solidFill>
+                <a:latin typeface="Times New Roman" pitchFamily="18" charset="0"/>
+                <a:cs typeface="Times New Roman" pitchFamily="18" charset="0"/>
+              </a:rPr>
+              <a:t>Public Item </a:t>
+            </a:r>
+            <a:r>
+              <a:rPr lang="en-US" sz="600" dirty="0" err="1" smtClean="0">
+                <a:solidFill>
+                  <a:schemeClr val="tx1"/>
+                </a:solidFill>
+                <a:latin typeface="Times New Roman" pitchFamily="18" charset="0"/>
+                <a:cs typeface="Times New Roman" pitchFamily="18" charset="0"/>
+              </a:rPr>
+              <a:t>filterItem</a:t>
+            </a:r>
+            <a:r>
+              <a:rPr lang="en-US" sz="600" dirty="0" smtClean="0">
+                <a:solidFill>
+                  <a:schemeClr val="tx1"/>
+                </a:solidFill>
+                <a:latin typeface="Times New Roman" pitchFamily="18" charset="0"/>
+                <a:cs typeface="Times New Roman" pitchFamily="18" charset="0"/>
+              </a:rPr>
+              <a:t>(Object filter){}</a:t>
+            </a:r>
+          </a:p>
+          <a:p>
             <a:endParaRPr lang="en-US" sz="600" dirty="0" smtClean="0">
               <a:solidFill>
                 <a:schemeClr val="tx1"/>
@@ -4338,7 +4374,7 @@
         </p:nvSpPr>
         <p:spPr>
           <a:xfrm>
-            <a:off x="0" y="4786322"/>
+            <a:off x="214282" y="5072074"/>
             <a:ext cx="1647527" cy="1104893"/>
           </a:xfrm>
           <a:prstGeom prst="rect">
@@ -4599,13 +4635,6 @@
               </a:rPr>
               <a:t>[] range){}</a:t>
             </a:r>
-            <a:endParaRPr lang="en-US" sz="600" dirty="0" smtClean="0">
-              <a:solidFill>
-                <a:schemeClr val="tx1"/>
-              </a:solidFill>
-              <a:latin typeface="Times New Roman" pitchFamily="18" charset="0"/>
-              <a:cs typeface="Times New Roman" pitchFamily="18" charset="0"/>
-            </a:endParaRPr>
           </a:p>
         </p:txBody>
       </p:sp>
@@ -4617,7 +4646,7 @@
         </p:nvSpPr>
         <p:spPr>
           <a:xfrm>
-            <a:off x="0" y="3857628"/>
+            <a:off x="285720" y="3643314"/>
             <a:ext cx="1486794" cy="761982"/>
           </a:xfrm>
           <a:prstGeom prst="rect">
@@ -4799,13 +4828,6 @@
               </a:rPr>
               <a:t>){}</a:t>
             </a:r>
-            <a:endParaRPr lang="en-US" sz="600" dirty="0" smtClean="0">
-              <a:solidFill>
-                <a:schemeClr val="tx1"/>
-              </a:solidFill>
-              <a:latin typeface="Times New Roman" pitchFamily="18" charset="0"/>
-              <a:cs typeface="Times New Roman" pitchFamily="18" charset="0"/>
-            </a:endParaRPr>
           </a:p>
         </p:txBody>
       </p:sp>
@@ -4817,7 +4839,7 @@
         </p:nvSpPr>
         <p:spPr>
           <a:xfrm>
-            <a:off x="0" y="6000768"/>
+            <a:off x="4214810" y="3571876"/>
             <a:ext cx="1808260" cy="647696"/>
           </a:xfrm>
           <a:prstGeom prst="rect">
@@ -4998,13 +5020,6 @@
               </a:rPr>
               <a:t>[] range){}</a:t>
             </a:r>
-            <a:endParaRPr lang="en-US" sz="600" dirty="0" smtClean="0">
-              <a:solidFill>
-                <a:schemeClr val="tx1"/>
-              </a:solidFill>
-              <a:latin typeface="Times New Roman" pitchFamily="18" charset="0"/>
-              <a:cs typeface="Times New Roman" pitchFamily="18" charset="0"/>
-            </a:endParaRPr>
           </a:p>
         </p:txBody>
       </p:sp>
@@ -5016,7 +5031,7 @@
         </p:nvSpPr>
         <p:spPr>
           <a:xfrm>
-            <a:off x="2143108" y="928670"/>
+            <a:off x="2428860" y="3000372"/>
             <a:ext cx="1486794" cy="1371590"/>
           </a:xfrm>
           <a:prstGeom prst="rect">
@@ -5332,13 +5347,6 @@
               </a:rPr>
               <a:t>Public void init(){}</a:t>
             </a:r>
-            <a:endParaRPr lang="en-US" sz="600" dirty="0" smtClean="0">
-              <a:solidFill>
-                <a:schemeClr val="tx1"/>
-              </a:solidFill>
-              <a:latin typeface="Times New Roman" pitchFamily="18" charset="0"/>
-              <a:cs typeface="Times New Roman" pitchFamily="18" charset="0"/>
-            </a:endParaRPr>
           </a:p>
           <a:p>
             <a:r>
@@ -5371,13 +5379,6 @@
               </a:rPr>
               <a:t>){}</a:t>
             </a:r>
-            <a:endParaRPr lang="en-US" sz="600" dirty="0" smtClean="0">
-              <a:solidFill>
-                <a:schemeClr val="tx1"/>
-              </a:solidFill>
-              <a:latin typeface="Times New Roman" pitchFamily="18" charset="0"/>
-              <a:cs typeface="Times New Roman" pitchFamily="18" charset="0"/>
-            </a:endParaRPr>
           </a:p>
         </p:txBody>
       </p:sp>
@@ -5389,8 +5390,8 @@
         </p:nvSpPr>
         <p:spPr>
           <a:xfrm>
-            <a:off x="6858016" y="142852"/>
-            <a:ext cx="2143140" cy="1857388"/>
+            <a:off x="7000860" y="0"/>
+            <a:ext cx="2143140" cy="1643074"/>
           </a:xfrm>
           <a:prstGeom prst="rect">
             <a:avLst/>
@@ -5737,7 +5738,7 @@
         </p:nvSpPr>
         <p:spPr>
           <a:xfrm>
-            <a:off x="6929454" y="2143116"/>
+            <a:off x="7507419" y="1714488"/>
             <a:ext cx="1636581" cy="807560"/>
           </a:xfrm>
           <a:prstGeom prst="rect">
@@ -5900,8 +5901,8 @@
         </p:nvSpPr>
         <p:spPr>
           <a:xfrm>
-            <a:off x="6929454" y="3071810"/>
-            <a:ext cx="1130018" cy="444158"/>
+            <a:off x="7215174" y="2571744"/>
+            <a:ext cx="1928826" cy="801348"/>
           </a:xfrm>
           <a:prstGeom prst="rect">
             <a:avLst/>
@@ -5981,543 +5982,152 @@
                 <a:latin typeface="Times New Roman" pitchFamily="18" charset="0"/>
                 <a:cs typeface="Times New Roman" pitchFamily="18" charset="0"/>
               </a:rPr>
-              <a:t>Public class Bug extends Item</a:t>
-            </a:r>
-          </a:p>
-        </p:txBody>
-      </p:sp>
-    </p:spTree>
-  </p:cSld>
-  <p:clrMapOvr>
-    <a:masterClrMapping/>
-  </p:clrMapOvr>
-</p:sld>
-</file>
-
-<file path=ppt/slides/slide2.xml><?xml version="1.0" encoding="utf-8"?>
-<p:sld xmlns:a="http://schemas.openxmlformats.org/drawingml/2006/main" xmlns:r="http://schemas.openxmlformats.org/officeDocument/2006/relationships" xmlns:p="http://schemas.openxmlformats.org/presentationml/2006/main">
-  <p:cSld>
-    <p:spTree>
-      <p:nvGrpSpPr>
-        <p:cNvPr id="1" name=""/>
-        <p:cNvGrpSpPr/>
-        <p:nvPr/>
-      </p:nvGrpSpPr>
-      <p:grpSpPr>
-        <a:xfrm>
-          <a:off x="0" y="0"/>
-          <a:ext cx="0" cy="0"/>
-          <a:chOff x="0" y="0"/>
-          <a:chExt cx="0" cy="0"/>
-        </a:xfrm>
-      </p:grpSpPr>
-      <p:sp>
-        <p:nvSpPr>
-          <p:cNvPr id="5" name="Прямоугольник 4"/>
-          <p:cNvSpPr/>
-          <p:nvPr/>
-        </p:nvSpPr>
-        <p:spPr>
-          <a:xfrm>
-            <a:off x="785786" y="857232"/>
-            <a:ext cx="2714644" cy="642942"/>
-          </a:xfrm>
-          <a:prstGeom prst="rect">
-            <a:avLst/>
-          </a:prstGeom>
-        </p:spPr>
-        <p:style>
-          <a:lnRef idx="2">
-            <a:schemeClr val="accent1"/>
-          </a:lnRef>
-          <a:fillRef idx="1">
-            <a:schemeClr val="lt1"/>
-          </a:fillRef>
-          <a:effectRef idx="0">
-            <a:schemeClr val="accent1"/>
-          </a:effectRef>
-          <a:fontRef idx="minor">
-            <a:schemeClr val="dk1"/>
-          </a:fontRef>
-        </p:style>
-        <p:txBody>
-          <a:bodyPr rtlCol="0" anchor="ctr"/>
-          <a:lstStyle/>
-          <a:p>
-            <a:endParaRPr lang="en-US" sz="1200" dirty="0" smtClean="0">
+              <a:t>Public class </a:t>
+            </a:r>
+            <a:r>
+              <a:rPr lang="en-US" sz="600" dirty="0" smtClean="0">
+                <a:solidFill>
+                  <a:schemeClr val="tx1"/>
+                </a:solidFill>
+                <a:latin typeface="Times New Roman" pitchFamily="18" charset="0"/>
+                <a:cs typeface="Times New Roman" pitchFamily="18" charset="0"/>
+              </a:rPr>
+              <a:t>Comment</a:t>
+            </a:r>
+            <a:r>
+              <a:rPr lang="en-US" sz="600" dirty="0" smtClean="0">
+                <a:solidFill>
+                  <a:schemeClr val="tx1"/>
+                </a:solidFill>
+                <a:latin typeface="Times New Roman" pitchFamily="18" charset="0"/>
+                <a:cs typeface="Times New Roman" pitchFamily="18" charset="0"/>
+              </a:rPr>
+              <a:t> </a:t>
+            </a:r>
+            <a:r>
+              <a:rPr lang="en-US" sz="600" dirty="0" smtClean="0">
+                <a:solidFill>
+                  <a:schemeClr val="tx1"/>
+                </a:solidFill>
+                <a:latin typeface="Times New Roman" pitchFamily="18" charset="0"/>
+                <a:cs typeface="Times New Roman" pitchFamily="18" charset="0"/>
+              </a:rPr>
+              <a:t>extends </a:t>
+            </a:r>
+            <a:r>
+              <a:rPr lang="en-US" sz="600" dirty="0" smtClean="0">
+                <a:solidFill>
+                  <a:schemeClr val="tx1"/>
+                </a:solidFill>
+                <a:latin typeface="Times New Roman" pitchFamily="18" charset="0"/>
+                <a:cs typeface="Times New Roman" pitchFamily="18" charset="0"/>
+              </a:rPr>
+              <a:t>Item</a:t>
+            </a:r>
+          </a:p>
+          <a:p>
+            <a:endParaRPr lang="en-US" sz="600" dirty="0" smtClean="0">
+              <a:solidFill>
+                <a:schemeClr val="tx1"/>
+              </a:solidFill>
               <a:latin typeface="Times New Roman" pitchFamily="18" charset="0"/>
               <a:cs typeface="Times New Roman" pitchFamily="18" charset="0"/>
             </a:endParaRPr>
           </a:p>
           <a:p>
-            <a:endParaRPr lang="en-US" sz="1200" dirty="0">
+            <a:r>
+              <a:rPr lang="en-US" sz="600" dirty="0" smtClean="0">
+                <a:solidFill>
+                  <a:schemeClr val="tx1"/>
+                </a:solidFill>
+                <a:latin typeface="Times New Roman" pitchFamily="18" charset="0"/>
+                <a:cs typeface="Times New Roman" pitchFamily="18" charset="0"/>
+              </a:rPr>
+              <a:t>Private String </a:t>
+            </a:r>
+            <a:r>
+              <a:rPr lang="en-US" sz="600" dirty="0" err="1" smtClean="0">
+                <a:solidFill>
+                  <a:schemeClr val="tx1"/>
+                </a:solidFill>
+                <a:latin typeface="Times New Roman" pitchFamily="18" charset="0"/>
+                <a:cs typeface="Times New Roman" pitchFamily="18" charset="0"/>
+              </a:rPr>
+              <a:t>commentarii</a:t>
+            </a:r>
+            <a:r>
+              <a:rPr lang="en-US" sz="600" dirty="0" smtClean="0">
+                <a:solidFill>
+                  <a:schemeClr val="tx1"/>
+                </a:solidFill>
+                <a:latin typeface="Times New Roman" pitchFamily="18" charset="0"/>
+                <a:cs typeface="Times New Roman" pitchFamily="18" charset="0"/>
+              </a:rPr>
+              <a:t>;</a:t>
+            </a:r>
+          </a:p>
+          <a:p>
+            <a:endParaRPr lang="en-US" sz="600" dirty="0" smtClean="0">
+              <a:solidFill>
+                <a:schemeClr val="tx1"/>
+              </a:solidFill>
               <a:latin typeface="Times New Roman" pitchFamily="18" charset="0"/>
               <a:cs typeface="Times New Roman" pitchFamily="18" charset="0"/>
             </a:endParaRPr>
           </a:p>
           <a:p>
-            <a:pPr algn="ctr"/>
-            <a:r>
-              <a:rPr lang="en-US" sz="1200" dirty="0" smtClean="0">
-                <a:latin typeface="Times New Roman" pitchFamily="18" charset="0"/>
-                <a:cs typeface="Times New Roman" pitchFamily="18" charset="0"/>
-              </a:rPr>
-              <a:t>Class Tracker</a:t>
-            </a:r>
-          </a:p>
-          <a:p>
-            <a:r>
-              <a:rPr lang="en-US" sz="1200" dirty="0" smtClean="0">
-                <a:latin typeface="Times New Roman" pitchFamily="18" charset="0"/>
-                <a:cs typeface="Times New Roman" pitchFamily="18" charset="0"/>
-              </a:rPr>
-              <a:t>Public static void main(String[] </a:t>
-            </a:r>
-            <a:r>
-              <a:rPr lang="en-US" sz="1200" dirty="0" err="1" smtClean="0">
-                <a:latin typeface="Times New Roman" pitchFamily="18" charset="0"/>
-                <a:cs typeface="Times New Roman" pitchFamily="18" charset="0"/>
-              </a:rPr>
-              <a:t>args</a:t>
-            </a:r>
-            <a:r>
-              <a:rPr lang="en-US" sz="1200" dirty="0" smtClean="0">
-                <a:latin typeface="Times New Roman" pitchFamily="18" charset="0"/>
-                <a:cs typeface="Times New Roman" pitchFamily="18" charset="0"/>
-              </a:rPr>
-              <a:t>) {}</a:t>
-            </a:r>
-            <a:endParaRPr lang="en-US" sz="1200" dirty="0">
+            <a:r>
+              <a:rPr lang="en-US" sz="600" dirty="0" smtClean="0">
+                <a:solidFill>
+                  <a:schemeClr val="tx1"/>
+                </a:solidFill>
+                <a:latin typeface="Times New Roman" pitchFamily="18" charset="0"/>
+                <a:cs typeface="Times New Roman" pitchFamily="18" charset="0"/>
+              </a:rPr>
+              <a:t>Public Comment(String id, String </a:t>
+            </a:r>
+            <a:r>
+              <a:rPr lang="en-US" sz="600" dirty="0" err="1" smtClean="0">
+                <a:solidFill>
+                  <a:schemeClr val="tx1"/>
+                </a:solidFill>
+                <a:latin typeface="Times New Roman" pitchFamily="18" charset="0"/>
+                <a:cs typeface="Times New Roman" pitchFamily="18" charset="0"/>
+              </a:rPr>
+              <a:t>commentarii</a:t>
+            </a:r>
+            <a:r>
+              <a:rPr lang="en-US" sz="600" dirty="0" smtClean="0">
+                <a:solidFill>
+                  <a:schemeClr val="tx1"/>
+                </a:solidFill>
+                <a:latin typeface="Times New Roman" pitchFamily="18" charset="0"/>
+                <a:cs typeface="Times New Roman" pitchFamily="18" charset="0"/>
+              </a:rPr>
+              <a:t>){}</a:t>
+            </a:r>
+            <a:endParaRPr lang="en-US" sz="600" dirty="0" smtClean="0">
+              <a:solidFill>
+                <a:schemeClr val="tx1"/>
+              </a:solidFill>
               <a:latin typeface="Times New Roman" pitchFamily="18" charset="0"/>
               <a:cs typeface="Times New Roman" pitchFamily="18" charset="0"/>
             </a:endParaRPr>
           </a:p>
-          <a:p>
-            <a:endParaRPr lang="ru-RU" sz="1200" dirty="0" smtClean="0">
-              <a:latin typeface="Times New Roman" pitchFamily="18" charset="0"/>
-              <a:cs typeface="Times New Roman" pitchFamily="18" charset="0"/>
-            </a:endParaRPr>
-          </a:p>
-          <a:p>
-            <a:endParaRPr lang="ru-RU" sz="1200" dirty="0">
-              <a:latin typeface="Times New Roman" pitchFamily="18" charset="0"/>
-              <a:cs typeface="Times New Roman" pitchFamily="18" charset="0"/>
-            </a:endParaRPr>
-          </a:p>
-        </p:txBody>
-      </p:sp>
-      <p:sp>
-        <p:nvSpPr>
-          <p:cNvPr id="7" name="Прямоугольник 6"/>
-          <p:cNvSpPr/>
-          <p:nvPr/>
-        </p:nvSpPr>
-        <p:spPr>
-          <a:xfrm>
-            <a:off x="357158" y="4714884"/>
-            <a:ext cx="5000660" cy="1428760"/>
-          </a:xfrm>
-          <a:prstGeom prst="rect">
-            <a:avLst/>
-          </a:prstGeom>
-        </p:spPr>
-        <p:style>
-          <a:lnRef idx="2">
-            <a:schemeClr val="accent1"/>
-          </a:lnRef>
-          <a:fillRef idx="1">
-            <a:schemeClr val="lt1"/>
-          </a:fillRef>
-          <a:effectRef idx="0">
-            <a:schemeClr val="accent1"/>
-          </a:effectRef>
-          <a:fontRef idx="minor">
-            <a:schemeClr val="dk1"/>
-          </a:fontRef>
-        </p:style>
-        <p:txBody>
-          <a:bodyPr rtlCol="0" anchor="ctr"/>
-          <a:lstStyle/>
-          <a:p>
-            <a:endParaRPr lang="en-US" sz="1200" dirty="0" smtClean="0">
-              <a:latin typeface="Times New Roman" pitchFamily="18" charset="0"/>
-              <a:cs typeface="Times New Roman" pitchFamily="18" charset="0"/>
-            </a:endParaRPr>
-          </a:p>
-          <a:p>
-            <a:endParaRPr lang="en-US" sz="1200" dirty="0">
-              <a:latin typeface="Times New Roman" pitchFamily="18" charset="0"/>
-              <a:cs typeface="Times New Roman" pitchFamily="18" charset="0"/>
-            </a:endParaRPr>
-          </a:p>
-          <a:p>
-            <a:pPr algn="ctr"/>
-            <a:r>
-              <a:rPr lang="en-US" sz="1200" dirty="0" smtClean="0">
-                <a:latin typeface="Times New Roman" pitchFamily="18" charset="0"/>
-                <a:cs typeface="Times New Roman" pitchFamily="18" charset="0"/>
-              </a:rPr>
-              <a:t>Class </a:t>
-            </a:r>
-            <a:r>
-              <a:rPr lang="en-US" sz="1200" dirty="0">
-                <a:latin typeface="Times New Roman" pitchFamily="18" charset="0"/>
-                <a:cs typeface="Times New Roman" pitchFamily="18" charset="0"/>
-              </a:rPr>
-              <a:t>R</a:t>
-            </a:r>
-            <a:r>
-              <a:rPr lang="en-US" sz="1200" dirty="0" smtClean="0">
-                <a:latin typeface="Times New Roman" pitchFamily="18" charset="0"/>
-                <a:cs typeface="Times New Roman" pitchFamily="18" charset="0"/>
-              </a:rPr>
-              <a:t>equest</a:t>
-            </a:r>
-          </a:p>
-          <a:p>
-            <a:r>
-              <a:rPr lang="en-US" sz="1200" dirty="0" smtClean="0">
-                <a:latin typeface="Times New Roman" pitchFamily="18" charset="0"/>
-                <a:cs typeface="Times New Roman" pitchFamily="18" charset="0"/>
-              </a:rPr>
-              <a:t>String name;</a:t>
-            </a:r>
-          </a:p>
-          <a:p>
-            <a:r>
-              <a:rPr lang="en-US" sz="1200" dirty="0" smtClean="0">
-                <a:latin typeface="Times New Roman" pitchFamily="18" charset="0"/>
-                <a:cs typeface="Times New Roman" pitchFamily="18" charset="0"/>
-              </a:rPr>
-              <a:t>String description;</a:t>
-            </a:r>
-          </a:p>
-          <a:p>
-            <a:r>
-              <a:rPr lang="en-US" sz="1200" dirty="0" smtClean="0">
-                <a:latin typeface="Times New Roman" pitchFamily="18" charset="0"/>
-                <a:cs typeface="Times New Roman" pitchFamily="18" charset="0"/>
-              </a:rPr>
-              <a:t>Long time;</a:t>
-            </a:r>
-          </a:p>
-          <a:p>
-            <a:r>
-              <a:rPr lang="en-US" sz="1200" dirty="0" smtClean="0">
-                <a:latin typeface="Times New Roman" pitchFamily="18" charset="0"/>
-                <a:cs typeface="Times New Roman" pitchFamily="18" charset="0"/>
-              </a:rPr>
-              <a:t>String comments;</a:t>
-            </a:r>
-          </a:p>
-          <a:p>
-            <a:endParaRPr lang="en-US" sz="1200" dirty="0">
-              <a:latin typeface="Times New Roman" pitchFamily="18" charset="0"/>
-              <a:cs typeface="Times New Roman" pitchFamily="18" charset="0"/>
-            </a:endParaRPr>
-          </a:p>
-          <a:p>
-            <a:r>
-              <a:rPr lang="en-US" sz="1200" dirty="0" smtClean="0">
-                <a:latin typeface="Times New Roman" pitchFamily="18" charset="0"/>
-                <a:cs typeface="Times New Roman" pitchFamily="18" charset="0"/>
-              </a:rPr>
-              <a:t>public Request(String name, String description, Long time, String comments);</a:t>
-            </a:r>
-            <a:endParaRPr lang="en-US" sz="1200" dirty="0">
-              <a:latin typeface="Times New Roman" pitchFamily="18" charset="0"/>
-              <a:cs typeface="Times New Roman" pitchFamily="18" charset="0"/>
-            </a:endParaRPr>
-          </a:p>
-          <a:p>
-            <a:endParaRPr lang="ru-RU" sz="1200" dirty="0" smtClean="0">
-              <a:latin typeface="Times New Roman" pitchFamily="18" charset="0"/>
-              <a:cs typeface="Times New Roman" pitchFamily="18" charset="0"/>
-            </a:endParaRPr>
-          </a:p>
-          <a:p>
-            <a:endParaRPr lang="ru-RU" sz="1200" dirty="0">
-              <a:latin typeface="Times New Roman" pitchFamily="18" charset="0"/>
-              <a:cs typeface="Times New Roman" pitchFamily="18" charset="0"/>
-            </a:endParaRPr>
-          </a:p>
-        </p:txBody>
-      </p:sp>
-      <p:sp>
-        <p:nvSpPr>
-          <p:cNvPr id="8" name="Прямоугольник 7"/>
-          <p:cNvSpPr/>
-          <p:nvPr/>
-        </p:nvSpPr>
-        <p:spPr>
-          <a:xfrm>
-            <a:off x="4929190" y="214290"/>
-            <a:ext cx="4071966" cy="4286280"/>
-          </a:xfrm>
-          <a:prstGeom prst="rect">
-            <a:avLst/>
-          </a:prstGeom>
-        </p:spPr>
-        <p:style>
-          <a:lnRef idx="2">
-            <a:schemeClr val="accent1"/>
-          </a:lnRef>
-          <a:fillRef idx="1">
-            <a:schemeClr val="lt1"/>
-          </a:fillRef>
-          <a:effectRef idx="0">
-            <a:schemeClr val="accent1"/>
-          </a:effectRef>
-          <a:fontRef idx="minor">
-            <a:schemeClr val="dk1"/>
-          </a:fontRef>
-        </p:style>
-        <p:txBody>
-          <a:bodyPr rtlCol="0" anchor="ctr"/>
-          <a:lstStyle/>
-          <a:p>
-            <a:pPr algn="ctr"/>
-            <a:r>
-              <a:rPr lang="en-US" sz="1200" dirty="0" smtClean="0">
-                <a:latin typeface="Times New Roman" pitchFamily="18" charset="0"/>
-                <a:cs typeface="Times New Roman" pitchFamily="18" charset="0"/>
-              </a:rPr>
-              <a:t>Class Processing</a:t>
-            </a:r>
-          </a:p>
-          <a:p>
-            <a:r>
-              <a:rPr lang="en-US" sz="1200" dirty="0" err="1" smtClean="0">
-                <a:latin typeface="Times New Roman" pitchFamily="18" charset="0"/>
-                <a:cs typeface="Times New Roman" pitchFamily="18" charset="0"/>
-              </a:rPr>
-              <a:t>int</a:t>
-            </a:r>
-            <a:r>
-              <a:rPr lang="en-US" sz="1200" dirty="0" smtClean="0">
-                <a:latin typeface="Times New Roman" pitchFamily="18" charset="0"/>
-                <a:cs typeface="Times New Roman" pitchFamily="18" charset="0"/>
-              </a:rPr>
-              <a:t> </a:t>
-            </a:r>
-            <a:r>
-              <a:rPr lang="en-US" sz="1200" dirty="0" err="1" smtClean="0">
-                <a:latin typeface="Times New Roman" pitchFamily="18" charset="0"/>
-                <a:cs typeface="Times New Roman" pitchFamily="18" charset="0"/>
-              </a:rPr>
-              <a:t>i</a:t>
-            </a:r>
-            <a:r>
-              <a:rPr lang="en-US" sz="1200" dirty="0" smtClean="0">
-                <a:latin typeface="Times New Roman" pitchFamily="18" charset="0"/>
-                <a:cs typeface="Times New Roman" pitchFamily="18" charset="0"/>
-              </a:rPr>
-              <a:t> = 1;</a:t>
-            </a:r>
-          </a:p>
-          <a:p>
-            <a:r>
-              <a:rPr lang="en-US" sz="1200" dirty="0" smtClean="0">
-                <a:latin typeface="Times New Roman" pitchFamily="18" charset="0"/>
-                <a:cs typeface="Times New Roman" pitchFamily="18" charset="0"/>
-              </a:rPr>
-              <a:t>Request[] </a:t>
-            </a:r>
-            <a:r>
-              <a:rPr lang="en-US" sz="1200" dirty="0" err="1" smtClean="0">
-                <a:latin typeface="Times New Roman" pitchFamily="18" charset="0"/>
-                <a:cs typeface="Times New Roman" pitchFamily="18" charset="0"/>
-              </a:rPr>
-              <a:t>req</a:t>
-            </a:r>
-            <a:r>
-              <a:rPr lang="en-US" sz="1200" dirty="0" smtClean="0">
-                <a:latin typeface="Times New Roman" pitchFamily="18" charset="0"/>
-                <a:cs typeface="Times New Roman" pitchFamily="18" charset="0"/>
-              </a:rPr>
-              <a:t> = new Request[100];</a:t>
-            </a:r>
-          </a:p>
-          <a:p>
-            <a:endParaRPr lang="en-US" sz="1200" dirty="0" smtClean="0">
-              <a:latin typeface="Times New Roman" pitchFamily="18" charset="0"/>
-              <a:cs typeface="Times New Roman" pitchFamily="18" charset="0"/>
-            </a:endParaRPr>
-          </a:p>
-          <a:p>
-            <a:r>
-              <a:rPr lang="en-US" sz="1200" dirty="0" smtClean="0">
-                <a:latin typeface="Times New Roman" pitchFamily="18" charset="0"/>
-                <a:cs typeface="Times New Roman" pitchFamily="18" charset="0"/>
-              </a:rPr>
-              <a:t>String name;</a:t>
-            </a:r>
-          </a:p>
-          <a:p>
-            <a:r>
-              <a:rPr lang="en-US" sz="1200" dirty="0" smtClean="0">
-                <a:latin typeface="Times New Roman" pitchFamily="18" charset="0"/>
-                <a:cs typeface="Times New Roman" pitchFamily="18" charset="0"/>
-              </a:rPr>
-              <a:t>String description;</a:t>
-            </a:r>
-          </a:p>
-          <a:p>
-            <a:r>
-              <a:rPr lang="en-US" sz="1200" dirty="0" smtClean="0">
-                <a:latin typeface="Times New Roman" pitchFamily="18" charset="0"/>
-                <a:cs typeface="Times New Roman" pitchFamily="18" charset="0"/>
-              </a:rPr>
-              <a:t>Long time;</a:t>
-            </a:r>
-          </a:p>
-          <a:p>
-            <a:r>
-              <a:rPr lang="en-US" sz="1200" dirty="0" smtClean="0">
-                <a:latin typeface="Times New Roman" pitchFamily="18" charset="0"/>
-                <a:cs typeface="Times New Roman" pitchFamily="18" charset="0"/>
-              </a:rPr>
-              <a:t>String comments;</a:t>
-            </a:r>
-          </a:p>
-          <a:p>
-            <a:endParaRPr lang="en-US" sz="1200" dirty="0" smtClean="0">
-              <a:latin typeface="Times New Roman" pitchFamily="18" charset="0"/>
-              <a:cs typeface="Times New Roman" pitchFamily="18" charset="0"/>
-            </a:endParaRPr>
-          </a:p>
-          <a:p>
-            <a:endParaRPr lang="en-US" sz="1200" dirty="0" smtClean="0">
-              <a:latin typeface="Times New Roman" pitchFamily="18" charset="0"/>
-              <a:cs typeface="Times New Roman" pitchFamily="18" charset="0"/>
-            </a:endParaRPr>
-          </a:p>
-          <a:p>
-            <a:r>
-              <a:rPr lang="en-US" sz="1200" dirty="0" smtClean="0">
-                <a:latin typeface="Times New Roman" pitchFamily="18" charset="0"/>
-                <a:cs typeface="Times New Roman" pitchFamily="18" charset="0"/>
-              </a:rPr>
-              <a:t>public void add(name, description, time, comments) {}</a:t>
-            </a:r>
-            <a:endParaRPr lang="en-US" sz="1200" dirty="0">
-              <a:latin typeface="Times New Roman" pitchFamily="18" charset="0"/>
-              <a:cs typeface="Times New Roman" pitchFamily="18" charset="0"/>
-            </a:endParaRPr>
-          </a:p>
-          <a:p>
-            <a:endParaRPr lang="en-US" sz="1200" dirty="0" smtClean="0">
-              <a:latin typeface="Times New Roman" pitchFamily="18" charset="0"/>
-              <a:cs typeface="Times New Roman" pitchFamily="18" charset="0"/>
-            </a:endParaRPr>
-          </a:p>
-          <a:p>
-            <a:r>
-              <a:rPr lang="en-US" sz="1200" dirty="0" smtClean="0">
-                <a:latin typeface="Times New Roman" pitchFamily="18" charset="0"/>
-                <a:cs typeface="Times New Roman" pitchFamily="18" charset="0"/>
-              </a:rPr>
-              <a:t>public void change(j, name, description, time, comments) {}</a:t>
-            </a:r>
-            <a:endParaRPr lang="en-US" sz="1200" dirty="0">
-              <a:latin typeface="Times New Roman" pitchFamily="18" charset="0"/>
-              <a:cs typeface="Times New Roman" pitchFamily="18" charset="0"/>
-            </a:endParaRPr>
-          </a:p>
-          <a:p>
-            <a:endParaRPr lang="en-US" sz="1200" dirty="0" smtClean="0">
-              <a:latin typeface="Times New Roman" pitchFamily="18" charset="0"/>
-              <a:cs typeface="Times New Roman" pitchFamily="18" charset="0"/>
-            </a:endParaRPr>
-          </a:p>
-          <a:p>
-            <a:r>
-              <a:rPr lang="en-US" sz="1200" dirty="0" smtClean="0">
-                <a:latin typeface="Times New Roman" pitchFamily="18" charset="0"/>
-                <a:cs typeface="Times New Roman" pitchFamily="18" charset="0"/>
-              </a:rPr>
-              <a:t>public void delete(j) {}</a:t>
-            </a:r>
-            <a:endParaRPr lang="en-US" sz="1200" dirty="0">
-              <a:latin typeface="Times New Roman" pitchFamily="18" charset="0"/>
-              <a:cs typeface="Times New Roman" pitchFamily="18" charset="0"/>
-            </a:endParaRPr>
-          </a:p>
-          <a:p>
-            <a:endParaRPr lang="en-US" sz="1200" dirty="0" smtClean="0">
-              <a:latin typeface="Times New Roman" pitchFamily="18" charset="0"/>
-              <a:cs typeface="Times New Roman" pitchFamily="18" charset="0"/>
-            </a:endParaRPr>
-          </a:p>
-          <a:p>
-            <a:r>
-              <a:rPr lang="en-US" sz="1200" dirty="0" smtClean="0">
-                <a:latin typeface="Times New Roman" pitchFamily="18" charset="0"/>
-                <a:cs typeface="Times New Roman" pitchFamily="18" charset="0"/>
-              </a:rPr>
-              <a:t>public void output(j) {}</a:t>
-            </a:r>
-            <a:endParaRPr lang="en-US" sz="1200" dirty="0">
-              <a:latin typeface="Times New Roman" pitchFamily="18" charset="0"/>
-              <a:cs typeface="Times New Roman" pitchFamily="18" charset="0"/>
-            </a:endParaRPr>
-          </a:p>
-          <a:p>
-            <a:endParaRPr lang="en-US" sz="1200" dirty="0" smtClean="0">
-              <a:latin typeface="Times New Roman" pitchFamily="18" charset="0"/>
-              <a:cs typeface="Times New Roman" pitchFamily="18" charset="0"/>
-            </a:endParaRPr>
-          </a:p>
-          <a:p>
-            <a:r>
-              <a:rPr lang="en-US" sz="1200" dirty="0" smtClean="0">
-                <a:latin typeface="Times New Roman" pitchFamily="18" charset="0"/>
-                <a:cs typeface="Times New Roman" pitchFamily="18" charset="0"/>
-              </a:rPr>
-              <a:t>public void output(j, condition) {}</a:t>
-            </a:r>
-          </a:p>
-          <a:p>
-            <a:endParaRPr lang="en-US" sz="1200" dirty="0">
-              <a:latin typeface="Times New Roman" pitchFamily="18" charset="0"/>
-              <a:cs typeface="Times New Roman" pitchFamily="18" charset="0"/>
-            </a:endParaRPr>
-          </a:p>
-          <a:p>
-            <a:r>
-              <a:rPr lang="en-US" sz="1200" dirty="0" smtClean="0">
-                <a:latin typeface="Times New Roman" pitchFamily="18" charset="0"/>
-                <a:cs typeface="Times New Roman" pitchFamily="18" charset="0"/>
-              </a:rPr>
-              <a:t>public void comment(j, comment) {}</a:t>
-            </a:r>
-          </a:p>
-          <a:p>
-            <a:endParaRPr lang="ru-RU" sz="1200" dirty="0" smtClean="0">
-              <a:latin typeface="Times New Roman" pitchFamily="18" charset="0"/>
-              <a:cs typeface="Times New Roman" pitchFamily="18" charset="0"/>
-            </a:endParaRPr>
-          </a:p>
-          <a:p>
-            <a:endParaRPr lang="ru-RU" sz="1200" dirty="0">
-              <a:latin typeface="Times New Roman" pitchFamily="18" charset="0"/>
-              <a:cs typeface="Times New Roman" pitchFamily="18" charset="0"/>
-            </a:endParaRPr>
-          </a:p>
         </p:txBody>
       </p:sp>
       <p:cxnSp>
         <p:nvCxnSpPr>
-          <p:cNvPr id="11" name="Прямая со стрелкой 10"/>
+          <p:cNvPr id="20" name="Прямая со стрелкой 19"/>
           <p:cNvCxnSpPr>
-            <a:stCxn id="5" idx="3"/>
+            <a:stCxn id="14" idx="1"/>
           </p:cNvCxnSpPr>
           <p:nvPr/>
         </p:nvCxnSpPr>
         <p:spPr>
-          <a:xfrm>
-            <a:off x="3500430" y="1178703"/>
-            <a:ext cx="1428760" cy="750099"/>
+          <a:xfrm rot="10800000">
+            <a:off x="4786314" y="714357"/>
+            <a:ext cx="2214546" cy="107181"/>
           </a:xfrm>
           <a:prstGeom prst="straightConnector1">
             <a:avLst/>
@@ -6543,1138 +6153,17 @@
       </p:cxnSp>
       <p:cxnSp>
         <p:nvCxnSpPr>
-          <p:cNvPr id="13" name="Прямая со стрелкой 12"/>
+          <p:cNvPr id="22" name="Прямая со стрелкой 21"/>
           <p:cNvCxnSpPr>
-            <a:stCxn id="8" idx="1"/>
-            <a:endCxn id="7" idx="0"/>
+            <a:stCxn id="15" idx="1"/>
+            <a:endCxn id="9" idx="3"/>
           </p:cNvCxnSpPr>
           <p:nvPr/>
         </p:nvCxnSpPr>
         <p:spPr>
-          <a:xfrm rot="10800000" flipV="1">
-            <a:off x="2857488" y="2357430"/>
-            <a:ext cx="2071702" cy="2357454"/>
-          </a:xfrm>
-          <a:prstGeom prst="straightConnector1">
-            <a:avLst/>
-          </a:prstGeom>
-          <a:ln>
-            <a:tailEnd type="arrow"/>
-          </a:ln>
-        </p:spPr>
-        <p:style>
-          <a:lnRef idx="1">
-            <a:schemeClr val="accent1"/>
-          </a:lnRef>
-          <a:fillRef idx="0">
-            <a:schemeClr val="accent1"/>
-          </a:fillRef>
-          <a:effectRef idx="0">
-            <a:schemeClr val="accent1"/>
-          </a:effectRef>
-          <a:fontRef idx="minor">
-            <a:schemeClr val="tx1"/>
-          </a:fontRef>
-        </p:style>
-      </p:cxnSp>
-    </p:spTree>
-  </p:cSld>
-  <p:clrMapOvr>
-    <a:masterClrMapping/>
-  </p:clrMapOvr>
-</p:sld>
-</file>
-
-<file path=ppt/slides/slide3.xml><?xml version="1.0" encoding="utf-8"?>
-<p:sld xmlns:a="http://schemas.openxmlformats.org/drawingml/2006/main" xmlns:r="http://schemas.openxmlformats.org/officeDocument/2006/relationships" xmlns:p="http://schemas.openxmlformats.org/presentationml/2006/main">
-  <p:cSld>
-    <p:spTree>
-      <p:nvGrpSpPr>
-        <p:cNvPr id="1" name=""/>
-        <p:cNvGrpSpPr/>
-        <p:nvPr/>
-      </p:nvGrpSpPr>
-      <p:grpSpPr>
-        <a:xfrm>
-          <a:off x="0" y="0"/>
-          <a:ext cx="0" cy="0"/>
-          <a:chOff x="0" y="0"/>
-          <a:chExt cx="0" cy="0"/>
-        </a:xfrm>
-      </p:grpSpPr>
-      <p:sp>
-        <p:nvSpPr>
-          <p:cNvPr id="5" name="Прямоугольник 4"/>
-          <p:cNvSpPr/>
-          <p:nvPr/>
-        </p:nvSpPr>
-        <p:spPr>
-          <a:xfrm>
-            <a:off x="3857620" y="142852"/>
-            <a:ext cx="1071570" cy="285752"/>
-          </a:xfrm>
-          <a:prstGeom prst="rect">
-            <a:avLst/>
-          </a:prstGeom>
-        </p:spPr>
-        <p:style>
-          <a:lnRef idx="2">
-            <a:schemeClr val="accent1"/>
-          </a:lnRef>
-          <a:fillRef idx="1">
-            <a:schemeClr val="lt1"/>
-          </a:fillRef>
-          <a:effectRef idx="0">
-            <a:schemeClr val="accent1"/>
-          </a:effectRef>
-          <a:fontRef idx="minor">
-            <a:schemeClr val="dk1"/>
-          </a:fontRef>
-        </p:style>
-        <p:txBody>
-          <a:bodyPr rtlCol="0" anchor="ctr"/>
-          <a:lstStyle/>
-          <a:p>
-            <a:pPr algn="ctr"/>
-            <a:r>
-              <a:rPr lang="ru-RU" sz="1200" dirty="0" smtClean="0">
-                <a:latin typeface="Times New Roman" pitchFamily="18" charset="0"/>
-                <a:cs typeface="Times New Roman" pitchFamily="18" charset="0"/>
-              </a:rPr>
-              <a:t>Приветствие</a:t>
-            </a:r>
-            <a:endParaRPr lang="ru-RU" sz="1200" dirty="0">
-              <a:latin typeface="Times New Roman" pitchFamily="18" charset="0"/>
-              <a:cs typeface="Times New Roman" pitchFamily="18" charset="0"/>
-            </a:endParaRPr>
-          </a:p>
-        </p:txBody>
-      </p:sp>
-      <p:sp>
-        <p:nvSpPr>
-          <p:cNvPr id="6" name="Прямоугольник 5"/>
-          <p:cNvSpPr/>
-          <p:nvPr/>
-        </p:nvSpPr>
-        <p:spPr>
-          <a:xfrm>
-            <a:off x="2643174" y="785794"/>
-            <a:ext cx="3429024" cy="1357322"/>
-          </a:xfrm>
-          <a:prstGeom prst="rect">
-            <a:avLst/>
-          </a:prstGeom>
-        </p:spPr>
-        <p:style>
-          <a:lnRef idx="2">
-            <a:schemeClr val="accent1"/>
-          </a:lnRef>
-          <a:fillRef idx="1">
-            <a:schemeClr val="lt1"/>
-          </a:fillRef>
-          <a:effectRef idx="0">
-            <a:schemeClr val="accent1"/>
-          </a:effectRef>
-          <a:fontRef idx="minor">
-            <a:schemeClr val="dk1"/>
-          </a:fontRef>
-        </p:style>
-        <p:txBody>
-          <a:bodyPr rtlCol="0" anchor="ctr"/>
-          <a:lstStyle/>
-          <a:p>
-            <a:pPr marL="228600" indent="-228600"/>
-            <a:r>
-              <a:rPr lang="ru-RU" sz="1200" dirty="0" smtClean="0">
-                <a:latin typeface="Times New Roman" pitchFamily="18" charset="0"/>
-                <a:cs typeface="Times New Roman" pitchFamily="18" charset="0"/>
-              </a:rPr>
-              <a:t>1. Добавление новой записи</a:t>
-            </a:r>
-          </a:p>
-          <a:p>
-            <a:pPr marL="228600" indent="-228600"/>
-            <a:r>
-              <a:rPr lang="ru-RU" sz="1200" dirty="0" smtClean="0">
-                <a:latin typeface="Times New Roman" pitchFamily="18" charset="0"/>
-                <a:cs typeface="Times New Roman" pitchFamily="18" charset="0"/>
-              </a:rPr>
-              <a:t>2. Редактирование записи</a:t>
-            </a:r>
-          </a:p>
-          <a:p>
-            <a:pPr marL="228600" indent="-228600"/>
-            <a:r>
-              <a:rPr lang="ru-RU" sz="1200" dirty="0" smtClean="0">
-                <a:latin typeface="Times New Roman" pitchFamily="18" charset="0"/>
-                <a:cs typeface="Times New Roman" pitchFamily="18" charset="0"/>
-              </a:rPr>
-              <a:t>3. Удаление записи</a:t>
-            </a:r>
-          </a:p>
-          <a:p>
-            <a:pPr marL="228600" indent="-228600"/>
-            <a:r>
-              <a:rPr lang="ru-RU" sz="1200" dirty="0" smtClean="0">
-                <a:latin typeface="Times New Roman" pitchFamily="18" charset="0"/>
-                <a:cs typeface="Times New Roman" pitchFamily="18" charset="0"/>
-              </a:rPr>
-              <a:t>4. Отображение списка заявок</a:t>
-            </a:r>
-          </a:p>
-          <a:p>
-            <a:pPr marL="228600" indent="-228600"/>
-            <a:r>
-              <a:rPr lang="ru-RU" sz="1200" dirty="0" smtClean="0">
-                <a:latin typeface="Times New Roman" pitchFamily="18" charset="0"/>
-                <a:cs typeface="Times New Roman" pitchFamily="18" charset="0"/>
-              </a:rPr>
-              <a:t>5. Отображение списка заявок с учетом фильтра</a:t>
-            </a:r>
-          </a:p>
-          <a:p>
-            <a:pPr marL="228600" indent="-228600"/>
-            <a:r>
-              <a:rPr lang="ru-RU" sz="1200" dirty="0" smtClean="0">
-                <a:latin typeface="Times New Roman" pitchFamily="18" charset="0"/>
-                <a:cs typeface="Times New Roman" pitchFamily="18" charset="0"/>
-              </a:rPr>
-              <a:t>6. Добавить комментарий в заявку</a:t>
-            </a:r>
-          </a:p>
-          <a:p>
-            <a:pPr marL="228600" indent="-228600"/>
-            <a:r>
-              <a:rPr lang="ru-RU" sz="1200" dirty="0" smtClean="0">
-                <a:latin typeface="Times New Roman" pitchFamily="18" charset="0"/>
-                <a:cs typeface="Times New Roman" pitchFamily="18" charset="0"/>
-              </a:rPr>
-              <a:t>7. Выход</a:t>
-            </a:r>
-            <a:endParaRPr lang="ru-RU" sz="1200" dirty="0">
-              <a:latin typeface="Times New Roman" pitchFamily="18" charset="0"/>
-              <a:cs typeface="Times New Roman" pitchFamily="18" charset="0"/>
-            </a:endParaRPr>
-          </a:p>
-        </p:txBody>
-      </p:sp>
-      <p:sp>
-        <p:nvSpPr>
-          <p:cNvPr id="7" name="Прямоугольник 6"/>
-          <p:cNvSpPr/>
-          <p:nvPr/>
-        </p:nvSpPr>
-        <p:spPr>
-          <a:xfrm>
-            <a:off x="857224" y="2571744"/>
-            <a:ext cx="428628" cy="285752"/>
-          </a:xfrm>
-          <a:prstGeom prst="rect">
-            <a:avLst/>
-          </a:prstGeom>
-        </p:spPr>
-        <p:style>
-          <a:lnRef idx="2">
-            <a:schemeClr val="accent2"/>
-          </a:lnRef>
-          <a:fillRef idx="1">
-            <a:schemeClr val="lt1"/>
-          </a:fillRef>
-          <a:effectRef idx="0">
-            <a:schemeClr val="accent2"/>
-          </a:effectRef>
-          <a:fontRef idx="minor">
-            <a:schemeClr val="dk1"/>
-          </a:fontRef>
-        </p:style>
-        <p:txBody>
-          <a:bodyPr rtlCol="0" anchor="ctr"/>
-          <a:lstStyle/>
-          <a:p>
-            <a:pPr algn="ctr"/>
-            <a:r>
-              <a:rPr lang="ru-RU" sz="1200" dirty="0" smtClean="0">
-                <a:latin typeface="Times New Roman" pitchFamily="18" charset="0"/>
-                <a:cs typeface="Times New Roman" pitchFamily="18" charset="0"/>
-              </a:rPr>
-              <a:t>1</a:t>
-            </a:r>
-            <a:endParaRPr lang="ru-RU" sz="1200" dirty="0">
-              <a:latin typeface="Times New Roman" pitchFamily="18" charset="0"/>
-              <a:cs typeface="Times New Roman" pitchFamily="18" charset="0"/>
-            </a:endParaRPr>
-          </a:p>
-        </p:txBody>
-      </p:sp>
-      <p:sp>
-        <p:nvSpPr>
-          <p:cNvPr id="8" name="Прямоугольник 7"/>
-          <p:cNvSpPr/>
-          <p:nvPr/>
-        </p:nvSpPr>
-        <p:spPr>
-          <a:xfrm>
-            <a:off x="2071670" y="2571744"/>
-            <a:ext cx="428628" cy="285752"/>
-          </a:xfrm>
-          <a:prstGeom prst="rect">
-            <a:avLst/>
-          </a:prstGeom>
-        </p:spPr>
-        <p:style>
-          <a:lnRef idx="2">
-            <a:schemeClr val="accent2"/>
-          </a:lnRef>
-          <a:fillRef idx="1">
-            <a:schemeClr val="lt1"/>
-          </a:fillRef>
-          <a:effectRef idx="0">
-            <a:schemeClr val="accent2"/>
-          </a:effectRef>
-          <a:fontRef idx="minor">
-            <a:schemeClr val="dk1"/>
-          </a:fontRef>
-        </p:style>
-        <p:txBody>
-          <a:bodyPr rtlCol="0" anchor="ctr"/>
-          <a:lstStyle/>
-          <a:p>
-            <a:pPr algn="ctr"/>
-            <a:r>
-              <a:rPr lang="ru-RU" sz="1200" dirty="0" smtClean="0">
-                <a:latin typeface="Times New Roman" pitchFamily="18" charset="0"/>
-                <a:cs typeface="Times New Roman" pitchFamily="18" charset="0"/>
-              </a:rPr>
-              <a:t>2</a:t>
-            </a:r>
-            <a:endParaRPr lang="ru-RU" sz="1200" dirty="0">
-              <a:latin typeface="Times New Roman" pitchFamily="18" charset="0"/>
-              <a:cs typeface="Times New Roman" pitchFamily="18" charset="0"/>
-            </a:endParaRPr>
-          </a:p>
-        </p:txBody>
-      </p:sp>
-      <p:sp>
-        <p:nvSpPr>
-          <p:cNvPr id="9" name="Прямоугольник 8"/>
-          <p:cNvSpPr/>
-          <p:nvPr/>
-        </p:nvSpPr>
-        <p:spPr>
-          <a:xfrm>
-            <a:off x="3214678" y="2571744"/>
-            <a:ext cx="428628" cy="285752"/>
-          </a:xfrm>
-          <a:prstGeom prst="rect">
-            <a:avLst/>
-          </a:prstGeom>
-        </p:spPr>
-        <p:style>
-          <a:lnRef idx="2">
-            <a:schemeClr val="accent2"/>
-          </a:lnRef>
-          <a:fillRef idx="1">
-            <a:schemeClr val="lt1"/>
-          </a:fillRef>
-          <a:effectRef idx="0">
-            <a:schemeClr val="accent2"/>
-          </a:effectRef>
-          <a:fontRef idx="minor">
-            <a:schemeClr val="dk1"/>
-          </a:fontRef>
-        </p:style>
-        <p:txBody>
-          <a:bodyPr rtlCol="0" anchor="ctr"/>
-          <a:lstStyle/>
-          <a:p>
-            <a:pPr algn="ctr"/>
-            <a:r>
-              <a:rPr lang="ru-RU" sz="1200" dirty="0" smtClean="0">
-                <a:latin typeface="Times New Roman" pitchFamily="18" charset="0"/>
-                <a:cs typeface="Times New Roman" pitchFamily="18" charset="0"/>
-              </a:rPr>
-              <a:t>3</a:t>
-            </a:r>
-            <a:endParaRPr lang="ru-RU" sz="1200" dirty="0">
-              <a:latin typeface="Times New Roman" pitchFamily="18" charset="0"/>
-              <a:cs typeface="Times New Roman" pitchFamily="18" charset="0"/>
-            </a:endParaRPr>
-          </a:p>
-        </p:txBody>
-      </p:sp>
-      <p:sp>
-        <p:nvSpPr>
-          <p:cNvPr id="10" name="Прямоугольник 9"/>
-          <p:cNvSpPr/>
-          <p:nvPr/>
-        </p:nvSpPr>
-        <p:spPr>
-          <a:xfrm>
-            <a:off x="4429124" y="2571744"/>
-            <a:ext cx="428628" cy="285752"/>
-          </a:xfrm>
-          <a:prstGeom prst="rect">
-            <a:avLst/>
-          </a:prstGeom>
-        </p:spPr>
-        <p:style>
-          <a:lnRef idx="2">
-            <a:schemeClr val="accent2"/>
-          </a:lnRef>
-          <a:fillRef idx="1">
-            <a:schemeClr val="lt1"/>
-          </a:fillRef>
-          <a:effectRef idx="0">
-            <a:schemeClr val="accent2"/>
-          </a:effectRef>
-          <a:fontRef idx="minor">
-            <a:schemeClr val="dk1"/>
-          </a:fontRef>
-        </p:style>
-        <p:txBody>
-          <a:bodyPr rtlCol="0" anchor="ctr"/>
-          <a:lstStyle/>
-          <a:p>
-            <a:pPr algn="ctr"/>
-            <a:r>
-              <a:rPr lang="ru-RU" sz="1200" dirty="0" smtClean="0">
-                <a:latin typeface="Times New Roman" pitchFamily="18" charset="0"/>
-                <a:cs typeface="Times New Roman" pitchFamily="18" charset="0"/>
-              </a:rPr>
-              <a:t>4</a:t>
-            </a:r>
-            <a:endParaRPr lang="ru-RU" sz="1200" dirty="0">
-              <a:latin typeface="Times New Roman" pitchFamily="18" charset="0"/>
-              <a:cs typeface="Times New Roman" pitchFamily="18" charset="0"/>
-            </a:endParaRPr>
-          </a:p>
-        </p:txBody>
-      </p:sp>
-      <p:sp>
-        <p:nvSpPr>
-          <p:cNvPr id="11" name="Прямоугольник 10"/>
-          <p:cNvSpPr/>
-          <p:nvPr/>
-        </p:nvSpPr>
-        <p:spPr>
-          <a:xfrm>
-            <a:off x="5500694" y="2571744"/>
-            <a:ext cx="428628" cy="285752"/>
-          </a:xfrm>
-          <a:prstGeom prst="rect">
-            <a:avLst/>
-          </a:prstGeom>
-        </p:spPr>
-        <p:style>
-          <a:lnRef idx="2">
-            <a:schemeClr val="accent2"/>
-          </a:lnRef>
-          <a:fillRef idx="1">
-            <a:schemeClr val="lt1"/>
-          </a:fillRef>
-          <a:effectRef idx="0">
-            <a:schemeClr val="accent2"/>
-          </a:effectRef>
-          <a:fontRef idx="minor">
-            <a:schemeClr val="dk1"/>
-          </a:fontRef>
-        </p:style>
-        <p:txBody>
-          <a:bodyPr rtlCol="0" anchor="ctr"/>
-          <a:lstStyle/>
-          <a:p>
-            <a:pPr algn="ctr"/>
-            <a:r>
-              <a:rPr lang="ru-RU" sz="1200" dirty="0" smtClean="0">
-                <a:latin typeface="Times New Roman" pitchFamily="18" charset="0"/>
-                <a:cs typeface="Times New Roman" pitchFamily="18" charset="0"/>
-              </a:rPr>
-              <a:t>5</a:t>
-            </a:r>
-            <a:endParaRPr lang="ru-RU" sz="1200" dirty="0">
-              <a:latin typeface="Times New Roman" pitchFamily="18" charset="0"/>
-              <a:cs typeface="Times New Roman" pitchFamily="18" charset="0"/>
-            </a:endParaRPr>
-          </a:p>
-        </p:txBody>
-      </p:sp>
-      <p:sp>
-        <p:nvSpPr>
-          <p:cNvPr id="12" name="Прямоугольник 11"/>
-          <p:cNvSpPr/>
-          <p:nvPr/>
-        </p:nvSpPr>
-        <p:spPr>
-          <a:xfrm>
-            <a:off x="7000892" y="2571744"/>
-            <a:ext cx="428628" cy="285752"/>
-          </a:xfrm>
-          <a:prstGeom prst="rect">
-            <a:avLst/>
-          </a:prstGeom>
-        </p:spPr>
-        <p:style>
-          <a:lnRef idx="2">
-            <a:schemeClr val="accent2"/>
-          </a:lnRef>
-          <a:fillRef idx="1">
-            <a:schemeClr val="lt1"/>
-          </a:fillRef>
-          <a:effectRef idx="0">
-            <a:schemeClr val="accent2"/>
-          </a:effectRef>
-          <a:fontRef idx="minor">
-            <a:schemeClr val="dk1"/>
-          </a:fontRef>
-        </p:style>
-        <p:txBody>
-          <a:bodyPr rtlCol="0" anchor="ctr"/>
-          <a:lstStyle/>
-          <a:p>
-            <a:pPr algn="ctr"/>
-            <a:r>
-              <a:rPr lang="ru-RU" sz="1200" dirty="0" smtClean="0">
-                <a:latin typeface="Times New Roman" pitchFamily="18" charset="0"/>
-                <a:cs typeface="Times New Roman" pitchFamily="18" charset="0"/>
-              </a:rPr>
-              <a:t>6</a:t>
-            </a:r>
-            <a:endParaRPr lang="ru-RU" sz="1200" dirty="0">
-              <a:latin typeface="Times New Roman" pitchFamily="18" charset="0"/>
-              <a:cs typeface="Times New Roman" pitchFamily="18" charset="0"/>
-            </a:endParaRPr>
-          </a:p>
-        </p:txBody>
-      </p:sp>
-      <p:sp>
-        <p:nvSpPr>
-          <p:cNvPr id="13" name="Прямоугольник 12"/>
-          <p:cNvSpPr/>
-          <p:nvPr/>
-        </p:nvSpPr>
-        <p:spPr>
-          <a:xfrm>
-            <a:off x="7929586" y="2571744"/>
-            <a:ext cx="428628" cy="285752"/>
-          </a:xfrm>
-          <a:prstGeom prst="rect">
-            <a:avLst/>
-          </a:prstGeom>
-        </p:spPr>
-        <p:style>
-          <a:lnRef idx="2">
-            <a:schemeClr val="accent2"/>
-          </a:lnRef>
-          <a:fillRef idx="1">
-            <a:schemeClr val="lt1"/>
-          </a:fillRef>
-          <a:effectRef idx="0">
-            <a:schemeClr val="accent2"/>
-          </a:effectRef>
-          <a:fontRef idx="minor">
-            <a:schemeClr val="dk1"/>
-          </a:fontRef>
-        </p:style>
-        <p:txBody>
-          <a:bodyPr rtlCol="0" anchor="ctr"/>
-          <a:lstStyle/>
-          <a:p>
-            <a:pPr algn="ctr"/>
-            <a:r>
-              <a:rPr lang="ru-RU" sz="1200" dirty="0" smtClean="0">
-                <a:latin typeface="Times New Roman" pitchFamily="18" charset="0"/>
-                <a:cs typeface="Times New Roman" pitchFamily="18" charset="0"/>
-              </a:rPr>
-              <a:t>7</a:t>
-            </a:r>
-            <a:endParaRPr lang="ru-RU" sz="1200" dirty="0">
-              <a:latin typeface="Times New Roman" pitchFamily="18" charset="0"/>
-              <a:cs typeface="Times New Roman" pitchFamily="18" charset="0"/>
-            </a:endParaRPr>
-          </a:p>
-        </p:txBody>
-      </p:sp>
-      <p:sp>
-        <p:nvSpPr>
-          <p:cNvPr id="15" name="Прямоугольник 14"/>
-          <p:cNvSpPr/>
-          <p:nvPr/>
-        </p:nvSpPr>
-        <p:spPr>
-          <a:xfrm>
-            <a:off x="642910" y="3286124"/>
-            <a:ext cx="857256" cy="428628"/>
-          </a:xfrm>
-          <a:prstGeom prst="rect">
-            <a:avLst/>
-          </a:prstGeom>
-        </p:spPr>
-        <p:style>
-          <a:lnRef idx="2">
-            <a:schemeClr val="accent1"/>
-          </a:lnRef>
-          <a:fillRef idx="1">
-            <a:schemeClr val="lt1"/>
-          </a:fillRef>
-          <a:effectRef idx="0">
-            <a:schemeClr val="accent1"/>
-          </a:effectRef>
-          <a:fontRef idx="minor">
-            <a:schemeClr val="dk1"/>
-          </a:fontRef>
-        </p:style>
-        <p:txBody>
-          <a:bodyPr rtlCol="0" anchor="ctr"/>
-          <a:lstStyle/>
-          <a:p>
-            <a:pPr algn="ctr"/>
-            <a:r>
-              <a:rPr lang="ru-RU" sz="1200" dirty="0" smtClean="0">
-                <a:latin typeface="Times New Roman" pitchFamily="18" charset="0"/>
-                <a:cs typeface="Times New Roman" pitchFamily="18" charset="0"/>
-              </a:rPr>
-              <a:t>Введите данные</a:t>
-            </a:r>
-            <a:endParaRPr lang="ru-RU" sz="1200" dirty="0">
-              <a:latin typeface="Times New Roman" pitchFamily="18" charset="0"/>
-              <a:cs typeface="Times New Roman" pitchFamily="18" charset="0"/>
-            </a:endParaRPr>
-          </a:p>
-        </p:txBody>
-      </p:sp>
-      <p:sp>
-        <p:nvSpPr>
-          <p:cNvPr id="16" name="Прямоугольник 15"/>
-          <p:cNvSpPr/>
-          <p:nvPr/>
-        </p:nvSpPr>
-        <p:spPr>
-          <a:xfrm>
-            <a:off x="1714480" y="3286124"/>
-            <a:ext cx="1143008" cy="785818"/>
-          </a:xfrm>
-          <a:prstGeom prst="rect">
-            <a:avLst/>
-          </a:prstGeom>
-        </p:spPr>
-        <p:style>
-          <a:lnRef idx="2">
-            <a:schemeClr val="accent1"/>
-          </a:lnRef>
-          <a:fillRef idx="1">
-            <a:schemeClr val="lt1"/>
-          </a:fillRef>
-          <a:effectRef idx="0">
-            <a:schemeClr val="accent1"/>
-          </a:effectRef>
-          <a:fontRef idx="minor">
-            <a:schemeClr val="dk1"/>
-          </a:fontRef>
-        </p:style>
-        <p:txBody>
-          <a:bodyPr rtlCol="0" anchor="ctr"/>
-          <a:lstStyle/>
-          <a:p>
-            <a:pPr algn="ctr"/>
-            <a:r>
-              <a:rPr lang="ru-RU" sz="1200" dirty="0" smtClean="0">
-                <a:latin typeface="Times New Roman" pitchFamily="18" charset="0"/>
-                <a:cs typeface="Times New Roman" pitchFamily="18" charset="0"/>
-              </a:rPr>
-              <a:t>Введите</a:t>
-            </a:r>
-          </a:p>
-          <a:p>
-            <a:pPr algn="ctr"/>
-            <a:r>
-              <a:rPr lang="ru-RU" sz="1200" dirty="0" smtClean="0">
-                <a:latin typeface="Times New Roman" pitchFamily="18" charset="0"/>
-                <a:cs typeface="Times New Roman" pitchFamily="18" charset="0"/>
-              </a:rPr>
-              <a:t>номер и изменяемые данные</a:t>
-            </a:r>
-            <a:endParaRPr lang="ru-RU" sz="1200" dirty="0">
-              <a:latin typeface="Times New Roman" pitchFamily="18" charset="0"/>
-              <a:cs typeface="Times New Roman" pitchFamily="18" charset="0"/>
-            </a:endParaRPr>
-          </a:p>
-        </p:txBody>
-      </p:sp>
-      <p:sp>
-        <p:nvSpPr>
-          <p:cNvPr id="17" name="Прямоугольник 16"/>
-          <p:cNvSpPr/>
-          <p:nvPr/>
-        </p:nvSpPr>
-        <p:spPr>
-          <a:xfrm>
-            <a:off x="3000364" y="3286124"/>
-            <a:ext cx="857256" cy="428628"/>
-          </a:xfrm>
-          <a:prstGeom prst="rect">
-            <a:avLst/>
-          </a:prstGeom>
-        </p:spPr>
-        <p:style>
-          <a:lnRef idx="2">
-            <a:schemeClr val="accent1"/>
-          </a:lnRef>
-          <a:fillRef idx="1">
-            <a:schemeClr val="lt1"/>
-          </a:fillRef>
-          <a:effectRef idx="0">
-            <a:schemeClr val="accent1"/>
-          </a:effectRef>
-          <a:fontRef idx="minor">
-            <a:schemeClr val="dk1"/>
-          </a:fontRef>
-        </p:style>
-        <p:txBody>
-          <a:bodyPr rtlCol="0" anchor="ctr"/>
-          <a:lstStyle/>
-          <a:p>
-            <a:pPr algn="ctr"/>
-            <a:r>
-              <a:rPr lang="ru-RU" sz="1200" dirty="0" smtClean="0">
-                <a:latin typeface="Times New Roman" pitchFamily="18" charset="0"/>
-                <a:cs typeface="Times New Roman" pitchFamily="18" charset="0"/>
-              </a:rPr>
-              <a:t>Введите номер</a:t>
-            </a:r>
-            <a:endParaRPr lang="ru-RU" sz="1200" dirty="0">
-              <a:latin typeface="Times New Roman" pitchFamily="18" charset="0"/>
-              <a:cs typeface="Times New Roman" pitchFamily="18" charset="0"/>
-            </a:endParaRPr>
-          </a:p>
-        </p:txBody>
-      </p:sp>
-      <p:sp>
-        <p:nvSpPr>
-          <p:cNvPr id="19" name="Прямоугольник 18"/>
-          <p:cNvSpPr/>
-          <p:nvPr/>
-        </p:nvSpPr>
-        <p:spPr>
-          <a:xfrm>
-            <a:off x="5286380" y="3286124"/>
-            <a:ext cx="857256" cy="428628"/>
-          </a:xfrm>
-          <a:prstGeom prst="rect">
-            <a:avLst/>
-          </a:prstGeom>
-        </p:spPr>
-        <p:style>
-          <a:lnRef idx="2">
-            <a:schemeClr val="accent1"/>
-          </a:lnRef>
-          <a:fillRef idx="1">
-            <a:schemeClr val="lt1"/>
-          </a:fillRef>
-          <a:effectRef idx="0">
-            <a:schemeClr val="accent1"/>
-          </a:effectRef>
-          <a:fontRef idx="minor">
-            <a:schemeClr val="dk1"/>
-          </a:fontRef>
-        </p:style>
-        <p:txBody>
-          <a:bodyPr rtlCol="0" anchor="ctr"/>
-          <a:lstStyle/>
-          <a:p>
-            <a:pPr algn="ctr"/>
-            <a:r>
-              <a:rPr lang="ru-RU" sz="1200" dirty="0" smtClean="0">
-                <a:latin typeface="Times New Roman" pitchFamily="18" charset="0"/>
-                <a:cs typeface="Times New Roman" pitchFamily="18" charset="0"/>
-              </a:rPr>
-              <a:t>Введите фильтр</a:t>
-            </a:r>
-            <a:endParaRPr lang="ru-RU" sz="1200" dirty="0">
-              <a:latin typeface="Times New Roman" pitchFamily="18" charset="0"/>
-              <a:cs typeface="Times New Roman" pitchFamily="18" charset="0"/>
-            </a:endParaRPr>
-          </a:p>
-        </p:txBody>
-      </p:sp>
-      <p:sp>
-        <p:nvSpPr>
-          <p:cNvPr id="21" name="Прямоугольник 20"/>
-          <p:cNvSpPr/>
-          <p:nvPr/>
-        </p:nvSpPr>
-        <p:spPr>
-          <a:xfrm>
-            <a:off x="642910" y="4143380"/>
-            <a:ext cx="857256" cy="428628"/>
-          </a:xfrm>
-          <a:prstGeom prst="rect">
-            <a:avLst/>
-          </a:prstGeom>
-        </p:spPr>
-        <p:style>
-          <a:lnRef idx="2">
-            <a:schemeClr val="accent2"/>
-          </a:lnRef>
-          <a:fillRef idx="1">
-            <a:schemeClr val="lt1"/>
-          </a:fillRef>
-          <a:effectRef idx="0">
-            <a:schemeClr val="accent2"/>
-          </a:effectRef>
-          <a:fontRef idx="minor">
-            <a:schemeClr val="dk1"/>
-          </a:fontRef>
-        </p:style>
-        <p:txBody>
-          <a:bodyPr rtlCol="0" anchor="ctr"/>
-          <a:lstStyle/>
-          <a:p>
-            <a:pPr algn="ctr"/>
-            <a:r>
-              <a:rPr lang="ru-RU" sz="1200" dirty="0" smtClean="0">
-                <a:latin typeface="Times New Roman" pitchFamily="18" charset="0"/>
-                <a:cs typeface="Times New Roman" pitchFamily="18" charset="0"/>
-              </a:rPr>
-              <a:t>Ввод данных</a:t>
-            </a:r>
-            <a:endParaRPr lang="ru-RU" sz="1200" dirty="0">
-              <a:latin typeface="Times New Roman" pitchFamily="18" charset="0"/>
-              <a:cs typeface="Times New Roman" pitchFamily="18" charset="0"/>
-            </a:endParaRPr>
-          </a:p>
-        </p:txBody>
-      </p:sp>
-      <p:sp>
-        <p:nvSpPr>
-          <p:cNvPr id="22" name="Прямоугольник 21"/>
-          <p:cNvSpPr/>
-          <p:nvPr/>
-        </p:nvSpPr>
-        <p:spPr>
-          <a:xfrm>
-            <a:off x="1714480" y="4286256"/>
-            <a:ext cx="1143008" cy="428628"/>
-          </a:xfrm>
-          <a:prstGeom prst="rect">
-            <a:avLst/>
-          </a:prstGeom>
-        </p:spPr>
-        <p:style>
-          <a:lnRef idx="2">
-            <a:schemeClr val="accent2"/>
-          </a:lnRef>
-          <a:fillRef idx="1">
-            <a:schemeClr val="lt1"/>
-          </a:fillRef>
-          <a:effectRef idx="0">
-            <a:schemeClr val="accent2"/>
-          </a:effectRef>
-          <a:fontRef idx="minor">
-            <a:schemeClr val="dk1"/>
-          </a:fontRef>
-        </p:style>
-        <p:txBody>
-          <a:bodyPr rtlCol="0" anchor="ctr"/>
-          <a:lstStyle/>
-          <a:p>
-            <a:pPr algn="ctr"/>
-            <a:r>
-              <a:rPr lang="ru-RU" sz="1200" dirty="0" smtClean="0">
-                <a:latin typeface="Times New Roman" pitchFamily="18" charset="0"/>
-                <a:cs typeface="Times New Roman" pitchFamily="18" charset="0"/>
-              </a:rPr>
-              <a:t>Ввод номера и  данных</a:t>
-            </a:r>
-            <a:endParaRPr lang="ru-RU" sz="1200" dirty="0">
-              <a:latin typeface="Times New Roman" pitchFamily="18" charset="0"/>
-              <a:cs typeface="Times New Roman" pitchFamily="18" charset="0"/>
-            </a:endParaRPr>
-          </a:p>
-        </p:txBody>
-      </p:sp>
-      <p:sp>
-        <p:nvSpPr>
-          <p:cNvPr id="23" name="Прямоугольник 22"/>
-          <p:cNvSpPr/>
-          <p:nvPr/>
-        </p:nvSpPr>
-        <p:spPr>
-          <a:xfrm>
-            <a:off x="3000364" y="4071942"/>
-            <a:ext cx="857256" cy="428628"/>
-          </a:xfrm>
-          <a:prstGeom prst="rect">
-            <a:avLst/>
-          </a:prstGeom>
-        </p:spPr>
-        <p:style>
-          <a:lnRef idx="2">
-            <a:schemeClr val="accent2"/>
-          </a:lnRef>
-          <a:fillRef idx="1">
-            <a:schemeClr val="lt1"/>
-          </a:fillRef>
-          <a:effectRef idx="0">
-            <a:schemeClr val="accent2"/>
-          </a:effectRef>
-          <a:fontRef idx="minor">
-            <a:schemeClr val="dk1"/>
-          </a:fontRef>
-        </p:style>
-        <p:txBody>
-          <a:bodyPr rtlCol="0" anchor="ctr"/>
-          <a:lstStyle/>
-          <a:p>
-            <a:pPr algn="ctr"/>
-            <a:r>
-              <a:rPr lang="ru-RU" sz="1200" dirty="0" smtClean="0">
-                <a:latin typeface="Times New Roman" pitchFamily="18" charset="0"/>
-                <a:cs typeface="Times New Roman" pitchFamily="18" charset="0"/>
-              </a:rPr>
-              <a:t>Ввод номера</a:t>
-            </a:r>
-            <a:endParaRPr lang="ru-RU" sz="1200" dirty="0">
-              <a:latin typeface="Times New Roman" pitchFamily="18" charset="0"/>
-              <a:cs typeface="Times New Roman" pitchFamily="18" charset="0"/>
-            </a:endParaRPr>
-          </a:p>
-        </p:txBody>
-      </p:sp>
-      <p:sp>
-        <p:nvSpPr>
-          <p:cNvPr id="24" name="Прямоугольник 23"/>
-          <p:cNvSpPr/>
-          <p:nvPr/>
-        </p:nvSpPr>
-        <p:spPr>
-          <a:xfrm>
-            <a:off x="3000364" y="4929198"/>
-            <a:ext cx="857256" cy="428628"/>
-          </a:xfrm>
-          <a:prstGeom prst="rect">
-            <a:avLst/>
-          </a:prstGeom>
-        </p:spPr>
-        <p:style>
-          <a:lnRef idx="2">
-            <a:schemeClr val="accent1"/>
-          </a:lnRef>
-          <a:fillRef idx="1">
-            <a:schemeClr val="lt1"/>
-          </a:fillRef>
-          <a:effectRef idx="0">
-            <a:schemeClr val="accent1"/>
-          </a:effectRef>
-          <a:fontRef idx="minor">
-            <a:schemeClr val="dk1"/>
-          </a:fontRef>
-        </p:style>
-        <p:txBody>
-          <a:bodyPr rtlCol="0" anchor="ctr"/>
-          <a:lstStyle/>
-          <a:p>
-            <a:pPr algn="ctr"/>
-            <a:r>
-              <a:rPr lang="ru-RU" sz="1200" dirty="0" smtClean="0">
-                <a:latin typeface="Times New Roman" pitchFamily="18" charset="0"/>
-                <a:cs typeface="Times New Roman" pitchFamily="18" charset="0"/>
-              </a:rPr>
-              <a:t>Удаление заявки</a:t>
-            </a:r>
-            <a:endParaRPr lang="ru-RU" sz="1200" dirty="0">
-              <a:latin typeface="Times New Roman" pitchFamily="18" charset="0"/>
-              <a:cs typeface="Times New Roman" pitchFamily="18" charset="0"/>
-            </a:endParaRPr>
-          </a:p>
-        </p:txBody>
-      </p:sp>
-      <p:sp>
-        <p:nvSpPr>
-          <p:cNvPr id="25" name="Прямоугольник 24"/>
-          <p:cNvSpPr/>
-          <p:nvPr/>
-        </p:nvSpPr>
-        <p:spPr>
-          <a:xfrm>
-            <a:off x="5286380" y="4857760"/>
-            <a:ext cx="857256" cy="571504"/>
-          </a:xfrm>
-          <a:prstGeom prst="rect">
-            <a:avLst/>
-          </a:prstGeom>
-        </p:spPr>
-        <p:style>
-          <a:lnRef idx="2">
-            <a:schemeClr val="accent1"/>
-          </a:lnRef>
-          <a:fillRef idx="1">
-            <a:schemeClr val="lt1"/>
-          </a:fillRef>
-          <a:effectRef idx="0">
-            <a:schemeClr val="accent1"/>
-          </a:effectRef>
-          <a:fontRef idx="minor">
-            <a:schemeClr val="dk1"/>
-          </a:fontRef>
-        </p:style>
-        <p:txBody>
-          <a:bodyPr rtlCol="0" anchor="ctr"/>
-          <a:lstStyle/>
-          <a:p>
-            <a:pPr algn="ctr"/>
-            <a:r>
-              <a:rPr lang="ru-RU" sz="1200" dirty="0" smtClean="0">
-                <a:latin typeface="Times New Roman" pitchFamily="18" charset="0"/>
-                <a:cs typeface="Times New Roman" pitchFamily="18" charset="0"/>
-              </a:rPr>
-              <a:t>Вывод списка</a:t>
-            </a:r>
-          </a:p>
-          <a:p>
-            <a:pPr algn="ctr"/>
-            <a:r>
-              <a:rPr lang="ru-RU" sz="1200" dirty="0" smtClean="0">
-                <a:latin typeface="Times New Roman" pitchFamily="18" charset="0"/>
-                <a:cs typeface="Times New Roman" pitchFamily="18" charset="0"/>
-              </a:rPr>
-              <a:t>заявок</a:t>
-            </a:r>
-            <a:endParaRPr lang="ru-RU" sz="1200" dirty="0">
-              <a:latin typeface="Times New Roman" pitchFamily="18" charset="0"/>
-              <a:cs typeface="Times New Roman" pitchFamily="18" charset="0"/>
-            </a:endParaRPr>
-          </a:p>
-        </p:txBody>
-      </p:sp>
-      <p:sp>
-        <p:nvSpPr>
-          <p:cNvPr id="29" name="Прямоугольник 28"/>
-          <p:cNvSpPr/>
-          <p:nvPr/>
-        </p:nvSpPr>
-        <p:spPr>
-          <a:xfrm>
-            <a:off x="4214810" y="4000504"/>
-            <a:ext cx="857256" cy="571504"/>
-          </a:xfrm>
-          <a:prstGeom prst="rect">
-            <a:avLst/>
-          </a:prstGeom>
-        </p:spPr>
-        <p:style>
-          <a:lnRef idx="2">
-            <a:schemeClr val="accent1"/>
-          </a:lnRef>
-          <a:fillRef idx="1">
-            <a:schemeClr val="lt1"/>
-          </a:fillRef>
-          <a:effectRef idx="0">
-            <a:schemeClr val="accent1"/>
-          </a:effectRef>
-          <a:fontRef idx="minor">
-            <a:schemeClr val="dk1"/>
-          </a:fontRef>
-        </p:style>
-        <p:txBody>
-          <a:bodyPr rtlCol="0" anchor="ctr"/>
-          <a:lstStyle/>
-          <a:p>
-            <a:pPr algn="ctr"/>
-            <a:r>
-              <a:rPr lang="ru-RU" sz="1200" dirty="0" smtClean="0">
-                <a:latin typeface="Times New Roman" pitchFamily="18" charset="0"/>
-                <a:cs typeface="Times New Roman" pitchFamily="18" charset="0"/>
-              </a:rPr>
-              <a:t>Вывод списка</a:t>
-            </a:r>
-          </a:p>
-          <a:p>
-            <a:pPr algn="ctr"/>
-            <a:r>
-              <a:rPr lang="ru-RU" sz="1200" dirty="0" smtClean="0">
-                <a:latin typeface="Times New Roman" pitchFamily="18" charset="0"/>
-                <a:cs typeface="Times New Roman" pitchFamily="18" charset="0"/>
-              </a:rPr>
-              <a:t>заявок</a:t>
-            </a:r>
-            <a:endParaRPr lang="ru-RU" sz="1200" dirty="0">
-              <a:latin typeface="Times New Roman" pitchFamily="18" charset="0"/>
-              <a:cs typeface="Times New Roman" pitchFamily="18" charset="0"/>
-            </a:endParaRPr>
-          </a:p>
-        </p:txBody>
-      </p:sp>
-      <p:sp>
-        <p:nvSpPr>
-          <p:cNvPr id="30" name="Прямоугольник 29"/>
-          <p:cNvSpPr/>
-          <p:nvPr/>
-        </p:nvSpPr>
-        <p:spPr>
-          <a:xfrm>
-            <a:off x="6643702" y="3286124"/>
-            <a:ext cx="1143008" cy="785818"/>
-          </a:xfrm>
-          <a:prstGeom prst="rect">
-            <a:avLst/>
-          </a:prstGeom>
-        </p:spPr>
-        <p:style>
-          <a:lnRef idx="2">
-            <a:schemeClr val="accent1"/>
-          </a:lnRef>
-          <a:fillRef idx="1">
-            <a:schemeClr val="lt1"/>
-          </a:fillRef>
-          <a:effectRef idx="0">
-            <a:schemeClr val="accent1"/>
-          </a:effectRef>
-          <a:fontRef idx="minor">
-            <a:schemeClr val="dk1"/>
-          </a:fontRef>
-        </p:style>
-        <p:txBody>
-          <a:bodyPr rtlCol="0" anchor="ctr"/>
-          <a:lstStyle/>
-          <a:p>
-            <a:pPr algn="ctr"/>
-            <a:r>
-              <a:rPr lang="ru-RU" sz="1200" dirty="0" smtClean="0">
-                <a:latin typeface="Times New Roman" pitchFamily="18" charset="0"/>
-                <a:cs typeface="Times New Roman" pitchFamily="18" charset="0"/>
-              </a:rPr>
-              <a:t>Введите</a:t>
-            </a:r>
-          </a:p>
-          <a:p>
-            <a:pPr algn="ctr"/>
-            <a:r>
-              <a:rPr lang="ru-RU" sz="1200" dirty="0" smtClean="0">
-                <a:latin typeface="Times New Roman" pitchFamily="18" charset="0"/>
-                <a:cs typeface="Times New Roman" pitchFamily="18" charset="0"/>
-              </a:rPr>
-              <a:t>номер и комментарии</a:t>
-            </a:r>
-            <a:endParaRPr lang="ru-RU" sz="1200" dirty="0">
-              <a:latin typeface="Times New Roman" pitchFamily="18" charset="0"/>
-              <a:cs typeface="Times New Roman" pitchFamily="18" charset="0"/>
-            </a:endParaRPr>
-          </a:p>
-        </p:txBody>
-      </p:sp>
-      <p:cxnSp>
-        <p:nvCxnSpPr>
-          <p:cNvPr id="41" name="Прямая со стрелкой 40"/>
-          <p:cNvCxnSpPr>
-            <a:stCxn id="5" idx="2"/>
-            <a:endCxn id="6" idx="0"/>
-          </p:cNvCxnSpPr>
-          <p:nvPr/>
-        </p:nvCxnSpPr>
-        <p:spPr>
-          <a:xfrm rot="16200000" flipH="1">
-            <a:off x="4209894" y="612114"/>
-            <a:ext cx="374701" cy="7679"/>
+          <a:xfrm rot="10800000">
+            <a:off x="4786315" y="1321568"/>
+            <a:ext cx="2721105" cy="796701"/>
           </a:xfrm>
           <a:prstGeom prst="straightConnector1">
             <a:avLst/>
@@ -7700,89 +6189,16 @@
       </p:cxnSp>
       <p:cxnSp>
         <p:nvCxnSpPr>
-          <p:cNvPr id="43" name="Прямая со стрелкой 42"/>
+          <p:cNvPr id="24" name="Прямая со стрелкой 23"/>
           <p:cNvCxnSpPr>
-            <a:stCxn id="6" idx="2"/>
-            <a:endCxn id="7" idx="0"/>
+            <a:stCxn id="16" idx="1"/>
           </p:cNvCxnSpPr>
           <p:nvPr/>
         </p:nvCxnSpPr>
         <p:spPr>
-          <a:xfrm rot="5400000">
-            <a:off x="2500298" y="714356"/>
-            <a:ext cx="428628" cy="3286148"/>
-          </a:xfrm>
-          <a:prstGeom prst="straightConnector1">
-            <a:avLst/>
-          </a:prstGeom>
-          <a:ln>
-            <a:tailEnd type="arrow"/>
-          </a:ln>
-        </p:spPr>
-        <p:style>
-          <a:lnRef idx="1">
-            <a:schemeClr val="accent1"/>
-          </a:lnRef>
-          <a:fillRef idx="0">
-            <a:schemeClr val="accent1"/>
-          </a:fillRef>
-          <a:effectRef idx="0">
-            <a:schemeClr val="accent1"/>
-          </a:effectRef>
-          <a:fontRef idx="minor">
-            <a:schemeClr val="tx1"/>
-          </a:fontRef>
-        </p:style>
-      </p:cxnSp>
-      <p:cxnSp>
-        <p:nvCxnSpPr>
-          <p:cNvPr id="45" name="Прямая со стрелкой 44"/>
-          <p:cNvCxnSpPr>
-            <a:stCxn id="6" idx="2"/>
-            <a:endCxn id="8" idx="0"/>
-          </p:cNvCxnSpPr>
-          <p:nvPr/>
-        </p:nvCxnSpPr>
-        <p:spPr>
-          <a:xfrm rot="5400000">
-            <a:off x="3107521" y="1321579"/>
-            <a:ext cx="428628" cy="2071702"/>
-          </a:xfrm>
-          <a:prstGeom prst="straightConnector1">
-            <a:avLst/>
-          </a:prstGeom>
-          <a:ln>
-            <a:tailEnd type="arrow"/>
-          </a:ln>
-        </p:spPr>
-        <p:style>
-          <a:lnRef idx="1">
-            <a:schemeClr val="accent1"/>
-          </a:lnRef>
-          <a:fillRef idx="0">
-            <a:schemeClr val="accent1"/>
-          </a:fillRef>
-          <a:effectRef idx="0">
-            <a:schemeClr val="accent1"/>
-          </a:effectRef>
-          <a:fontRef idx="minor">
-            <a:schemeClr val="tx1"/>
-          </a:fontRef>
-        </p:style>
-      </p:cxnSp>
-      <p:cxnSp>
-        <p:nvCxnSpPr>
-          <p:cNvPr id="47" name="Прямая со стрелкой 46"/>
-          <p:cNvCxnSpPr>
-            <a:stCxn id="6" idx="2"/>
-            <a:endCxn id="9" idx="0"/>
-          </p:cNvCxnSpPr>
-          <p:nvPr/>
-        </p:nvCxnSpPr>
-        <p:spPr>
-          <a:xfrm rot="5400000">
-            <a:off x="3679025" y="1893083"/>
-            <a:ext cx="428628" cy="928694"/>
+          <a:xfrm rot="10800000">
+            <a:off x="4786314" y="1928802"/>
+            <a:ext cx="2428860" cy="1043616"/>
           </a:xfrm>
           <a:prstGeom prst="straightConnector1">
             <a:avLst/>
@@ -7810,15 +6226,15 @@
         <p:nvCxnSpPr>
           <p:cNvPr id="49" name="Прямая со стрелкой 48"/>
           <p:cNvCxnSpPr>
-            <a:stCxn id="6" idx="2"/>
-            <a:endCxn id="10" idx="0"/>
+            <a:stCxn id="9" idx="2"/>
+            <a:endCxn id="13" idx="0"/>
           </p:cNvCxnSpPr>
           <p:nvPr/>
         </p:nvCxnSpPr>
         <p:spPr>
-          <a:xfrm rot="16200000" flipH="1">
-            <a:off x="4286248" y="2214554"/>
-            <a:ext cx="428628" cy="285752"/>
+          <a:xfrm rot="5400000">
+            <a:off x="3211315" y="2318348"/>
+            <a:ext cx="642966" cy="721082"/>
           </a:xfrm>
           <a:prstGeom prst="straightConnector1">
             <a:avLst/>
@@ -7844,17 +6260,17 @@
       </p:cxnSp>
       <p:cxnSp>
         <p:nvCxnSpPr>
-          <p:cNvPr id="51" name="Прямая со стрелкой 50"/>
+          <p:cNvPr id="57" name="Прямая со стрелкой 56"/>
           <p:cNvCxnSpPr>
-            <a:stCxn id="6" idx="2"/>
-            <a:endCxn id="11" idx="0"/>
+            <a:stCxn id="5" idx="3"/>
+            <a:endCxn id="4" idx="1"/>
           </p:cNvCxnSpPr>
           <p:nvPr/>
         </p:nvCxnSpPr>
         <p:spPr>
-          <a:xfrm rot="16200000" flipH="1">
-            <a:off x="4822033" y="1678769"/>
-            <a:ext cx="428628" cy="1357322"/>
+          <a:xfrm>
+            <a:off x="3723664" y="5453071"/>
+            <a:ext cx="491146" cy="100012"/>
           </a:xfrm>
           <a:prstGeom prst="straightConnector1">
             <a:avLst/>
@@ -7880,17 +6296,17 @@
       </p:cxnSp>
       <p:cxnSp>
         <p:nvCxnSpPr>
-          <p:cNvPr id="53" name="Прямая со стрелкой 52"/>
+          <p:cNvPr id="59" name="Прямая со стрелкой 58"/>
           <p:cNvCxnSpPr>
-            <a:stCxn id="6" idx="2"/>
-            <a:endCxn id="12" idx="0"/>
+            <a:stCxn id="4" idx="0"/>
+            <a:endCxn id="12" idx="2"/>
           </p:cNvCxnSpPr>
           <p:nvPr/>
         </p:nvCxnSpPr>
         <p:spPr>
-          <a:xfrm rot="16200000" flipH="1">
-            <a:off x="5572132" y="928670"/>
-            <a:ext cx="428628" cy="2857520"/>
+          <a:xfrm rot="16200000" flipV="1">
+            <a:off x="4748501" y="4590011"/>
+            <a:ext cx="781064" cy="40185"/>
           </a:xfrm>
           <a:prstGeom prst="straightConnector1">
             <a:avLst/>
@@ -7916,379 +6332,17 @@
       </p:cxnSp>
       <p:cxnSp>
         <p:nvCxnSpPr>
-          <p:cNvPr id="55" name="Прямая со стрелкой 54"/>
+          <p:cNvPr id="61" name="Прямая со стрелкой 60"/>
           <p:cNvCxnSpPr>
-            <a:stCxn id="6" idx="2"/>
-            <a:endCxn id="13" idx="0"/>
+            <a:stCxn id="12" idx="1"/>
+            <a:endCxn id="13" idx="3"/>
           </p:cNvCxnSpPr>
           <p:nvPr/>
         </p:nvCxnSpPr>
         <p:spPr>
-          <a:xfrm rot="16200000" flipH="1">
-            <a:off x="6036479" y="464323"/>
-            <a:ext cx="428628" cy="3786214"/>
-          </a:xfrm>
-          <a:prstGeom prst="straightConnector1">
-            <a:avLst/>
-          </a:prstGeom>
-          <a:ln>
-            <a:tailEnd type="arrow"/>
-          </a:ln>
-        </p:spPr>
-        <p:style>
-          <a:lnRef idx="1">
-            <a:schemeClr val="accent1"/>
-          </a:lnRef>
-          <a:fillRef idx="0">
-            <a:schemeClr val="accent1"/>
-          </a:fillRef>
-          <a:effectRef idx="0">
-            <a:schemeClr val="accent1"/>
-          </a:effectRef>
-          <a:fontRef idx="minor">
-            <a:schemeClr val="tx1"/>
-          </a:fontRef>
-        </p:style>
-      </p:cxnSp>
-      <p:sp>
-        <p:nvSpPr>
-          <p:cNvPr id="57" name="Прямоугольник 56"/>
-          <p:cNvSpPr/>
-          <p:nvPr/>
-        </p:nvSpPr>
-        <p:spPr>
-          <a:xfrm>
-            <a:off x="3857620" y="6357958"/>
-            <a:ext cx="857256" cy="357190"/>
-          </a:xfrm>
-          <a:prstGeom prst="rect">
-            <a:avLst/>
-          </a:prstGeom>
-        </p:spPr>
-        <p:style>
-          <a:lnRef idx="2">
-            <a:schemeClr val="accent1"/>
-          </a:lnRef>
-          <a:fillRef idx="1">
-            <a:schemeClr val="lt1"/>
-          </a:fillRef>
-          <a:effectRef idx="0">
-            <a:schemeClr val="accent1"/>
-          </a:effectRef>
-          <a:fontRef idx="minor">
-            <a:schemeClr val="dk1"/>
-          </a:fontRef>
-        </p:style>
-        <p:txBody>
-          <a:bodyPr rtlCol="0" anchor="ctr"/>
-          <a:lstStyle/>
-          <a:p>
-            <a:pPr algn="ctr"/>
-            <a:r>
-              <a:rPr lang="ru-RU" sz="1200" dirty="0" smtClean="0">
-                <a:latin typeface="Times New Roman" pitchFamily="18" charset="0"/>
-                <a:cs typeface="Times New Roman" pitchFamily="18" charset="0"/>
-              </a:rPr>
-              <a:t>Выход</a:t>
-            </a:r>
-            <a:endParaRPr lang="ru-RU" sz="1200" dirty="0">
-              <a:latin typeface="Times New Roman" pitchFamily="18" charset="0"/>
-              <a:cs typeface="Times New Roman" pitchFamily="18" charset="0"/>
-            </a:endParaRPr>
-          </a:p>
-        </p:txBody>
-      </p:sp>
-      <p:sp>
-        <p:nvSpPr>
-          <p:cNvPr id="58" name="Прямоугольник 57"/>
-          <p:cNvSpPr/>
-          <p:nvPr/>
-        </p:nvSpPr>
-        <p:spPr>
-          <a:xfrm>
-            <a:off x="642910" y="4929198"/>
-            <a:ext cx="857256" cy="428628"/>
-          </a:xfrm>
-          <a:prstGeom prst="rect">
-            <a:avLst/>
-          </a:prstGeom>
-        </p:spPr>
-        <p:style>
-          <a:lnRef idx="2">
-            <a:schemeClr val="accent1"/>
-          </a:lnRef>
-          <a:fillRef idx="1">
-            <a:schemeClr val="lt1"/>
-          </a:fillRef>
-          <a:effectRef idx="0">
-            <a:schemeClr val="accent1"/>
-          </a:effectRef>
-          <a:fontRef idx="minor">
-            <a:schemeClr val="dk1"/>
-          </a:fontRef>
-        </p:style>
-        <p:txBody>
-          <a:bodyPr rtlCol="0" anchor="ctr"/>
-          <a:lstStyle/>
-          <a:p>
-            <a:pPr algn="ctr"/>
-            <a:r>
-              <a:rPr lang="ru-RU" sz="1200" dirty="0" smtClean="0">
-                <a:latin typeface="Times New Roman" pitchFamily="18" charset="0"/>
-                <a:cs typeface="Times New Roman" pitchFamily="18" charset="0"/>
-              </a:rPr>
-              <a:t>Новая заявка</a:t>
-            </a:r>
-            <a:endParaRPr lang="ru-RU" sz="1200" dirty="0">
-              <a:latin typeface="Times New Roman" pitchFamily="18" charset="0"/>
-              <a:cs typeface="Times New Roman" pitchFamily="18" charset="0"/>
-            </a:endParaRPr>
-          </a:p>
-        </p:txBody>
-      </p:sp>
-      <p:sp>
-        <p:nvSpPr>
-          <p:cNvPr id="59" name="Прямоугольник 58"/>
-          <p:cNvSpPr/>
-          <p:nvPr/>
-        </p:nvSpPr>
-        <p:spPr>
-          <a:xfrm>
-            <a:off x="1785918" y="4929198"/>
-            <a:ext cx="1000132" cy="428628"/>
-          </a:xfrm>
-          <a:prstGeom prst="rect">
-            <a:avLst/>
-          </a:prstGeom>
-        </p:spPr>
-        <p:style>
-          <a:lnRef idx="2">
-            <a:schemeClr val="accent1"/>
-          </a:lnRef>
-          <a:fillRef idx="1">
-            <a:schemeClr val="lt1"/>
-          </a:fillRef>
-          <a:effectRef idx="0">
-            <a:schemeClr val="accent1"/>
-          </a:effectRef>
-          <a:fontRef idx="minor">
-            <a:schemeClr val="dk1"/>
-          </a:fontRef>
-        </p:style>
-        <p:txBody>
-          <a:bodyPr rtlCol="0" anchor="ctr"/>
-          <a:lstStyle/>
-          <a:p>
-            <a:pPr algn="ctr"/>
-            <a:r>
-              <a:rPr lang="ru-RU" sz="1200" dirty="0" smtClean="0">
-                <a:latin typeface="Times New Roman" pitchFamily="18" charset="0"/>
-                <a:cs typeface="Times New Roman" pitchFamily="18" charset="0"/>
-              </a:rPr>
-              <a:t>Измененная заявки</a:t>
-            </a:r>
-            <a:endParaRPr lang="ru-RU" sz="1200" dirty="0">
-              <a:latin typeface="Times New Roman" pitchFamily="18" charset="0"/>
-              <a:cs typeface="Times New Roman" pitchFamily="18" charset="0"/>
-            </a:endParaRPr>
-          </a:p>
-        </p:txBody>
-      </p:sp>
-      <p:sp>
-        <p:nvSpPr>
-          <p:cNvPr id="60" name="Прямоугольник 59"/>
-          <p:cNvSpPr/>
-          <p:nvPr/>
-        </p:nvSpPr>
-        <p:spPr>
-          <a:xfrm>
-            <a:off x="5286380" y="4071942"/>
-            <a:ext cx="857256" cy="438152"/>
-          </a:xfrm>
-          <a:prstGeom prst="rect">
-            <a:avLst/>
-          </a:prstGeom>
-        </p:spPr>
-        <p:style>
-          <a:lnRef idx="2">
-            <a:schemeClr val="accent2"/>
-          </a:lnRef>
-          <a:fillRef idx="1">
-            <a:schemeClr val="lt1"/>
-          </a:fillRef>
-          <a:effectRef idx="0">
-            <a:schemeClr val="accent2"/>
-          </a:effectRef>
-          <a:fontRef idx="minor">
-            <a:schemeClr val="dk1"/>
-          </a:fontRef>
-        </p:style>
-        <p:txBody>
-          <a:bodyPr rtlCol="0" anchor="ctr"/>
-          <a:lstStyle/>
-          <a:p>
-            <a:pPr algn="ctr"/>
-            <a:r>
-              <a:rPr lang="ru-RU" sz="1200" dirty="0" smtClean="0">
-                <a:latin typeface="Times New Roman" pitchFamily="18" charset="0"/>
-                <a:cs typeface="Times New Roman" pitchFamily="18" charset="0"/>
-              </a:rPr>
-              <a:t>Фильтр</a:t>
-            </a:r>
-            <a:endParaRPr lang="ru-RU" sz="1200" dirty="0">
-              <a:latin typeface="Times New Roman" pitchFamily="18" charset="0"/>
-              <a:cs typeface="Times New Roman" pitchFamily="18" charset="0"/>
-            </a:endParaRPr>
-          </a:p>
-        </p:txBody>
-      </p:sp>
-      <p:sp>
-        <p:nvSpPr>
-          <p:cNvPr id="61" name="Прямоугольник 60"/>
-          <p:cNvSpPr/>
-          <p:nvPr/>
-        </p:nvSpPr>
-        <p:spPr>
-          <a:xfrm>
-            <a:off x="6643702" y="4357694"/>
-            <a:ext cx="1143008" cy="428628"/>
-          </a:xfrm>
-          <a:prstGeom prst="rect">
-            <a:avLst/>
-          </a:prstGeom>
-        </p:spPr>
-        <p:style>
-          <a:lnRef idx="2">
-            <a:schemeClr val="accent2"/>
-          </a:lnRef>
-          <a:fillRef idx="1">
-            <a:schemeClr val="lt1"/>
-          </a:fillRef>
-          <a:effectRef idx="0">
-            <a:schemeClr val="accent2"/>
-          </a:effectRef>
-          <a:fontRef idx="minor">
-            <a:schemeClr val="dk1"/>
-          </a:fontRef>
-        </p:style>
-        <p:txBody>
-          <a:bodyPr rtlCol="0" anchor="ctr"/>
-          <a:lstStyle/>
-          <a:p>
-            <a:pPr algn="ctr"/>
-            <a:r>
-              <a:rPr lang="ru-RU" sz="1200" dirty="0" smtClean="0">
-                <a:latin typeface="Times New Roman" pitchFamily="18" charset="0"/>
-                <a:cs typeface="Times New Roman" pitchFamily="18" charset="0"/>
-              </a:rPr>
-              <a:t>Ввод номера и  комментария</a:t>
-            </a:r>
-            <a:endParaRPr lang="ru-RU" sz="1200" dirty="0">
-              <a:latin typeface="Times New Roman" pitchFamily="18" charset="0"/>
-              <a:cs typeface="Times New Roman" pitchFamily="18" charset="0"/>
-            </a:endParaRPr>
-          </a:p>
-        </p:txBody>
-      </p:sp>
-      <p:sp>
-        <p:nvSpPr>
-          <p:cNvPr id="62" name="Прямоугольник 61"/>
-          <p:cNvSpPr/>
-          <p:nvPr/>
-        </p:nvSpPr>
-        <p:spPr>
-          <a:xfrm>
-            <a:off x="6715140" y="5000636"/>
-            <a:ext cx="1000132" cy="428628"/>
-          </a:xfrm>
-          <a:prstGeom prst="rect">
-            <a:avLst/>
-          </a:prstGeom>
-        </p:spPr>
-        <p:style>
-          <a:lnRef idx="2">
-            <a:schemeClr val="accent1"/>
-          </a:lnRef>
-          <a:fillRef idx="1">
-            <a:schemeClr val="lt1"/>
-          </a:fillRef>
-          <a:effectRef idx="0">
-            <a:schemeClr val="accent1"/>
-          </a:effectRef>
-          <a:fontRef idx="minor">
-            <a:schemeClr val="dk1"/>
-          </a:fontRef>
-        </p:style>
-        <p:txBody>
-          <a:bodyPr rtlCol="0" anchor="ctr"/>
-          <a:lstStyle/>
-          <a:p>
-            <a:pPr algn="ctr"/>
-            <a:r>
-              <a:rPr lang="ru-RU" sz="1200" dirty="0" smtClean="0">
-                <a:latin typeface="Times New Roman" pitchFamily="18" charset="0"/>
-                <a:cs typeface="Times New Roman" pitchFamily="18" charset="0"/>
-              </a:rPr>
-              <a:t>Измененная заявка</a:t>
-            </a:r>
-            <a:endParaRPr lang="ru-RU" sz="1200" dirty="0">
-              <a:latin typeface="Times New Roman" pitchFamily="18" charset="0"/>
-              <a:cs typeface="Times New Roman" pitchFamily="18" charset="0"/>
-            </a:endParaRPr>
-          </a:p>
-        </p:txBody>
-      </p:sp>
-      <p:cxnSp>
-        <p:nvCxnSpPr>
-          <p:cNvPr id="65" name="Прямая со стрелкой 64"/>
-          <p:cNvCxnSpPr>
-            <a:stCxn id="13" idx="2"/>
-            <a:endCxn id="57" idx="0"/>
-          </p:cNvCxnSpPr>
-          <p:nvPr/>
-        </p:nvCxnSpPr>
-        <p:spPr>
-          <a:xfrm rot="5400000">
-            <a:off x="4464843" y="2678901"/>
-            <a:ext cx="3500462" cy="3857652"/>
-          </a:xfrm>
-          <a:prstGeom prst="bentConnector3">
-            <a:avLst>
-              <a:gd name="adj1" fmla="val 91503"/>
-            </a:avLst>
-          </a:prstGeom>
-          <a:ln>
-            <a:tailEnd type="arrow"/>
-          </a:ln>
-        </p:spPr>
-        <p:style>
-          <a:lnRef idx="1">
-            <a:schemeClr val="accent1"/>
-          </a:lnRef>
-          <a:fillRef idx="0">
-            <a:schemeClr val="accent1"/>
-          </a:fillRef>
-          <a:effectRef idx="0">
-            <a:schemeClr val="accent1"/>
-          </a:effectRef>
-          <a:fontRef idx="minor">
-            <a:schemeClr val="tx1"/>
-          </a:fontRef>
-        </p:style>
-      </p:cxnSp>
-      <p:cxnSp>
-        <p:nvCxnSpPr>
-          <p:cNvPr id="71" name="Прямая со стрелкой 70"/>
-          <p:cNvCxnSpPr>
-            <a:stCxn id="12" idx="2"/>
-            <a:endCxn id="30" idx="0"/>
-          </p:cNvCxnSpPr>
-          <p:nvPr/>
-        </p:nvCxnSpPr>
-        <p:spPr>
-          <a:xfrm rot="5400000">
-            <a:off x="7000892" y="3071810"/>
-            <a:ext cx="428628" cy="1588"/>
+          <a:xfrm rot="10800000">
+            <a:off x="3915654" y="3686168"/>
+            <a:ext cx="299156" cy="209557"/>
           </a:xfrm>
           <a:prstGeom prst="straightConnector1">
             <a:avLst/>
@@ -8314,17 +6368,17 @@
       </p:cxnSp>
       <p:cxnSp>
         <p:nvCxnSpPr>
-          <p:cNvPr id="73" name="Прямая со стрелкой 72"/>
+          <p:cNvPr id="63" name="Прямая со стрелкой 62"/>
           <p:cNvCxnSpPr>
-            <a:stCxn id="30" idx="2"/>
-            <a:endCxn id="61" idx="0"/>
+            <a:stCxn id="5" idx="1"/>
+            <a:endCxn id="10" idx="3"/>
           </p:cNvCxnSpPr>
           <p:nvPr/>
         </p:nvCxnSpPr>
         <p:spPr>
-          <a:xfrm rot="5400000">
-            <a:off x="7072330" y="4214818"/>
-            <a:ext cx="285752" cy="1588"/>
+          <a:xfrm rot="10800000" flipV="1">
+            <a:off x="1861810" y="5453071"/>
+            <a:ext cx="495613" cy="171450"/>
           </a:xfrm>
           <a:prstGeom prst="straightConnector1">
             <a:avLst/>
@@ -8350,17 +6404,17 @@
       </p:cxnSp>
       <p:cxnSp>
         <p:nvCxnSpPr>
-          <p:cNvPr id="76" name="Прямая со стрелкой 75"/>
+          <p:cNvPr id="65" name="Прямая со стрелкой 64"/>
           <p:cNvCxnSpPr>
-            <a:stCxn id="61" idx="2"/>
-            <a:endCxn id="62" idx="0"/>
+            <a:stCxn id="10" idx="0"/>
+            <a:endCxn id="11" idx="2"/>
           </p:cNvCxnSpPr>
           <p:nvPr/>
         </p:nvCxnSpPr>
         <p:spPr>
-          <a:xfrm rot="5400000">
-            <a:off x="7108049" y="4893479"/>
-            <a:ext cx="214314" cy="1588"/>
+          <a:xfrm rot="16200000" flipV="1">
+            <a:off x="700193" y="4734220"/>
+            <a:ext cx="666778" cy="8929"/>
           </a:xfrm>
           <a:prstGeom prst="straightConnector1">
             <a:avLst/>
@@ -8386,17 +6440,17 @@
       </p:cxnSp>
       <p:cxnSp>
         <p:nvCxnSpPr>
-          <p:cNvPr id="78" name="Прямая со стрелкой 77"/>
+          <p:cNvPr id="67" name="Прямая со стрелкой 66"/>
           <p:cNvCxnSpPr>
-            <a:stCxn id="11" idx="2"/>
-            <a:endCxn id="19" idx="0"/>
+            <a:stCxn id="13" idx="1"/>
+            <a:endCxn id="11" idx="3"/>
           </p:cNvCxnSpPr>
           <p:nvPr/>
         </p:nvCxnSpPr>
         <p:spPr>
-          <a:xfrm rot="5400000">
-            <a:off x="5500694" y="3071810"/>
-            <a:ext cx="428628" cy="1588"/>
+          <a:xfrm rot="10800000" flipV="1">
+            <a:off x="1772514" y="3686167"/>
+            <a:ext cx="656346" cy="338138"/>
           </a:xfrm>
           <a:prstGeom prst="straightConnector1">
             <a:avLst/>
@@ -8422,17 +6476,17 @@
       </p:cxnSp>
       <p:cxnSp>
         <p:nvCxnSpPr>
-          <p:cNvPr id="80" name="Прямая со стрелкой 79"/>
+          <p:cNvPr id="95" name="Прямая со стрелкой 94"/>
           <p:cNvCxnSpPr>
-            <a:stCxn id="19" idx="2"/>
-            <a:endCxn id="60" idx="0"/>
+            <a:stCxn id="7" idx="1"/>
+            <a:endCxn id="12" idx="3"/>
           </p:cNvCxnSpPr>
           <p:nvPr/>
         </p:nvCxnSpPr>
         <p:spPr>
-          <a:xfrm rot="5400000">
-            <a:off x="5536413" y="3893347"/>
-            <a:ext cx="357190" cy="1588"/>
+          <a:xfrm rot="10800000">
+            <a:off x="6023070" y="3895724"/>
+            <a:ext cx="406318" cy="714380"/>
           </a:xfrm>
           <a:prstGeom prst="straightConnector1">
             <a:avLst/>
@@ -8458,17 +6512,17 @@
       </p:cxnSp>
       <p:cxnSp>
         <p:nvCxnSpPr>
-          <p:cNvPr id="82" name="Прямая со стрелкой 81"/>
+          <p:cNvPr id="97" name="Прямая со стрелкой 96"/>
           <p:cNvCxnSpPr>
-            <a:stCxn id="60" idx="2"/>
-            <a:endCxn id="25" idx="0"/>
+            <a:stCxn id="7" idx="1"/>
+            <a:endCxn id="4" idx="3"/>
           </p:cNvCxnSpPr>
           <p:nvPr/>
         </p:nvCxnSpPr>
         <p:spPr>
-          <a:xfrm rot="5400000">
-            <a:off x="5541175" y="4683927"/>
-            <a:ext cx="347666" cy="1588"/>
+          <a:xfrm rot="10800000" flipV="1">
+            <a:off x="6103440" y="4610103"/>
+            <a:ext cx="325949" cy="942979"/>
           </a:xfrm>
           <a:prstGeom prst="straightConnector1">
             <a:avLst/>
@@ -8492,750 +6546,6 @@
           </a:fontRef>
         </p:style>
       </p:cxnSp>
-      <p:cxnSp>
-        <p:nvCxnSpPr>
-          <p:cNvPr id="84" name="Прямая со стрелкой 83"/>
-          <p:cNvCxnSpPr>
-            <a:stCxn id="10" idx="2"/>
-            <a:endCxn id="29" idx="0"/>
-          </p:cNvCxnSpPr>
-          <p:nvPr/>
-        </p:nvCxnSpPr>
-        <p:spPr>
-          <a:xfrm rot="5400000">
-            <a:off x="4071934" y="3429000"/>
-            <a:ext cx="1143008" cy="1588"/>
-          </a:xfrm>
-          <a:prstGeom prst="straightConnector1">
-            <a:avLst/>
-          </a:prstGeom>
-          <a:ln>
-            <a:tailEnd type="arrow"/>
-          </a:ln>
-        </p:spPr>
-        <p:style>
-          <a:lnRef idx="1">
-            <a:schemeClr val="accent1"/>
-          </a:lnRef>
-          <a:fillRef idx="0">
-            <a:schemeClr val="accent1"/>
-          </a:fillRef>
-          <a:effectRef idx="0">
-            <a:schemeClr val="accent1"/>
-          </a:effectRef>
-          <a:fontRef idx="minor">
-            <a:schemeClr val="tx1"/>
-          </a:fontRef>
-        </p:style>
-      </p:cxnSp>
-      <p:cxnSp>
-        <p:nvCxnSpPr>
-          <p:cNvPr id="86" name="Прямая со стрелкой 85"/>
-          <p:cNvCxnSpPr>
-            <a:stCxn id="9" idx="2"/>
-            <a:endCxn id="17" idx="0"/>
-          </p:cNvCxnSpPr>
-          <p:nvPr/>
-        </p:nvCxnSpPr>
-        <p:spPr>
-          <a:xfrm rot="5400000">
-            <a:off x="3214678" y="3071810"/>
-            <a:ext cx="428628" cy="1588"/>
-          </a:xfrm>
-          <a:prstGeom prst="straightConnector1">
-            <a:avLst/>
-          </a:prstGeom>
-          <a:ln>
-            <a:tailEnd type="arrow"/>
-          </a:ln>
-        </p:spPr>
-        <p:style>
-          <a:lnRef idx="1">
-            <a:schemeClr val="accent1"/>
-          </a:lnRef>
-          <a:fillRef idx="0">
-            <a:schemeClr val="accent1"/>
-          </a:fillRef>
-          <a:effectRef idx="0">
-            <a:schemeClr val="accent1"/>
-          </a:effectRef>
-          <a:fontRef idx="minor">
-            <a:schemeClr val="tx1"/>
-          </a:fontRef>
-        </p:style>
-      </p:cxnSp>
-      <p:cxnSp>
-        <p:nvCxnSpPr>
-          <p:cNvPr id="88" name="Прямая со стрелкой 87"/>
-          <p:cNvCxnSpPr>
-            <a:stCxn id="17" idx="2"/>
-            <a:endCxn id="23" idx="0"/>
-          </p:cNvCxnSpPr>
-          <p:nvPr/>
-        </p:nvCxnSpPr>
-        <p:spPr>
-          <a:xfrm rot="5400000">
-            <a:off x="3250397" y="3893347"/>
-            <a:ext cx="357190" cy="1588"/>
-          </a:xfrm>
-          <a:prstGeom prst="straightConnector1">
-            <a:avLst/>
-          </a:prstGeom>
-          <a:ln>
-            <a:tailEnd type="arrow"/>
-          </a:ln>
-        </p:spPr>
-        <p:style>
-          <a:lnRef idx="1">
-            <a:schemeClr val="accent1"/>
-          </a:lnRef>
-          <a:fillRef idx="0">
-            <a:schemeClr val="accent1"/>
-          </a:fillRef>
-          <a:effectRef idx="0">
-            <a:schemeClr val="accent1"/>
-          </a:effectRef>
-          <a:fontRef idx="minor">
-            <a:schemeClr val="tx1"/>
-          </a:fontRef>
-        </p:style>
-      </p:cxnSp>
-      <p:cxnSp>
-        <p:nvCxnSpPr>
-          <p:cNvPr id="90" name="Прямая со стрелкой 89"/>
-          <p:cNvCxnSpPr>
-            <a:stCxn id="23" idx="2"/>
-            <a:endCxn id="24" idx="0"/>
-          </p:cNvCxnSpPr>
-          <p:nvPr/>
-        </p:nvCxnSpPr>
-        <p:spPr>
-          <a:xfrm rot="5400000">
-            <a:off x="3214678" y="4714884"/>
-            <a:ext cx="428628" cy="1588"/>
-          </a:xfrm>
-          <a:prstGeom prst="straightConnector1">
-            <a:avLst/>
-          </a:prstGeom>
-          <a:ln>
-            <a:tailEnd type="arrow"/>
-          </a:ln>
-        </p:spPr>
-        <p:style>
-          <a:lnRef idx="1">
-            <a:schemeClr val="accent1"/>
-          </a:lnRef>
-          <a:fillRef idx="0">
-            <a:schemeClr val="accent1"/>
-          </a:fillRef>
-          <a:effectRef idx="0">
-            <a:schemeClr val="accent1"/>
-          </a:effectRef>
-          <a:fontRef idx="minor">
-            <a:schemeClr val="tx1"/>
-          </a:fontRef>
-        </p:style>
-      </p:cxnSp>
-      <p:cxnSp>
-        <p:nvCxnSpPr>
-          <p:cNvPr id="92" name="Прямая со стрелкой 91"/>
-          <p:cNvCxnSpPr>
-            <a:stCxn id="8" idx="2"/>
-            <a:endCxn id="16" idx="0"/>
-          </p:cNvCxnSpPr>
-          <p:nvPr/>
-        </p:nvCxnSpPr>
-        <p:spPr>
-          <a:xfrm rot="5400000">
-            <a:off x="2071670" y="3071810"/>
-            <a:ext cx="428628" cy="1588"/>
-          </a:xfrm>
-          <a:prstGeom prst="straightConnector1">
-            <a:avLst/>
-          </a:prstGeom>
-          <a:ln>
-            <a:tailEnd type="arrow"/>
-          </a:ln>
-        </p:spPr>
-        <p:style>
-          <a:lnRef idx="1">
-            <a:schemeClr val="accent1"/>
-          </a:lnRef>
-          <a:fillRef idx="0">
-            <a:schemeClr val="accent1"/>
-          </a:fillRef>
-          <a:effectRef idx="0">
-            <a:schemeClr val="accent1"/>
-          </a:effectRef>
-          <a:fontRef idx="minor">
-            <a:schemeClr val="tx1"/>
-          </a:fontRef>
-        </p:style>
-      </p:cxnSp>
-      <p:cxnSp>
-        <p:nvCxnSpPr>
-          <p:cNvPr id="96" name="Прямая со стрелкой 95"/>
-          <p:cNvCxnSpPr>
-            <a:stCxn id="16" idx="2"/>
-            <a:endCxn id="22" idx="0"/>
-          </p:cNvCxnSpPr>
-          <p:nvPr/>
-        </p:nvCxnSpPr>
-        <p:spPr>
-          <a:xfrm rot="5400000">
-            <a:off x="2178827" y="4179099"/>
-            <a:ext cx="214314" cy="1588"/>
-          </a:xfrm>
-          <a:prstGeom prst="straightConnector1">
-            <a:avLst/>
-          </a:prstGeom>
-          <a:ln>
-            <a:tailEnd type="arrow"/>
-          </a:ln>
-        </p:spPr>
-        <p:style>
-          <a:lnRef idx="1">
-            <a:schemeClr val="accent1"/>
-          </a:lnRef>
-          <a:fillRef idx="0">
-            <a:schemeClr val="accent1"/>
-          </a:fillRef>
-          <a:effectRef idx="0">
-            <a:schemeClr val="accent1"/>
-          </a:effectRef>
-          <a:fontRef idx="minor">
-            <a:schemeClr val="tx1"/>
-          </a:fontRef>
-        </p:style>
-      </p:cxnSp>
-      <p:cxnSp>
-        <p:nvCxnSpPr>
-          <p:cNvPr id="99" name="Прямая со стрелкой 98"/>
-          <p:cNvCxnSpPr>
-            <a:stCxn id="22" idx="2"/>
-            <a:endCxn id="59" idx="0"/>
-          </p:cNvCxnSpPr>
-          <p:nvPr/>
-        </p:nvCxnSpPr>
-        <p:spPr>
-          <a:xfrm rot="5400000">
-            <a:off x="2178827" y="4822041"/>
-            <a:ext cx="214314" cy="1588"/>
-          </a:xfrm>
-          <a:prstGeom prst="straightConnector1">
-            <a:avLst/>
-          </a:prstGeom>
-          <a:ln>
-            <a:tailEnd type="arrow"/>
-          </a:ln>
-        </p:spPr>
-        <p:style>
-          <a:lnRef idx="1">
-            <a:schemeClr val="accent1"/>
-          </a:lnRef>
-          <a:fillRef idx="0">
-            <a:schemeClr val="accent1"/>
-          </a:fillRef>
-          <a:effectRef idx="0">
-            <a:schemeClr val="accent1"/>
-          </a:effectRef>
-          <a:fontRef idx="minor">
-            <a:schemeClr val="tx1"/>
-          </a:fontRef>
-        </p:style>
-      </p:cxnSp>
-      <p:cxnSp>
-        <p:nvCxnSpPr>
-          <p:cNvPr id="101" name="Прямая со стрелкой 100"/>
-          <p:cNvCxnSpPr>
-            <a:stCxn id="7" idx="2"/>
-            <a:endCxn id="15" idx="0"/>
-          </p:cNvCxnSpPr>
-          <p:nvPr/>
-        </p:nvCxnSpPr>
-        <p:spPr>
-          <a:xfrm rot="5400000">
-            <a:off x="857224" y="3071810"/>
-            <a:ext cx="428628" cy="1588"/>
-          </a:xfrm>
-          <a:prstGeom prst="straightConnector1">
-            <a:avLst/>
-          </a:prstGeom>
-          <a:ln>
-            <a:tailEnd type="arrow"/>
-          </a:ln>
-        </p:spPr>
-        <p:style>
-          <a:lnRef idx="1">
-            <a:schemeClr val="accent1"/>
-          </a:lnRef>
-          <a:fillRef idx="0">
-            <a:schemeClr val="accent1"/>
-          </a:fillRef>
-          <a:effectRef idx="0">
-            <a:schemeClr val="accent1"/>
-          </a:effectRef>
-          <a:fontRef idx="minor">
-            <a:schemeClr val="tx1"/>
-          </a:fontRef>
-        </p:style>
-      </p:cxnSp>
-      <p:cxnSp>
-        <p:nvCxnSpPr>
-          <p:cNvPr id="103" name="Прямая со стрелкой 102"/>
-          <p:cNvCxnSpPr>
-            <a:stCxn id="15" idx="2"/>
-            <a:endCxn id="21" idx="0"/>
-          </p:cNvCxnSpPr>
-          <p:nvPr/>
-        </p:nvCxnSpPr>
-        <p:spPr>
-          <a:xfrm rot="5400000">
-            <a:off x="857224" y="3929066"/>
-            <a:ext cx="428628" cy="1588"/>
-          </a:xfrm>
-          <a:prstGeom prst="straightConnector1">
-            <a:avLst/>
-          </a:prstGeom>
-          <a:ln>
-            <a:tailEnd type="arrow"/>
-          </a:ln>
-        </p:spPr>
-        <p:style>
-          <a:lnRef idx="1">
-            <a:schemeClr val="accent1"/>
-          </a:lnRef>
-          <a:fillRef idx="0">
-            <a:schemeClr val="accent1"/>
-          </a:fillRef>
-          <a:effectRef idx="0">
-            <a:schemeClr val="accent1"/>
-          </a:effectRef>
-          <a:fontRef idx="minor">
-            <a:schemeClr val="tx1"/>
-          </a:fontRef>
-        </p:style>
-      </p:cxnSp>
-      <p:cxnSp>
-        <p:nvCxnSpPr>
-          <p:cNvPr id="105" name="Прямая со стрелкой 104"/>
-          <p:cNvCxnSpPr>
-            <a:stCxn id="21" idx="2"/>
-            <a:endCxn id="58" idx="0"/>
-          </p:cNvCxnSpPr>
-          <p:nvPr/>
-        </p:nvCxnSpPr>
-        <p:spPr>
-          <a:xfrm rot="5400000">
-            <a:off x="892943" y="4750603"/>
-            <a:ext cx="357190" cy="1588"/>
-          </a:xfrm>
-          <a:prstGeom prst="straightConnector1">
-            <a:avLst/>
-          </a:prstGeom>
-          <a:ln>
-            <a:tailEnd type="arrow"/>
-          </a:ln>
-        </p:spPr>
-        <p:style>
-          <a:lnRef idx="1">
-            <a:schemeClr val="accent1"/>
-          </a:lnRef>
-          <a:fillRef idx="0">
-            <a:schemeClr val="accent1"/>
-          </a:fillRef>
-          <a:effectRef idx="0">
-            <a:schemeClr val="accent1"/>
-          </a:effectRef>
-          <a:fontRef idx="minor">
-            <a:schemeClr val="tx1"/>
-          </a:fontRef>
-        </p:style>
-      </p:cxnSp>
-      <p:sp>
-        <p:nvSpPr>
-          <p:cNvPr id="114" name="Прямоугольник 113"/>
-          <p:cNvSpPr/>
-          <p:nvPr/>
-        </p:nvSpPr>
-        <p:spPr>
-          <a:xfrm>
-            <a:off x="571472" y="5643578"/>
-            <a:ext cx="7143800" cy="45719"/>
-          </a:xfrm>
-          <a:prstGeom prst="rect">
-            <a:avLst/>
-          </a:prstGeom>
-        </p:spPr>
-        <p:style>
-          <a:lnRef idx="2">
-            <a:schemeClr val="accent1">
-              <a:shade val="50000"/>
-            </a:schemeClr>
-          </a:lnRef>
-          <a:fillRef idx="1">
-            <a:schemeClr val="accent1"/>
-          </a:fillRef>
-          <a:effectRef idx="0">
-            <a:schemeClr val="accent1"/>
-          </a:effectRef>
-          <a:fontRef idx="minor">
-            <a:schemeClr val="lt1"/>
-          </a:fontRef>
-        </p:style>
-        <p:txBody>
-          <a:bodyPr rtlCol="0" anchor="ctr"/>
-          <a:lstStyle/>
-          <a:p>
-            <a:pPr algn="ctr"/>
-            <a:endParaRPr lang="ru-RU"/>
-          </a:p>
-        </p:txBody>
-      </p:sp>
-      <p:cxnSp>
-        <p:nvCxnSpPr>
-          <p:cNvPr id="116" name="Прямая со стрелкой 115"/>
-          <p:cNvCxnSpPr>
-            <a:stCxn id="58" idx="2"/>
-          </p:cNvCxnSpPr>
-          <p:nvPr/>
-        </p:nvCxnSpPr>
-        <p:spPr>
-          <a:xfrm rot="5400000">
-            <a:off x="928662" y="5500702"/>
-            <a:ext cx="285752" cy="1588"/>
-          </a:xfrm>
-          <a:prstGeom prst="straightConnector1">
-            <a:avLst/>
-          </a:prstGeom>
-          <a:ln>
-            <a:tailEnd type="arrow"/>
-          </a:ln>
-        </p:spPr>
-        <p:style>
-          <a:lnRef idx="1">
-            <a:schemeClr val="accent1"/>
-          </a:lnRef>
-          <a:fillRef idx="0">
-            <a:schemeClr val="accent1"/>
-          </a:fillRef>
-          <a:effectRef idx="0">
-            <a:schemeClr val="accent1"/>
-          </a:effectRef>
-          <a:fontRef idx="minor">
-            <a:schemeClr val="tx1"/>
-          </a:fontRef>
-        </p:style>
-      </p:cxnSp>
-      <p:cxnSp>
-        <p:nvCxnSpPr>
-          <p:cNvPr id="118" name="Прямая со стрелкой 117"/>
-          <p:cNvCxnSpPr>
-            <a:stCxn id="59" idx="2"/>
-          </p:cNvCxnSpPr>
-          <p:nvPr/>
-        </p:nvCxnSpPr>
-        <p:spPr>
-          <a:xfrm rot="5400000">
-            <a:off x="2143108" y="5500702"/>
-            <a:ext cx="285752" cy="1588"/>
-          </a:xfrm>
-          <a:prstGeom prst="straightConnector1">
-            <a:avLst/>
-          </a:prstGeom>
-          <a:ln>
-            <a:tailEnd type="arrow"/>
-          </a:ln>
-        </p:spPr>
-        <p:style>
-          <a:lnRef idx="1">
-            <a:schemeClr val="accent1"/>
-          </a:lnRef>
-          <a:fillRef idx="0">
-            <a:schemeClr val="accent1"/>
-          </a:fillRef>
-          <a:effectRef idx="0">
-            <a:schemeClr val="accent1"/>
-          </a:effectRef>
-          <a:fontRef idx="minor">
-            <a:schemeClr val="tx1"/>
-          </a:fontRef>
-        </p:style>
-      </p:cxnSp>
-      <p:cxnSp>
-        <p:nvCxnSpPr>
-          <p:cNvPr id="120" name="Прямая со стрелкой 119"/>
-          <p:cNvCxnSpPr>
-            <a:stCxn id="24" idx="2"/>
-          </p:cNvCxnSpPr>
-          <p:nvPr/>
-        </p:nvCxnSpPr>
-        <p:spPr>
-          <a:xfrm rot="5400000">
-            <a:off x="3286116" y="5500702"/>
-            <a:ext cx="285752" cy="1588"/>
-          </a:xfrm>
-          <a:prstGeom prst="straightConnector1">
-            <a:avLst/>
-          </a:prstGeom>
-          <a:ln>
-            <a:tailEnd type="arrow"/>
-          </a:ln>
-        </p:spPr>
-        <p:style>
-          <a:lnRef idx="1">
-            <a:schemeClr val="accent1"/>
-          </a:lnRef>
-          <a:fillRef idx="0">
-            <a:schemeClr val="accent1"/>
-          </a:fillRef>
-          <a:effectRef idx="0">
-            <a:schemeClr val="accent1"/>
-          </a:effectRef>
-          <a:fontRef idx="minor">
-            <a:schemeClr val="tx1"/>
-          </a:fontRef>
-        </p:style>
-      </p:cxnSp>
-      <p:cxnSp>
-        <p:nvCxnSpPr>
-          <p:cNvPr id="122" name="Прямая со стрелкой 121"/>
-          <p:cNvCxnSpPr>
-            <a:stCxn id="29" idx="2"/>
-          </p:cNvCxnSpPr>
-          <p:nvPr/>
-        </p:nvCxnSpPr>
-        <p:spPr>
-          <a:xfrm rot="5400000">
-            <a:off x="4107653" y="5107793"/>
-            <a:ext cx="1071570" cy="1588"/>
-          </a:xfrm>
-          <a:prstGeom prst="straightConnector1">
-            <a:avLst/>
-          </a:prstGeom>
-          <a:ln>
-            <a:tailEnd type="arrow"/>
-          </a:ln>
-        </p:spPr>
-        <p:style>
-          <a:lnRef idx="1">
-            <a:schemeClr val="accent1"/>
-          </a:lnRef>
-          <a:fillRef idx="0">
-            <a:schemeClr val="accent1"/>
-          </a:fillRef>
-          <a:effectRef idx="0">
-            <a:schemeClr val="accent1"/>
-          </a:effectRef>
-          <a:fontRef idx="minor">
-            <a:schemeClr val="tx1"/>
-          </a:fontRef>
-        </p:style>
-      </p:cxnSp>
-      <p:cxnSp>
-        <p:nvCxnSpPr>
-          <p:cNvPr id="126" name="Прямая со стрелкой 125"/>
-          <p:cNvCxnSpPr>
-            <a:stCxn id="25" idx="2"/>
-          </p:cNvCxnSpPr>
-          <p:nvPr/>
-        </p:nvCxnSpPr>
-        <p:spPr>
-          <a:xfrm rot="5400000">
-            <a:off x="5607851" y="5536421"/>
-            <a:ext cx="214314" cy="1588"/>
-          </a:xfrm>
-          <a:prstGeom prst="straightConnector1">
-            <a:avLst/>
-          </a:prstGeom>
-          <a:ln>
-            <a:tailEnd type="arrow"/>
-          </a:ln>
-        </p:spPr>
-        <p:style>
-          <a:lnRef idx="1">
-            <a:schemeClr val="accent1"/>
-          </a:lnRef>
-          <a:fillRef idx="0">
-            <a:schemeClr val="accent1"/>
-          </a:fillRef>
-          <a:effectRef idx="0">
-            <a:schemeClr val="accent1"/>
-          </a:effectRef>
-          <a:fontRef idx="minor">
-            <a:schemeClr val="tx1"/>
-          </a:fontRef>
-        </p:style>
-      </p:cxnSp>
-      <p:cxnSp>
-        <p:nvCxnSpPr>
-          <p:cNvPr id="128" name="Прямая со стрелкой 127"/>
-          <p:cNvCxnSpPr>
-            <a:stCxn id="62" idx="2"/>
-          </p:cNvCxnSpPr>
-          <p:nvPr/>
-        </p:nvCxnSpPr>
-        <p:spPr>
-          <a:xfrm rot="5400000">
-            <a:off x="7108049" y="5536421"/>
-            <a:ext cx="214314" cy="1588"/>
-          </a:xfrm>
-          <a:prstGeom prst="straightConnector1">
-            <a:avLst/>
-          </a:prstGeom>
-          <a:ln>
-            <a:tailEnd type="arrow"/>
-          </a:ln>
-        </p:spPr>
-        <p:style>
-          <a:lnRef idx="1">
-            <a:schemeClr val="accent1"/>
-          </a:lnRef>
-          <a:fillRef idx="0">
-            <a:schemeClr val="accent1"/>
-          </a:fillRef>
-          <a:effectRef idx="0">
-            <a:schemeClr val="accent1"/>
-          </a:effectRef>
-          <a:fontRef idx="minor">
-            <a:schemeClr val="tx1"/>
-          </a:fontRef>
-        </p:style>
-      </p:cxnSp>
-      <p:cxnSp>
-        <p:nvCxnSpPr>
-          <p:cNvPr id="130" name="Прямая со стрелкой 129"/>
-          <p:cNvCxnSpPr>
-            <a:stCxn id="114" idx="1"/>
-            <a:endCxn id="6" idx="1"/>
-          </p:cNvCxnSpPr>
-          <p:nvPr/>
-        </p:nvCxnSpPr>
-        <p:spPr>
-          <a:xfrm rot="10800000" flipH="1">
-            <a:off x="571472" y="1464456"/>
-            <a:ext cx="2071702" cy="4201983"/>
-          </a:xfrm>
-          <a:prstGeom prst="bentConnector3">
-            <a:avLst>
-              <a:gd name="adj1" fmla="val -11034"/>
-            </a:avLst>
-          </a:prstGeom>
-          <a:ln>
-            <a:tailEnd type="arrow"/>
-          </a:ln>
-        </p:spPr>
-        <p:style>
-          <a:lnRef idx="1">
-            <a:schemeClr val="accent1"/>
-          </a:lnRef>
-          <a:fillRef idx="0">
-            <a:schemeClr val="accent1"/>
-          </a:fillRef>
-          <a:effectRef idx="0">
-            <a:schemeClr val="accent1"/>
-          </a:effectRef>
-          <a:fontRef idx="minor">
-            <a:schemeClr val="tx1"/>
-          </a:fontRef>
-        </p:style>
-      </p:cxnSp>
-      <p:sp>
-        <p:nvSpPr>
-          <p:cNvPr id="132" name="Прямоугольник 131"/>
-          <p:cNvSpPr/>
-          <p:nvPr/>
-        </p:nvSpPr>
-        <p:spPr>
-          <a:xfrm>
-            <a:off x="285720" y="142852"/>
-            <a:ext cx="1428760" cy="285752"/>
-          </a:xfrm>
-          <a:prstGeom prst="rect">
-            <a:avLst/>
-          </a:prstGeom>
-        </p:spPr>
-        <p:style>
-          <a:lnRef idx="2">
-            <a:schemeClr val="accent1"/>
-          </a:lnRef>
-          <a:fillRef idx="1">
-            <a:schemeClr val="lt1"/>
-          </a:fillRef>
-          <a:effectRef idx="0">
-            <a:schemeClr val="accent1"/>
-          </a:effectRef>
-          <a:fontRef idx="minor">
-            <a:schemeClr val="dk1"/>
-          </a:fontRef>
-        </p:style>
-        <p:txBody>
-          <a:bodyPr rtlCol="0" anchor="ctr"/>
-          <a:lstStyle/>
-          <a:p>
-            <a:pPr algn="ctr"/>
-            <a:r>
-              <a:rPr lang="ru-RU" sz="1200" dirty="0" smtClean="0">
-                <a:latin typeface="Times New Roman" pitchFamily="18" charset="0"/>
-                <a:cs typeface="Times New Roman" pitchFamily="18" charset="0"/>
-              </a:rPr>
-              <a:t>программа</a:t>
-            </a:r>
-            <a:endParaRPr lang="ru-RU" sz="1200" dirty="0">
-              <a:latin typeface="Times New Roman" pitchFamily="18" charset="0"/>
-              <a:cs typeface="Times New Roman" pitchFamily="18" charset="0"/>
-            </a:endParaRPr>
-          </a:p>
-        </p:txBody>
-      </p:sp>
-      <p:sp>
-        <p:nvSpPr>
-          <p:cNvPr id="133" name="Прямоугольник 132"/>
-          <p:cNvSpPr/>
-          <p:nvPr/>
-        </p:nvSpPr>
-        <p:spPr>
-          <a:xfrm>
-            <a:off x="285720" y="642918"/>
-            <a:ext cx="1428760" cy="285752"/>
-          </a:xfrm>
-          <a:prstGeom prst="rect">
-            <a:avLst/>
-          </a:prstGeom>
-        </p:spPr>
-        <p:style>
-          <a:lnRef idx="2">
-            <a:schemeClr val="accent2"/>
-          </a:lnRef>
-          <a:fillRef idx="1">
-            <a:schemeClr val="lt1"/>
-          </a:fillRef>
-          <a:effectRef idx="0">
-            <a:schemeClr val="accent2"/>
-          </a:effectRef>
-          <a:fontRef idx="minor">
-            <a:schemeClr val="dk1"/>
-          </a:fontRef>
-        </p:style>
-        <p:txBody>
-          <a:bodyPr rtlCol="0" anchor="ctr"/>
-          <a:lstStyle/>
-          <a:p>
-            <a:pPr algn="ctr"/>
-            <a:r>
-              <a:rPr lang="ru-RU" sz="1200" dirty="0" smtClean="0">
-                <a:latin typeface="Times New Roman" pitchFamily="18" charset="0"/>
-                <a:cs typeface="Times New Roman" pitchFamily="18" charset="0"/>
-              </a:rPr>
-              <a:t>пользователь</a:t>
-            </a:r>
-            <a:endParaRPr lang="ru-RU" sz="1200" dirty="0">
-              <a:latin typeface="Times New Roman" pitchFamily="18" charset="0"/>
-              <a:cs typeface="Times New Roman" pitchFamily="18" charset="0"/>
-            </a:endParaRPr>
-          </a:p>
-        </p:txBody>
-      </p:sp>
     </p:spTree>
   </p:cSld>
   <p:clrMapOvr>

--- a/Tracker/tracker.pptx
+++ b/Tracker/tracker.pptx
@@ -4,8 +4,13 @@
   <p:sldMasterIdLst>
     <p:sldMasterId id="2147483648" r:id="rId1"/>
   </p:sldMasterIdLst>
+  <p:notesMasterIdLst>
+    <p:notesMasterId r:id="rId5"/>
+  </p:notesMasterIdLst>
   <p:sldIdLst>
     <p:sldId id="260" r:id="rId2"/>
+    <p:sldId id="261" r:id="rId3"/>
+    <p:sldId id="262" r:id="rId4"/>
   </p:sldIdLst>
   <p:sldSz cx="9144000" cy="6858000" type="screen4x3"/>
   <p:notesSz cx="6858000" cy="9144000"/>
@@ -107,6 +112,434 @@
 </p:presentation>
 </file>
 
+<file path=ppt/notesMasters/notesMaster1.xml><?xml version="1.0" encoding="utf-8"?>
+<p:notesMaster xmlns:a="http://schemas.openxmlformats.org/drawingml/2006/main" xmlns:r="http://schemas.openxmlformats.org/officeDocument/2006/relationships" xmlns:p="http://schemas.openxmlformats.org/presentationml/2006/main">
+  <p:cSld>
+    <p:bg>
+      <p:bgRef idx="1001">
+        <a:schemeClr val="bg1"/>
+      </p:bgRef>
+    </p:bg>
+    <p:spTree>
+      <p:nvGrpSpPr>
+        <p:cNvPr id="1" name=""/>
+        <p:cNvGrpSpPr/>
+        <p:nvPr/>
+      </p:nvGrpSpPr>
+      <p:grpSpPr>
+        <a:xfrm>
+          <a:off x="0" y="0"/>
+          <a:ext cx="0" cy="0"/>
+          <a:chOff x="0" y="0"/>
+          <a:chExt cx="0" cy="0"/>
+        </a:xfrm>
+      </p:grpSpPr>
+      <p:sp>
+        <p:nvSpPr>
+          <p:cNvPr id="2" name="Верхний колонтитул 1"/>
+          <p:cNvSpPr>
+            <a:spLocks noGrp="1"/>
+          </p:cNvSpPr>
+          <p:nvPr>
+            <p:ph type="hdr" sz="quarter"/>
+          </p:nvPr>
+        </p:nvSpPr>
+        <p:spPr>
+          <a:xfrm>
+            <a:off x="0" y="0"/>
+            <a:ext cx="2971800" cy="457200"/>
+          </a:xfrm>
+          <a:prstGeom prst="rect">
+            <a:avLst/>
+          </a:prstGeom>
+        </p:spPr>
+        <p:txBody>
+          <a:bodyPr vert="horz" lIns="91440" tIns="45720" rIns="91440" bIns="45720" rtlCol="0"/>
+          <a:lstStyle>
+            <a:lvl1pPr algn="l">
+              <a:defRPr sz="1200"/>
+            </a:lvl1pPr>
+          </a:lstStyle>
+          <a:p>
+            <a:endParaRPr lang="ru-RU"/>
+          </a:p>
+        </p:txBody>
+      </p:sp>
+      <p:sp>
+        <p:nvSpPr>
+          <p:cNvPr id="3" name="Дата 2"/>
+          <p:cNvSpPr>
+            <a:spLocks noGrp="1"/>
+          </p:cNvSpPr>
+          <p:nvPr>
+            <p:ph type="dt" idx="1"/>
+          </p:nvPr>
+        </p:nvSpPr>
+        <p:spPr>
+          <a:xfrm>
+            <a:off x="3884613" y="0"/>
+            <a:ext cx="2971800" cy="457200"/>
+          </a:xfrm>
+          <a:prstGeom prst="rect">
+            <a:avLst/>
+          </a:prstGeom>
+        </p:spPr>
+        <p:txBody>
+          <a:bodyPr vert="horz" lIns="91440" tIns="45720" rIns="91440" bIns="45720" rtlCol="0"/>
+          <a:lstStyle>
+            <a:lvl1pPr algn="r">
+              <a:defRPr sz="1200"/>
+            </a:lvl1pPr>
+          </a:lstStyle>
+          <a:p>
+            <a:fld id="{6CB5005A-8D42-4E3E-8167-885BFC2FD09A}" type="datetimeFigureOut">
+              <a:rPr lang="ru-RU" smtClean="0"/>
+              <a:t>13.09.2016</a:t>
+            </a:fld>
+            <a:endParaRPr lang="ru-RU"/>
+          </a:p>
+        </p:txBody>
+      </p:sp>
+      <p:sp>
+        <p:nvSpPr>
+          <p:cNvPr id="4" name="Образ слайда 3"/>
+          <p:cNvSpPr>
+            <a:spLocks noGrp="1" noRot="1" noChangeAspect="1"/>
+          </p:cNvSpPr>
+          <p:nvPr>
+            <p:ph type="sldImg" idx="2"/>
+          </p:nvPr>
+        </p:nvSpPr>
+        <p:spPr>
+          <a:xfrm>
+            <a:off x="1143000" y="685800"/>
+            <a:ext cx="4572000" cy="3429000"/>
+          </a:xfrm>
+          <a:prstGeom prst="rect">
+            <a:avLst/>
+          </a:prstGeom>
+          <a:noFill/>
+          <a:ln w="12700">
+            <a:solidFill>
+              <a:prstClr val="black"/>
+            </a:solidFill>
+          </a:ln>
+        </p:spPr>
+        <p:txBody>
+          <a:bodyPr vert="horz" lIns="91440" tIns="45720" rIns="91440" bIns="45720" rtlCol="0" anchor="ctr"/>
+          <a:lstStyle/>
+          <a:p>
+            <a:endParaRPr lang="ru-RU"/>
+          </a:p>
+        </p:txBody>
+      </p:sp>
+      <p:sp>
+        <p:nvSpPr>
+          <p:cNvPr id="5" name="Заметки 4"/>
+          <p:cNvSpPr>
+            <a:spLocks noGrp="1"/>
+          </p:cNvSpPr>
+          <p:nvPr>
+            <p:ph type="body" sz="quarter" idx="3"/>
+          </p:nvPr>
+        </p:nvSpPr>
+        <p:spPr>
+          <a:xfrm>
+            <a:off x="685800" y="4343400"/>
+            <a:ext cx="5486400" cy="4114800"/>
+          </a:xfrm>
+          <a:prstGeom prst="rect">
+            <a:avLst/>
+          </a:prstGeom>
+        </p:spPr>
+        <p:txBody>
+          <a:bodyPr vert="horz" lIns="91440" tIns="45720" rIns="91440" bIns="45720" rtlCol="0">
+            <a:normAutofit/>
+          </a:bodyPr>
+          <a:lstStyle/>
+          <a:p>
+            <a:pPr lvl="0"/>
+            <a:r>
+              <a:rPr lang="ru-RU" smtClean="0"/>
+              <a:t>Образец текста</a:t>
+            </a:r>
+          </a:p>
+          <a:p>
+            <a:pPr lvl="1"/>
+            <a:r>
+              <a:rPr lang="ru-RU" smtClean="0"/>
+              <a:t>Второй уровень</a:t>
+            </a:r>
+          </a:p>
+          <a:p>
+            <a:pPr lvl="2"/>
+            <a:r>
+              <a:rPr lang="ru-RU" smtClean="0"/>
+              <a:t>Третий уровень</a:t>
+            </a:r>
+          </a:p>
+          <a:p>
+            <a:pPr lvl="3"/>
+            <a:r>
+              <a:rPr lang="ru-RU" smtClean="0"/>
+              <a:t>Четвертый уровень</a:t>
+            </a:r>
+          </a:p>
+          <a:p>
+            <a:pPr lvl="4"/>
+            <a:r>
+              <a:rPr lang="ru-RU" smtClean="0"/>
+              <a:t>Пятый уровень</a:t>
+            </a:r>
+            <a:endParaRPr lang="ru-RU"/>
+          </a:p>
+        </p:txBody>
+      </p:sp>
+      <p:sp>
+        <p:nvSpPr>
+          <p:cNvPr id="6" name="Нижний колонтитул 5"/>
+          <p:cNvSpPr>
+            <a:spLocks noGrp="1"/>
+          </p:cNvSpPr>
+          <p:nvPr>
+            <p:ph type="ftr" sz="quarter" idx="4"/>
+          </p:nvPr>
+        </p:nvSpPr>
+        <p:spPr>
+          <a:xfrm>
+            <a:off x="0" y="8685213"/>
+            <a:ext cx="2971800" cy="457200"/>
+          </a:xfrm>
+          <a:prstGeom prst="rect">
+            <a:avLst/>
+          </a:prstGeom>
+        </p:spPr>
+        <p:txBody>
+          <a:bodyPr vert="horz" lIns="91440" tIns="45720" rIns="91440" bIns="45720" rtlCol="0" anchor="b"/>
+          <a:lstStyle>
+            <a:lvl1pPr algn="l">
+              <a:defRPr sz="1200"/>
+            </a:lvl1pPr>
+          </a:lstStyle>
+          <a:p>
+            <a:endParaRPr lang="ru-RU"/>
+          </a:p>
+        </p:txBody>
+      </p:sp>
+      <p:sp>
+        <p:nvSpPr>
+          <p:cNvPr id="7" name="Номер слайда 6"/>
+          <p:cNvSpPr>
+            <a:spLocks noGrp="1"/>
+          </p:cNvSpPr>
+          <p:nvPr>
+            <p:ph type="sldNum" sz="quarter" idx="5"/>
+          </p:nvPr>
+        </p:nvSpPr>
+        <p:spPr>
+          <a:xfrm>
+            <a:off x="3884613" y="8685213"/>
+            <a:ext cx="2971800" cy="457200"/>
+          </a:xfrm>
+          <a:prstGeom prst="rect">
+            <a:avLst/>
+          </a:prstGeom>
+        </p:spPr>
+        <p:txBody>
+          <a:bodyPr vert="horz" lIns="91440" tIns="45720" rIns="91440" bIns="45720" rtlCol="0" anchor="b"/>
+          <a:lstStyle>
+            <a:lvl1pPr algn="r">
+              <a:defRPr sz="1200"/>
+            </a:lvl1pPr>
+          </a:lstStyle>
+          <a:p>
+            <a:fld id="{CFD6B85F-709E-4947-AA39-F5E936C95DFF}" type="slidenum">
+              <a:rPr lang="ru-RU" smtClean="0"/>
+              <a:t>‹#›</a:t>
+            </a:fld>
+            <a:endParaRPr lang="ru-RU"/>
+          </a:p>
+        </p:txBody>
+      </p:sp>
+    </p:spTree>
+  </p:cSld>
+  <p:clrMap bg1="lt1" tx1="dk1" bg2="lt2" tx2="dk2" accent1="accent1" accent2="accent2" accent3="accent3" accent4="accent4" accent5="accent5" accent6="accent6" hlink="hlink" folHlink="folHlink"/>
+  <p:notesStyle>
+    <a:lvl1pPr marL="0" algn="l" defTabSz="914400" rtl="0" eaLnBrk="1" latinLnBrk="0" hangingPunct="1">
+      <a:defRPr sz="1200" kern="1200">
+        <a:solidFill>
+          <a:schemeClr val="tx1"/>
+        </a:solidFill>
+        <a:latin typeface="+mn-lt"/>
+        <a:ea typeface="+mn-ea"/>
+        <a:cs typeface="+mn-cs"/>
+      </a:defRPr>
+    </a:lvl1pPr>
+    <a:lvl2pPr marL="457200" algn="l" defTabSz="914400" rtl="0" eaLnBrk="1" latinLnBrk="0" hangingPunct="1">
+      <a:defRPr sz="1200" kern="1200">
+        <a:solidFill>
+          <a:schemeClr val="tx1"/>
+        </a:solidFill>
+        <a:latin typeface="+mn-lt"/>
+        <a:ea typeface="+mn-ea"/>
+        <a:cs typeface="+mn-cs"/>
+      </a:defRPr>
+    </a:lvl2pPr>
+    <a:lvl3pPr marL="914400" algn="l" defTabSz="914400" rtl="0" eaLnBrk="1" latinLnBrk="0" hangingPunct="1">
+      <a:defRPr sz="1200" kern="1200">
+        <a:solidFill>
+          <a:schemeClr val="tx1"/>
+        </a:solidFill>
+        <a:latin typeface="+mn-lt"/>
+        <a:ea typeface="+mn-ea"/>
+        <a:cs typeface="+mn-cs"/>
+      </a:defRPr>
+    </a:lvl3pPr>
+    <a:lvl4pPr marL="1371600" algn="l" defTabSz="914400" rtl="0" eaLnBrk="1" latinLnBrk="0" hangingPunct="1">
+      <a:defRPr sz="1200" kern="1200">
+        <a:solidFill>
+          <a:schemeClr val="tx1"/>
+        </a:solidFill>
+        <a:latin typeface="+mn-lt"/>
+        <a:ea typeface="+mn-ea"/>
+        <a:cs typeface="+mn-cs"/>
+      </a:defRPr>
+    </a:lvl4pPr>
+    <a:lvl5pPr marL="1828800" algn="l" defTabSz="914400" rtl="0" eaLnBrk="1" latinLnBrk="0" hangingPunct="1">
+      <a:defRPr sz="1200" kern="1200">
+        <a:solidFill>
+          <a:schemeClr val="tx1"/>
+        </a:solidFill>
+        <a:latin typeface="+mn-lt"/>
+        <a:ea typeface="+mn-ea"/>
+        <a:cs typeface="+mn-cs"/>
+      </a:defRPr>
+    </a:lvl5pPr>
+    <a:lvl6pPr marL="2286000" algn="l" defTabSz="914400" rtl="0" eaLnBrk="1" latinLnBrk="0" hangingPunct="1">
+      <a:defRPr sz="1200" kern="1200">
+        <a:solidFill>
+          <a:schemeClr val="tx1"/>
+        </a:solidFill>
+        <a:latin typeface="+mn-lt"/>
+        <a:ea typeface="+mn-ea"/>
+        <a:cs typeface="+mn-cs"/>
+      </a:defRPr>
+    </a:lvl6pPr>
+    <a:lvl7pPr marL="2743200" algn="l" defTabSz="914400" rtl="0" eaLnBrk="1" latinLnBrk="0" hangingPunct="1">
+      <a:defRPr sz="1200" kern="1200">
+        <a:solidFill>
+          <a:schemeClr val="tx1"/>
+        </a:solidFill>
+        <a:latin typeface="+mn-lt"/>
+        <a:ea typeface="+mn-ea"/>
+        <a:cs typeface="+mn-cs"/>
+      </a:defRPr>
+    </a:lvl7pPr>
+    <a:lvl8pPr marL="3200400" algn="l" defTabSz="914400" rtl="0" eaLnBrk="1" latinLnBrk="0" hangingPunct="1">
+      <a:defRPr sz="1200" kern="1200">
+        <a:solidFill>
+          <a:schemeClr val="tx1"/>
+        </a:solidFill>
+        <a:latin typeface="+mn-lt"/>
+        <a:ea typeface="+mn-ea"/>
+        <a:cs typeface="+mn-cs"/>
+      </a:defRPr>
+    </a:lvl8pPr>
+    <a:lvl9pPr marL="3657600" algn="l" defTabSz="914400" rtl="0" eaLnBrk="1" latinLnBrk="0" hangingPunct="1">
+      <a:defRPr sz="1200" kern="1200">
+        <a:solidFill>
+          <a:schemeClr val="tx1"/>
+        </a:solidFill>
+        <a:latin typeface="+mn-lt"/>
+        <a:ea typeface="+mn-ea"/>
+        <a:cs typeface="+mn-cs"/>
+      </a:defRPr>
+    </a:lvl9pPr>
+  </p:notesStyle>
+</p:notesMaster>
+</file>
+
+<file path=ppt/notesSlides/notesSlide1.xml><?xml version="1.0" encoding="utf-8"?>
+<p:notes xmlns:a="http://schemas.openxmlformats.org/drawingml/2006/main" xmlns:r="http://schemas.openxmlformats.org/officeDocument/2006/relationships" xmlns:p="http://schemas.openxmlformats.org/presentationml/2006/main">
+  <p:cSld>
+    <p:spTree>
+      <p:nvGrpSpPr>
+        <p:cNvPr id="1" name=""/>
+        <p:cNvGrpSpPr/>
+        <p:nvPr/>
+      </p:nvGrpSpPr>
+      <p:grpSpPr>
+        <a:xfrm>
+          <a:off x="0" y="0"/>
+          <a:ext cx="0" cy="0"/>
+          <a:chOff x="0" y="0"/>
+          <a:chExt cx="0" cy="0"/>
+        </a:xfrm>
+      </p:grpSpPr>
+      <p:sp>
+        <p:nvSpPr>
+          <p:cNvPr id="2" name="Образ слайда 1"/>
+          <p:cNvSpPr>
+            <a:spLocks noGrp="1" noRot="1" noChangeAspect="1"/>
+          </p:cNvSpPr>
+          <p:nvPr>
+            <p:ph type="sldImg"/>
+          </p:nvPr>
+        </p:nvSpPr>
+        <p:spPr/>
+      </p:sp>
+      <p:sp>
+        <p:nvSpPr>
+          <p:cNvPr id="3" name="Заметки 2"/>
+          <p:cNvSpPr>
+            <a:spLocks noGrp="1"/>
+          </p:cNvSpPr>
+          <p:nvPr>
+            <p:ph type="body" idx="1"/>
+          </p:nvPr>
+        </p:nvSpPr>
+        <p:spPr/>
+        <p:txBody>
+          <a:bodyPr>
+            <a:normAutofit/>
+          </a:bodyPr>
+          <a:lstStyle/>
+          <a:p>
+            <a:endParaRPr lang="ru-RU" dirty="0"/>
+          </a:p>
+        </p:txBody>
+      </p:sp>
+      <p:sp>
+        <p:nvSpPr>
+          <p:cNvPr id="4" name="Номер слайда 3"/>
+          <p:cNvSpPr>
+            <a:spLocks noGrp="1"/>
+          </p:cNvSpPr>
+          <p:nvPr>
+            <p:ph type="sldNum" sz="quarter" idx="10"/>
+          </p:nvPr>
+        </p:nvSpPr>
+        <p:spPr/>
+        <p:txBody>
+          <a:bodyPr/>
+          <a:lstStyle/>
+          <a:p>
+            <a:fld id="{CFD6B85F-709E-4947-AA39-F5E936C95DFF}" type="slidenum">
+              <a:rPr lang="ru-RU" smtClean="0"/>
+              <a:t>1</a:t>
+            </a:fld>
+            <a:endParaRPr lang="ru-RU"/>
+          </a:p>
+        </p:txBody>
+      </p:sp>
+    </p:spTree>
+  </p:cSld>
+  <p:clrMapOvr>
+    <a:masterClrMapping/>
+  </p:clrMapOvr>
+</p:notes>
+</file>
+
 <file path=ppt/slideLayouts/slideLayout1.xml><?xml version="1.0" encoding="utf-8"?>
 <p:sldLayout xmlns:a="http://schemas.openxmlformats.org/drawingml/2006/main" xmlns:r="http://schemas.openxmlformats.org/officeDocument/2006/relationships" xmlns:p="http://schemas.openxmlformats.org/presentationml/2006/main" type="title" preserve="1">
   <p:cSld name="Титульный слайд">
@@ -289,7 +722,7 @@
             <a:fld id="{0BF082C9-9648-4404-A278-BF68CA761A07}" type="datetimeFigureOut">
               <a:rPr lang="ru-RU" smtClean="0"/>
               <a:pPr/>
-              <a:t>12.09.2016</a:t>
+              <a:t>13.09.2016</a:t>
             </a:fld>
             <a:endParaRPr lang="ru-RU"/>
           </a:p>
@@ -456,7 +889,7 @@
             <a:fld id="{0BF082C9-9648-4404-A278-BF68CA761A07}" type="datetimeFigureOut">
               <a:rPr lang="ru-RU" smtClean="0"/>
               <a:pPr/>
-              <a:t>12.09.2016</a:t>
+              <a:t>13.09.2016</a:t>
             </a:fld>
             <a:endParaRPr lang="ru-RU"/>
           </a:p>
@@ -633,7 +1066,7 @@
             <a:fld id="{0BF082C9-9648-4404-A278-BF68CA761A07}" type="datetimeFigureOut">
               <a:rPr lang="ru-RU" smtClean="0"/>
               <a:pPr/>
-              <a:t>12.09.2016</a:t>
+              <a:t>13.09.2016</a:t>
             </a:fld>
             <a:endParaRPr lang="ru-RU"/>
           </a:p>
@@ -800,7 +1233,7 @@
             <a:fld id="{0BF082C9-9648-4404-A278-BF68CA761A07}" type="datetimeFigureOut">
               <a:rPr lang="ru-RU" smtClean="0"/>
               <a:pPr/>
-              <a:t>12.09.2016</a:t>
+              <a:t>13.09.2016</a:t>
             </a:fld>
             <a:endParaRPr lang="ru-RU"/>
           </a:p>
@@ -1043,7 +1476,7 @@
             <a:fld id="{0BF082C9-9648-4404-A278-BF68CA761A07}" type="datetimeFigureOut">
               <a:rPr lang="ru-RU" smtClean="0"/>
               <a:pPr/>
-              <a:t>12.09.2016</a:t>
+              <a:t>13.09.2016</a:t>
             </a:fld>
             <a:endParaRPr lang="ru-RU"/>
           </a:p>
@@ -1328,7 +1761,7 @@
             <a:fld id="{0BF082C9-9648-4404-A278-BF68CA761A07}" type="datetimeFigureOut">
               <a:rPr lang="ru-RU" smtClean="0"/>
               <a:pPr/>
-              <a:t>12.09.2016</a:t>
+              <a:t>13.09.2016</a:t>
             </a:fld>
             <a:endParaRPr lang="ru-RU"/>
           </a:p>
@@ -1747,7 +2180,7 @@
             <a:fld id="{0BF082C9-9648-4404-A278-BF68CA761A07}" type="datetimeFigureOut">
               <a:rPr lang="ru-RU" smtClean="0"/>
               <a:pPr/>
-              <a:t>12.09.2016</a:t>
+              <a:t>13.09.2016</a:t>
             </a:fld>
             <a:endParaRPr lang="ru-RU"/>
           </a:p>
@@ -1862,7 +2295,7 @@
             <a:fld id="{0BF082C9-9648-4404-A278-BF68CA761A07}" type="datetimeFigureOut">
               <a:rPr lang="ru-RU" smtClean="0"/>
               <a:pPr/>
-              <a:t>12.09.2016</a:t>
+              <a:t>13.09.2016</a:t>
             </a:fld>
             <a:endParaRPr lang="ru-RU"/>
           </a:p>
@@ -1954,7 +2387,7 @@
             <a:fld id="{0BF082C9-9648-4404-A278-BF68CA761A07}" type="datetimeFigureOut">
               <a:rPr lang="ru-RU" smtClean="0"/>
               <a:pPr/>
-              <a:t>12.09.2016</a:t>
+              <a:t>13.09.2016</a:t>
             </a:fld>
             <a:endParaRPr lang="ru-RU"/>
           </a:p>
@@ -2228,7 +2661,7 @@
             <a:fld id="{0BF082C9-9648-4404-A278-BF68CA761A07}" type="datetimeFigureOut">
               <a:rPr lang="ru-RU" smtClean="0"/>
               <a:pPr/>
-              <a:t>12.09.2016</a:t>
+              <a:t>13.09.2016</a:t>
             </a:fld>
             <a:endParaRPr lang="ru-RU"/>
           </a:p>
@@ -2478,7 +2911,7 @@
             <a:fld id="{0BF082C9-9648-4404-A278-BF68CA761A07}" type="datetimeFigureOut">
               <a:rPr lang="ru-RU" smtClean="0"/>
               <a:pPr/>
-              <a:t>12.09.2016</a:t>
+              <a:t>13.09.2016</a:t>
             </a:fld>
             <a:endParaRPr lang="ru-RU"/>
           </a:p>
@@ -2688,7 +3121,7 @@
             <a:fld id="{0BF082C9-9648-4404-A278-BF68CA761A07}" type="datetimeFigureOut">
               <a:rPr lang="ru-RU" smtClean="0"/>
               <a:pPr/>
-              <a:t>12.09.2016</a:t>
+              <a:t>13.09.2016</a:t>
             </a:fld>
             <a:endParaRPr lang="ru-RU"/>
           </a:p>
@@ -3067,8 +3500,8 @@
         </p:nvSpPr>
         <p:spPr>
           <a:xfrm>
-            <a:off x="4214810" y="5000636"/>
-            <a:ext cx="1888629" cy="1104893"/>
+            <a:off x="2214546" y="857232"/>
+            <a:ext cx="2143140" cy="1321605"/>
           </a:xfrm>
           <a:prstGeom prst="rect">
             <a:avLst/>
@@ -3100,7 +3533,7 @@
           <a:lstStyle/>
           <a:p>
             <a:r>
-              <a:rPr lang="en-US" sz="600" dirty="0" smtClean="0">
+              <a:rPr lang="en-US" sz="700" dirty="0" smtClean="0">
                 <a:solidFill>
                   <a:schemeClr val="tx1"/>
                 </a:solidFill>
@@ -3110,7 +3543,7 @@
               <a:t>Package </a:t>
             </a:r>
             <a:r>
-              <a:rPr lang="en-US" sz="600" dirty="0" err="1" smtClean="0">
+              <a:rPr lang="en-US" sz="700" dirty="0" err="1" smtClean="0">
                 <a:solidFill>
                   <a:schemeClr val="tx1"/>
                 </a:solidFill>
@@ -3120,7 +3553,7 @@
               <a:t>ru.tsibrovskii.start</a:t>
             </a:r>
             <a:r>
-              <a:rPr lang="en-US" sz="600" dirty="0" smtClean="0">
+              <a:rPr lang="en-US" sz="700" dirty="0" smtClean="0">
                 <a:solidFill>
                   <a:schemeClr val="tx1"/>
                 </a:solidFill>
@@ -3131,7 +3564,7 @@
             </a:r>
           </a:p>
           <a:p>
-            <a:endParaRPr lang="en-US" sz="600" dirty="0" smtClean="0">
+            <a:endParaRPr lang="en-US" sz="700" dirty="0" smtClean="0">
               <a:solidFill>
                 <a:schemeClr val="tx1"/>
               </a:solidFill>
@@ -3141,7 +3574,7 @@
           </a:p>
           <a:p>
             <a:r>
-              <a:rPr lang="en-US" sz="600" dirty="0" smtClean="0">
+              <a:rPr lang="en-US" sz="700" dirty="0" smtClean="0">
                 <a:solidFill>
                   <a:schemeClr val="tx1"/>
                 </a:solidFill>
@@ -3151,7 +3584,7 @@
               <a:t>Import </a:t>
             </a:r>
             <a:r>
-              <a:rPr lang="en-US" sz="600" dirty="0" err="1" smtClean="0">
+              <a:rPr lang="en-US" sz="700" dirty="0" err="1" smtClean="0">
                 <a:solidFill>
                   <a:schemeClr val="tx1"/>
                 </a:solidFill>
@@ -3161,7 +3594,7 @@
               <a:t>java.util</a:t>
             </a:r>
             <a:r>
-              <a:rPr lang="en-US" sz="600" dirty="0" smtClean="0">
+              <a:rPr lang="en-US" sz="700" dirty="0" smtClean="0">
                 <a:solidFill>
                   <a:schemeClr val="tx1"/>
                 </a:solidFill>
@@ -3172,7 +3605,7 @@
             </a:r>
           </a:p>
           <a:p>
-            <a:endParaRPr lang="en-US" sz="600" dirty="0" smtClean="0">
+            <a:endParaRPr lang="en-US" sz="700" dirty="0" smtClean="0">
               <a:solidFill>
                 <a:schemeClr val="tx1"/>
               </a:solidFill>
@@ -3182,7 +3615,7 @@
           </a:p>
           <a:p>
             <a:r>
-              <a:rPr lang="en-US" sz="600" dirty="0" smtClean="0">
+              <a:rPr lang="en-US" sz="700" dirty="0" smtClean="0">
                 <a:solidFill>
                   <a:schemeClr val="tx1"/>
                 </a:solidFill>
@@ -3192,7 +3625,7 @@
               <a:t>Public class </a:t>
             </a:r>
             <a:r>
-              <a:rPr lang="en-US" sz="600" dirty="0" err="1" smtClean="0">
+              <a:rPr lang="en-US" sz="700" dirty="0" err="1" smtClean="0">
                 <a:solidFill>
                   <a:schemeClr val="tx1"/>
                 </a:solidFill>
@@ -3202,7 +3635,7 @@
               <a:t>ConsoleInput</a:t>
             </a:r>
             <a:r>
-              <a:rPr lang="en-US" sz="600" dirty="0" smtClean="0">
+              <a:rPr lang="en-US" sz="700" dirty="0" smtClean="0">
                 <a:solidFill>
                   <a:schemeClr val="tx1"/>
                 </a:solidFill>
@@ -3213,7 +3646,7 @@
             </a:r>
           </a:p>
           <a:p>
-            <a:endParaRPr lang="en-US" sz="600" dirty="0" smtClean="0">
+            <a:endParaRPr lang="en-US" sz="700" dirty="0" smtClean="0">
               <a:solidFill>
                 <a:schemeClr val="tx1"/>
               </a:solidFill>
@@ -3223,7 +3656,7 @@
           </a:p>
           <a:p>
             <a:r>
-              <a:rPr lang="en-US" sz="600" dirty="0" smtClean="0">
+              <a:rPr lang="en-US" sz="700" dirty="0" smtClean="0">
                 <a:solidFill>
                   <a:schemeClr val="tx1"/>
                 </a:solidFill>
@@ -3233,7 +3666,7 @@
               <a:t>Private Scanner </a:t>
             </a:r>
             <a:r>
-              <a:rPr lang="en-US" sz="600" dirty="0" err="1" smtClean="0">
+              <a:rPr lang="en-US" sz="700" dirty="0" err="1" smtClean="0">
                 <a:solidFill>
                   <a:schemeClr val="tx1"/>
                 </a:solidFill>
@@ -3243,7 +3676,7 @@
               <a:t>scanner</a:t>
             </a:r>
             <a:r>
-              <a:rPr lang="en-US" sz="600" dirty="0" smtClean="0">
+              <a:rPr lang="en-US" sz="700" dirty="0" smtClean="0">
                 <a:solidFill>
                   <a:schemeClr val="tx1"/>
                 </a:solidFill>
@@ -3253,7 +3686,7 @@
               <a:t> = new Scanner(</a:t>
             </a:r>
             <a:r>
-              <a:rPr lang="en-US" sz="600" dirty="0" err="1" smtClean="0">
+              <a:rPr lang="en-US" sz="700" dirty="0" err="1" smtClean="0">
                 <a:solidFill>
                   <a:schemeClr val="tx1"/>
                 </a:solidFill>
@@ -3263,7 +3696,7 @@
               <a:t>System.in</a:t>
             </a:r>
             <a:r>
-              <a:rPr lang="en-US" sz="600" dirty="0" smtClean="0">
+              <a:rPr lang="en-US" sz="700" dirty="0" smtClean="0">
                 <a:solidFill>
                   <a:schemeClr val="tx1"/>
                 </a:solidFill>
@@ -3274,7 +3707,7 @@
             </a:r>
           </a:p>
           <a:p>
-            <a:endParaRPr lang="en-US" sz="600" dirty="0" smtClean="0">
+            <a:endParaRPr lang="en-US" sz="700" dirty="0" smtClean="0">
               <a:solidFill>
                 <a:schemeClr val="tx1"/>
               </a:solidFill>
@@ -3284,7 +3717,7 @@
           </a:p>
           <a:p>
             <a:r>
-              <a:rPr lang="en-US" sz="600" dirty="0" smtClean="0">
+              <a:rPr lang="en-US" sz="700" dirty="0" smtClean="0">
                 <a:solidFill>
                   <a:schemeClr val="tx1"/>
                 </a:solidFill>
@@ -3296,7 +3729,7 @@
           </a:p>
           <a:p>
             <a:r>
-              <a:rPr lang="en-US" sz="600" dirty="0" smtClean="0">
+              <a:rPr lang="en-US" sz="700" dirty="0" smtClean="0">
                 <a:solidFill>
                   <a:schemeClr val="tx1"/>
                 </a:solidFill>
@@ -3306,7 +3739,7 @@
               <a:t>Public </a:t>
             </a:r>
             <a:r>
-              <a:rPr lang="en-US" sz="600" dirty="0" err="1" smtClean="0">
+              <a:rPr lang="en-US" sz="700" dirty="0" err="1" smtClean="0">
                 <a:solidFill>
                   <a:schemeClr val="tx1"/>
                 </a:solidFill>
@@ -3316,7 +3749,7 @@
               <a:t>int</a:t>
             </a:r>
             <a:r>
-              <a:rPr lang="en-US" sz="600" dirty="0" smtClean="0">
+              <a:rPr lang="en-US" sz="700" dirty="0" smtClean="0">
                 <a:solidFill>
                   <a:schemeClr val="tx1"/>
                 </a:solidFill>
@@ -3326,7 +3759,7 @@
               <a:t> ask(String question, </a:t>
             </a:r>
             <a:r>
-              <a:rPr lang="en-US" sz="600" dirty="0" err="1" smtClean="0">
+              <a:rPr lang="en-US" sz="700" dirty="0" err="1" smtClean="0">
                 <a:solidFill>
                   <a:schemeClr val="tx1"/>
                 </a:solidFill>
@@ -3336,7 +3769,7 @@
               <a:t>int</a:t>
             </a:r>
             <a:r>
-              <a:rPr lang="en-US" sz="600" dirty="0" smtClean="0">
+              <a:rPr lang="en-US" sz="700" dirty="0" smtClean="0">
                 <a:solidFill>
                   <a:schemeClr val="tx1"/>
                 </a:solidFill>
@@ -3356,8 +3789,8 @@
         </p:nvSpPr>
         <p:spPr>
           <a:xfrm>
-            <a:off x="2357422" y="5072074"/>
-            <a:ext cx="1366242" cy="761994"/>
+            <a:off x="2500298" y="0"/>
+            <a:ext cx="1571636" cy="785794"/>
           </a:xfrm>
           <a:prstGeom prst="rect">
             <a:avLst/>
@@ -3389,7 +3822,7 @@
           <a:lstStyle/>
           <a:p>
             <a:r>
-              <a:rPr lang="en-US" sz="600" dirty="0" smtClean="0">
+              <a:rPr lang="en-US" sz="700" dirty="0" smtClean="0">
                 <a:solidFill>
                   <a:schemeClr val="tx1"/>
                 </a:solidFill>
@@ -3399,7 +3832,7 @@
               <a:t>Package </a:t>
             </a:r>
             <a:r>
-              <a:rPr lang="en-US" sz="600" dirty="0" err="1" smtClean="0">
+              <a:rPr lang="en-US" sz="700" dirty="0" err="1" smtClean="0">
                 <a:solidFill>
                   <a:schemeClr val="tx1"/>
                 </a:solidFill>
@@ -3409,7 +3842,7 @@
               <a:t>ru.tsibrovskii.start</a:t>
             </a:r>
             <a:r>
-              <a:rPr lang="en-US" sz="600" dirty="0" smtClean="0">
+              <a:rPr lang="en-US" sz="700" dirty="0" smtClean="0">
                 <a:solidFill>
                   <a:schemeClr val="tx1"/>
                 </a:solidFill>
@@ -3420,7 +3853,7 @@
             </a:r>
           </a:p>
           <a:p>
-            <a:endParaRPr lang="en-US" sz="600" dirty="0" smtClean="0">
+            <a:endParaRPr lang="en-US" sz="700" dirty="0" smtClean="0">
               <a:solidFill>
                 <a:schemeClr val="tx1"/>
               </a:solidFill>
@@ -3430,7 +3863,7 @@
           </a:p>
           <a:p>
             <a:r>
-              <a:rPr lang="en-US" sz="600" dirty="0" smtClean="0">
+              <a:rPr lang="en-US" sz="700" dirty="0" smtClean="0">
                 <a:solidFill>
                   <a:schemeClr val="tx1"/>
                 </a:solidFill>
@@ -3441,7 +3874,7 @@
             </a:r>
           </a:p>
           <a:p>
-            <a:endParaRPr lang="en-US" sz="600" dirty="0" smtClean="0">
+            <a:endParaRPr lang="en-US" sz="700" dirty="0" smtClean="0">
               <a:solidFill>
                 <a:schemeClr val="tx1"/>
               </a:solidFill>
@@ -3451,7 +3884,7 @@
           </a:p>
           <a:p>
             <a:r>
-              <a:rPr lang="en-US" sz="600" dirty="0" smtClean="0">
+              <a:rPr lang="en-US" sz="700" dirty="0" smtClean="0">
                 <a:solidFill>
                   <a:schemeClr val="tx1"/>
                 </a:solidFill>
@@ -3463,7 +3896,7 @@
           </a:p>
           <a:p>
             <a:r>
-              <a:rPr lang="en-US" sz="600" dirty="0" err="1" smtClean="0">
+              <a:rPr lang="en-US" sz="700" dirty="0" err="1" smtClean="0">
                 <a:solidFill>
                   <a:schemeClr val="tx1"/>
                 </a:solidFill>
@@ -3473,7 +3906,7 @@
               <a:t>Int</a:t>
             </a:r>
             <a:r>
-              <a:rPr lang="en-US" sz="600" dirty="0" smtClean="0">
+              <a:rPr lang="en-US" sz="700" dirty="0" smtClean="0">
                 <a:solidFill>
                   <a:schemeClr val="tx1"/>
                 </a:solidFill>
@@ -3483,7 +3916,7 @@
               <a:t> ask(String question, </a:t>
             </a:r>
             <a:r>
-              <a:rPr lang="en-US" sz="600" dirty="0" err="1" smtClean="0">
+              <a:rPr lang="en-US" sz="700" dirty="0" err="1" smtClean="0">
                 <a:solidFill>
                   <a:schemeClr val="tx1"/>
                 </a:solidFill>
@@ -3493,7 +3926,7 @@
               <a:t>int</a:t>
             </a:r>
             <a:r>
-              <a:rPr lang="en-US" sz="600" dirty="0" smtClean="0">
+              <a:rPr lang="en-US" sz="700" dirty="0" smtClean="0">
                 <a:solidFill>
                   <a:schemeClr val="tx1"/>
                 </a:solidFill>
@@ -3513,8 +3946,8 @@
         </p:nvSpPr>
         <p:spPr>
           <a:xfrm>
-            <a:off x="6429388" y="4286256"/>
-            <a:ext cx="2210098" cy="647696"/>
+            <a:off x="2071670" y="2928934"/>
+            <a:ext cx="2357422" cy="714380"/>
           </a:xfrm>
           <a:prstGeom prst="rect">
             <a:avLst/>
@@ -3546,7 +3979,7 @@
           <a:lstStyle/>
           <a:p>
             <a:r>
-              <a:rPr lang="en-US" sz="600" dirty="0" smtClean="0">
+              <a:rPr lang="en-US" sz="700" dirty="0" smtClean="0">
                 <a:solidFill>
                   <a:schemeClr val="tx1"/>
                 </a:solidFill>
@@ -3556,7 +3989,7 @@
               <a:t>Package </a:t>
             </a:r>
             <a:r>
-              <a:rPr lang="en-US" sz="600" dirty="0" err="1" smtClean="0">
+              <a:rPr lang="en-US" sz="700" dirty="0" err="1" smtClean="0">
                 <a:solidFill>
                   <a:schemeClr val="tx1"/>
                 </a:solidFill>
@@ -3566,7 +3999,7 @@
               <a:t>ru.tsibrovskii.start</a:t>
             </a:r>
             <a:r>
-              <a:rPr lang="en-US" sz="600" dirty="0" smtClean="0">
+              <a:rPr lang="en-US" sz="700" dirty="0" smtClean="0">
                 <a:solidFill>
                   <a:schemeClr val="tx1"/>
                 </a:solidFill>
@@ -3577,7 +4010,7 @@
             </a:r>
           </a:p>
           <a:p>
-            <a:endParaRPr lang="en-US" sz="600" dirty="0" smtClean="0">
+            <a:endParaRPr lang="en-US" sz="700" dirty="0" smtClean="0">
               <a:solidFill>
                 <a:schemeClr val="tx1"/>
               </a:solidFill>
@@ -3587,7 +4020,7 @@
           </a:p>
           <a:p>
             <a:r>
-              <a:rPr lang="en-US" sz="600" dirty="0" smtClean="0">
+              <a:rPr lang="en-US" sz="700" dirty="0" smtClean="0">
                 <a:solidFill>
                   <a:schemeClr val="tx1"/>
                 </a:solidFill>
@@ -3597,7 +4030,7 @@
               <a:t>Public class </a:t>
             </a:r>
             <a:r>
-              <a:rPr lang="en-US" sz="600" dirty="0" err="1" smtClean="0">
+              <a:rPr lang="en-US" sz="700" dirty="0" err="1" smtClean="0">
                 <a:solidFill>
                   <a:schemeClr val="tx1"/>
                 </a:solidFill>
@@ -3607,7 +4040,7 @@
               <a:t>MenuOutException</a:t>
             </a:r>
             <a:r>
-              <a:rPr lang="en-US" sz="600" dirty="0" smtClean="0">
+              <a:rPr lang="en-US" sz="700" dirty="0" smtClean="0">
                 <a:solidFill>
                   <a:schemeClr val="tx1"/>
                 </a:solidFill>
@@ -3617,7 +4050,7 @@
               <a:t> extends </a:t>
             </a:r>
             <a:r>
-              <a:rPr lang="en-US" sz="600" dirty="0" err="1" smtClean="0">
+              <a:rPr lang="en-US" sz="700" dirty="0" err="1" smtClean="0">
                 <a:solidFill>
                   <a:schemeClr val="tx1"/>
                 </a:solidFill>
@@ -3626,7 +4059,7 @@
               </a:rPr>
               <a:t>RuntimeException</a:t>
             </a:r>
-            <a:endParaRPr lang="en-US" sz="600" dirty="0" smtClean="0">
+            <a:endParaRPr lang="en-US" sz="700" dirty="0" smtClean="0">
               <a:solidFill>
                 <a:schemeClr val="tx1"/>
               </a:solidFill>
@@ -3635,7 +4068,7 @@
             </a:endParaRPr>
           </a:p>
           <a:p>
-            <a:endParaRPr lang="en-US" sz="600" dirty="0" smtClean="0">
+            <a:endParaRPr lang="en-US" sz="700" dirty="0" smtClean="0">
               <a:solidFill>
                 <a:schemeClr val="tx1"/>
               </a:solidFill>
@@ -3645,7 +4078,7 @@
           </a:p>
           <a:p>
             <a:r>
-              <a:rPr lang="en-US" sz="600" dirty="0" smtClean="0">
+              <a:rPr lang="en-US" sz="700" dirty="0" smtClean="0">
                 <a:solidFill>
                   <a:schemeClr val="tx1"/>
                 </a:solidFill>
@@ -3655,7 +4088,7 @@
               <a:t>Public </a:t>
             </a:r>
             <a:r>
-              <a:rPr lang="en-US" sz="600" dirty="0" err="1" smtClean="0">
+              <a:rPr lang="en-US" sz="700" dirty="0" err="1" smtClean="0">
                 <a:solidFill>
                   <a:schemeClr val="tx1"/>
                 </a:solidFill>
@@ -3665,7 +4098,7 @@
               <a:t>MenuOutException</a:t>
             </a:r>
             <a:r>
-              <a:rPr lang="en-US" sz="600" dirty="0" smtClean="0">
+              <a:rPr lang="en-US" sz="700" dirty="0" smtClean="0">
                 <a:solidFill>
                   <a:schemeClr val="tx1"/>
                 </a:solidFill>
@@ -3675,7 +4108,7 @@
               <a:t>(String </a:t>
             </a:r>
             <a:r>
-              <a:rPr lang="en-US" sz="600" dirty="0" err="1" smtClean="0">
+              <a:rPr lang="en-US" sz="700" dirty="0" err="1" smtClean="0">
                 <a:solidFill>
                   <a:schemeClr val="tx1"/>
                 </a:solidFill>
@@ -3685,7 +4118,7 @@
               <a:t>msg</a:t>
             </a:r>
             <a:r>
-              <a:rPr lang="en-US" sz="600" dirty="0" smtClean="0">
+              <a:rPr lang="en-US" sz="700" dirty="0" smtClean="0">
                 <a:solidFill>
                   <a:schemeClr val="tx1"/>
                 </a:solidFill>
@@ -3705,8 +4138,8 @@
         </p:nvSpPr>
         <p:spPr>
           <a:xfrm>
-            <a:off x="571472" y="428604"/>
-            <a:ext cx="1647527" cy="761994"/>
+            <a:off x="4643438" y="0"/>
+            <a:ext cx="1928826" cy="928670"/>
           </a:xfrm>
           <a:prstGeom prst="rect">
             <a:avLst/>
@@ -3738,7 +4171,7 @@
           <a:lstStyle/>
           <a:p>
             <a:r>
-              <a:rPr lang="en-US" sz="600" dirty="0" smtClean="0">
+              <a:rPr lang="en-US" sz="700" dirty="0" smtClean="0">
                 <a:solidFill>
                   <a:schemeClr val="tx1"/>
                 </a:solidFill>
@@ -3748,7 +4181,7 @@
               <a:t>Package </a:t>
             </a:r>
             <a:r>
-              <a:rPr lang="en-US" sz="600" dirty="0" err="1" smtClean="0">
+              <a:rPr lang="en-US" sz="700" dirty="0" err="1" smtClean="0">
                 <a:solidFill>
                   <a:schemeClr val="tx1"/>
                 </a:solidFill>
@@ -3758,7 +4191,7 @@
               <a:t>ru.tsibrovskii.start</a:t>
             </a:r>
             <a:r>
-              <a:rPr lang="en-US" sz="600" dirty="0" smtClean="0">
+              <a:rPr lang="en-US" sz="700" dirty="0" smtClean="0">
                 <a:solidFill>
                   <a:schemeClr val="tx1"/>
                 </a:solidFill>
@@ -3769,7 +4202,7 @@
             </a:r>
           </a:p>
           <a:p>
-            <a:endParaRPr lang="en-US" sz="600" dirty="0" smtClean="0">
+            <a:endParaRPr lang="en-US" sz="700" dirty="0" smtClean="0">
               <a:solidFill>
                 <a:schemeClr val="tx1"/>
               </a:solidFill>
@@ -3779,7 +4212,7 @@
           </a:p>
           <a:p>
             <a:r>
-              <a:rPr lang="en-US" sz="600" dirty="0" smtClean="0">
+              <a:rPr lang="en-US" sz="700" dirty="0" smtClean="0">
                 <a:solidFill>
                   <a:schemeClr val="tx1"/>
                 </a:solidFill>
@@ -3789,7 +4222,7 @@
               <a:t>Public interface </a:t>
             </a:r>
             <a:r>
-              <a:rPr lang="en-US" sz="600" dirty="0" err="1" smtClean="0">
+              <a:rPr lang="en-US" sz="700" dirty="0" err="1" smtClean="0">
                 <a:solidFill>
                   <a:schemeClr val="tx1"/>
                 </a:solidFill>
@@ -3798,7 +4231,7 @@
               </a:rPr>
               <a:t>UserAction</a:t>
             </a:r>
-            <a:endParaRPr lang="en-US" sz="600" dirty="0" smtClean="0">
+            <a:endParaRPr lang="en-US" sz="700" dirty="0" smtClean="0">
               <a:solidFill>
                 <a:schemeClr val="tx1"/>
               </a:solidFill>
@@ -3807,7 +4240,7 @@
             </a:endParaRPr>
           </a:p>
           <a:p>
-            <a:endParaRPr lang="en-US" sz="600" dirty="0" smtClean="0">
+            <a:endParaRPr lang="en-US" sz="700" dirty="0" smtClean="0">
               <a:solidFill>
                 <a:schemeClr val="tx1"/>
               </a:solidFill>
@@ -3817,7 +4250,7 @@
           </a:p>
           <a:p>
             <a:r>
-              <a:rPr lang="en-US" sz="600" dirty="0" err="1" smtClean="0">
+              <a:rPr lang="en-US" sz="700" dirty="0" err="1" smtClean="0">
                 <a:solidFill>
                   <a:schemeClr val="tx1"/>
                 </a:solidFill>
@@ -3827,7 +4260,7 @@
               <a:t>Int</a:t>
             </a:r>
             <a:r>
-              <a:rPr lang="en-US" sz="600" dirty="0" smtClean="0">
+              <a:rPr lang="en-US" sz="700" dirty="0" smtClean="0">
                 <a:solidFill>
                   <a:schemeClr val="tx1"/>
                 </a:solidFill>
@@ -3839,7 +4272,7 @@
           </a:p>
           <a:p>
             <a:r>
-              <a:rPr lang="en-US" sz="600" dirty="0" smtClean="0">
+              <a:rPr lang="en-US" sz="700" dirty="0" smtClean="0">
                 <a:solidFill>
                   <a:schemeClr val="tx1"/>
                 </a:solidFill>
@@ -3849,7 +4282,7 @@
               <a:t>Void execute(Input </a:t>
             </a:r>
             <a:r>
-              <a:rPr lang="en-US" sz="600" dirty="0" err="1" smtClean="0">
+              <a:rPr lang="en-US" sz="700" dirty="0" err="1" smtClean="0">
                 <a:solidFill>
                   <a:schemeClr val="tx1"/>
                 </a:solidFill>
@@ -3859,7 +4292,7 @@
               <a:t>input</a:t>
             </a:r>
             <a:r>
-              <a:rPr lang="en-US" sz="600" dirty="0" smtClean="0">
+              <a:rPr lang="en-US" sz="700" dirty="0" smtClean="0">
                 <a:solidFill>
                   <a:schemeClr val="tx1"/>
                 </a:solidFill>
@@ -3869,7 +4302,7 @@
               <a:t>, Tracker </a:t>
             </a:r>
             <a:r>
-              <a:rPr lang="en-US" sz="600" dirty="0" err="1" smtClean="0">
+              <a:rPr lang="en-US" sz="700" dirty="0" err="1" smtClean="0">
                 <a:solidFill>
                   <a:schemeClr val="tx1"/>
                 </a:solidFill>
@@ -3879,7 +4312,7 @@
               <a:t>tracker</a:t>
             </a:r>
             <a:r>
-              <a:rPr lang="en-US" sz="600" dirty="0" smtClean="0">
+              <a:rPr lang="en-US" sz="700" dirty="0" smtClean="0">
                 <a:solidFill>
                   <a:schemeClr val="tx1"/>
                 </a:solidFill>
@@ -3891,7 +4324,7 @@
           </a:p>
           <a:p>
             <a:r>
-              <a:rPr lang="en-US" sz="600" dirty="0" smtClean="0">
+              <a:rPr lang="en-US" sz="700" dirty="0" smtClean="0">
                 <a:solidFill>
                   <a:schemeClr val="tx1"/>
                 </a:solidFill>
@@ -3911,8 +4344,8 @@
         </p:nvSpPr>
         <p:spPr>
           <a:xfrm>
-            <a:off x="3000364" y="285728"/>
-            <a:ext cx="1785950" cy="2071678"/>
+            <a:off x="0" y="0"/>
+            <a:ext cx="2000232" cy="2214554"/>
           </a:xfrm>
           <a:prstGeom prst="rect">
             <a:avLst/>
@@ -3944,7 +4377,7 @@
           <a:lstStyle/>
           <a:p>
             <a:r>
-              <a:rPr lang="en-US" sz="600" dirty="0" smtClean="0">
+              <a:rPr lang="en-US" sz="700" dirty="0" smtClean="0">
                 <a:solidFill>
                   <a:schemeClr val="tx1"/>
                 </a:solidFill>
@@ -3954,7 +4387,7 @@
               <a:t>Package </a:t>
             </a:r>
             <a:r>
-              <a:rPr lang="en-US" sz="600" dirty="0" err="1" smtClean="0">
+              <a:rPr lang="en-US" sz="700" dirty="0" err="1" smtClean="0">
                 <a:solidFill>
                   <a:schemeClr val="tx1"/>
                 </a:solidFill>
@@ -3964,7 +4397,7 @@
               <a:t>ru.tsibrovskii.start</a:t>
             </a:r>
             <a:r>
-              <a:rPr lang="en-US" sz="600" dirty="0" smtClean="0">
+              <a:rPr lang="en-US" sz="700" dirty="0" smtClean="0">
                 <a:solidFill>
                   <a:schemeClr val="tx1"/>
                 </a:solidFill>
@@ -3975,7 +4408,7 @@
             </a:r>
           </a:p>
           <a:p>
-            <a:endParaRPr lang="en-US" sz="600" dirty="0" smtClean="0">
+            <a:endParaRPr lang="en-US" sz="700" dirty="0" smtClean="0">
               <a:solidFill>
                 <a:schemeClr val="tx1"/>
               </a:solidFill>
@@ -3985,7 +4418,7 @@
           </a:p>
           <a:p>
             <a:r>
-              <a:rPr lang="en-US" sz="600" dirty="0" smtClean="0">
+              <a:rPr lang="en-US" sz="700" dirty="0" smtClean="0">
                 <a:solidFill>
                   <a:schemeClr val="tx1"/>
                 </a:solidFill>
@@ -3995,7 +4428,7 @@
               <a:t>Import </a:t>
             </a:r>
             <a:r>
-              <a:rPr lang="en-US" sz="600" dirty="0" err="1" smtClean="0">
+              <a:rPr lang="en-US" sz="700" dirty="0" err="1" smtClean="0">
                 <a:solidFill>
                   <a:schemeClr val="tx1"/>
                 </a:solidFill>
@@ -4005,7 +4438,7 @@
               <a:t>ru.tsibrovskii.models</a:t>
             </a:r>
             <a:r>
-              <a:rPr lang="en-US" sz="600" dirty="0" smtClean="0">
+              <a:rPr lang="en-US" sz="700" dirty="0" smtClean="0">
                 <a:solidFill>
                   <a:schemeClr val="tx1"/>
                 </a:solidFill>
@@ -4016,7 +4449,7 @@
             </a:r>
           </a:p>
           <a:p>
-            <a:endParaRPr lang="en-US" sz="600" dirty="0" smtClean="0">
+            <a:endParaRPr lang="en-US" sz="700" dirty="0" smtClean="0">
               <a:solidFill>
                 <a:schemeClr val="tx1"/>
               </a:solidFill>
@@ -4026,7 +4459,7 @@
           </a:p>
           <a:p>
             <a:r>
-              <a:rPr lang="en-US" sz="600" dirty="0" smtClean="0">
+              <a:rPr lang="en-US" sz="700" dirty="0" smtClean="0">
                 <a:solidFill>
                   <a:schemeClr val="tx1"/>
                 </a:solidFill>
@@ -4036,7 +4469,7 @@
               <a:t>Import </a:t>
             </a:r>
             <a:r>
-              <a:rPr lang="en-US" sz="600" dirty="0" err="1" smtClean="0">
+              <a:rPr lang="en-US" sz="700" dirty="0" err="1" smtClean="0">
                 <a:solidFill>
                   <a:schemeClr val="tx1"/>
                 </a:solidFill>
@@ -4046,7 +4479,7 @@
               <a:t>java.util</a:t>
             </a:r>
             <a:r>
-              <a:rPr lang="en-US" sz="600" dirty="0" smtClean="0">
+              <a:rPr lang="en-US" sz="700" dirty="0" smtClean="0">
                 <a:solidFill>
                   <a:schemeClr val="tx1"/>
                 </a:solidFill>
@@ -4057,7 +4490,7 @@
             </a:r>
           </a:p>
           <a:p>
-            <a:endParaRPr lang="en-US" sz="600" dirty="0" smtClean="0">
+            <a:endParaRPr lang="en-US" sz="700" dirty="0" smtClean="0">
               <a:solidFill>
                 <a:schemeClr val="tx1"/>
               </a:solidFill>
@@ -4067,7 +4500,7 @@
           </a:p>
           <a:p>
             <a:r>
-              <a:rPr lang="en-US" sz="600" dirty="0" smtClean="0">
+              <a:rPr lang="en-US" sz="700" dirty="0" smtClean="0">
                 <a:solidFill>
                   <a:schemeClr val="tx1"/>
                 </a:solidFill>
@@ -4078,7 +4511,7 @@
             </a:r>
           </a:p>
           <a:p>
-            <a:endParaRPr lang="en-US" sz="600" dirty="0" smtClean="0">
+            <a:endParaRPr lang="en-US" sz="700" dirty="0" smtClean="0">
               <a:solidFill>
                 <a:schemeClr val="tx1"/>
               </a:solidFill>
@@ -4088,7 +4521,7 @@
           </a:p>
           <a:p>
             <a:r>
-              <a:rPr lang="en-US" sz="600" dirty="0" smtClean="0">
+              <a:rPr lang="en-US" sz="700" dirty="0" smtClean="0">
                 <a:solidFill>
                   <a:schemeClr val="tx1"/>
                 </a:solidFill>
@@ -4100,7 +4533,7 @@
           </a:p>
           <a:p>
             <a:r>
-              <a:rPr lang="en-US" sz="600" dirty="0" smtClean="0">
+              <a:rPr lang="en-US" sz="700" dirty="0" smtClean="0">
                 <a:solidFill>
                   <a:schemeClr val="tx1"/>
                 </a:solidFill>
@@ -4110,7 +4543,7 @@
               <a:t>Private </a:t>
             </a:r>
             <a:r>
-              <a:rPr lang="en-US" sz="600" dirty="0" err="1" smtClean="0">
+              <a:rPr lang="en-US" sz="700" dirty="0" err="1" smtClean="0">
                 <a:solidFill>
                   <a:schemeClr val="tx1"/>
                 </a:solidFill>
@@ -4120,7 +4553,7 @@
               <a:t>int</a:t>
             </a:r>
             <a:r>
-              <a:rPr lang="en-US" sz="600" dirty="0" smtClean="0">
+              <a:rPr lang="en-US" sz="700" dirty="0" smtClean="0">
                 <a:solidFill>
                   <a:schemeClr val="tx1"/>
                 </a:solidFill>
@@ -4132,7 +4565,7 @@
           </a:p>
           <a:p>
             <a:r>
-              <a:rPr lang="en-US" sz="600" dirty="0" smtClean="0">
+              <a:rPr lang="en-US" sz="700" dirty="0" smtClean="0">
                 <a:solidFill>
                   <a:schemeClr val="tx1"/>
                 </a:solidFill>
@@ -4143,7 +4576,7 @@
             </a:r>
           </a:p>
           <a:p>
-            <a:endParaRPr lang="en-US" sz="600" dirty="0" smtClean="0">
+            <a:endParaRPr lang="en-US" sz="700" dirty="0" smtClean="0">
               <a:solidFill>
                 <a:schemeClr val="tx1"/>
               </a:solidFill>
@@ -4153,7 +4586,7 @@
           </a:p>
           <a:p>
             <a:r>
-              <a:rPr lang="en-US" sz="600" dirty="0" smtClean="0">
+              <a:rPr lang="en-US" sz="700" dirty="0" smtClean="0">
                 <a:solidFill>
                   <a:schemeClr val="tx1"/>
                 </a:solidFill>
@@ -4163,7 +4596,7 @@
               <a:t>Public Item add(Item </a:t>
             </a:r>
             <a:r>
-              <a:rPr lang="en-US" sz="600" dirty="0" err="1" smtClean="0">
+              <a:rPr lang="en-US" sz="700" dirty="0" err="1" smtClean="0">
                 <a:solidFill>
                   <a:schemeClr val="tx1"/>
                 </a:solidFill>
@@ -4173,7 +4606,7 @@
               <a:t>item</a:t>
             </a:r>
             <a:r>
-              <a:rPr lang="en-US" sz="600" dirty="0" smtClean="0">
+              <a:rPr lang="en-US" sz="700" dirty="0" smtClean="0">
                 <a:solidFill>
                   <a:schemeClr val="tx1"/>
                 </a:solidFill>
@@ -4185,7 +4618,7 @@
           </a:p>
           <a:p>
             <a:r>
-              <a:rPr lang="en-US" sz="600" dirty="0" smtClean="0">
+              <a:rPr lang="en-US" sz="700" dirty="0" smtClean="0">
                 <a:solidFill>
                   <a:schemeClr val="tx1"/>
                 </a:solidFill>
@@ -4197,7 +4630,7 @@
           </a:p>
           <a:p>
             <a:r>
-              <a:rPr lang="en-US" sz="600" dirty="0" smtClean="0">
+              <a:rPr lang="en-US" sz="700" dirty="0" smtClean="0">
                 <a:solidFill>
                   <a:schemeClr val="tx1"/>
                 </a:solidFill>
@@ -4207,7 +4640,7 @@
               <a:t>Protected Item </a:t>
             </a:r>
             <a:r>
-              <a:rPr lang="en-US" sz="600" dirty="0" err="1" smtClean="0">
+              <a:rPr lang="en-US" sz="700" dirty="0" err="1" smtClean="0">
                 <a:solidFill>
                   <a:schemeClr val="tx1"/>
                 </a:solidFill>
@@ -4217,7 +4650,7 @@
               <a:t>findById</a:t>
             </a:r>
             <a:r>
-              <a:rPr lang="en-US" sz="600" dirty="0" smtClean="0">
+              <a:rPr lang="en-US" sz="700" dirty="0" smtClean="0">
                 <a:solidFill>
                   <a:schemeClr val="tx1"/>
                 </a:solidFill>
@@ -4229,7 +4662,7 @@
           </a:p>
           <a:p>
             <a:r>
-              <a:rPr lang="en-US" sz="600" dirty="0" smtClean="0">
+              <a:rPr lang="en-US" sz="700" dirty="0" smtClean="0">
                 <a:solidFill>
                   <a:schemeClr val="tx1"/>
                 </a:solidFill>
@@ -4239,7 +4672,7 @@
               <a:t>String </a:t>
             </a:r>
             <a:r>
-              <a:rPr lang="en-US" sz="600" dirty="0" err="1" smtClean="0">
+              <a:rPr lang="en-US" sz="700" dirty="0" err="1" smtClean="0">
                 <a:solidFill>
                   <a:schemeClr val="tx1"/>
                 </a:solidFill>
@@ -4249,7 +4682,7 @@
               <a:t>generateId</a:t>
             </a:r>
             <a:r>
-              <a:rPr lang="en-US" sz="600" dirty="0" smtClean="0">
+              <a:rPr lang="en-US" sz="700" dirty="0" smtClean="0">
                 <a:solidFill>
                   <a:schemeClr val="tx1"/>
                 </a:solidFill>
@@ -4261,7 +4694,7 @@
           </a:p>
           <a:p>
             <a:r>
-              <a:rPr lang="en-US" sz="600" dirty="0" smtClean="0">
+              <a:rPr lang="en-US" sz="700" dirty="0" smtClean="0">
                 <a:solidFill>
                   <a:schemeClr val="tx1"/>
                 </a:solidFill>
@@ -4271,7 +4704,7 @@
               <a:t>Public Item[] </a:t>
             </a:r>
             <a:r>
-              <a:rPr lang="en-US" sz="600" dirty="0" err="1" smtClean="0">
+              <a:rPr lang="en-US" sz="700" dirty="0" err="1" smtClean="0">
                 <a:solidFill>
                   <a:schemeClr val="tx1"/>
                 </a:solidFill>
@@ -4281,7 +4714,7 @@
               <a:t>getAll</a:t>
             </a:r>
             <a:r>
-              <a:rPr lang="en-US" sz="600" dirty="0" smtClean="0">
+              <a:rPr lang="en-US" sz="700" dirty="0" smtClean="0">
                 <a:solidFill>
                   <a:schemeClr val="tx1"/>
                 </a:solidFill>
@@ -4293,7 +4726,7 @@
           </a:p>
           <a:p>
             <a:r>
-              <a:rPr lang="en-US" sz="600" dirty="0" smtClean="0">
+              <a:rPr lang="en-US" sz="700" dirty="0" smtClean="0">
                 <a:solidFill>
                   <a:schemeClr val="tx1"/>
                 </a:solidFill>
@@ -4303,7 +4736,7 @@
               <a:t>Public void </a:t>
             </a:r>
             <a:r>
-              <a:rPr lang="en-US" sz="600" dirty="0" err="1" smtClean="0">
+              <a:rPr lang="en-US" sz="700" dirty="0" err="1" smtClean="0">
                 <a:solidFill>
                   <a:schemeClr val="tx1"/>
                 </a:solidFill>
@@ -4313,7 +4746,7 @@
               <a:t>deleteItem</a:t>
             </a:r>
             <a:r>
-              <a:rPr lang="en-US" sz="600" dirty="0" smtClean="0">
+              <a:rPr lang="en-US" sz="700" dirty="0" smtClean="0">
                 <a:solidFill>
                   <a:schemeClr val="tx1"/>
                 </a:solidFill>
@@ -4325,7 +4758,7 @@
           </a:p>
           <a:p>
             <a:r>
-              <a:rPr lang="en-US" sz="600" dirty="0" smtClean="0">
+              <a:rPr lang="en-US" sz="700" dirty="0" smtClean="0">
                 <a:solidFill>
                   <a:schemeClr val="tx1"/>
                 </a:solidFill>
@@ -4335,7 +4768,7 @@
               <a:t>Public Item </a:t>
             </a:r>
             <a:r>
-              <a:rPr lang="en-US" sz="600" dirty="0" err="1" smtClean="0">
+              <a:rPr lang="en-US" sz="700" dirty="0" err="1" smtClean="0">
                 <a:solidFill>
                   <a:schemeClr val="tx1"/>
                 </a:solidFill>
@@ -4345,7 +4778,7 @@
               <a:t>filterItem</a:t>
             </a:r>
             <a:r>
-              <a:rPr lang="en-US" sz="600" dirty="0" smtClean="0">
+              <a:rPr lang="en-US" sz="700" dirty="0" smtClean="0">
                 <a:solidFill>
                   <a:schemeClr val="tx1"/>
                 </a:solidFill>
@@ -4356,7 +4789,7 @@
             </a:r>
           </a:p>
           <a:p>
-            <a:endParaRPr lang="en-US" sz="600" dirty="0" smtClean="0">
+            <a:endParaRPr lang="en-US" sz="700" dirty="0" smtClean="0">
               <a:solidFill>
                 <a:schemeClr val="tx1"/>
               </a:solidFill>
@@ -4374,8 +4807,8 @@
         </p:nvSpPr>
         <p:spPr>
           <a:xfrm>
-            <a:off x="214282" y="5072074"/>
-            <a:ext cx="1647527" cy="1104893"/>
+            <a:off x="2500298" y="3714752"/>
+            <a:ext cx="1785950" cy="1214446"/>
           </a:xfrm>
           <a:prstGeom prst="rect">
             <a:avLst/>
@@ -4407,7 +4840,7 @@
           <a:lstStyle/>
           <a:p>
             <a:r>
-              <a:rPr lang="en-US" sz="600" dirty="0" smtClean="0">
+              <a:rPr lang="en-US" sz="700" dirty="0" smtClean="0">
                 <a:solidFill>
                   <a:schemeClr val="tx1"/>
                 </a:solidFill>
@@ -4417,7 +4850,7 @@
               <a:t>Package </a:t>
             </a:r>
             <a:r>
-              <a:rPr lang="en-US" sz="600" dirty="0" err="1" smtClean="0">
+              <a:rPr lang="en-US" sz="700" dirty="0" err="1" smtClean="0">
                 <a:solidFill>
                   <a:schemeClr val="tx1"/>
                 </a:solidFill>
@@ -4427,7 +4860,7 @@
               <a:t>ru.tsibrovskii.start</a:t>
             </a:r>
             <a:r>
-              <a:rPr lang="en-US" sz="600" dirty="0" smtClean="0">
+              <a:rPr lang="en-US" sz="700" dirty="0" smtClean="0">
                 <a:solidFill>
                   <a:schemeClr val="tx1"/>
                 </a:solidFill>
@@ -4438,7 +4871,7 @@
             </a:r>
           </a:p>
           <a:p>
-            <a:endParaRPr lang="en-US" sz="600" dirty="0" smtClean="0">
+            <a:endParaRPr lang="en-US" sz="700" dirty="0" smtClean="0">
               <a:solidFill>
                 <a:schemeClr val="tx1"/>
               </a:solidFill>
@@ -4448,7 +4881,7 @@
           </a:p>
           <a:p>
             <a:r>
-              <a:rPr lang="en-US" sz="600" dirty="0" smtClean="0">
+              <a:rPr lang="en-US" sz="700" dirty="0" smtClean="0">
                 <a:solidFill>
                   <a:schemeClr val="tx1"/>
                 </a:solidFill>
@@ -4458,7 +4891,7 @@
               <a:t>Public class </a:t>
             </a:r>
             <a:r>
-              <a:rPr lang="en-US" sz="600" dirty="0" err="1" smtClean="0">
+              <a:rPr lang="en-US" sz="700" dirty="0" err="1" smtClean="0">
                 <a:solidFill>
                   <a:schemeClr val="tx1"/>
                 </a:solidFill>
@@ -4468,7 +4901,7 @@
               <a:t>StubInput</a:t>
             </a:r>
             <a:r>
-              <a:rPr lang="en-US" sz="600" dirty="0" smtClean="0">
+              <a:rPr lang="en-US" sz="700" dirty="0" smtClean="0">
                 <a:solidFill>
                   <a:schemeClr val="tx1"/>
                 </a:solidFill>
@@ -4479,7 +4912,7 @@
             </a:r>
           </a:p>
           <a:p>
-            <a:endParaRPr lang="en-US" sz="600" dirty="0" smtClean="0">
+            <a:endParaRPr lang="en-US" sz="700" dirty="0" smtClean="0">
               <a:solidFill>
                 <a:schemeClr val="tx1"/>
               </a:solidFill>
@@ -4489,7 +4922,7 @@
           </a:p>
           <a:p>
             <a:r>
-              <a:rPr lang="en-US" sz="600" dirty="0" smtClean="0">
+              <a:rPr lang="en-US" sz="700" dirty="0" smtClean="0">
                 <a:solidFill>
                   <a:schemeClr val="tx1"/>
                 </a:solidFill>
@@ -4501,7 +4934,7 @@
           </a:p>
           <a:p>
             <a:r>
-              <a:rPr lang="en-US" sz="600" dirty="0" smtClean="0">
+              <a:rPr lang="en-US" sz="700" dirty="0" smtClean="0">
                 <a:solidFill>
                   <a:schemeClr val="tx1"/>
                 </a:solidFill>
@@ -4511,7 +4944,7 @@
               <a:t>Private </a:t>
             </a:r>
             <a:r>
-              <a:rPr lang="en-US" sz="600" dirty="0" err="1" smtClean="0">
+              <a:rPr lang="en-US" sz="700" dirty="0" err="1" smtClean="0">
                 <a:solidFill>
                   <a:schemeClr val="tx1"/>
                 </a:solidFill>
@@ -4521,7 +4954,7 @@
               <a:t>int</a:t>
             </a:r>
             <a:r>
-              <a:rPr lang="en-US" sz="600" dirty="0" smtClean="0">
+              <a:rPr lang="en-US" sz="700" dirty="0" smtClean="0">
                 <a:solidFill>
                   <a:schemeClr val="tx1"/>
                 </a:solidFill>
@@ -4532,7 +4965,7 @@
             </a:r>
           </a:p>
           <a:p>
-            <a:endParaRPr lang="en-US" sz="600" dirty="0" smtClean="0">
+            <a:endParaRPr lang="en-US" sz="700" dirty="0" smtClean="0">
               <a:solidFill>
                 <a:schemeClr val="tx1"/>
               </a:solidFill>
@@ -4542,7 +4975,7 @@
           </a:p>
           <a:p>
             <a:r>
-              <a:rPr lang="en-US" sz="600" dirty="0" smtClean="0">
+              <a:rPr lang="en-US" sz="700" dirty="0" smtClean="0">
                 <a:solidFill>
                   <a:schemeClr val="tx1"/>
                 </a:solidFill>
@@ -4552,7 +4985,7 @@
               <a:t>Public </a:t>
             </a:r>
             <a:r>
-              <a:rPr lang="en-US" sz="600" dirty="0" err="1" smtClean="0">
+              <a:rPr lang="en-US" sz="700" dirty="0" err="1" smtClean="0">
                 <a:solidFill>
                   <a:schemeClr val="tx1"/>
                 </a:solidFill>
@@ -4562,7 +4995,7 @@
               <a:t>StrubInput</a:t>
             </a:r>
             <a:r>
-              <a:rPr lang="en-US" sz="600" dirty="0" smtClean="0">
+              <a:rPr lang="en-US" sz="700" dirty="0" smtClean="0">
                 <a:solidFill>
                   <a:schemeClr val="tx1"/>
                 </a:solidFill>
@@ -4574,7 +5007,7 @@
           </a:p>
           <a:p>
             <a:r>
-              <a:rPr lang="en-US" sz="600" dirty="0" smtClean="0">
+              <a:rPr lang="en-US" sz="700" dirty="0" smtClean="0">
                 <a:solidFill>
                   <a:schemeClr val="tx1"/>
                 </a:solidFill>
@@ -4586,7 +5019,7 @@
           </a:p>
           <a:p>
             <a:r>
-              <a:rPr lang="en-US" sz="600" dirty="0" smtClean="0">
+              <a:rPr lang="en-US" sz="700" dirty="0" smtClean="0">
                 <a:solidFill>
                   <a:schemeClr val="tx1"/>
                 </a:solidFill>
@@ -4596,7 +5029,7 @@
               <a:t>Public </a:t>
             </a:r>
             <a:r>
-              <a:rPr lang="en-US" sz="600" dirty="0" err="1" smtClean="0">
+              <a:rPr lang="en-US" sz="700" dirty="0" err="1" smtClean="0">
                 <a:solidFill>
                   <a:schemeClr val="tx1"/>
                 </a:solidFill>
@@ -4606,7 +5039,7 @@
               <a:t>int</a:t>
             </a:r>
             <a:r>
-              <a:rPr lang="en-US" sz="600" dirty="0" smtClean="0">
+              <a:rPr lang="en-US" sz="700" dirty="0" smtClean="0">
                 <a:solidFill>
                   <a:schemeClr val="tx1"/>
                 </a:solidFill>
@@ -4616,7 +5049,7 @@
               <a:t> ask(String question, </a:t>
             </a:r>
             <a:r>
-              <a:rPr lang="en-US" sz="600" dirty="0" err="1" smtClean="0">
+              <a:rPr lang="en-US" sz="700" dirty="0" err="1" smtClean="0">
                 <a:solidFill>
                   <a:schemeClr val="tx1"/>
                 </a:solidFill>
@@ -4626,7 +5059,7 @@
               <a:t>int</a:t>
             </a:r>
             <a:r>
-              <a:rPr lang="en-US" sz="600" dirty="0" smtClean="0">
+              <a:rPr lang="en-US" sz="700" dirty="0" smtClean="0">
                 <a:solidFill>
                   <a:schemeClr val="tx1"/>
                 </a:solidFill>
@@ -4646,8 +5079,8 @@
         </p:nvSpPr>
         <p:spPr>
           <a:xfrm>
-            <a:off x="285720" y="3643314"/>
-            <a:ext cx="1486794" cy="761982"/>
+            <a:off x="0" y="3857628"/>
+            <a:ext cx="1643042" cy="857245"/>
           </a:xfrm>
           <a:prstGeom prst="rect">
             <a:avLst/>
@@ -4679,7 +5112,7 @@
           <a:lstStyle/>
           <a:p>
             <a:r>
-              <a:rPr lang="en-US" sz="600" dirty="0" smtClean="0">
+              <a:rPr lang="en-US" sz="700" dirty="0" smtClean="0">
                 <a:solidFill>
                   <a:schemeClr val="tx1"/>
                 </a:solidFill>
@@ -4689,7 +5122,7 @@
               <a:t>Package </a:t>
             </a:r>
             <a:r>
-              <a:rPr lang="en-US" sz="600" dirty="0" err="1" smtClean="0">
+              <a:rPr lang="en-US" sz="700" dirty="0" err="1" smtClean="0">
                 <a:solidFill>
                   <a:schemeClr val="tx1"/>
                 </a:solidFill>
@@ -4699,7 +5132,7 @@
               <a:t>ru.tsibrovskii.start</a:t>
             </a:r>
             <a:r>
-              <a:rPr lang="en-US" sz="600" dirty="0" smtClean="0">
+              <a:rPr lang="en-US" sz="700" dirty="0" smtClean="0">
                 <a:solidFill>
                   <a:schemeClr val="tx1"/>
                 </a:solidFill>
@@ -4710,7 +5143,7 @@
             </a:r>
           </a:p>
           <a:p>
-            <a:endParaRPr lang="en-US" sz="600" dirty="0" smtClean="0">
+            <a:endParaRPr lang="en-US" sz="700" dirty="0" smtClean="0">
               <a:solidFill>
                 <a:schemeClr val="tx1"/>
               </a:solidFill>
@@ -4720,7 +5153,7 @@
           </a:p>
           <a:p>
             <a:r>
-              <a:rPr lang="en-US" sz="600" dirty="0" smtClean="0">
+              <a:rPr lang="en-US" sz="700" dirty="0" smtClean="0">
                 <a:solidFill>
                   <a:schemeClr val="tx1"/>
                 </a:solidFill>
@@ -4730,7 +5163,7 @@
               <a:t>Import </a:t>
             </a:r>
             <a:r>
-              <a:rPr lang="en-US" sz="600" dirty="0" err="1" smtClean="0">
+              <a:rPr lang="en-US" sz="700" dirty="0" err="1" smtClean="0">
                 <a:solidFill>
                   <a:schemeClr val="tx1"/>
                 </a:solidFill>
@@ -4740,7 +5173,7 @@
               <a:t>ru.tsibrovskii.models</a:t>
             </a:r>
             <a:r>
-              <a:rPr lang="en-US" sz="600" dirty="0" smtClean="0">
+              <a:rPr lang="en-US" sz="700" dirty="0" smtClean="0">
                 <a:solidFill>
                   <a:schemeClr val="tx1"/>
                 </a:solidFill>
@@ -4751,7 +5184,7 @@
             </a:r>
           </a:p>
           <a:p>
-            <a:endParaRPr lang="en-US" sz="600" dirty="0" smtClean="0">
+            <a:endParaRPr lang="en-US" sz="700" dirty="0" smtClean="0">
               <a:solidFill>
                 <a:schemeClr val="tx1"/>
               </a:solidFill>
@@ -4761,7 +5194,7 @@
           </a:p>
           <a:p>
             <a:r>
-              <a:rPr lang="en-US" sz="600" dirty="0" smtClean="0">
+              <a:rPr lang="en-US" sz="700" dirty="0" smtClean="0">
                 <a:solidFill>
                   <a:schemeClr val="tx1"/>
                 </a:solidFill>
@@ -4771,7 +5204,7 @@
               <a:t>Public class </a:t>
             </a:r>
             <a:r>
-              <a:rPr lang="en-US" sz="600" dirty="0" err="1" smtClean="0">
+              <a:rPr lang="en-US" sz="700" dirty="0" err="1" smtClean="0">
                 <a:solidFill>
                   <a:schemeClr val="tx1"/>
                 </a:solidFill>
@@ -4780,7 +5213,7 @@
               </a:rPr>
               <a:t>StartUITest</a:t>
             </a:r>
-            <a:endParaRPr lang="en-US" sz="600" dirty="0" smtClean="0">
+            <a:endParaRPr lang="en-US" sz="700" dirty="0" smtClean="0">
               <a:solidFill>
                 <a:schemeClr val="tx1"/>
               </a:solidFill>
@@ -4789,7 +5222,7 @@
             </a:endParaRPr>
           </a:p>
           <a:p>
-            <a:endParaRPr lang="en-US" sz="600" dirty="0" smtClean="0">
+            <a:endParaRPr lang="en-US" sz="700" dirty="0" smtClean="0">
               <a:solidFill>
                 <a:schemeClr val="tx1"/>
               </a:solidFill>
@@ -4799,7 +5232,7 @@
           </a:p>
           <a:p>
             <a:r>
-              <a:rPr lang="en-US" sz="600" dirty="0" smtClean="0">
+              <a:rPr lang="en-US" sz="700" dirty="0" smtClean="0">
                 <a:solidFill>
                   <a:schemeClr val="tx1"/>
                 </a:solidFill>
@@ -4809,7 +5242,7 @@
               <a:t>Public static void main(String[] </a:t>
             </a:r>
             <a:r>
-              <a:rPr lang="en-US" sz="600" dirty="0" err="1" smtClean="0">
+              <a:rPr lang="en-US" sz="700" dirty="0" err="1" smtClean="0">
                 <a:solidFill>
                   <a:schemeClr val="tx1"/>
                 </a:solidFill>
@@ -4819,7 +5252,7 @@
               <a:t>args</a:t>
             </a:r>
             <a:r>
-              <a:rPr lang="en-US" sz="600" dirty="0" smtClean="0">
+              <a:rPr lang="en-US" sz="700" dirty="0" smtClean="0">
                 <a:solidFill>
                   <a:schemeClr val="tx1"/>
                 </a:solidFill>
@@ -4839,8 +5272,8 @@
         </p:nvSpPr>
         <p:spPr>
           <a:xfrm>
-            <a:off x="4214810" y="3571876"/>
-            <a:ext cx="1808260" cy="647696"/>
+            <a:off x="2357422" y="2214554"/>
+            <a:ext cx="1928826" cy="678662"/>
           </a:xfrm>
           <a:prstGeom prst="rect">
             <a:avLst/>
@@ -4872,7 +5305,7 @@
           <a:lstStyle/>
           <a:p>
             <a:r>
-              <a:rPr lang="en-US" sz="600" dirty="0" smtClean="0">
+              <a:rPr lang="en-US" sz="700" dirty="0" smtClean="0">
                 <a:solidFill>
                   <a:schemeClr val="tx1"/>
                 </a:solidFill>
@@ -4882,7 +5315,7 @@
               <a:t>Package </a:t>
             </a:r>
             <a:r>
-              <a:rPr lang="en-US" sz="600" dirty="0" err="1" smtClean="0">
+              <a:rPr lang="en-US" sz="700" dirty="0" err="1" smtClean="0">
                 <a:solidFill>
                   <a:schemeClr val="tx1"/>
                 </a:solidFill>
@@ -4892,7 +5325,7 @@
               <a:t>ru.tsibrovskii.start</a:t>
             </a:r>
             <a:r>
-              <a:rPr lang="en-US" sz="600" dirty="0" smtClean="0">
+              <a:rPr lang="en-US" sz="700" dirty="0" smtClean="0">
                 <a:solidFill>
                   <a:schemeClr val="tx1"/>
                 </a:solidFill>
@@ -4903,7 +5336,7 @@
             </a:r>
           </a:p>
           <a:p>
-            <a:endParaRPr lang="en-US" sz="600" dirty="0" smtClean="0">
+            <a:endParaRPr lang="en-US" sz="700" dirty="0" smtClean="0">
               <a:solidFill>
                 <a:schemeClr val="tx1"/>
               </a:solidFill>
@@ -4913,7 +5346,7 @@
           </a:p>
           <a:p>
             <a:r>
-              <a:rPr lang="en-US" sz="600" dirty="0" smtClean="0">
+              <a:rPr lang="en-US" sz="700" dirty="0" smtClean="0">
                 <a:solidFill>
                   <a:schemeClr val="tx1"/>
                 </a:solidFill>
@@ -4923,7 +5356,7 @@
               <a:t>Public class </a:t>
             </a:r>
             <a:r>
-              <a:rPr lang="en-US" sz="600" dirty="0" err="1" smtClean="0">
+              <a:rPr lang="en-US" sz="700" dirty="0" err="1" smtClean="0">
                 <a:solidFill>
                   <a:schemeClr val="tx1"/>
                 </a:solidFill>
@@ -4933,7 +5366,7 @@
               <a:t>ValidateInput</a:t>
             </a:r>
             <a:r>
-              <a:rPr lang="en-US" sz="600" dirty="0" smtClean="0">
+              <a:rPr lang="en-US" sz="700" dirty="0" smtClean="0">
                 <a:solidFill>
                   <a:schemeClr val="tx1"/>
                 </a:solidFill>
@@ -4943,7 +5376,7 @@
               <a:t> extends </a:t>
             </a:r>
             <a:r>
-              <a:rPr lang="en-US" sz="600" dirty="0" err="1" smtClean="0">
+              <a:rPr lang="en-US" sz="700" dirty="0" err="1" smtClean="0">
                 <a:solidFill>
                   <a:schemeClr val="tx1"/>
                 </a:solidFill>
@@ -4952,7 +5385,7 @@
               </a:rPr>
               <a:t>ConsoleInput</a:t>
             </a:r>
-            <a:endParaRPr lang="en-US" sz="600" dirty="0" smtClean="0">
+            <a:endParaRPr lang="en-US" sz="700" dirty="0" smtClean="0">
               <a:solidFill>
                 <a:schemeClr val="tx1"/>
               </a:solidFill>
@@ -4961,7 +5394,7 @@
             </a:endParaRPr>
           </a:p>
           <a:p>
-            <a:endParaRPr lang="en-US" sz="600" dirty="0" smtClean="0">
+            <a:endParaRPr lang="en-US" sz="700" dirty="0" smtClean="0">
               <a:solidFill>
                 <a:schemeClr val="tx1"/>
               </a:solidFill>
@@ -4971,7 +5404,7 @@
           </a:p>
           <a:p>
             <a:r>
-              <a:rPr lang="en-US" sz="600" dirty="0" smtClean="0">
+              <a:rPr lang="en-US" sz="700" dirty="0" smtClean="0">
                 <a:solidFill>
                   <a:schemeClr val="tx1"/>
                 </a:solidFill>
@@ -4981,7 +5414,7 @@
               <a:t>Public </a:t>
             </a:r>
             <a:r>
-              <a:rPr lang="en-US" sz="600" dirty="0" err="1" smtClean="0">
+              <a:rPr lang="en-US" sz="700" dirty="0" err="1" smtClean="0">
                 <a:solidFill>
                   <a:schemeClr val="tx1"/>
                 </a:solidFill>
@@ -4991,7 +5424,7 @@
               <a:t>int</a:t>
             </a:r>
             <a:r>
-              <a:rPr lang="en-US" sz="600" dirty="0" smtClean="0">
+              <a:rPr lang="en-US" sz="700" dirty="0" smtClean="0">
                 <a:solidFill>
                   <a:schemeClr val="tx1"/>
                 </a:solidFill>
@@ -5001,7 +5434,7 @@
               <a:t> ask(String question, </a:t>
             </a:r>
             <a:r>
-              <a:rPr lang="en-US" sz="600" dirty="0" err="1" smtClean="0">
+              <a:rPr lang="en-US" sz="700" dirty="0" err="1" smtClean="0">
                 <a:solidFill>
                   <a:schemeClr val="tx1"/>
                 </a:solidFill>
@@ -5011,7 +5444,7 @@
               <a:t>int</a:t>
             </a:r>
             <a:r>
-              <a:rPr lang="en-US" sz="600" dirty="0" smtClean="0">
+              <a:rPr lang="en-US" sz="700" dirty="0" smtClean="0">
                 <a:solidFill>
                   <a:schemeClr val="tx1"/>
                 </a:solidFill>
@@ -5031,8 +5464,8 @@
         </p:nvSpPr>
         <p:spPr>
           <a:xfrm>
-            <a:off x="2428860" y="3000372"/>
-            <a:ext cx="1486794" cy="1371590"/>
+            <a:off x="0" y="2285992"/>
+            <a:ext cx="1714480" cy="1500199"/>
           </a:xfrm>
           <a:prstGeom prst="rect">
             <a:avLst/>
@@ -5064,7 +5497,7 @@
           <a:lstStyle/>
           <a:p>
             <a:r>
-              <a:rPr lang="en-US" sz="600" dirty="0" smtClean="0">
+              <a:rPr lang="en-US" sz="700" dirty="0" smtClean="0">
                 <a:solidFill>
                   <a:schemeClr val="tx1"/>
                 </a:solidFill>
@@ -5074,7 +5507,7 @@
               <a:t>Package </a:t>
             </a:r>
             <a:r>
-              <a:rPr lang="en-US" sz="600" dirty="0" err="1" smtClean="0">
+              <a:rPr lang="en-US" sz="700" dirty="0" err="1" smtClean="0">
                 <a:solidFill>
                   <a:schemeClr val="tx1"/>
                 </a:solidFill>
@@ -5084,7 +5517,7 @@
               <a:t>ru.tsibrovskii.start</a:t>
             </a:r>
             <a:r>
-              <a:rPr lang="en-US" sz="600" dirty="0" smtClean="0">
+              <a:rPr lang="en-US" sz="700" dirty="0" smtClean="0">
                 <a:solidFill>
                   <a:schemeClr val="tx1"/>
                 </a:solidFill>
@@ -5095,7 +5528,7 @@
             </a:r>
           </a:p>
           <a:p>
-            <a:endParaRPr lang="en-US" sz="600" dirty="0" smtClean="0">
+            <a:endParaRPr lang="en-US" sz="700" dirty="0" smtClean="0">
               <a:solidFill>
                 <a:schemeClr val="tx1"/>
               </a:solidFill>
@@ -5105,7 +5538,7 @@
           </a:p>
           <a:p>
             <a:r>
-              <a:rPr lang="en-US" sz="600" dirty="0" smtClean="0">
+              <a:rPr lang="en-US" sz="700" dirty="0" smtClean="0">
                 <a:solidFill>
                   <a:schemeClr val="tx1"/>
                 </a:solidFill>
@@ -5115,7 +5548,7 @@
               <a:t>Import </a:t>
             </a:r>
             <a:r>
-              <a:rPr lang="en-US" sz="600" dirty="0" err="1" smtClean="0">
+              <a:rPr lang="en-US" sz="700" dirty="0" err="1" smtClean="0">
                 <a:solidFill>
                   <a:schemeClr val="tx1"/>
                 </a:solidFill>
@@ -5125,7 +5558,7 @@
               <a:t>ru.tsibrovskii.models</a:t>
             </a:r>
             <a:r>
-              <a:rPr lang="en-US" sz="600" dirty="0" smtClean="0">
+              <a:rPr lang="en-US" sz="700" dirty="0" smtClean="0">
                 <a:solidFill>
                   <a:schemeClr val="tx1"/>
                 </a:solidFill>
@@ -5136,7 +5569,7 @@
             </a:r>
           </a:p>
           <a:p>
-            <a:endParaRPr lang="en-US" sz="600" dirty="0" smtClean="0">
+            <a:endParaRPr lang="en-US" sz="700" dirty="0" smtClean="0">
               <a:solidFill>
                 <a:schemeClr val="tx1"/>
               </a:solidFill>
@@ -5146,7 +5579,7 @@
           </a:p>
           <a:p>
             <a:r>
-              <a:rPr lang="en-US" sz="600" dirty="0" smtClean="0">
+              <a:rPr lang="en-US" sz="700" dirty="0" smtClean="0">
                 <a:solidFill>
                   <a:schemeClr val="tx1"/>
                 </a:solidFill>
@@ -5156,7 +5589,7 @@
               <a:t>Public class </a:t>
             </a:r>
             <a:r>
-              <a:rPr lang="en-US" sz="600" dirty="0" err="1" smtClean="0">
+              <a:rPr lang="en-US" sz="700" dirty="0" err="1" smtClean="0">
                 <a:solidFill>
                   <a:schemeClr val="tx1"/>
                 </a:solidFill>
@@ -5165,7 +5598,7 @@
               </a:rPr>
               <a:t>StartUI</a:t>
             </a:r>
-            <a:endParaRPr lang="en-US" sz="600" dirty="0" smtClean="0">
+            <a:endParaRPr lang="en-US" sz="700" dirty="0" smtClean="0">
               <a:solidFill>
                 <a:schemeClr val="tx1"/>
               </a:solidFill>
@@ -5174,7 +5607,7 @@
             </a:endParaRPr>
           </a:p>
           <a:p>
-            <a:endParaRPr lang="en-US" sz="600" dirty="0" smtClean="0">
+            <a:endParaRPr lang="en-US" sz="700" dirty="0" smtClean="0">
               <a:solidFill>
                 <a:schemeClr val="tx1"/>
               </a:solidFill>
@@ -5184,7 +5617,7 @@
           </a:p>
           <a:p>
             <a:r>
-              <a:rPr lang="en-US" sz="600" dirty="0" smtClean="0">
+              <a:rPr lang="en-US" sz="700" dirty="0" smtClean="0">
                 <a:solidFill>
                   <a:schemeClr val="tx1"/>
                 </a:solidFill>
@@ -5194,7 +5627,7 @@
               <a:t>Private </a:t>
             </a:r>
             <a:r>
-              <a:rPr lang="en-US" sz="600" dirty="0" err="1" smtClean="0">
+              <a:rPr lang="en-US" sz="700" dirty="0" err="1" smtClean="0">
                 <a:solidFill>
                   <a:schemeClr val="tx1"/>
                 </a:solidFill>
@@ -5204,7 +5637,7 @@
               <a:t>int</a:t>
             </a:r>
             <a:r>
-              <a:rPr lang="en-US" sz="600" dirty="0" smtClean="0">
+              <a:rPr lang="en-US" sz="700" dirty="0" smtClean="0">
                 <a:solidFill>
                   <a:schemeClr val="tx1"/>
                 </a:solidFill>
@@ -5214,7 +5647,7 @@
               <a:t>[] ranges = new </a:t>
             </a:r>
             <a:r>
-              <a:rPr lang="en-US" sz="600" dirty="0" err="1" smtClean="0">
+              <a:rPr lang="en-US" sz="700" dirty="0" err="1" smtClean="0">
                 <a:solidFill>
                   <a:schemeClr val="tx1"/>
                 </a:solidFill>
@@ -5224,50 +5657,26 @@
               <a:t>int</a:t>
             </a:r>
             <a:r>
-              <a:rPr lang="en-US" sz="600" dirty="0" smtClean="0">
-                <a:solidFill>
-                  <a:schemeClr val="tx1"/>
-                </a:solidFill>
-                <a:latin typeface="Times New Roman" pitchFamily="18" charset="0"/>
-                <a:cs typeface="Times New Roman" pitchFamily="18" charset="0"/>
-              </a:rPr>
-              <a:t>[] {0,1...};</a:t>
-            </a:r>
-          </a:p>
-          <a:p>
-            <a:r>
-              <a:rPr lang="en-US" sz="600" dirty="0" smtClean="0">
-                <a:solidFill>
-                  <a:schemeClr val="tx1"/>
-                </a:solidFill>
-                <a:latin typeface="Times New Roman" pitchFamily="18" charset="0"/>
-                <a:cs typeface="Times New Roman" pitchFamily="18" charset="0"/>
-              </a:rPr>
-              <a:t>Private Input </a:t>
-            </a:r>
-            <a:r>
-              <a:rPr lang="en-US" sz="600" dirty="0" err="1" smtClean="0">
-                <a:solidFill>
-                  <a:schemeClr val="tx1"/>
-                </a:solidFill>
-                <a:latin typeface="Times New Roman" pitchFamily="18" charset="0"/>
-                <a:cs typeface="Times New Roman" pitchFamily="18" charset="0"/>
-              </a:rPr>
-              <a:t>input</a:t>
-            </a:r>
-            <a:r>
-              <a:rPr lang="en-US" sz="600" dirty="0" smtClean="0">
-                <a:solidFill>
-                  <a:schemeClr val="tx1"/>
-                </a:solidFill>
-                <a:latin typeface="Times New Roman" pitchFamily="18" charset="0"/>
-                <a:cs typeface="Times New Roman" pitchFamily="18" charset="0"/>
-              </a:rPr>
-              <a:t>;</a:t>
-            </a:r>
-          </a:p>
-          <a:p>
-            <a:endParaRPr lang="en-US" sz="600" dirty="0" smtClean="0">
+              <a:rPr lang="en-US" sz="700" dirty="0" smtClean="0">
+                <a:solidFill>
+                  <a:schemeClr val="tx1"/>
+                </a:solidFill>
+                <a:latin typeface="Times New Roman" pitchFamily="18" charset="0"/>
+                <a:cs typeface="Times New Roman" pitchFamily="18" charset="0"/>
+              </a:rPr>
+              <a:t>[] {</a:t>
+            </a:r>
+            <a:r>
+              <a:rPr lang="en-US" sz="700" dirty="0" smtClean="0">
+                <a:solidFill>
+                  <a:schemeClr val="tx1"/>
+                </a:solidFill>
+                <a:latin typeface="Times New Roman" pitchFamily="18" charset="0"/>
+                <a:cs typeface="Times New Roman" pitchFamily="18" charset="0"/>
+              </a:rPr>
+              <a:t>0,1,2..?};</a:t>
+            </a:r>
+            <a:endParaRPr lang="en-US" sz="700" dirty="0" smtClean="0">
               <a:solidFill>
                 <a:schemeClr val="tx1"/>
               </a:solidFill>
@@ -5277,37 +5686,17 @@
           </a:p>
           <a:p>
             <a:r>
-              <a:rPr lang="en-US" sz="600" dirty="0" smtClean="0">
-                <a:solidFill>
-                  <a:schemeClr val="tx1"/>
-                </a:solidFill>
-                <a:latin typeface="Times New Roman" pitchFamily="18" charset="0"/>
-                <a:cs typeface="Times New Roman" pitchFamily="18" charset="0"/>
-              </a:rPr>
-              <a:t>Public </a:t>
-            </a:r>
-            <a:r>
-              <a:rPr lang="en-US" sz="600" dirty="0" err="1" smtClean="0">
-                <a:solidFill>
-                  <a:schemeClr val="tx1"/>
-                </a:solidFill>
-                <a:latin typeface="Times New Roman" pitchFamily="18" charset="0"/>
-                <a:cs typeface="Times New Roman" pitchFamily="18" charset="0"/>
-              </a:rPr>
-              <a:t>StartUI</a:t>
-            </a:r>
-            <a:r>
-              <a:rPr lang="en-US" sz="600" dirty="0" smtClean="0">
-                <a:solidFill>
-                  <a:schemeClr val="tx1"/>
-                </a:solidFill>
-                <a:latin typeface="Times New Roman" pitchFamily="18" charset="0"/>
-                <a:cs typeface="Times New Roman" pitchFamily="18" charset="0"/>
-              </a:rPr>
-              <a:t>(Input </a:t>
-            </a:r>
-            <a:r>
-              <a:rPr lang="en-US" sz="600" dirty="0" err="1" smtClean="0">
+              <a:rPr lang="en-US" sz="700" dirty="0" smtClean="0">
+                <a:solidFill>
+                  <a:schemeClr val="tx1"/>
+                </a:solidFill>
+                <a:latin typeface="Times New Roman" pitchFamily="18" charset="0"/>
+                <a:cs typeface="Times New Roman" pitchFamily="18" charset="0"/>
+              </a:rPr>
+              <a:t>Private Input </a:t>
+            </a:r>
+            <a:r>
+              <a:rPr lang="en-US" sz="700" dirty="0" err="1" smtClean="0">
                 <a:solidFill>
                   <a:schemeClr val="tx1"/>
                 </a:solidFill>
@@ -5317,18 +5706,18 @@
               <a:t>input</a:t>
             </a:r>
             <a:r>
-              <a:rPr lang="en-US" sz="600" dirty="0" smtClean="0">
-                <a:solidFill>
-                  <a:schemeClr val="tx1"/>
-                </a:solidFill>
-                <a:latin typeface="Times New Roman" pitchFamily="18" charset="0"/>
-                <a:cs typeface="Times New Roman" pitchFamily="18" charset="0"/>
-              </a:rPr>
-              <a:t>){}</a:t>
-            </a:r>
-          </a:p>
-          <a:p>
-            <a:endParaRPr lang="en-US" sz="600" dirty="0" smtClean="0">
+              <a:rPr lang="en-US" sz="700" dirty="0" smtClean="0">
+                <a:solidFill>
+                  <a:schemeClr val="tx1"/>
+                </a:solidFill>
+                <a:latin typeface="Times New Roman" pitchFamily="18" charset="0"/>
+                <a:cs typeface="Times New Roman" pitchFamily="18" charset="0"/>
+              </a:rPr>
+              <a:t>;</a:t>
+            </a:r>
+          </a:p>
+          <a:p>
+            <a:endParaRPr lang="en-US" sz="700" dirty="0" smtClean="0">
               <a:solidFill>
                 <a:schemeClr val="tx1"/>
               </a:solidFill>
@@ -5338,7 +5727,68 @@
           </a:p>
           <a:p>
             <a:r>
-              <a:rPr lang="en-US" sz="600" dirty="0" smtClean="0">
+              <a:rPr lang="en-US" sz="700" dirty="0" smtClean="0">
+                <a:solidFill>
+                  <a:schemeClr val="tx1"/>
+                </a:solidFill>
+                <a:latin typeface="Times New Roman" pitchFamily="18" charset="0"/>
+                <a:cs typeface="Times New Roman" pitchFamily="18" charset="0"/>
+              </a:rPr>
+              <a:t>Public </a:t>
+            </a:r>
+            <a:r>
+              <a:rPr lang="en-US" sz="700" dirty="0" err="1" smtClean="0">
+                <a:solidFill>
+                  <a:schemeClr val="tx1"/>
+                </a:solidFill>
+                <a:latin typeface="Times New Roman" pitchFamily="18" charset="0"/>
+                <a:cs typeface="Times New Roman" pitchFamily="18" charset="0"/>
+              </a:rPr>
+              <a:t>StartUI</a:t>
+            </a:r>
+            <a:r>
+              <a:rPr lang="en-US" sz="700" dirty="0" smtClean="0">
+                <a:solidFill>
+                  <a:schemeClr val="tx1"/>
+                </a:solidFill>
+                <a:latin typeface="Times New Roman" pitchFamily="18" charset="0"/>
+                <a:cs typeface="Times New Roman" pitchFamily="18" charset="0"/>
+              </a:rPr>
+              <a:t>(Input </a:t>
+            </a:r>
+            <a:r>
+              <a:rPr lang="en-US" sz="700" dirty="0" err="1" smtClean="0">
+                <a:solidFill>
+                  <a:schemeClr val="tx1"/>
+                </a:solidFill>
+                <a:latin typeface="Times New Roman" pitchFamily="18" charset="0"/>
+                <a:cs typeface="Times New Roman" pitchFamily="18" charset="0"/>
+              </a:rPr>
+              <a:t>input</a:t>
+            </a:r>
+            <a:r>
+              <a:rPr lang="en-US" sz="700" dirty="0" smtClean="0">
+                <a:solidFill>
+                  <a:schemeClr val="tx1"/>
+                </a:solidFill>
+                <a:latin typeface="Times New Roman" pitchFamily="18" charset="0"/>
+                <a:cs typeface="Times New Roman" pitchFamily="18" charset="0"/>
+              </a:rPr>
+              <a:t>){}</a:t>
+            </a:r>
+          </a:p>
+          <a:p>
+            <a:endParaRPr lang="en-US" sz="700" dirty="0" smtClean="0">
+              <a:solidFill>
+                <a:schemeClr val="tx1"/>
+              </a:solidFill>
+              <a:latin typeface="Times New Roman" pitchFamily="18" charset="0"/>
+              <a:cs typeface="Times New Roman" pitchFamily="18" charset="0"/>
+            </a:endParaRPr>
+          </a:p>
+          <a:p>
+            <a:r>
+              <a:rPr lang="en-US" sz="700" dirty="0" smtClean="0">
                 <a:solidFill>
                   <a:schemeClr val="tx1"/>
                 </a:solidFill>
@@ -5350,7 +5800,7 @@
           </a:p>
           <a:p>
             <a:r>
-              <a:rPr lang="en-US" sz="600" dirty="0" smtClean="0">
+              <a:rPr lang="en-US" sz="700" dirty="0" smtClean="0">
                 <a:solidFill>
                   <a:schemeClr val="tx1"/>
                 </a:solidFill>
@@ -5360,7 +5810,7 @@
               <a:t>Public static void main(String[] </a:t>
             </a:r>
             <a:r>
-              <a:rPr lang="en-US" sz="600" dirty="0" err="1" smtClean="0">
+              <a:rPr lang="en-US" sz="700" dirty="0" err="1" smtClean="0">
                 <a:solidFill>
                   <a:schemeClr val="tx1"/>
                 </a:solidFill>
@@ -5370,7 +5820,7 @@
               <a:t>args</a:t>
             </a:r>
             <a:r>
-              <a:rPr lang="en-US" sz="600" dirty="0" smtClean="0">
+              <a:rPr lang="en-US" sz="700" dirty="0" smtClean="0">
                 <a:solidFill>
                   <a:schemeClr val="tx1"/>
                 </a:solidFill>
@@ -5390,8 +5840,8 @@
         </p:nvSpPr>
         <p:spPr>
           <a:xfrm>
-            <a:off x="7000860" y="0"/>
-            <a:ext cx="2143140" cy="1643074"/>
+            <a:off x="6786578" y="0"/>
+            <a:ext cx="2357422" cy="1928802"/>
           </a:xfrm>
           <a:prstGeom prst="rect">
             <a:avLst/>
@@ -5423,7 +5873,7 @@
           <a:lstStyle/>
           <a:p>
             <a:r>
-              <a:rPr lang="en-US" sz="600" dirty="0" smtClean="0">
+              <a:rPr lang="en-US" sz="700" dirty="0" smtClean="0">
                 <a:solidFill>
                   <a:schemeClr val="tx1"/>
                 </a:solidFill>
@@ -5433,7 +5883,7 @@
               <a:t>Package </a:t>
             </a:r>
             <a:r>
-              <a:rPr lang="en-US" sz="600" dirty="0" err="1" smtClean="0">
+              <a:rPr lang="en-US" sz="700" dirty="0" err="1" smtClean="0">
                 <a:solidFill>
                   <a:schemeClr val="tx1"/>
                 </a:solidFill>
@@ -5443,7 +5893,7 @@
               <a:t>ru.tsibrovskii.models</a:t>
             </a:r>
             <a:r>
-              <a:rPr lang="en-US" sz="600" dirty="0" smtClean="0">
+              <a:rPr lang="en-US" sz="700" dirty="0" smtClean="0">
                 <a:solidFill>
                   <a:schemeClr val="tx1"/>
                 </a:solidFill>
@@ -5454,7 +5904,7 @@
             </a:r>
           </a:p>
           <a:p>
-            <a:endParaRPr lang="en-US" sz="600" dirty="0" smtClean="0">
+            <a:endParaRPr lang="en-US" sz="700" dirty="0" smtClean="0">
               <a:solidFill>
                 <a:schemeClr val="tx1"/>
               </a:solidFill>
@@ -5464,7 +5914,7 @@
           </a:p>
           <a:p>
             <a:r>
-              <a:rPr lang="en-US" sz="600" dirty="0" smtClean="0">
+              <a:rPr lang="en-US" sz="700" dirty="0" smtClean="0">
                 <a:solidFill>
                   <a:schemeClr val="tx1"/>
                 </a:solidFill>
@@ -5475,7 +5925,7 @@
             </a:r>
           </a:p>
           <a:p>
-            <a:endParaRPr lang="en-US" sz="600" dirty="0" smtClean="0">
+            <a:endParaRPr lang="en-US" sz="700" dirty="0" smtClean="0">
               <a:solidFill>
                 <a:schemeClr val="tx1"/>
               </a:solidFill>
@@ -5485,7 +5935,7 @@
           </a:p>
           <a:p>
             <a:r>
-              <a:rPr lang="en-US" sz="600" dirty="0" smtClean="0">
+              <a:rPr lang="en-US" sz="700" dirty="0" smtClean="0">
                 <a:solidFill>
                   <a:schemeClr val="tx1"/>
                 </a:solidFill>
@@ -5497,7 +5947,7 @@
           </a:p>
           <a:p>
             <a:r>
-              <a:rPr lang="en-US" sz="600" dirty="0" smtClean="0">
+              <a:rPr lang="en-US" sz="700" dirty="0" smtClean="0">
                 <a:solidFill>
                   <a:schemeClr val="tx1"/>
                 </a:solidFill>
@@ -5509,7 +5959,7 @@
           </a:p>
           <a:p>
             <a:r>
-              <a:rPr lang="en-US" sz="600" dirty="0" smtClean="0">
+              <a:rPr lang="en-US" sz="700" dirty="0" smtClean="0">
                 <a:solidFill>
                   <a:schemeClr val="tx1"/>
                 </a:solidFill>
@@ -5520,7 +5970,7 @@
             </a:r>
           </a:p>
           <a:p>
-            <a:endParaRPr lang="en-US" sz="600" dirty="0" smtClean="0">
+            <a:endParaRPr lang="en-US" sz="700" dirty="0" smtClean="0">
               <a:solidFill>
                 <a:schemeClr val="tx1"/>
               </a:solidFill>
@@ -5530,7 +5980,7 @@
           </a:p>
           <a:p>
             <a:r>
-              <a:rPr lang="en-US" sz="600" dirty="0" smtClean="0">
+              <a:rPr lang="en-US" sz="700" dirty="0" smtClean="0">
                 <a:solidFill>
                   <a:schemeClr val="tx1"/>
                 </a:solidFill>
@@ -5542,7 +5992,7 @@
           </a:p>
           <a:p>
             <a:r>
-              <a:rPr lang="en-US" sz="600" dirty="0" smtClean="0">
+              <a:rPr lang="en-US" sz="700" dirty="0" smtClean="0">
                 <a:solidFill>
                   <a:schemeClr val="tx1"/>
                 </a:solidFill>
@@ -5553,7 +6003,7 @@
             </a:r>
           </a:p>
           <a:p>
-            <a:endParaRPr lang="en-US" sz="600" dirty="0" smtClean="0">
+            <a:endParaRPr lang="en-US" sz="700" dirty="0" smtClean="0">
               <a:solidFill>
                 <a:schemeClr val="tx1"/>
               </a:solidFill>
@@ -5563,7 +6013,7 @@
           </a:p>
           <a:p>
             <a:r>
-              <a:rPr lang="en-US" sz="600" dirty="0" smtClean="0">
+              <a:rPr lang="en-US" sz="700" dirty="0" smtClean="0">
                 <a:solidFill>
                   <a:schemeClr val="tx1"/>
                 </a:solidFill>
@@ -5573,7 +6023,7 @@
               <a:t>Public String </a:t>
             </a:r>
             <a:r>
-              <a:rPr lang="en-US" sz="600" dirty="0" err="1" smtClean="0">
+              <a:rPr lang="en-US" sz="700" dirty="0" err="1" smtClean="0">
                 <a:solidFill>
                   <a:schemeClr val="tx1"/>
                 </a:solidFill>
@@ -5583,7 +6033,7 @@
               <a:t>getName</a:t>
             </a:r>
             <a:r>
-              <a:rPr lang="en-US" sz="600" dirty="0" smtClean="0">
+              <a:rPr lang="en-US" sz="700" dirty="0" smtClean="0">
                 <a:solidFill>
                   <a:schemeClr val="tx1"/>
                 </a:solidFill>
@@ -5595,7 +6045,7 @@
           </a:p>
           <a:p>
             <a:r>
-              <a:rPr lang="en-US" sz="600" dirty="0" smtClean="0">
+              <a:rPr lang="en-US" sz="700" dirty="0" smtClean="0">
                 <a:solidFill>
                   <a:schemeClr val="tx1"/>
                 </a:solidFill>
@@ -5605,7 +6055,7 @@
               <a:t>Public String </a:t>
             </a:r>
             <a:r>
-              <a:rPr lang="en-US" sz="600" dirty="0" err="1" smtClean="0">
+              <a:rPr lang="en-US" sz="700" dirty="0" err="1" smtClean="0">
                 <a:solidFill>
                   <a:schemeClr val="tx1"/>
                 </a:solidFill>
@@ -5615,7 +6065,7 @@
               <a:t>getDescription</a:t>
             </a:r>
             <a:r>
-              <a:rPr lang="en-US" sz="600" dirty="0" smtClean="0">
+              <a:rPr lang="en-US" sz="700" dirty="0" smtClean="0">
                 <a:solidFill>
                   <a:schemeClr val="tx1"/>
                 </a:solidFill>
@@ -5627,7 +6077,7 @@
           </a:p>
           <a:p>
             <a:r>
-              <a:rPr lang="en-US" sz="600" dirty="0" smtClean="0">
+              <a:rPr lang="en-US" sz="700" dirty="0" smtClean="0">
                 <a:solidFill>
                   <a:schemeClr val="tx1"/>
                 </a:solidFill>
@@ -5637,7 +6087,7 @@
               <a:t>Public long </a:t>
             </a:r>
             <a:r>
-              <a:rPr lang="en-US" sz="600" dirty="0" err="1" smtClean="0">
+              <a:rPr lang="en-US" sz="700" dirty="0" err="1" smtClean="0">
                 <a:solidFill>
                   <a:schemeClr val="tx1"/>
                 </a:solidFill>
@@ -5647,7 +6097,7 @@
               <a:t>getCreate</a:t>
             </a:r>
             <a:r>
-              <a:rPr lang="en-US" sz="600" dirty="0" smtClean="0">
+              <a:rPr lang="en-US" sz="700" dirty="0" smtClean="0">
                 <a:solidFill>
                   <a:schemeClr val="tx1"/>
                 </a:solidFill>
@@ -5659,7 +6109,7 @@
           </a:p>
           <a:p>
             <a:r>
-              <a:rPr lang="en-US" sz="600" dirty="0" smtClean="0">
+              <a:rPr lang="en-US" sz="700" dirty="0" smtClean="0">
                 <a:solidFill>
                   <a:schemeClr val="tx1"/>
                 </a:solidFill>
@@ -5669,7 +6119,7 @@
               <a:t>Public String </a:t>
             </a:r>
             <a:r>
-              <a:rPr lang="en-US" sz="600" dirty="0" err="1" smtClean="0">
+              <a:rPr lang="en-US" sz="700" dirty="0" err="1" smtClean="0">
                 <a:solidFill>
                   <a:schemeClr val="tx1"/>
                 </a:solidFill>
@@ -5679,7 +6129,7 @@
               <a:t>getId</a:t>
             </a:r>
             <a:r>
-              <a:rPr lang="en-US" sz="600" dirty="0" smtClean="0">
+              <a:rPr lang="en-US" sz="700" dirty="0" smtClean="0">
                 <a:solidFill>
                   <a:schemeClr val="tx1"/>
                 </a:solidFill>
@@ -5691,7 +6141,7 @@
           </a:p>
           <a:p>
             <a:r>
-              <a:rPr lang="en-US" sz="600" dirty="0" smtClean="0">
+              <a:rPr lang="en-US" sz="700" dirty="0" smtClean="0">
                 <a:solidFill>
                   <a:schemeClr val="tx1"/>
                 </a:solidFill>
@@ -5701,7 +6151,7 @@
               <a:t>Public void </a:t>
             </a:r>
             <a:r>
-              <a:rPr lang="en-US" sz="600" dirty="0" err="1" smtClean="0">
+              <a:rPr lang="en-US" sz="700" dirty="0" err="1" smtClean="0">
                 <a:solidFill>
                   <a:schemeClr val="tx1"/>
                 </a:solidFill>
@@ -5711,7 +6161,7 @@
               <a:t>setId</a:t>
             </a:r>
             <a:r>
-              <a:rPr lang="en-US" sz="600" dirty="0" smtClean="0">
+              <a:rPr lang="en-US" sz="700" dirty="0" smtClean="0">
                 <a:solidFill>
                   <a:schemeClr val="tx1"/>
                 </a:solidFill>
@@ -5720,7 +6170,7 @@
               </a:rPr>
               <a:t>(String id){}</a:t>
             </a:r>
-            <a:endParaRPr lang="ru-RU" sz="600" dirty="0">
+            <a:endParaRPr lang="ru-RU" sz="700" dirty="0">
               <a:solidFill>
                 <a:schemeClr val="tx1"/>
               </a:solidFill>
@@ -5732,14 +6182,14 @@
       </p:sp>
       <p:sp>
         <p:nvSpPr>
-          <p:cNvPr id="15" name="Прямоугольник 14"/>
+          <p:cNvPr id="16" name="Прямоугольник 15"/>
           <p:cNvSpPr/>
           <p:nvPr/>
         </p:nvSpPr>
         <p:spPr>
           <a:xfrm>
-            <a:off x="7507419" y="1714488"/>
-            <a:ext cx="1636581" cy="807560"/>
+            <a:off x="7143736" y="2000240"/>
+            <a:ext cx="2000264" cy="857256"/>
           </a:xfrm>
           <a:prstGeom prst="rect">
             <a:avLst/>
@@ -5771,7 +6221,7 @@
           <a:lstStyle/>
           <a:p>
             <a:r>
-              <a:rPr lang="en-US" sz="600" dirty="0" smtClean="0">
+              <a:rPr lang="en-US" sz="700" dirty="0" smtClean="0">
                 <a:solidFill>
                   <a:schemeClr val="tx1"/>
                 </a:solidFill>
@@ -5781,7 +6231,7 @@
               <a:t>Package </a:t>
             </a:r>
             <a:r>
-              <a:rPr lang="en-US" sz="600" dirty="0" err="1" smtClean="0">
+              <a:rPr lang="en-US" sz="700" dirty="0" err="1" smtClean="0">
                 <a:solidFill>
                   <a:schemeClr val="tx1"/>
                 </a:solidFill>
@@ -5791,7 +6241,7 @@
               <a:t>ru.tsibrovskii.models</a:t>
             </a:r>
             <a:r>
-              <a:rPr lang="en-US" sz="600" dirty="0" smtClean="0">
+              <a:rPr lang="en-US" sz="700" dirty="0" smtClean="0">
                 <a:solidFill>
                   <a:schemeClr val="tx1"/>
                 </a:solidFill>
@@ -5802,7 +6252,7 @@
             </a:r>
           </a:p>
           <a:p>
-            <a:endParaRPr lang="en-US" sz="600" dirty="0" smtClean="0">
+            <a:endParaRPr lang="en-US" sz="700" dirty="0" smtClean="0">
               <a:solidFill>
                 <a:schemeClr val="tx1"/>
               </a:solidFill>
@@ -5812,18 +6262,18 @@
           </a:p>
           <a:p>
             <a:r>
-              <a:rPr lang="en-US" sz="600" dirty="0" smtClean="0">
-                <a:solidFill>
-                  <a:schemeClr val="tx1"/>
-                </a:solidFill>
-                <a:latin typeface="Times New Roman" pitchFamily="18" charset="0"/>
-                <a:cs typeface="Times New Roman" pitchFamily="18" charset="0"/>
-              </a:rPr>
-              <a:t>Public class Task extends Item</a:t>
-            </a:r>
-          </a:p>
-          <a:p>
-            <a:endParaRPr lang="en-US" sz="600" dirty="0" smtClean="0">
+              <a:rPr lang="en-US" sz="700" dirty="0" smtClean="0">
+                <a:solidFill>
+                  <a:schemeClr val="tx1"/>
+                </a:solidFill>
+                <a:latin typeface="Times New Roman" pitchFamily="18" charset="0"/>
+                <a:cs typeface="Times New Roman" pitchFamily="18" charset="0"/>
+              </a:rPr>
+              <a:t>Public class Comment extends Item</a:t>
+            </a:r>
+          </a:p>
+          <a:p>
+            <a:endParaRPr lang="en-US" sz="700" dirty="0" smtClean="0">
               <a:solidFill>
                 <a:schemeClr val="tx1"/>
               </a:solidFill>
@@ -5833,18 +6283,38 @@
           </a:p>
           <a:p>
             <a:r>
-              <a:rPr lang="en-US" sz="600" dirty="0" smtClean="0">
-                <a:solidFill>
-                  <a:schemeClr val="tx1"/>
-                </a:solidFill>
-                <a:latin typeface="Times New Roman" pitchFamily="18" charset="0"/>
-                <a:cs typeface="Times New Roman" pitchFamily="18" charset="0"/>
-              </a:rPr>
-              <a:t>Public Task(String name, String desk){}</a:t>
-            </a:r>
-          </a:p>
-          <a:p>
-            <a:endParaRPr lang="en-US" sz="600" dirty="0" smtClean="0">
+              <a:rPr lang="en-US" sz="700" dirty="0" smtClean="0">
+                <a:solidFill>
+                  <a:schemeClr val="tx1"/>
+                </a:solidFill>
+                <a:latin typeface="Times New Roman" pitchFamily="18" charset="0"/>
+                <a:cs typeface="Times New Roman" pitchFamily="18" charset="0"/>
+              </a:rPr>
+              <a:t>Private String </a:t>
+            </a:r>
+            <a:r>
+              <a:rPr lang="en-US" sz="700" dirty="0" err="1" smtClean="0">
+                <a:solidFill>
+                  <a:schemeClr val="tx1"/>
+                </a:solidFill>
+                <a:latin typeface="Times New Roman" pitchFamily="18" charset="0"/>
+                <a:cs typeface="Times New Roman" pitchFamily="18" charset="0"/>
+              </a:rPr>
+              <a:t>commentarii</a:t>
+            </a:r>
+            <a:r>
+              <a:rPr lang="en-US" sz="700" dirty="0" smtClean="0">
+                <a:solidFill>
+                  <a:schemeClr val="tx1"/>
+                </a:solidFill>
+                <a:latin typeface="Times New Roman" pitchFamily="18" charset="0"/>
+                <a:cs typeface="Times New Roman" pitchFamily="18" charset="0"/>
+              </a:rPr>
+              <a:t>;</a:t>
+            </a:r>
+          </a:p>
+          <a:p>
+            <a:endParaRPr lang="en-US" sz="700" dirty="0" smtClean="0">
               <a:solidFill>
                 <a:schemeClr val="tx1"/>
               </a:solidFill>
@@ -5854,55 +6324,48 @@
           </a:p>
           <a:p>
             <a:r>
-              <a:rPr lang="en-US" sz="600" dirty="0" smtClean="0">
-                <a:solidFill>
-                  <a:schemeClr val="tx1"/>
-                </a:solidFill>
-                <a:latin typeface="Times New Roman" pitchFamily="18" charset="0"/>
-                <a:cs typeface="Times New Roman" pitchFamily="18" charset="0"/>
-              </a:rPr>
-              <a:t>Public String </a:t>
-            </a:r>
-            <a:r>
-              <a:rPr lang="en-US" sz="600" dirty="0" err="1" smtClean="0">
-                <a:solidFill>
-                  <a:schemeClr val="tx1"/>
-                </a:solidFill>
-                <a:latin typeface="Times New Roman" pitchFamily="18" charset="0"/>
-                <a:cs typeface="Times New Roman" pitchFamily="18" charset="0"/>
-              </a:rPr>
-              <a:t>calculatePrice</a:t>
-            </a:r>
-            <a:r>
-              <a:rPr lang="en-US" sz="600" dirty="0" smtClean="0">
-                <a:solidFill>
-                  <a:schemeClr val="tx1"/>
-                </a:solidFill>
-                <a:latin typeface="Times New Roman" pitchFamily="18" charset="0"/>
-                <a:cs typeface="Times New Roman" pitchFamily="18" charset="0"/>
-              </a:rPr>
-              <a:t>(){}</a:t>
-            </a:r>
-            <a:endParaRPr lang="ru-RU" sz="600" dirty="0">
-              <a:solidFill>
-                <a:schemeClr val="tx1"/>
-              </a:solidFill>
-              <a:latin typeface="Times New Roman" pitchFamily="18" charset="0"/>
-              <a:cs typeface="Times New Roman" pitchFamily="18" charset="0"/>
-            </a:endParaRPr>
+              <a:rPr lang="en-US" sz="700" dirty="0" smtClean="0">
+                <a:solidFill>
+                  <a:schemeClr val="tx1"/>
+                </a:solidFill>
+                <a:latin typeface="Times New Roman" pitchFamily="18" charset="0"/>
+                <a:cs typeface="Times New Roman" pitchFamily="18" charset="0"/>
+              </a:rPr>
+              <a:t>Public Comment(String id, String </a:t>
+            </a:r>
+            <a:r>
+              <a:rPr lang="en-US" sz="700" dirty="0" err="1" smtClean="0">
+                <a:solidFill>
+                  <a:schemeClr val="tx1"/>
+                </a:solidFill>
+                <a:latin typeface="Times New Roman" pitchFamily="18" charset="0"/>
+                <a:cs typeface="Times New Roman" pitchFamily="18" charset="0"/>
+              </a:rPr>
+              <a:t>commentarii</a:t>
+            </a:r>
+            <a:r>
+              <a:rPr lang="en-US" sz="700" dirty="0" smtClean="0">
+                <a:solidFill>
+                  <a:schemeClr val="tx1"/>
+                </a:solidFill>
+                <a:latin typeface="Times New Roman" pitchFamily="18" charset="0"/>
+                <a:cs typeface="Times New Roman" pitchFamily="18" charset="0"/>
+              </a:rPr>
+              <a:t>){}</a:t>
+            </a:r>
           </a:p>
         </p:txBody>
       </p:sp>
       <p:sp>
         <p:nvSpPr>
-          <p:cNvPr id="16" name="Прямоугольник 15"/>
+          <p:cNvPr id="26" name="Прямоугольник 25"/>
           <p:cNvSpPr/>
           <p:nvPr/>
         </p:nvSpPr>
         <p:spPr>
           <a:xfrm>
-            <a:off x="7215174" y="2571744"/>
-            <a:ext cx="1928826" cy="801348"/>
+            <a:off x="4572000" y="2214554"/>
+            <a:ext cx="2071702" cy="1156416"/>
           </a:xfrm>
           <a:prstGeom prst="rect">
             <a:avLst/>
@@ -5934,7 +6397,7 @@
           <a:lstStyle/>
           <a:p>
             <a:r>
-              <a:rPr lang="en-US" sz="600" dirty="0" smtClean="0">
+              <a:rPr lang="en-US" sz="700" dirty="0" smtClean="0">
                 <a:solidFill>
                   <a:schemeClr val="tx1"/>
                 </a:solidFill>
@@ -5944,17 +6407,17 @@
               <a:t>Package </a:t>
             </a:r>
             <a:r>
-              <a:rPr lang="en-US" sz="600" dirty="0" err="1" smtClean="0">
-                <a:solidFill>
-                  <a:schemeClr val="tx1"/>
-                </a:solidFill>
-                <a:latin typeface="Times New Roman" pitchFamily="18" charset="0"/>
-                <a:cs typeface="Times New Roman" pitchFamily="18" charset="0"/>
-              </a:rPr>
-              <a:t>ru.tsibrovskii.models</a:t>
-            </a:r>
-            <a:r>
-              <a:rPr lang="en-US" sz="600" dirty="0" smtClean="0">
+              <a:rPr lang="en-US" sz="700" dirty="0" err="1" smtClean="0">
+                <a:solidFill>
+                  <a:schemeClr val="tx1"/>
+                </a:solidFill>
+                <a:latin typeface="Times New Roman" pitchFamily="18" charset="0"/>
+                <a:cs typeface="Times New Roman" pitchFamily="18" charset="0"/>
+              </a:rPr>
+              <a:t>ru.tsibrovskii.start</a:t>
+            </a:r>
+            <a:r>
+              <a:rPr lang="en-US" sz="700" dirty="0" smtClean="0">
                 <a:solidFill>
                   <a:schemeClr val="tx1"/>
                 </a:solidFill>
@@ -5965,7 +6428,7 @@
             </a:r>
           </a:p>
           <a:p>
-            <a:endParaRPr lang="en-US" sz="600" dirty="0" smtClean="0">
+            <a:endParaRPr lang="en-US" sz="700" dirty="0" smtClean="0">
               <a:solidFill>
                 <a:schemeClr val="tx1"/>
               </a:solidFill>
@@ -5975,58 +6438,38 @@
           </a:p>
           <a:p>
             <a:r>
-              <a:rPr lang="en-US" sz="600" dirty="0" smtClean="0">
-                <a:solidFill>
-                  <a:schemeClr val="tx1"/>
-                </a:solidFill>
-                <a:latin typeface="Times New Roman" pitchFamily="18" charset="0"/>
-                <a:cs typeface="Times New Roman" pitchFamily="18" charset="0"/>
-              </a:rPr>
-              <a:t>Public class </a:t>
-            </a:r>
-            <a:r>
-              <a:rPr lang="en-US" sz="600" dirty="0" smtClean="0">
-                <a:solidFill>
-                  <a:schemeClr val="tx1"/>
-                </a:solidFill>
-                <a:latin typeface="Times New Roman" pitchFamily="18" charset="0"/>
-                <a:cs typeface="Times New Roman" pitchFamily="18" charset="0"/>
-              </a:rPr>
-              <a:t>Comment</a:t>
-            </a:r>
-            <a:r>
-              <a:rPr lang="en-US" sz="600" dirty="0" smtClean="0">
-                <a:solidFill>
-                  <a:schemeClr val="tx1"/>
-                </a:solidFill>
-                <a:latin typeface="Times New Roman" pitchFamily="18" charset="0"/>
-                <a:cs typeface="Times New Roman" pitchFamily="18" charset="0"/>
-              </a:rPr>
-              <a:t> </a:t>
-            </a:r>
-            <a:r>
-              <a:rPr lang="en-US" sz="600" dirty="0" smtClean="0">
-                <a:solidFill>
-                  <a:schemeClr val="tx1"/>
-                </a:solidFill>
-                <a:latin typeface="Times New Roman" pitchFamily="18" charset="0"/>
-                <a:cs typeface="Times New Roman" pitchFamily="18" charset="0"/>
-              </a:rPr>
-              <a:t>extends </a:t>
-            </a:r>
-            <a:r>
-              <a:rPr lang="en-US" sz="600" dirty="0" smtClean="0">
-                <a:solidFill>
-                  <a:schemeClr val="tx1"/>
-                </a:solidFill>
-                <a:latin typeface="Times New Roman" pitchFamily="18" charset="0"/>
-                <a:cs typeface="Times New Roman" pitchFamily="18" charset="0"/>
-              </a:rPr>
-              <a:t>Item</a:t>
-            </a:r>
-          </a:p>
-          <a:p>
-            <a:endParaRPr lang="en-US" sz="600" dirty="0" smtClean="0">
+              <a:rPr lang="en-US" sz="700" dirty="0" smtClean="0">
+                <a:solidFill>
+                  <a:schemeClr val="tx1"/>
+                </a:solidFill>
+                <a:latin typeface="Times New Roman" pitchFamily="18" charset="0"/>
+                <a:cs typeface="Times New Roman" pitchFamily="18" charset="0"/>
+              </a:rPr>
+              <a:t>Import </a:t>
+            </a:r>
+            <a:r>
+              <a:rPr lang="en-US" sz="700" dirty="0" err="1" smtClean="0">
+                <a:solidFill>
+                  <a:schemeClr val="tx1"/>
+                </a:solidFill>
+                <a:latin typeface="Times New Roman" pitchFamily="18" charset="0"/>
+                <a:cs typeface="Times New Roman" pitchFamily="18" charset="0"/>
+              </a:rPr>
+              <a:t>ru.tsibrovskii.models</a:t>
+            </a:r>
+            <a:r>
+              <a:rPr lang="en-US" sz="700" dirty="0" smtClean="0">
+                <a:solidFill>
+                  <a:schemeClr val="tx1"/>
+                </a:solidFill>
+                <a:latin typeface="Times New Roman" pitchFamily="18" charset="0"/>
+                <a:cs typeface="Times New Roman" pitchFamily="18" charset="0"/>
+              </a:rPr>
+              <a:t>.*;</a:t>
+            </a:r>
+          </a:p>
+          <a:p>
+            <a:endParaRPr lang="en-US" sz="700" dirty="0" smtClean="0">
               <a:solidFill>
                 <a:schemeClr val="tx1"/>
               </a:solidFill>
@@ -6036,38 +6479,56 @@
           </a:p>
           <a:p>
             <a:r>
-              <a:rPr lang="en-US" sz="600" dirty="0" smtClean="0">
-                <a:solidFill>
-                  <a:schemeClr val="tx1"/>
-                </a:solidFill>
-                <a:latin typeface="Times New Roman" pitchFamily="18" charset="0"/>
-                <a:cs typeface="Times New Roman" pitchFamily="18" charset="0"/>
-              </a:rPr>
-              <a:t>Private String </a:t>
-            </a:r>
-            <a:r>
-              <a:rPr lang="en-US" sz="600" dirty="0" err="1" smtClean="0">
-                <a:solidFill>
-                  <a:schemeClr val="tx1"/>
-                </a:solidFill>
-                <a:latin typeface="Times New Roman" pitchFamily="18" charset="0"/>
-                <a:cs typeface="Times New Roman" pitchFamily="18" charset="0"/>
-              </a:rPr>
-              <a:t>commentarii</a:t>
-            </a:r>
-            <a:r>
-              <a:rPr lang="en-US" sz="600" dirty="0" smtClean="0">
-                <a:solidFill>
-                  <a:schemeClr val="tx1"/>
-                </a:solidFill>
-                <a:latin typeface="Times New Roman" pitchFamily="18" charset="0"/>
-                <a:cs typeface="Times New Roman" pitchFamily="18" charset="0"/>
-              </a:rPr>
-              <a:t>;</a:t>
-            </a:r>
-          </a:p>
-          <a:p>
-            <a:endParaRPr lang="en-US" sz="600" dirty="0" smtClean="0">
+              <a:rPr lang="en-US" sz="700" dirty="0" smtClean="0">
+                <a:solidFill>
+                  <a:schemeClr val="tx1"/>
+                </a:solidFill>
+                <a:latin typeface="Times New Roman" pitchFamily="18" charset="0"/>
+                <a:cs typeface="Times New Roman" pitchFamily="18" charset="0"/>
+              </a:rPr>
+              <a:t>Public </a:t>
+            </a:r>
+            <a:r>
+              <a:rPr lang="en-US" sz="700" dirty="0" smtClean="0">
+                <a:solidFill>
+                  <a:schemeClr val="tx1"/>
+                </a:solidFill>
+                <a:latin typeface="Times New Roman" pitchFamily="18" charset="0"/>
+                <a:cs typeface="Times New Roman" pitchFamily="18" charset="0"/>
+              </a:rPr>
+              <a:t>class </a:t>
+            </a:r>
+            <a:r>
+              <a:rPr lang="en-US" sz="700" dirty="0" err="1" smtClean="0">
+                <a:solidFill>
+                  <a:schemeClr val="tx1"/>
+                </a:solidFill>
+                <a:latin typeface="Times New Roman" pitchFamily="18" charset="0"/>
+                <a:cs typeface="Times New Roman" pitchFamily="18" charset="0"/>
+              </a:rPr>
+              <a:t>EditItem</a:t>
+            </a:r>
+            <a:r>
+              <a:rPr lang="en-US" sz="700" dirty="0" smtClean="0">
+                <a:solidFill>
+                  <a:schemeClr val="tx1"/>
+                </a:solidFill>
+                <a:latin typeface="Times New Roman" pitchFamily="18" charset="0"/>
+                <a:cs typeface="Times New Roman" pitchFamily="18" charset="0"/>
+              </a:rPr>
+              <a:t> implement </a:t>
+            </a:r>
+            <a:r>
+              <a:rPr lang="en-US" sz="700" dirty="0" err="1" smtClean="0">
+                <a:solidFill>
+                  <a:schemeClr val="tx1"/>
+                </a:solidFill>
+                <a:latin typeface="Times New Roman" pitchFamily="18" charset="0"/>
+                <a:cs typeface="Times New Roman" pitchFamily="18" charset="0"/>
+              </a:rPr>
+              <a:t>UserAction</a:t>
+            </a:r>
+            <a:endParaRPr lang="en-US" sz="700" dirty="0" smtClean="0">
               <a:solidFill>
                 <a:schemeClr val="tx1"/>
               </a:solidFill>
@@ -6076,37 +6537,7 @@
             </a:endParaRPr>
           </a:p>
           <a:p>
-            <a:r>
-              <a:rPr lang="en-US" sz="600" dirty="0" smtClean="0">
-                <a:solidFill>
-                  <a:schemeClr val="tx1"/>
-                </a:solidFill>
-                <a:latin typeface="Times New Roman" pitchFamily="18" charset="0"/>
-                <a:cs typeface="Times New Roman" pitchFamily="18" charset="0"/>
-              </a:rPr>
-              <a:t>Public Comment(String id, String </a:t>
-            </a:r>
-            <a:r>
-              <a:rPr lang="en-US" sz="600" dirty="0" err="1" smtClean="0">
-                <a:solidFill>
-                  <a:schemeClr val="tx1"/>
-                </a:solidFill>
-                <a:latin typeface="Times New Roman" pitchFamily="18" charset="0"/>
-                <a:cs typeface="Times New Roman" pitchFamily="18" charset="0"/>
-              </a:rPr>
-              <a:t>commentarii</a:t>
-            </a:r>
-            <a:r>
-              <a:rPr lang="en-US" sz="600" dirty="0" smtClean="0">
-                <a:solidFill>
-                  <a:schemeClr val="tx1"/>
-                </a:solidFill>
-                <a:latin typeface="Times New Roman" pitchFamily="18" charset="0"/>
-                <a:cs typeface="Times New Roman" pitchFamily="18" charset="0"/>
-              </a:rPr>
-              <a:t>){}</a:t>
-            </a:r>
-            <a:endParaRPr lang="en-US" sz="600" dirty="0" smtClean="0">
+            <a:endParaRPr lang="en-US" sz="700" dirty="0" smtClean="0">
               <a:solidFill>
                 <a:schemeClr val="tx1"/>
               </a:solidFill>
@@ -6114,20 +6545,2842 @@
               <a:cs typeface="Times New Roman" pitchFamily="18" charset="0"/>
             </a:endParaRPr>
           </a:p>
+          <a:p>
+            <a:r>
+              <a:rPr lang="en-US" sz="700" dirty="0" err="1" smtClean="0">
+                <a:solidFill>
+                  <a:schemeClr val="tx1"/>
+                </a:solidFill>
+                <a:latin typeface="Times New Roman" pitchFamily="18" charset="0"/>
+                <a:cs typeface="Times New Roman" pitchFamily="18" charset="0"/>
+              </a:rPr>
+              <a:t>Pulic</a:t>
+            </a:r>
+            <a:r>
+              <a:rPr lang="en-US" sz="700" dirty="0" smtClean="0">
+                <a:solidFill>
+                  <a:schemeClr val="tx1"/>
+                </a:solidFill>
+                <a:latin typeface="Times New Roman" pitchFamily="18" charset="0"/>
+                <a:cs typeface="Times New Roman" pitchFamily="18" charset="0"/>
+              </a:rPr>
+              <a:t> </a:t>
+            </a:r>
+            <a:r>
+              <a:rPr lang="en-US" sz="700" dirty="0" err="1" smtClean="0">
+                <a:solidFill>
+                  <a:schemeClr val="tx1"/>
+                </a:solidFill>
+                <a:latin typeface="Times New Roman" pitchFamily="18" charset="0"/>
+                <a:cs typeface="Times New Roman" pitchFamily="18" charset="0"/>
+              </a:rPr>
+              <a:t>int</a:t>
+            </a:r>
+            <a:r>
+              <a:rPr lang="en-US" sz="700" dirty="0" smtClean="0">
+                <a:solidFill>
+                  <a:schemeClr val="tx1"/>
+                </a:solidFill>
+                <a:latin typeface="Times New Roman" pitchFamily="18" charset="0"/>
+                <a:cs typeface="Times New Roman" pitchFamily="18" charset="0"/>
+              </a:rPr>
+              <a:t> key(){}</a:t>
+            </a:r>
+            <a:endParaRPr lang="en-US" sz="700" dirty="0" smtClean="0">
+              <a:solidFill>
+                <a:schemeClr val="tx1"/>
+              </a:solidFill>
+              <a:latin typeface="Times New Roman" pitchFamily="18" charset="0"/>
+              <a:cs typeface="Times New Roman" pitchFamily="18" charset="0"/>
+            </a:endParaRPr>
+          </a:p>
+          <a:p>
+            <a:r>
+              <a:rPr lang="en-US" sz="700" dirty="0" smtClean="0">
+                <a:solidFill>
+                  <a:schemeClr val="tx1"/>
+                </a:solidFill>
+                <a:latin typeface="Times New Roman" pitchFamily="18" charset="0"/>
+                <a:cs typeface="Times New Roman" pitchFamily="18" charset="0"/>
+              </a:rPr>
+              <a:t>Public void </a:t>
+            </a:r>
+            <a:r>
+              <a:rPr lang="en-US" sz="700" dirty="0" smtClean="0">
+                <a:solidFill>
+                  <a:schemeClr val="tx1"/>
+                </a:solidFill>
+                <a:latin typeface="Times New Roman" pitchFamily="18" charset="0"/>
+                <a:cs typeface="Times New Roman" pitchFamily="18" charset="0"/>
+              </a:rPr>
+              <a:t>execute(Input </a:t>
+            </a:r>
+            <a:r>
+              <a:rPr lang="en-US" sz="700" dirty="0" err="1" smtClean="0">
+                <a:solidFill>
+                  <a:schemeClr val="tx1"/>
+                </a:solidFill>
+                <a:latin typeface="Times New Roman" pitchFamily="18" charset="0"/>
+                <a:cs typeface="Times New Roman" pitchFamily="18" charset="0"/>
+              </a:rPr>
+              <a:t>input</a:t>
+            </a:r>
+            <a:r>
+              <a:rPr lang="en-US" sz="700" dirty="0" smtClean="0">
+                <a:solidFill>
+                  <a:schemeClr val="tx1"/>
+                </a:solidFill>
+                <a:latin typeface="Times New Roman" pitchFamily="18" charset="0"/>
+                <a:cs typeface="Times New Roman" pitchFamily="18" charset="0"/>
+              </a:rPr>
+              <a:t>, Tracker </a:t>
+            </a:r>
+            <a:r>
+              <a:rPr lang="en-US" sz="700" dirty="0" err="1" smtClean="0">
+                <a:solidFill>
+                  <a:schemeClr val="tx1"/>
+                </a:solidFill>
+                <a:latin typeface="Times New Roman" pitchFamily="18" charset="0"/>
+                <a:cs typeface="Times New Roman" pitchFamily="18" charset="0"/>
+              </a:rPr>
+              <a:t>tracker</a:t>
+            </a:r>
+            <a:r>
+              <a:rPr lang="en-US" sz="700" dirty="0" smtClean="0">
+                <a:solidFill>
+                  <a:schemeClr val="tx1"/>
+                </a:solidFill>
+                <a:latin typeface="Times New Roman" pitchFamily="18" charset="0"/>
+                <a:cs typeface="Times New Roman" pitchFamily="18" charset="0"/>
+              </a:rPr>
+              <a:t>){}</a:t>
+            </a:r>
+            <a:endParaRPr lang="en-US" sz="700" dirty="0" smtClean="0">
+              <a:solidFill>
+                <a:schemeClr val="tx1"/>
+              </a:solidFill>
+              <a:latin typeface="Times New Roman" pitchFamily="18" charset="0"/>
+              <a:cs typeface="Times New Roman" pitchFamily="18" charset="0"/>
+            </a:endParaRPr>
+          </a:p>
+          <a:p>
+            <a:r>
+              <a:rPr lang="en-US" sz="700" dirty="0" smtClean="0">
+                <a:solidFill>
+                  <a:schemeClr val="tx1"/>
+                </a:solidFill>
+                <a:latin typeface="Times New Roman" pitchFamily="18" charset="0"/>
+                <a:cs typeface="Times New Roman" pitchFamily="18" charset="0"/>
+              </a:rPr>
+              <a:t>Public String </a:t>
+            </a:r>
+            <a:r>
+              <a:rPr lang="en-US" sz="700" dirty="0" smtClean="0">
+                <a:solidFill>
+                  <a:schemeClr val="tx1"/>
+                </a:solidFill>
+                <a:latin typeface="Times New Roman" pitchFamily="18" charset="0"/>
+                <a:cs typeface="Times New Roman" pitchFamily="18" charset="0"/>
+              </a:rPr>
+              <a:t>info</a:t>
+            </a:r>
+            <a:r>
+              <a:rPr lang="en-US" sz="700" dirty="0" smtClean="0">
+                <a:solidFill>
+                  <a:schemeClr val="tx1"/>
+                </a:solidFill>
+                <a:latin typeface="Times New Roman" pitchFamily="18" charset="0"/>
+                <a:cs typeface="Times New Roman" pitchFamily="18" charset="0"/>
+              </a:rPr>
+              <a:t>(){}</a:t>
+            </a:r>
+            <a:endParaRPr lang="en-US" sz="700" dirty="0" smtClean="0">
+              <a:solidFill>
+                <a:schemeClr val="tx1"/>
+              </a:solidFill>
+              <a:latin typeface="Times New Roman" pitchFamily="18" charset="0"/>
+              <a:cs typeface="Times New Roman" pitchFamily="18" charset="0"/>
+            </a:endParaRPr>
+          </a:p>
+        </p:txBody>
+      </p:sp>
+      <p:sp>
+        <p:nvSpPr>
+          <p:cNvPr id="27" name="Прямоугольник 26"/>
+          <p:cNvSpPr/>
+          <p:nvPr/>
+        </p:nvSpPr>
+        <p:spPr>
+          <a:xfrm>
+            <a:off x="4500562" y="1000108"/>
+            <a:ext cx="2143140" cy="1156416"/>
+          </a:xfrm>
+          <a:prstGeom prst="rect">
+            <a:avLst/>
+          </a:prstGeom>
+          <a:solidFill>
+            <a:schemeClr val="accent1">
+              <a:alpha val="0"/>
+            </a:schemeClr>
+          </a:solidFill>
+        </p:spPr>
+        <p:style>
+          <a:lnRef idx="2">
+            <a:schemeClr val="accent1">
+              <a:shade val="50000"/>
+            </a:schemeClr>
+          </a:lnRef>
+          <a:fillRef idx="1">
+            <a:schemeClr val="accent1"/>
+          </a:fillRef>
+          <a:effectRef idx="0">
+            <a:schemeClr val="accent1"/>
+          </a:effectRef>
+          <a:fontRef idx="minor">
+            <a:schemeClr val="lt1"/>
+          </a:fontRef>
+        </p:style>
+        <p:txBody>
+          <a:bodyPr rtlCol="0" anchor="ctr"/>
+          <a:lstStyle/>
+          <a:p>
+            <a:r>
+              <a:rPr lang="en-US" sz="700" dirty="0" smtClean="0">
+                <a:solidFill>
+                  <a:schemeClr val="tx1"/>
+                </a:solidFill>
+                <a:latin typeface="Times New Roman" pitchFamily="18" charset="0"/>
+                <a:cs typeface="Times New Roman" pitchFamily="18" charset="0"/>
+              </a:rPr>
+              <a:t>Package </a:t>
+            </a:r>
+            <a:r>
+              <a:rPr lang="en-US" sz="700" dirty="0" err="1" smtClean="0">
+                <a:solidFill>
+                  <a:schemeClr val="tx1"/>
+                </a:solidFill>
+                <a:latin typeface="Times New Roman" pitchFamily="18" charset="0"/>
+                <a:cs typeface="Times New Roman" pitchFamily="18" charset="0"/>
+              </a:rPr>
+              <a:t>ru.tsibrovskii.start</a:t>
+            </a:r>
+            <a:r>
+              <a:rPr lang="en-US" sz="700" dirty="0" smtClean="0">
+                <a:solidFill>
+                  <a:schemeClr val="tx1"/>
+                </a:solidFill>
+                <a:latin typeface="Times New Roman" pitchFamily="18" charset="0"/>
+                <a:cs typeface="Times New Roman" pitchFamily="18" charset="0"/>
+              </a:rPr>
+              <a:t>;</a:t>
+            </a:r>
+          </a:p>
+          <a:p>
+            <a:endParaRPr lang="en-US" sz="700" dirty="0" smtClean="0">
+              <a:solidFill>
+                <a:schemeClr val="tx1"/>
+              </a:solidFill>
+              <a:latin typeface="Times New Roman" pitchFamily="18" charset="0"/>
+              <a:cs typeface="Times New Roman" pitchFamily="18" charset="0"/>
+            </a:endParaRPr>
+          </a:p>
+          <a:p>
+            <a:r>
+              <a:rPr lang="en-US" sz="700" dirty="0" smtClean="0">
+                <a:solidFill>
+                  <a:schemeClr val="tx1"/>
+                </a:solidFill>
+                <a:latin typeface="Times New Roman" pitchFamily="18" charset="0"/>
+                <a:cs typeface="Times New Roman" pitchFamily="18" charset="0"/>
+              </a:rPr>
+              <a:t>Import </a:t>
+            </a:r>
+            <a:r>
+              <a:rPr lang="en-US" sz="700" dirty="0" err="1" smtClean="0">
+                <a:solidFill>
+                  <a:schemeClr val="tx1"/>
+                </a:solidFill>
+                <a:latin typeface="Times New Roman" pitchFamily="18" charset="0"/>
+                <a:cs typeface="Times New Roman" pitchFamily="18" charset="0"/>
+              </a:rPr>
+              <a:t>ru.tsibrovskii.models</a:t>
+            </a:r>
+            <a:r>
+              <a:rPr lang="en-US" sz="700" dirty="0" smtClean="0">
+                <a:solidFill>
+                  <a:schemeClr val="tx1"/>
+                </a:solidFill>
+                <a:latin typeface="Times New Roman" pitchFamily="18" charset="0"/>
+                <a:cs typeface="Times New Roman" pitchFamily="18" charset="0"/>
+              </a:rPr>
+              <a:t>.*;</a:t>
+            </a:r>
+          </a:p>
+          <a:p>
+            <a:endParaRPr lang="en-US" sz="700" dirty="0" smtClean="0">
+              <a:solidFill>
+                <a:schemeClr val="tx1"/>
+              </a:solidFill>
+              <a:latin typeface="Times New Roman" pitchFamily="18" charset="0"/>
+              <a:cs typeface="Times New Roman" pitchFamily="18" charset="0"/>
+            </a:endParaRPr>
+          </a:p>
+          <a:p>
+            <a:r>
+              <a:rPr lang="en-US" sz="700" dirty="0" smtClean="0">
+                <a:solidFill>
+                  <a:schemeClr val="tx1"/>
+                </a:solidFill>
+                <a:latin typeface="Times New Roman" pitchFamily="18" charset="0"/>
+                <a:cs typeface="Times New Roman" pitchFamily="18" charset="0"/>
+              </a:rPr>
+              <a:t>Private class </a:t>
+            </a:r>
+            <a:r>
+              <a:rPr lang="en-US" sz="700" dirty="0" err="1" smtClean="0">
+                <a:solidFill>
+                  <a:schemeClr val="tx1"/>
+                </a:solidFill>
+                <a:latin typeface="Times New Roman" pitchFamily="18" charset="0"/>
+                <a:cs typeface="Times New Roman" pitchFamily="18" charset="0"/>
+              </a:rPr>
+              <a:t>AddItem</a:t>
+            </a:r>
+            <a:r>
+              <a:rPr lang="en-US" sz="700" dirty="0" smtClean="0">
+                <a:solidFill>
+                  <a:schemeClr val="tx1"/>
+                </a:solidFill>
+                <a:latin typeface="Times New Roman" pitchFamily="18" charset="0"/>
+                <a:cs typeface="Times New Roman" pitchFamily="18" charset="0"/>
+              </a:rPr>
+              <a:t> implement </a:t>
+            </a:r>
+            <a:r>
+              <a:rPr lang="en-US" sz="700" dirty="0" err="1" smtClean="0">
+                <a:solidFill>
+                  <a:schemeClr val="tx1"/>
+                </a:solidFill>
+                <a:latin typeface="Times New Roman" pitchFamily="18" charset="0"/>
+                <a:cs typeface="Times New Roman" pitchFamily="18" charset="0"/>
+              </a:rPr>
+              <a:t>UserAction</a:t>
+            </a:r>
+            <a:endParaRPr lang="en-US" sz="700" dirty="0" smtClean="0">
+              <a:solidFill>
+                <a:schemeClr val="tx1"/>
+              </a:solidFill>
+              <a:latin typeface="Times New Roman" pitchFamily="18" charset="0"/>
+              <a:cs typeface="Times New Roman" pitchFamily="18" charset="0"/>
+            </a:endParaRPr>
+          </a:p>
+          <a:p>
+            <a:endParaRPr lang="en-US" sz="700" dirty="0" smtClean="0">
+              <a:solidFill>
+                <a:schemeClr val="tx1"/>
+              </a:solidFill>
+              <a:latin typeface="Times New Roman" pitchFamily="18" charset="0"/>
+              <a:cs typeface="Times New Roman" pitchFamily="18" charset="0"/>
+            </a:endParaRPr>
+          </a:p>
+          <a:p>
+            <a:r>
+              <a:rPr lang="en-US" sz="700" dirty="0" err="1" smtClean="0">
+                <a:solidFill>
+                  <a:schemeClr val="tx1"/>
+                </a:solidFill>
+                <a:latin typeface="Times New Roman" pitchFamily="18" charset="0"/>
+                <a:cs typeface="Times New Roman" pitchFamily="18" charset="0"/>
+              </a:rPr>
+              <a:t>Pulic</a:t>
+            </a:r>
+            <a:r>
+              <a:rPr lang="en-US" sz="700" dirty="0" smtClean="0">
+                <a:solidFill>
+                  <a:schemeClr val="tx1"/>
+                </a:solidFill>
+                <a:latin typeface="Times New Roman" pitchFamily="18" charset="0"/>
+                <a:cs typeface="Times New Roman" pitchFamily="18" charset="0"/>
+              </a:rPr>
+              <a:t> </a:t>
+            </a:r>
+            <a:r>
+              <a:rPr lang="en-US" sz="700" dirty="0" err="1" smtClean="0">
+                <a:solidFill>
+                  <a:schemeClr val="tx1"/>
+                </a:solidFill>
+                <a:latin typeface="Times New Roman" pitchFamily="18" charset="0"/>
+                <a:cs typeface="Times New Roman" pitchFamily="18" charset="0"/>
+              </a:rPr>
+              <a:t>int</a:t>
+            </a:r>
+            <a:r>
+              <a:rPr lang="en-US" sz="700" dirty="0" smtClean="0">
+                <a:solidFill>
+                  <a:schemeClr val="tx1"/>
+                </a:solidFill>
+                <a:latin typeface="Times New Roman" pitchFamily="18" charset="0"/>
+                <a:cs typeface="Times New Roman" pitchFamily="18" charset="0"/>
+              </a:rPr>
+              <a:t> key(){}</a:t>
+            </a:r>
+            <a:endParaRPr lang="en-US" sz="700" dirty="0" smtClean="0">
+              <a:solidFill>
+                <a:schemeClr val="tx1"/>
+              </a:solidFill>
+              <a:latin typeface="Times New Roman" pitchFamily="18" charset="0"/>
+              <a:cs typeface="Times New Roman" pitchFamily="18" charset="0"/>
+            </a:endParaRPr>
+          </a:p>
+          <a:p>
+            <a:r>
+              <a:rPr lang="en-US" sz="700" dirty="0" smtClean="0">
+                <a:solidFill>
+                  <a:schemeClr val="tx1"/>
+                </a:solidFill>
+                <a:latin typeface="Times New Roman" pitchFamily="18" charset="0"/>
+                <a:cs typeface="Times New Roman" pitchFamily="18" charset="0"/>
+              </a:rPr>
+              <a:t>Public void </a:t>
+            </a:r>
+            <a:r>
+              <a:rPr lang="en-US" sz="700" dirty="0" smtClean="0">
+                <a:solidFill>
+                  <a:schemeClr val="tx1"/>
+                </a:solidFill>
+                <a:latin typeface="Times New Roman" pitchFamily="18" charset="0"/>
+                <a:cs typeface="Times New Roman" pitchFamily="18" charset="0"/>
+              </a:rPr>
+              <a:t>execute(Input </a:t>
+            </a:r>
+            <a:r>
+              <a:rPr lang="en-US" sz="700" dirty="0" err="1" smtClean="0">
+                <a:solidFill>
+                  <a:schemeClr val="tx1"/>
+                </a:solidFill>
+                <a:latin typeface="Times New Roman" pitchFamily="18" charset="0"/>
+                <a:cs typeface="Times New Roman" pitchFamily="18" charset="0"/>
+              </a:rPr>
+              <a:t>input</a:t>
+            </a:r>
+            <a:r>
+              <a:rPr lang="en-US" sz="700" dirty="0" smtClean="0">
+                <a:solidFill>
+                  <a:schemeClr val="tx1"/>
+                </a:solidFill>
+                <a:latin typeface="Times New Roman" pitchFamily="18" charset="0"/>
+                <a:cs typeface="Times New Roman" pitchFamily="18" charset="0"/>
+              </a:rPr>
+              <a:t>, Tracker </a:t>
+            </a:r>
+            <a:r>
+              <a:rPr lang="en-US" sz="700" dirty="0" err="1" smtClean="0">
+                <a:solidFill>
+                  <a:schemeClr val="tx1"/>
+                </a:solidFill>
+                <a:latin typeface="Times New Roman" pitchFamily="18" charset="0"/>
+                <a:cs typeface="Times New Roman" pitchFamily="18" charset="0"/>
+              </a:rPr>
+              <a:t>tracker</a:t>
+            </a:r>
+            <a:r>
+              <a:rPr lang="en-US" sz="700" dirty="0" smtClean="0">
+                <a:solidFill>
+                  <a:schemeClr val="tx1"/>
+                </a:solidFill>
+                <a:latin typeface="Times New Roman" pitchFamily="18" charset="0"/>
+                <a:cs typeface="Times New Roman" pitchFamily="18" charset="0"/>
+              </a:rPr>
+              <a:t>){}</a:t>
+            </a:r>
+            <a:endParaRPr lang="en-US" sz="700" dirty="0" smtClean="0">
+              <a:solidFill>
+                <a:schemeClr val="tx1"/>
+              </a:solidFill>
+              <a:latin typeface="Times New Roman" pitchFamily="18" charset="0"/>
+              <a:cs typeface="Times New Roman" pitchFamily="18" charset="0"/>
+            </a:endParaRPr>
+          </a:p>
+          <a:p>
+            <a:r>
+              <a:rPr lang="en-US" sz="700" dirty="0" smtClean="0">
+                <a:solidFill>
+                  <a:schemeClr val="tx1"/>
+                </a:solidFill>
+                <a:latin typeface="Times New Roman" pitchFamily="18" charset="0"/>
+                <a:cs typeface="Times New Roman" pitchFamily="18" charset="0"/>
+              </a:rPr>
+              <a:t>Public String </a:t>
+            </a:r>
+            <a:r>
+              <a:rPr lang="en-US" sz="700" dirty="0" smtClean="0">
+                <a:solidFill>
+                  <a:schemeClr val="tx1"/>
+                </a:solidFill>
+                <a:latin typeface="Times New Roman" pitchFamily="18" charset="0"/>
+                <a:cs typeface="Times New Roman" pitchFamily="18" charset="0"/>
+              </a:rPr>
+              <a:t>info</a:t>
+            </a:r>
+            <a:r>
+              <a:rPr lang="en-US" sz="700" dirty="0" smtClean="0">
+                <a:solidFill>
+                  <a:schemeClr val="tx1"/>
+                </a:solidFill>
+                <a:latin typeface="Times New Roman" pitchFamily="18" charset="0"/>
+                <a:cs typeface="Times New Roman" pitchFamily="18" charset="0"/>
+              </a:rPr>
+              <a:t>(){}</a:t>
+            </a:r>
+            <a:endParaRPr lang="en-US" sz="700" dirty="0" smtClean="0">
+              <a:solidFill>
+                <a:schemeClr val="tx1"/>
+              </a:solidFill>
+              <a:latin typeface="Times New Roman" pitchFamily="18" charset="0"/>
+              <a:cs typeface="Times New Roman" pitchFamily="18" charset="0"/>
+            </a:endParaRPr>
+          </a:p>
+        </p:txBody>
+      </p:sp>
+      <p:sp>
+        <p:nvSpPr>
+          <p:cNvPr id="28" name="Прямоугольник 27"/>
+          <p:cNvSpPr/>
+          <p:nvPr/>
+        </p:nvSpPr>
+        <p:spPr>
+          <a:xfrm>
+            <a:off x="4500562" y="3429000"/>
+            <a:ext cx="2214578" cy="1013540"/>
+          </a:xfrm>
+          <a:prstGeom prst="rect">
+            <a:avLst/>
+          </a:prstGeom>
+          <a:solidFill>
+            <a:schemeClr val="accent1">
+              <a:alpha val="0"/>
+            </a:schemeClr>
+          </a:solidFill>
+        </p:spPr>
+        <p:style>
+          <a:lnRef idx="2">
+            <a:schemeClr val="accent1">
+              <a:shade val="50000"/>
+            </a:schemeClr>
+          </a:lnRef>
+          <a:fillRef idx="1">
+            <a:schemeClr val="accent1"/>
+          </a:fillRef>
+          <a:effectRef idx="0">
+            <a:schemeClr val="accent1"/>
+          </a:effectRef>
+          <a:fontRef idx="minor">
+            <a:schemeClr val="lt1"/>
+          </a:fontRef>
+        </p:style>
+        <p:txBody>
+          <a:bodyPr rtlCol="0" anchor="ctr"/>
+          <a:lstStyle/>
+          <a:p>
+            <a:r>
+              <a:rPr lang="en-US" sz="700" dirty="0" smtClean="0">
+                <a:solidFill>
+                  <a:schemeClr val="tx1"/>
+                </a:solidFill>
+                <a:latin typeface="Times New Roman" pitchFamily="18" charset="0"/>
+                <a:cs typeface="Times New Roman" pitchFamily="18" charset="0"/>
+              </a:rPr>
+              <a:t>Package </a:t>
+            </a:r>
+            <a:r>
+              <a:rPr lang="en-US" sz="700" dirty="0" err="1" smtClean="0">
+                <a:solidFill>
+                  <a:schemeClr val="tx1"/>
+                </a:solidFill>
+                <a:latin typeface="Times New Roman" pitchFamily="18" charset="0"/>
+                <a:cs typeface="Times New Roman" pitchFamily="18" charset="0"/>
+              </a:rPr>
+              <a:t>ru.tsibrovskii.start</a:t>
+            </a:r>
+            <a:r>
+              <a:rPr lang="en-US" sz="700" dirty="0" smtClean="0">
+                <a:solidFill>
+                  <a:schemeClr val="tx1"/>
+                </a:solidFill>
+                <a:latin typeface="Times New Roman" pitchFamily="18" charset="0"/>
+                <a:cs typeface="Times New Roman" pitchFamily="18" charset="0"/>
+              </a:rPr>
+              <a:t>;</a:t>
+            </a:r>
+          </a:p>
+          <a:p>
+            <a:endParaRPr lang="en-US" sz="700" dirty="0" smtClean="0">
+              <a:solidFill>
+                <a:schemeClr val="tx1"/>
+              </a:solidFill>
+              <a:latin typeface="Times New Roman" pitchFamily="18" charset="0"/>
+              <a:cs typeface="Times New Roman" pitchFamily="18" charset="0"/>
+            </a:endParaRPr>
+          </a:p>
+          <a:p>
+            <a:r>
+              <a:rPr lang="en-US" sz="700" dirty="0" smtClean="0">
+                <a:solidFill>
+                  <a:schemeClr val="tx1"/>
+                </a:solidFill>
+                <a:latin typeface="Times New Roman" pitchFamily="18" charset="0"/>
+                <a:cs typeface="Times New Roman" pitchFamily="18" charset="0"/>
+              </a:rPr>
+              <a:t>Import </a:t>
+            </a:r>
+            <a:r>
+              <a:rPr lang="en-US" sz="700" dirty="0" err="1" smtClean="0">
+                <a:solidFill>
+                  <a:schemeClr val="tx1"/>
+                </a:solidFill>
+                <a:latin typeface="Times New Roman" pitchFamily="18" charset="0"/>
+                <a:cs typeface="Times New Roman" pitchFamily="18" charset="0"/>
+              </a:rPr>
+              <a:t>ru.tsibrovskii.models</a:t>
+            </a:r>
+            <a:r>
+              <a:rPr lang="en-US" sz="700" dirty="0" smtClean="0">
+                <a:solidFill>
+                  <a:schemeClr val="tx1"/>
+                </a:solidFill>
+                <a:latin typeface="Times New Roman" pitchFamily="18" charset="0"/>
+                <a:cs typeface="Times New Roman" pitchFamily="18" charset="0"/>
+              </a:rPr>
+              <a:t>.*;</a:t>
+            </a:r>
+          </a:p>
+          <a:p>
+            <a:endParaRPr lang="en-US" sz="700" dirty="0" smtClean="0">
+              <a:solidFill>
+                <a:schemeClr val="tx1"/>
+              </a:solidFill>
+              <a:latin typeface="Times New Roman" pitchFamily="18" charset="0"/>
+              <a:cs typeface="Times New Roman" pitchFamily="18" charset="0"/>
+            </a:endParaRPr>
+          </a:p>
+          <a:p>
+            <a:r>
+              <a:rPr lang="en-US" sz="700" dirty="0" smtClean="0">
+                <a:solidFill>
+                  <a:schemeClr val="tx1"/>
+                </a:solidFill>
+                <a:latin typeface="Times New Roman" pitchFamily="18" charset="0"/>
+                <a:cs typeface="Times New Roman" pitchFamily="18" charset="0"/>
+              </a:rPr>
+              <a:t>Private static class </a:t>
+            </a:r>
+            <a:r>
+              <a:rPr lang="en-US" sz="700" dirty="0" err="1" smtClean="0">
+                <a:solidFill>
+                  <a:schemeClr val="tx1"/>
+                </a:solidFill>
+                <a:latin typeface="Times New Roman" pitchFamily="18" charset="0"/>
+                <a:cs typeface="Times New Roman" pitchFamily="18" charset="0"/>
+              </a:rPr>
+              <a:t>ShowItems</a:t>
+            </a:r>
+            <a:r>
+              <a:rPr lang="en-US" sz="700" dirty="0" smtClean="0">
+                <a:solidFill>
+                  <a:schemeClr val="tx1"/>
+                </a:solidFill>
+                <a:latin typeface="Times New Roman" pitchFamily="18" charset="0"/>
+                <a:cs typeface="Times New Roman" pitchFamily="18" charset="0"/>
+              </a:rPr>
+              <a:t> implement </a:t>
+            </a:r>
+            <a:r>
+              <a:rPr lang="en-US" sz="700" dirty="0" err="1" smtClean="0">
+                <a:solidFill>
+                  <a:schemeClr val="tx1"/>
+                </a:solidFill>
+                <a:latin typeface="Times New Roman" pitchFamily="18" charset="0"/>
+                <a:cs typeface="Times New Roman" pitchFamily="18" charset="0"/>
+              </a:rPr>
+              <a:t>UserAction</a:t>
+            </a:r>
+            <a:endParaRPr lang="en-US" sz="700" dirty="0" smtClean="0">
+              <a:solidFill>
+                <a:schemeClr val="tx1"/>
+              </a:solidFill>
+              <a:latin typeface="Times New Roman" pitchFamily="18" charset="0"/>
+              <a:cs typeface="Times New Roman" pitchFamily="18" charset="0"/>
+            </a:endParaRPr>
+          </a:p>
+          <a:p>
+            <a:endParaRPr lang="en-US" sz="700" dirty="0" smtClean="0">
+              <a:solidFill>
+                <a:schemeClr val="tx1"/>
+              </a:solidFill>
+              <a:latin typeface="Times New Roman" pitchFamily="18" charset="0"/>
+              <a:cs typeface="Times New Roman" pitchFamily="18" charset="0"/>
+            </a:endParaRPr>
+          </a:p>
+          <a:p>
+            <a:r>
+              <a:rPr lang="en-US" sz="700" dirty="0" err="1" smtClean="0">
+                <a:solidFill>
+                  <a:schemeClr val="tx1"/>
+                </a:solidFill>
+                <a:latin typeface="Times New Roman" pitchFamily="18" charset="0"/>
+                <a:cs typeface="Times New Roman" pitchFamily="18" charset="0"/>
+              </a:rPr>
+              <a:t>Pulic</a:t>
+            </a:r>
+            <a:r>
+              <a:rPr lang="en-US" sz="700" dirty="0" smtClean="0">
+                <a:solidFill>
+                  <a:schemeClr val="tx1"/>
+                </a:solidFill>
+                <a:latin typeface="Times New Roman" pitchFamily="18" charset="0"/>
+                <a:cs typeface="Times New Roman" pitchFamily="18" charset="0"/>
+              </a:rPr>
+              <a:t> </a:t>
+            </a:r>
+            <a:r>
+              <a:rPr lang="en-US" sz="700" dirty="0" err="1" smtClean="0">
+                <a:solidFill>
+                  <a:schemeClr val="tx1"/>
+                </a:solidFill>
+                <a:latin typeface="Times New Roman" pitchFamily="18" charset="0"/>
+                <a:cs typeface="Times New Roman" pitchFamily="18" charset="0"/>
+              </a:rPr>
+              <a:t>int</a:t>
+            </a:r>
+            <a:r>
+              <a:rPr lang="en-US" sz="700" dirty="0" smtClean="0">
+                <a:solidFill>
+                  <a:schemeClr val="tx1"/>
+                </a:solidFill>
+                <a:latin typeface="Times New Roman" pitchFamily="18" charset="0"/>
+                <a:cs typeface="Times New Roman" pitchFamily="18" charset="0"/>
+              </a:rPr>
+              <a:t> key(){}</a:t>
+            </a:r>
+            <a:endParaRPr lang="en-US" sz="700" dirty="0" smtClean="0">
+              <a:solidFill>
+                <a:schemeClr val="tx1"/>
+              </a:solidFill>
+              <a:latin typeface="Times New Roman" pitchFamily="18" charset="0"/>
+              <a:cs typeface="Times New Roman" pitchFamily="18" charset="0"/>
+            </a:endParaRPr>
+          </a:p>
+          <a:p>
+            <a:r>
+              <a:rPr lang="en-US" sz="700" dirty="0" smtClean="0">
+                <a:solidFill>
+                  <a:schemeClr val="tx1"/>
+                </a:solidFill>
+                <a:latin typeface="Times New Roman" pitchFamily="18" charset="0"/>
+                <a:cs typeface="Times New Roman" pitchFamily="18" charset="0"/>
+              </a:rPr>
+              <a:t>Public void </a:t>
+            </a:r>
+            <a:r>
+              <a:rPr lang="en-US" sz="700" dirty="0" smtClean="0">
+                <a:solidFill>
+                  <a:schemeClr val="tx1"/>
+                </a:solidFill>
+                <a:latin typeface="Times New Roman" pitchFamily="18" charset="0"/>
+                <a:cs typeface="Times New Roman" pitchFamily="18" charset="0"/>
+              </a:rPr>
+              <a:t>execute(Input </a:t>
+            </a:r>
+            <a:r>
+              <a:rPr lang="en-US" sz="700" dirty="0" err="1" smtClean="0">
+                <a:solidFill>
+                  <a:schemeClr val="tx1"/>
+                </a:solidFill>
+                <a:latin typeface="Times New Roman" pitchFamily="18" charset="0"/>
+                <a:cs typeface="Times New Roman" pitchFamily="18" charset="0"/>
+              </a:rPr>
+              <a:t>input</a:t>
+            </a:r>
+            <a:r>
+              <a:rPr lang="en-US" sz="700" dirty="0" smtClean="0">
+                <a:solidFill>
+                  <a:schemeClr val="tx1"/>
+                </a:solidFill>
+                <a:latin typeface="Times New Roman" pitchFamily="18" charset="0"/>
+                <a:cs typeface="Times New Roman" pitchFamily="18" charset="0"/>
+              </a:rPr>
+              <a:t>, Tracker </a:t>
+            </a:r>
+            <a:r>
+              <a:rPr lang="en-US" sz="700" dirty="0" err="1" smtClean="0">
+                <a:solidFill>
+                  <a:schemeClr val="tx1"/>
+                </a:solidFill>
+                <a:latin typeface="Times New Roman" pitchFamily="18" charset="0"/>
+                <a:cs typeface="Times New Roman" pitchFamily="18" charset="0"/>
+              </a:rPr>
+              <a:t>tracker</a:t>
+            </a:r>
+            <a:r>
+              <a:rPr lang="en-US" sz="700" dirty="0" smtClean="0">
+                <a:solidFill>
+                  <a:schemeClr val="tx1"/>
+                </a:solidFill>
+                <a:latin typeface="Times New Roman" pitchFamily="18" charset="0"/>
+                <a:cs typeface="Times New Roman" pitchFamily="18" charset="0"/>
+              </a:rPr>
+              <a:t>){}</a:t>
+            </a:r>
+            <a:endParaRPr lang="en-US" sz="700" dirty="0" smtClean="0">
+              <a:solidFill>
+                <a:schemeClr val="tx1"/>
+              </a:solidFill>
+              <a:latin typeface="Times New Roman" pitchFamily="18" charset="0"/>
+              <a:cs typeface="Times New Roman" pitchFamily="18" charset="0"/>
+            </a:endParaRPr>
+          </a:p>
+          <a:p>
+            <a:r>
+              <a:rPr lang="en-US" sz="700" dirty="0" smtClean="0">
+                <a:solidFill>
+                  <a:schemeClr val="tx1"/>
+                </a:solidFill>
+                <a:latin typeface="Times New Roman" pitchFamily="18" charset="0"/>
+                <a:cs typeface="Times New Roman" pitchFamily="18" charset="0"/>
+              </a:rPr>
+              <a:t>Public String </a:t>
+            </a:r>
+            <a:r>
+              <a:rPr lang="en-US" sz="700" dirty="0" smtClean="0">
+                <a:solidFill>
+                  <a:schemeClr val="tx1"/>
+                </a:solidFill>
+                <a:latin typeface="Times New Roman" pitchFamily="18" charset="0"/>
+                <a:cs typeface="Times New Roman" pitchFamily="18" charset="0"/>
+              </a:rPr>
+              <a:t>info</a:t>
+            </a:r>
+            <a:r>
+              <a:rPr lang="en-US" sz="700" dirty="0" smtClean="0">
+                <a:solidFill>
+                  <a:schemeClr val="tx1"/>
+                </a:solidFill>
+                <a:latin typeface="Times New Roman" pitchFamily="18" charset="0"/>
+                <a:cs typeface="Times New Roman" pitchFamily="18" charset="0"/>
+              </a:rPr>
+              <a:t>(){}</a:t>
+            </a:r>
+            <a:endParaRPr lang="en-US" sz="700" dirty="0" smtClean="0">
+              <a:solidFill>
+                <a:schemeClr val="tx1"/>
+              </a:solidFill>
+              <a:latin typeface="Times New Roman" pitchFamily="18" charset="0"/>
+              <a:cs typeface="Times New Roman" pitchFamily="18" charset="0"/>
+            </a:endParaRPr>
+          </a:p>
+        </p:txBody>
+      </p:sp>
+      <p:sp>
+        <p:nvSpPr>
+          <p:cNvPr id="30" name="Прямоугольник 29"/>
+          <p:cNvSpPr/>
+          <p:nvPr/>
+        </p:nvSpPr>
+        <p:spPr>
+          <a:xfrm>
+            <a:off x="4429124" y="4500570"/>
+            <a:ext cx="2286016" cy="1142984"/>
+          </a:xfrm>
+          <a:prstGeom prst="rect">
+            <a:avLst/>
+          </a:prstGeom>
+          <a:solidFill>
+            <a:schemeClr val="accent1">
+              <a:alpha val="0"/>
+            </a:schemeClr>
+          </a:solidFill>
+        </p:spPr>
+        <p:style>
+          <a:lnRef idx="2">
+            <a:schemeClr val="accent1">
+              <a:shade val="50000"/>
+            </a:schemeClr>
+          </a:lnRef>
+          <a:fillRef idx="1">
+            <a:schemeClr val="accent1"/>
+          </a:fillRef>
+          <a:effectRef idx="0">
+            <a:schemeClr val="accent1"/>
+          </a:effectRef>
+          <a:fontRef idx="minor">
+            <a:schemeClr val="lt1"/>
+          </a:fontRef>
+        </p:style>
+        <p:txBody>
+          <a:bodyPr rtlCol="0" anchor="ctr"/>
+          <a:lstStyle/>
+          <a:p>
+            <a:r>
+              <a:rPr lang="en-US" sz="700" dirty="0" smtClean="0">
+                <a:solidFill>
+                  <a:schemeClr val="tx1"/>
+                </a:solidFill>
+                <a:latin typeface="Times New Roman" pitchFamily="18" charset="0"/>
+                <a:cs typeface="Times New Roman" pitchFamily="18" charset="0"/>
+              </a:rPr>
+              <a:t>Package </a:t>
+            </a:r>
+            <a:r>
+              <a:rPr lang="en-US" sz="700" dirty="0" err="1" smtClean="0">
+                <a:solidFill>
+                  <a:schemeClr val="tx1"/>
+                </a:solidFill>
+                <a:latin typeface="Times New Roman" pitchFamily="18" charset="0"/>
+                <a:cs typeface="Times New Roman" pitchFamily="18" charset="0"/>
+              </a:rPr>
+              <a:t>ru.tsibrovskii.start</a:t>
+            </a:r>
+            <a:r>
+              <a:rPr lang="en-US" sz="700" dirty="0" smtClean="0">
+                <a:solidFill>
+                  <a:schemeClr val="tx1"/>
+                </a:solidFill>
+                <a:latin typeface="Times New Roman" pitchFamily="18" charset="0"/>
+                <a:cs typeface="Times New Roman" pitchFamily="18" charset="0"/>
+              </a:rPr>
+              <a:t>;</a:t>
+            </a:r>
+          </a:p>
+          <a:p>
+            <a:endParaRPr lang="en-US" sz="700" dirty="0" smtClean="0">
+              <a:solidFill>
+                <a:schemeClr val="tx1"/>
+              </a:solidFill>
+              <a:latin typeface="Times New Roman" pitchFamily="18" charset="0"/>
+              <a:cs typeface="Times New Roman" pitchFamily="18" charset="0"/>
+            </a:endParaRPr>
+          </a:p>
+          <a:p>
+            <a:r>
+              <a:rPr lang="en-US" sz="700" dirty="0" smtClean="0">
+                <a:solidFill>
+                  <a:schemeClr val="tx1"/>
+                </a:solidFill>
+                <a:latin typeface="Times New Roman" pitchFamily="18" charset="0"/>
+                <a:cs typeface="Times New Roman" pitchFamily="18" charset="0"/>
+              </a:rPr>
+              <a:t>Import </a:t>
+            </a:r>
+            <a:r>
+              <a:rPr lang="en-US" sz="700" dirty="0" err="1" smtClean="0">
+                <a:solidFill>
+                  <a:schemeClr val="tx1"/>
+                </a:solidFill>
+                <a:latin typeface="Times New Roman" pitchFamily="18" charset="0"/>
+                <a:cs typeface="Times New Roman" pitchFamily="18" charset="0"/>
+              </a:rPr>
+              <a:t>ru.tsibrovskii.models</a:t>
+            </a:r>
+            <a:r>
+              <a:rPr lang="en-US" sz="700" dirty="0" smtClean="0">
+                <a:solidFill>
+                  <a:schemeClr val="tx1"/>
+                </a:solidFill>
+                <a:latin typeface="Times New Roman" pitchFamily="18" charset="0"/>
+                <a:cs typeface="Times New Roman" pitchFamily="18" charset="0"/>
+              </a:rPr>
+              <a:t>.*;</a:t>
+            </a:r>
+          </a:p>
+          <a:p>
+            <a:endParaRPr lang="en-US" sz="700" dirty="0" smtClean="0">
+              <a:solidFill>
+                <a:schemeClr val="tx1"/>
+              </a:solidFill>
+              <a:latin typeface="Times New Roman" pitchFamily="18" charset="0"/>
+              <a:cs typeface="Times New Roman" pitchFamily="18" charset="0"/>
+            </a:endParaRPr>
+          </a:p>
+          <a:p>
+            <a:r>
+              <a:rPr lang="en-US" sz="700" dirty="0" smtClean="0">
+                <a:solidFill>
+                  <a:schemeClr val="tx1"/>
+                </a:solidFill>
+                <a:latin typeface="Times New Roman" pitchFamily="18" charset="0"/>
+                <a:cs typeface="Times New Roman" pitchFamily="18" charset="0"/>
+              </a:rPr>
+              <a:t>Private class </a:t>
+            </a:r>
+            <a:r>
+              <a:rPr lang="en-US" sz="700" dirty="0" err="1" smtClean="0">
+                <a:solidFill>
+                  <a:schemeClr val="tx1"/>
+                </a:solidFill>
+                <a:latin typeface="Times New Roman" pitchFamily="18" charset="0"/>
+                <a:cs typeface="Times New Roman" pitchFamily="18" charset="0"/>
+              </a:rPr>
+              <a:t>ShowWithFilterItem</a:t>
+            </a:r>
+            <a:r>
+              <a:rPr lang="en-US" sz="700" dirty="0" smtClean="0">
+                <a:solidFill>
+                  <a:schemeClr val="tx1"/>
+                </a:solidFill>
+                <a:latin typeface="Times New Roman" pitchFamily="18" charset="0"/>
+                <a:cs typeface="Times New Roman" pitchFamily="18" charset="0"/>
+              </a:rPr>
+              <a:t> implement </a:t>
+            </a:r>
+            <a:r>
+              <a:rPr lang="en-US" sz="700" dirty="0" err="1" smtClean="0">
+                <a:solidFill>
+                  <a:schemeClr val="tx1"/>
+                </a:solidFill>
+                <a:latin typeface="Times New Roman" pitchFamily="18" charset="0"/>
+                <a:cs typeface="Times New Roman" pitchFamily="18" charset="0"/>
+              </a:rPr>
+              <a:t>UserAction</a:t>
+            </a:r>
+            <a:endParaRPr lang="en-US" sz="700" dirty="0" smtClean="0">
+              <a:solidFill>
+                <a:schemeClr val="tx1"/>
+              </a:solidFill>
+              <a:latin typeface="Times New Roman" pitchFamily="18" charset="0"/>
+              <a:cs typeface="Times New Roman" pitchFamily="18" charset="0"/>
+            </a:endParaRPr>
+          </a:p>
+          <a:p>
+            <a:endParaRPr lang="en-US" sz="700" dirty="0" smtClean="0">
+              <a:solidFill>
+                <a:schemeClr val="tx1"/>
+              </a:solidFill>
+              <a:latin typeface="Times New Roman" pitchFamily="18" charset="0"/>
+              <a:cs typeface="Times New Roman" pitchFamily="18" charset="0"/>
+            </a:endParaRPr>
+          </a:p>
+          <a:p>
+            <a:r>
+              <a:rPr lang="en-US" sz="700" dirty="0" err="1" smtClean="0">
+                <a:solidFill>
+                  <a:schemeClr val="tx1"/>
+                </a:solidFill>
+                <a:latin typeface="Times New Roman" pitchFamily="18" charset="0"/>
+                <a:cs typeface="Times New Roman" pitchFamily="18" charset="0"/>
+              </a:rPr>
+              <a:t>Pulic</a:t>
+            </a:r>
+            <a:r>
+              <a:rPr lang="en-US" sz="700" dirty="0" smtClean="0">
+                <a:solidFill>
+                  <a:schemeClr val="tx1"/>
+                </a:solidFill>
+                <a:latin typeface="Times New Roman" pitchFamily="18" charset="0"/>
+                <a:cs typeface="Times New Roman" pitchFamily="18" charset="0"/>
+              </a:rPr>
+              <a:t> </a:t>
+            </a:r>
+            <a:r>
+              <a:rPr lang="en-US" sz="700" dirty="0" err="1" smtClean="0">
+                <a:solidFill>
+                  <a:schemeClr val="tx1"/>
+                </a:solidFill>
+                <a:latin typeface="Times New Roman" pitchFamily="18" charset="0"/>
+                <a:cs typeface="Times New Roman" pitchFamily="18" charset="0"/>
+              </a:rPr>
+              <a:t>int</a:t>
+            </a:r>
+            <a:r>
+              <a:rPr lang="en-US" sz="700" dirty="0" smtClean="0">
+                <a:solidFill>
+                  <a:schemeClr val="tx1"/>
+                </a:solidFill>
+                <a:latin typeface="Times New Roman" pitchFamily="18" charset="0"/>
+                <a:cs typeface="Times New Roman" pitchFamily="18" charset="0"/>
+              </a:rPr>
+              <a:t> key(){}</a:t>
+            </a:r>
+            <a:endParaRPr lang="en-US" sz="700" dirty="0" smtClean="0">
+              <a:solidFill>
+                <a:schemeClr val="tx1"/>
+              </a:solidFill>
+              <a:latin typeface="Times New Roman" pitchFamily="18" charset="0"/>
+              <a:cs typeface="Times New Roman" pitchFamily="18" charset="0"/>
+            </a:endParaRPr>
+          </a:p>
+          <a:p>
+            <a:r>
+              <a:rPr lang="en-US" sz="700" dirty="0" smtClean="0">
+                <a:solidFill>
+                  <a:schemeClr val="tx1"/>
+                </a:solidFill>
+                <a:latin typeface="Times New Roman" pitchFamily="18" charset="0"/>
+                <a:cs typeface="Times New Roman" pitchFamily="18" charset="0"/>
+              </a:rPr>
+              <a:t>Public void </a:t>
+            </a:r>
+            <a:r>
+              <a:rPr lang="en-US" sz="700" dirty="0" smtClean="0">
+                <a:solidFill>
+                  <a:schemeClr val="tx1"/>
+                </a:solidFill>
+                <a:latin typeface="Times New Roman" pitchFamily="18" charset="0"/>
+                <a:cs typeface="Times New Roman" pitchFamily="18" charset="0"/>
+              </a:rPr>
+              <a:t>execute(Input </a:t>
+            </a:r>
+            <a:r>
+              <a:rPr lang="en-US" sz="700" dirty="0" err="1" smtClean="0">
+                <a:solidFill>
+                  <a:schemeClr val="tx1"/>
+                </a:solidFill>
+                <a:latin typeface="Times New Roman" pitchFamily="18" charset="0"/>
+                <a:cs typeface="Times New Roman" pitchFamily="18" charset="0"/>
+              </a:rPr>
+              <a:t>input</a:t>
+            </a:r>
+            <a:r>
+              <a:rPr lang="en-US" sz="700" dirty="0" smtClean="0">
+                <a:solidFill>
+                  <a:schemeClr val="tx1"/>
+                </a:solidFill>
+                <a:latin typeface="Times New Roman" pitchFamily="18" charset="0"/>
+                <a:cs typeface="Times New Roman" pitchFamily="18" charset="0"/>
+              </a:rPr>
+              <a:t>, Tracker </a:t>
+            </a:r>
+            <a:r>
+              <a:rPr lang="en-US" sz="700" dirty="0" err="1" smtClean="0">
+                <a:solidFill>
+                  <a:schemeClr val="tx1"/>
+                </a:solidFill>
+                <a:latin typeface="Times New Roman" pitchFamily="18" charset="0"/>
+                <a:cs typeface="Times New Roman" pitchFamily="18" charset="0"/>
+              </a:rPr>
+              <a:t>tracker</a:t>
+            </a:r>
+            <a:r>
+              <a:rPr lang="en-US" sz="700" dirty="0" smtClean="0">
+                <a:solidFill>
+                  <a:schemeClr val="tx1"/>
+                </a:solidFill>
+                <a:latin typeface="Times New Roman" pitchFamily="18" charset="0"/>
+                <a:cs typeface="Times New Roman" pitchFamily="18" charset="0"/>
+              </a:rPr>
+              <a:t>){}</a:t>
+            </a:r>
+            <a:endParaRPr lang="en-US" sz="700" dirty="0" smtClean="0">
+              <a:solidFill>
+                <a:schemeClr val="tx1"/>
+              </a:solidFill>
+              <a:latin typeface="Times New Roman" pitchFamily="18" charset="0"/>
+              <a:cs typeface="Times New Roman" pitchFamily="18" charset="0"/>
+            </a:endParaRPr>
+          </a:p>
+          <a:p>
+            <a:r>
+              <a:rPr lang="en-US" sz="700" dirty="0" smtClean="0">
+                <a:solidFill>
+                  <a:schemeClr val="tx1"/>
+                </a:solidFill>
+                <a:latin typeface="Times New Roman" pitchFamily="18" charset="0"/>
+                <a:cs typeface="Times New Roman" pitchFamily="18" charset="0"/>
+              </a:rPr>
+              <a:t>Public String </a:t>
+            </a:r>
+            <a:r>
+              <a:rPr lang="en-US" sz="700" dirty="0" smtClean="0">
+                <a:solidFill>
+                  <a:schemeClr val="tx1"/>
+                </a:solidFill>
+                <a:latin typeface="Times New Roman" pitchFamily="18" charset="0"/>
+                <a:cs typeface="Times New Roman" pitchFamily="18" charset="0"/>
+              </a:rPr>
+              <a:t>info</a:t>
+            </a:r>
+            <a:r>
+              <a:rPr lang="en-US" sz="700" dirty="0" smtClean="0">
+                <a:solidFill>
+                  <a:schemeClr val="tx1"/>
+                </a:solidFill>
+                <a:latin typeface="Times New Roman" pitchFamily="18" charset="0"/>
+                <a:cs typeface="Times New Roman" pitchFamily="18" charset="0"/>
+              </a:rPr>
+              <a:t>(){}</a:t>
+            </a:r>
+            <a:endParaRPr lang="en-US" sz="700" dirty="0" smtClean="0">
+              <a:solidFill>
+                <a:schemeClr val="tx1"/>
+              </a:solidFill>
+              <a:latin typeface="Times New Roman" pitchFamily="18" charset="0"/>
+              <a:cs typeface="Times New Roman" pitchFamily="18" charset="0"/>
+            </a:endParaRPr>
+          </a:p>
+        </p:txBody>
+      </p:sp>
+      <p:sp>
+        <p:nvSpPr>
+          <p:cNvPr id="31" name="Прямоугольник 30"/>
+          <p:cNvSpPr/>
+          <p:nvPr/>
+        </p:nvSpPr>
+        <p:spPr>
+          <a:xfrm>
+            <a:off x="0" y="4786322"/>
+            <a:ext cx="2214546" cy="2071678"/>
+          </a:xfrm>
+          <a:prstGeom prst="rect">
+            <a:avLst/>
+          </a:prstGeom>
+          <a:solidFill>
+            <a:schemeClr val="accent1">
+              <a:alpha val="0"/>
+            </a:schemeClr>
+          </a:solidFill>
+        </p:spPr>
+        <p:style>
+          <a:lnRef idx="2">
+            <a:schemeClr val="accent1">
+              <a:shade val="50000"/>
+            </a:schemeClr>
+          </a:lnRef>
+          <a:fillRef idx="1">
+            <a:schemeClr val="accent1"/>
+          </a:fillRef>
+          <a:effectRef idx="0">
+            <a:schemeClr val="accent1"/>
+          </a:effectRef>
+          <a:fontRef idx="minor">
+            <a:schemeClr val="lt1"/>
+          </a:fontRef>
+        </p:style>
+        <p:txBody>
+          <a:bodyPr rtlCol="0" anchor="ctr"/>
+          <a:lstStyle/>
+          <a:p>
+            <a:endParaRPr lang="en-US" sz="700" dirty="0" smtClean="0">
+              <a:solidFill>
+                <a:schemeClr val="tx1"/>
+              </a:solidFill>
+              <a:latin typeface="Times New Roman" pitchFamily="18" charset="0"/>
+              <a:cs typeface="Times New Roman" pitchFamily="18" charset="0"/>
+            </a:endParaRPr>
+          </a:p>
+          <a:p>
+            <a:r>
+              <a:rPr lang="en-US" sz="700" dirty="0" smtClean="0">
+                <a:solidFill>
+                  <a:schemeClr val="tx1"/>
+                </a:solidFill>
+                <a:latin typeface="Times New Roman" pitchFamily="18" charset="0"/>
+                <a:cs typeface="Times New Roman" pitchFamily="18" charset="0"/>
+              </a:rPr>
+              <a:t>Package </a:t>
+            </a:r>
+            <a:r>
+              <a:rPr lang="en-US" sz="700" dirty="0" err="1" smtClean="0">
+                <a:solidFill>
+                  <a:schemeClr val="tx1"/>
+                </a:solidFill>
+                <a:latin typeface="Times New Roman" pitchFamily="18" charset="0"/>
+                <a:cs typeface="Times New Roman" pitchFamily="18" charset="0"/>
+              </a:rPr>
+              <a:t>ru.tsibrovskii.start</a:t>
+            </a:r>
+            <a:r>
+              <a:rPr lang="en-US" sz="700" dirty="0" smtClean="0">
+                <a:solidFill>
+                  <a:schemeClr val="tx1"/>
+                </a:solidFill>
+                <a:latin typeface="Times New Roman" pitchFamily="18" charset="0"/>
+                <a:cs typeface="Times New Roman" pitchFamily="18" charset="0"/>
+              </a:rPr>
+              <a:t>;</a:t>
+            </a:r>
+          </a:p>
+          <a:p>
+            <a:endParaRPr lang="en-US" sz="700" dirty="0" smtClean="0">
+              <a:solidFill>
+                <a:schemeClr val="tx1"/>
+              </a:solidFill>
+              <a:latin typeface="Times New Roman" pitchFamily="18" charset="0"/>
+              <a:cs typeface="Times New Roman" pitchFamily="18" charset="0"/>
+            </a:endParaRPr>
+          </a:p>
+          <a:p>
+            <a:r>
+              <a:rPr lang="en-US" sz="700" dirty="0" smtClean="0">
+                <a:solidFill>
+                  <a:schemeClr val="tx1"/>
+                </a:solidFill>
+                <a:latin typeface="Times New Roman" pitchFamily="18" charset="0"/>
+                <a:cs typeface="Times New Roman" pitchFamily="18" charset="0"/>
+              </a:rPr>
+              <a:t>Import </a:t>
+            </a:r>
+            <a:r>
+              <a:rPr lang="en-US" sz="700" dirty="0" err="1" smtClean="0">
+                <a:solidFill>
+                  <a:schemeClr val="tx1"/>
+                </a:solidFill>
+                <a:latin typeface="Times New Roman" pitchFamily="18" charset="0"/>
+                <a:cs typeface="Times New Roman" pitchFamily="18" charset="0"/>
+              </a:rPr>
+              <a:t>ru.tsibrovskii.models</a:t>
+            </a:r>
+            <a:r>
+              <a:rPr lang="en-US" sz="700" dirty="0" smtClean="0">
+                <a:solidFill>
+                  <a:schemeClr val="tx1"/>
+                </a:solidFill>
+                <a:latin typeface="Times New Roman" pitchFamily="18" charset="0"/>
+                <a:cs typeface="Times New Roman" pitchFamily="18" charset="0"/>
+              </a:rPr>
+              <a:t>.*;</a:t>
+            </a:r>
+          </a:p>
+          <a:p>
+            <a:endParaRPr lang="en-US" sz="700" dirty="0" smtClean="0">
+              <a:solidFill>
+                <a:schemeClr val="tx1"/>
+              </a:solidFill>
+              <a:latin typeface="Times New Roman" pitchFamily="18" charset="0"/>
+              <a:cs typeface="Times New Roman" pitchFamily="18" charset="0"/>
+            </a:endParaRPr>
+          </a:p>
+          <a:p>
+            <a:r>
+              <a:rPr lang="en-US" sz="700" dirty="0" smtClean="0">
+                <a:solidFill>
+                  <a:schemeClr val="tx1"/>
+                </a:solidFill>
+                <a:latin typeface="Times New Roman" pitchFamily="18" charset="0"/>
+                <a:cs typeface="Times New Roman" pitchFamily="18" charset="0"/>
+              </a:rPr>
+              <a:t>Public class </a:t>
+            </a:r>
+            <a:r>
+              <a:rPr lang="en-US" sz="700" dirty="0" err="1" smtClean="0">
+                <a:solidFill>
+                  <a:schemeClr val="tx1"/>
+                </a:solidFill>
+                <a:latin typeface="Times New Roman" pitchFamily="18" charset="0"/>
+                <a:cs typeface="Times New Roman" pitchFamily="18" charset="0"/>
+              </a:rPr>
+              <a:t>MenuTracker</a:t>
+            </a:r>
+            <a:endParaRPr lang="en-US" sz="700" dirty="0" smtClean="0">
+              <a:solidFill>
+                <a:schemeClr val="tx1"/>
+              </a:solidFill>
+              <a:latin typeface="Times New Roman" pitchFamily="18" charset="0"/>
+              <a:cs typeface="Times New Roman" pitchFamily="18" charset="0"/>
+            </a:endParaRPr>
+          </a:p>
+          <a:p>
+            <a:endParaRPr lang="en-US" sz="700" dirty="0" smtClean="0">
+              <a:solidFill>
+                <a:schemeClr val="tx1"/>
+              </a:solidFill>
+              <a:latin typeface="Times New Roman" pitchFamily="18" charset="0"/>
+              <a:cs typeface="Times New Roman" pitchFamily="18" charset="0"/>
+            </a:endParaRPr>
+          </a:p>
+          <a:p>
+            <a:r>
+              <a:rPr lang="en-US" sz="700" dirty="0" smtClean="0">
+                <a:solidFill>
+                  <a:schemeClr val="tx1"/>
+                </a:solidFill>
+                <a:latin typeface="Times New Roman" pitchFamily="18" charset="0"/>
+                <a:cs typeface="Times New Roman" pitchFamily="18" charset="0"/>
+              </a:rPr>
+              <a:t>Private Input </a:t>
+            </a:r>
+            <a:r>
+              <a:rPr lang="en-US" sz="700" dirty="0" err="1" smtClean="0">
+                <a:solidFill>
+                  <a:schemeClr val="tx1"/>
+                </a:solidFill>
+                <a:latin typeface="Times New Roman" pitchFamily="18" charset="0"/>
+                <a:cs typeface="Times New Roman" pitchFamily="18" charset="0"/>
+              </a:rPr>
+              <a:t>input</a:t>
+            </a:r>
+            <a:r>
+              <a:rPr lang="en-US" sz="700" dirty="0" smtClean="0">
+                <a:solidFill>
+                  <a:schemeClr val="tx1"/>
+                </a:solidFill>
+                <a:latin typeface="Times New Roman" pitchFamily="18" charset="0"/>
+                <a:cs typeface="Times New Roman" pitchFamily="18" charset="0"/>
+              </a:rPr>
+              <a:t>;</a:t>
+            </a:r>
+          </a:p>
+          <a:p>
+            <a:r>
+              <a:rPr lang="en-US" sz="700" dirty="0" smtClean="0">
+                <a:solidFill>
+                  <a:schemeClr val="tx1"/>
+                </a:solidFill>
+                <a:latin typeface="Times New Roman" pitchFamily="18" charset="0"/>
+                <a:cs typeface="Times New Roman" pitchFamily="18" charset="0"/>
+              </a:rPr>
+              <a:t>Private Tracker </a:t>
+            </a:r>
+            <a:r>
+              <a:rPr lang="en-US" sz="700" dirty="0" err="1" smtClean="0">
+                <a:solidFill>
+                  <a:schemeClr val="tx1"/>
+                </a:solidFill>
+                <a:latin typeface="Times New Roman" pitchFamily="18" charset="0"/>
+                <a:cs typeface="Times New Roman" pitchFamily="18" charset="0"/>
+              </a:rPr>
+              <a:t>tracker</a:t>
+            </a:r>
+            <a:r>
+              <a:rPr lang="en-US" sz="700" dirty="0" smtClean="0">
+                <a:solidFill>
+                  <a:schemeClr val="tx1"/>
+                </a:solidFill>
+                <a:latin typeface="Times New Roman" pitchFamily="18" charset="0"/>
+                <a:cs typeface="Times New Roman" pitchFamily="18" charset="0"/>
+              </a:rPr>
+              <a:t>;</a:t>
+            </a:r>
+          </a:p>
+          <a:p>
+            <a:r>
+              <a:rPr lang="en-US" sz="700" dirty="0" smtClean="0">
+                <a:solidFill>
+                  <a:schemeClr val="tx1"/>
+                </a:solidFill>
+                <a:latin typeface="Times New Roman" pitchFamily="18" charset="0"/>
+                <a:cs typeface="Times New Roman" pitchFamily="18" charset="0"/>
+              </a:rPr>
+              <a:t>Private </a:t>
+            </a:r>
+            <a:r>
+              <a:rPr lang="en-US" sz="700" dirty="0" err="1" smtClean="0">
+                <a:solidFill>
+                  <a:schemeClr val="tx1"/>
+                </a:solidFill>
+                <a:latin typeface="Times New Roman" pitchFamily="18" charset="0"/>
+                <a:cs typeface="Times New Roman" pitchFamily="18" charset="0"/>
+              </a:rPr>
+              <a:t>UserAction</a:t>
+            </a:r>
+            <a:r>
+              <a:rPr lang="en-US" sz="700" dirty="0" smtClean="0">
+                <a:solidFill>
+                  <a:schemeClr val="tx1"/>
+                </a:solidFill>
+                <a:latin typeface="Times New Roman" pitchFamily="18" charset="0"/>
+                <a:cs typeface="Times New Roman" pitchFamily="18" charset="0"/>
+              </a:rPr>
+              <a:t>[] actions = new </a:t>
+            </a:r>
+            <a:r>
+              <a:rPr lang="en-US" sz="700" dirty="0" err="1" smtClean="0">
+                <a:solidFill>
+                  <a:schemeClr val="tx1"/>
+                </a:solidFill>
+                <a:latin typeface="Times New Roman" pitchFamily="18" charset="0"/>
+                <a:cs typeface="Times New Roman" pitchFamily="18" charset="0"/>
+              </a:rPr>
+              <a:t>UserAction</a:t>
+            </a:r>
+            <a:r>
+              <a:rPr lang="en-US" sz="700" dirty="0" smtClean="0">
+                <a:solidFill>
+                  <a:schemeClr val="tx1"/>
+                </a:solidFill>
+                <a:latin typeface="Times New Roman" pitchFamily="18" charset="0"/>
+                <a:cs typeface="Times New Roman" pitchFamily="18" charset="0"/>
+              </a:rPr>
+              <a:t>[6];</a:t>
+            </a:r>
+          </a:p>
+          <a:p>
+            <a:r>
+              <a:rPr lang="en-US" sz="700" dirty="0" smtClean="0">
+                <a:solidFill>
+                  <a:schemeClr val="tx1"/>
+                </a:solidFill>
+                <a:latin typeface="Times New Roman" pitchFamily="18" charset="0"/>
+                <a:cs typeface="Times New Roman" pitchFamily="18" charset="0"/>
+              </a:rPr>
+              <a:t>Private </a:t>
+            </a:r>
+            <a:r>
+              <a:rPr lang="en-US" sz="700" dirty="0" err="1" smtClean="0">
+                <a:solidFill>
+                  <a:schemeClr val="tx1"/>
+                </a:solidFill>
+                <a:latin typeface="Times New Roman" pitchFamily="18" charset="0"/>
+                <a:cs typeface="Times New Roman" pitchFamily="18" charset="0"/>
+              </a:rPr>
+              <a:t>int</a:t>
+            </a:r>
+            <a:r>
+              <a:rPr lang="en-US" sz="700" dirty="0" smtClean="0">
+                <a:solidFill>
+                  <a:schemeClr val="tx1"/>
+                </a:solidFill>
+                <a:latin typeface="Times New Roman" pitchFamily="18" charset="0"/>
+                <a:cs typeface="Times New Roman" pitchFamily="18" charset="0"/>
+              </a:rPr>
+              <a:t> position = 0;</a:t>
+            </a:r>
+          </a:p>
+          <a:p>
+            <a:endParaRPr lang="en-US" sz="700" dirty="0" smtClean="0">
+              <a:solidFill>
+                <a:schemeClr val="tx1"/>
+              </a:solidFill>
+              <a:latin typeface="Times New Roman" pitchFamily="18" charset="0"/>
+              <a:cs typeface="Times New Roman" pitchFamily="18" charset="0"/>
+            </a:endParaRPr>
+          </a:p>
+          <a:p>
+            <a:r>
+              <a:rPr lang="en-US" sz="700" dirty="0" smtClean="0">
+                <a:solidFill>
+                  <a:schemeClr val="tx1"/>
+                </a:solidFill>
+                <a:latin typeface="Times New Roman" pitchFamily="18" charset="0"/>
+                <a:cs typeface="Times New Roman" pitchFamily="18" charset="0"/>
+              </a:rPr>
+              <a:t>Public void </a:t>
+            </a:r>
+            <a:r>
+              <a:rPr lang="en-US" sz="700" dirty="0" err="1" smtClean="0">
+                <a:solidFill>
+                  <a:schemeClr val="tx1"/>
+                </a:solidFill>
+                <a:latin typeface="Times New Roman" pitchFamily="18" charset="0"/>
+                <a:cs typeface="Times New Roman" pitchFamily="18" charset="0"/>
+              </a:rPr>
+              <a:t>MenuTracker</a:t>
+            </a:r>
+            <a:r>
+              <a:rPr lang="en-US" sz="700" dirty="0" smtClean="0">
+                <a:solidFill>
+                  <a:schemeClr val="tx1"/>
+                </a:solidFill>
+                <a:latin typeface="Times New Roman" pitchFamily="18" charset="0"/>
+                <a:cs typeface="Times New Roman" pitchFamily="18" charset="0"/>
+              </a:rPr>
+              <a:t>(Input </a:t>
+            </a:r>
+            <a:r>
+              <a:rPr lang="en-US" sz="700" dirty="0" err="1" smtClean="0">
+                <a:solidFill>
+                  <a:schemeClr val="tx1"/>
+                </a:solidFill>
+                <a:latin typeface="Times New Roman" pitchFamily="18" charset="0"/>
+                <a:cs typeface="Times New Roman" pitchFamily="18" charset="0"/>
+              </a:rPr>
+              <a:t>input</a:t>
+            </a:r>
+            <a:r>
+              <a:rPr lang="en-US" sz="700" dirty="0" smtClean="0">
+                <a:solidFill>
+                  <a:schemeClr val="tx1"/>
+                </a:solidFill>
+                <a:latin typeface="Times New Roman" pitchFamily="18" charset="0"/>
+                <a:cs typeface="Times New Roman" pitchFamily="18" charset="0"/>
+              </a:rPr>
+              <a:t>, Tracker </a:t>
+            </a:r>
+            <a:r>
+              <a:rPr lang="en-US" sz="700" dirty="0" err="1" smtClean="0">
+                <a:solidFill>
+                  <a:schemeClr val="tx1"/>
+                </a:solidFill>
+                <a:latin typeface="Times New Roman" pitchFamily="18" charset="0"/>
+                <a:cs typeface="Times New Roman" pitchFamily="18" charset="0"/>
+              </a:rPr>
+              <a:t>tracker</a:t>
+            </a:r>
+            <a:r>
+              <a:rPr lang="en-US" sz="700" dirty="0" smtClean="0">
+                <a:solidFill>
+                  <a:schemeClr val="tx1"/>
+                </a:solidFill>
+                <a:latin typeface="Times New Roman" pitchFamily="18" charset="0"/>
+                <a:cs typeface="Times New Roman" pitchFamily="18" charset="0"/>
+              </a:rPr>
+              <a:t>{}</a:t>
+            </a:r>
+          </a:p>
+          <a:p>
+            <a:endParaRPr lang="en-US" sz="700" dirty="0" smtClean="0">
+              <a:solidFill>
+                <a:schemeClr val="tx1"/>
+              </a:solidFill>
+              <a:latin typeface="Times New Roman" pitchFamily="18" charset="0"/>
+              <a:cs typeface="Times New Roman" pitchFamily="18" charset="0"/>
+            </a:endParaRPr>
+          </a:p>
+          <a:p>
+            <a:r>
+              <a:rPr lang="en-US" sz="700" dirty="0" smtClean="0">
+                <a:solidFill>
+                  <a:schemeClr val="tx1"/>
+                </a:solidFill>
+                <a:latin typeface="Times New Roman" pitchFamily="18" charset="0"/>
+                <a:cs typeface="Times New Roman" pitchFamily="18" charset="0"/>
+              </a:rPr>
+              <a:t>Public void </a:t>
+            </a:r>
+            <a:r>
+              <a:rPr lang="en-US" sz="700" dirty="0" err="1" smtClean="0">
+                <a:solidFill>
+                  <a:schemeClr val="tx1"/>
+                </a:solidFill>
+                <a:latin typeface="Times New Roman" pitchFamily="18" charset="0"/>
+                <a:cs typeface="Times New Roman" pitchFamily="18" charset="0"/>
+              </a:rPr>
+              <a:t>fillAction</a:t>
+            </a:r>
+            <a:r>
+              <a:rPr lang="en-US" sz="700" dirty="0" smtClean="0">
+                <a:solidFill>
+                  <a:schemeClr val="tx1"/>
+                </a:solidFill>
+                <a:latin typeface="Times New Roman" pitchFamily="18" charset="0"/>
+                <a:cs typeface="Times New Roman" pitchFamily="18" charset="0"/>
+              </a:rPr>
+              <a:t>(){}</a:t>
+            </a:r>
+          </a:p>
+          <a:p>
+            <a:r>
+              <a:rPr lang="en-US" sz="700" dirty="0" smtClean="0">
+                <a:solidFill>
+                  <a:schemeClr val="tx1"/>
+                </a:solidFill>
+                <a:latin typeface="Times New Roman" pitchFamily="18" charset="0"/>
+                <a:cs typeface="Times New Roman" pitchFamily="18" charset="0"/>
+              </a:rPr>
+              <a:t>Public void </a:t>
+            </a:r>
+            <a:r>
+              <a:rPr lang="en-US" sz="700" dirty="0" err="1" smtClean="0">
+                <a:solidFill>
+                  <a:schemeClr val="tx1"/>
+                </a:solidFill>
+                <a:latin typeface="Times New Roman" pitchFamily="18" charset="0"/>
+                <a:cs typeface="Times New Roman" pitchFamily="18" charset="0"/>
+              </a:rPr>
+              <a:t>AddAction</a:t>
+            </a:r>
+            <a:r>
+              <a:rPr lang="en-US" sz="700" dirty="0" smtClean="0">
+                <a:solidFill>
+                  <a:schemeClr val="tx1"/>
+                </a:solidFill>
+                <a:latin typeface="Times New Roman" pitchFamily="18" charset="0"/>
+                <a:cs typeface="Times New Roman" pitchFamily="18" charset="0"/>
+              </a:rPr>
+              <a:t>(</a:t>
+            </a:r>
+            <a:r>
+              <a:rPr lang="en-US" sz="700" dirty="0" err="1" smtClean="0">
+                <a:solidFill>
+                  <a:schemeClr val="tx1"/>
+                </a:solidFill>
+                <a:latin typeface="Times New Roman" pitchFamily="18" charset="0"/>
+                <a:cs typeface="Times New Roman" pitchFamily="18" charset="0"/>
+              </a:rPr>
+              <a:t>UserAction</a:t>
+            </a:r>
+            <a:r>
+              <a:rPr lang="en-US" sz="700" dirty="0" smtClean="0">
+                <a:solidFill>
+                  <a:schemeClr val="tx1"/>
+                </a:solidFill>
+                <a:latin typeface="Times New Roman" pitchFamily="18" charset="0"/>
+                <a:cs typeface="Times New Roman" pitchFamily="18" charset="0"/>
+              </a:rPr>
+              <a:t> action){}</a:t>
+            </a:r>
+          </a:p>
+          <a:p>
+            <a:r>
+              <a:rPr lang="en-US" sz="700" dirty="0" smtClean="0">
+                <a:solidFill>
+                  <a:schemeClr val="tx1"/>
+                </a:solidFill>
+                <a:latin typeface="Times New Roman" pitchFamily="18" charset="0"/>
+                <a:cs typeface="Times New Roman" pitchFamily="18" charset="0"/>
+              </a:rPr>
+              <a:t>Public void show(){}</a:t>
+            </a:r>
+            <a:endParaRPr lang="en-US" sz="700" dirty="0" smtClean="0">
+              <a:solidFill>
+                <a:schemeClr val="tx1"/>
+              </a:solidFill>
+              <a:latin typeface="Times New Roman" pitchFamily="18" charset="0"/>
+              <a:cs typeface="Times New Roman" pitchFamily="18" charset="0"/>
+            </a:endParaRPr>
+          </a:p>
+          <a:p>
+            <a:endParaRPr lang="en-US" sz="700" dirty="0" smtClean="0">
+              <a:solidFill>
+                <a:schemeClr val="tx1"/>
+              </a:solidFill>
+              <a:latin typeface="Times New Roman" pitchFamily="18" charset="0"/>
+              <a:cs typeface="Times New Roman" pitchFamily="18" charset="0"/>
+            </a:endParaRPr>
+          </a:p>
+          <a:p>
+            <a:endParaRPr lang="en-US" sz="700" dirty="0" smtClean="0">
+              <a:solidFill>
+                <a:schemeClr val="tx1"/>
+              </a:solidFill>
+              <a:latin typeface="Times New Roman" pitchFamily="18" charset="0"/>
+              <a:cs typeface="Times New Roman" pitchFamily="18" charset="0"/>
+            </a:endParaRPr>
+          </a:p>
+        </p:txBody>
+      </p:sp>
+    </p:spTree>
+  </p:cSld>
+  <p:clrMapOvr>
+    <a:masterClrMapping/>
+  </p:clrMapOvr>
+</p:sld>
+</file>
+
+<file path=ppt/slides/slide2.xml><?xml version="1.0" encoding="utf-8"?>
+<p:sld xmlns:a="http://schemas.openxmlformats.org/drawingml/2006/main" xmlns:r="http://schemas.openxmlformats.org/officeDocument/2006/relationships" xmlns:p="http://schemas.openxmlformats.org/presentationml/2006/main">
+  <p:cSld>
+    <p:spTree>
+      <p:nvGrpSpPr>
+        <p:cNvPr id="1" name=""/>
+        <p:cNvGrpSpPr/>
+        <p:nvPr/>
+      </p:nvGrpSpPr>
+      <p:grpSpPr>
+        <a:xfrm>
+          <a:off x="0" y="0"/>
+          <a:ext cx="0" cy="0"/>
+          <a:chOff x="0" y="0"/>
+          <a:chExt cx="0" cy="0"/>
+        </a:xfrm>
+      </p:grpSpPr>
+      <p:sp>
+        <p:nvSpPr>
+          <p:cNvPr id="4" name="Прямоугольник 3"/>
+          <p:cNvSpPr/>
+          <p:nvPr/>
+        </p:nvSpPr>
+        <p:spPr>
+          <a:xfrm>
+            <a:off x="714348" y="4572008"/>
+            <a:ext cx="1357322" cy="392911"/>
+          </a:xfrm>
+          <a:prstGeom prst="rect">
+            <a:avLst/>
+          </a:prstGeom>
+          <a:solidFill>
+            <a:schemeClr val="accent1">
+              <a:alpha val="0"/>
+            </a:schemeClr>
+          </a:solidFill>
+        </p:spPr>
+        <p:style>
+          <a:lnRef idx="2">
+            <a:schemeClr val="accent1">
+              <a:shade val="50000"/>
+            </a:schemeClr>
+          </a:lnRef>
+          <a:fillRef idx="1">
+            <a:schemeClr val="accent1"/>
+          </a:fillRef>
+          <a:effectRef idx="0">
+            <a:schemeClr val="accent1"/>
+          </a:effectRef>
+          <a:fontRef idx="minor">
+            <a:schemeClr val="lt1"/>
+          </a:fontRef>
+        </p:style>
+        <p:txBody>
+          <a:bodyPr rtlCol="0" anchor="ctr"/>
+          <a:lstStyle/>
+          <a:p>
+            <a:pPr algn="ctr"/>
+            <a:r>
+              <a:rPr lang="en-US" sz="1200" dirty="0" smtClean="0">
+                <a:solidFill>
+                  <a:schemeClr val="tx1"/>
+                </a:solidFill>
+                <a:latin typeface="Times New Roman" pitchFamily="18" charset="0"/>
+                <a:cs typeface="Times New Roman" pitchFamily="18" charset="0"/>
+              </a:rPr>
+              <a:t>class </a:t>
+            </a:r>
+            <a:r>
+              <a:rPr lang="en-US" sz="1200" dirty="0" err="1" smtClean="0">
+                <a:solidFill>
+                  <a:schemeClr val="tx1"/>
+                </a:solidFill>
+                <a:latin typeface="Times New Roman" pitchFamily="18" charset="0"/>
+                <a:cs typeface="Times New Roman" pitchFamily="18" charset="0"/>
+              </a:rPr>
+              <a:t>ConsoleInput</a:t>
+            </a:r>
+            <a:endParaRPr lang="en-US" sz="1200" dirty="0" smtClean="0">
+              <a:solidFill>
+                <a:schemeClr val="tx1"/>
+              </a:solidFill>
+              <a:latin typeface="Times New Roman" pitchFamily="18" charset="0"/>
+              <a:cs typeface="Times New Roman" pitchFamily="18" charset="0"/>
+            </a:endParaRPr>
+          </a:p>
+        </p:txBody>
+      </p:sp>
+      <p:sp>
+        <p:nvSpPr>
+          <p:cNvPr id="5" name="Прямоугольник 4"/>
+          <p:cNvSpPr/>
+          <p:nvPr/>
+        </p:nvSpPr>
+        <p:spPr>
+          <a:xfrm>
+            <a:off x="857224" y="5357826"/>
+            <a:ext cx="1143008" cy="285752"/>
+          </a:xfrm>
+          <a:prstGeom prst="rect">
+            <a:avLst/>
+          </a:prstGeom>
+          <a:solidFill>
+            <a:schemeClr val="accent1">
+              <a:alpha val="0"/>
+            </a:schemeClr>
+          </a:solidFill>
+        </p:spPr>
+        <p:style>
+          <a:lnRef idx="2">
+            <a:schemeClr val="accent1">
+              <a:shade val="50000"/>
+            </a:schemeClr>
+          </a:lnRef>
+          <a:fillRef idx="1">
+            <a:schemeClr val="accent1"/>
+          </a:fillRef>
+          <a:effectRef idx="0">
+            <a:schemeClr val="accent1"/>
+          </a:effectRef>
+          <a:fontRef idx="minor">
+            <a:schemeClr val="lt1"/>
+          </a:fontRef>
+        </p:style>
+        <p:txBody>
+          <a:bodyPr rtlCol="0" anchor="ctr"/>
+          <a:lstStyle/>
+          <a:p>
+            <a:pPr algn="ctr"/>
+            <a:r>
+              <a:rPr lang="en-US" sz="1200" dirty="0" smtClean="0">
+                <a:solidFill>
+                  <a:schemeClr val="tx1"/>
+                </a:solidFill>
+                <a:latin typeface="Times New Roman" pitchFamily="18" charset="0"/>
+                <a:cs typeface="Times New Roman" pitchFamily="18" charset="0"/>
+              </a:rPr>
+              <a:t>interface Input</a:t>
+            </a:r>
+            <a:endParaRPr lang="en-US" sz="1200" dirty="0" smtClean="0">
+              <a:solidFill>
+                <a:schemeClr val="tx1"/>
+              </a:solidFill>
+              <a:latin typeface="Times New Roman" pitchFamily="18" charset="0"/>
+              <a:cs typeface="Times New Roman" pitchFamily="18" charset="0"/>
+            </a:endParaRPr>
+          </a:p>
+        </p:txBody>
+      </p:sp>
+      <p:sp>
+        <p:nvSpPr>
+          <p:cNvPr id="6" name="Прямоугольник 5"/>
+          <p:cNvSpPr/>
+          <p:nvPr/>
+        </p:nvSpPr>
+        <p:spPr>
+          <a:xfrm>
+            <a:off x="214282" y="3143248"/>
+            <a:ext cx="1785950" cy="357190"/>
+          </a:xfrm>
+          <a:prstGeom prst="rect">
+            <a:avLst/>
+          </a:prstGeom>
+          <a:solidFill>
+            <a:schemeClr val="accent1">
+              <a:alpha val="0"/>
+            </a:schemeClr>
+          </a:solidFill>
+        </p:spPr>
+        <p:style>
+          <a:lnRef idx="2">
+            <a:schemeClr val="accent1">
+              <a:shade val="50000"/>
+            </a:schemeClr>
+          </a:lnRef>
+          <a:fillRef idx="1">
+            <a:schemeClr val="accent1"/>
+          </a:fillRef>
+          <a:effectRef idx="0">
+            <a:schemeClr val="accent1"/>
+          </a:effectRef>
+          <a:fontRef idx="minor">
+            <a:schemeClr val="lt1"/>
+          </a:fontRef>
+        </p:style>
+        <p:txBody>
+          <a:bodyPr rtlCol="0" anchor="ctr"/>
+          <a:lstStyle/>
+          <a:p>
+            <a:pPr algn="ctr"/>
+            <a:r>
+              <a:rPr lang="en-US" sz="1200" dirty="0" smtClean="0">
+                <a:solidFill>
+                  <a:schemeClr val="tx1"/>
+                </a:solidFill>
+                <a:latin typeface="Times New Roman" pitchFamily="18" charset="0"/>
+                <a:cs typeface="Times New Roman" pitchFamily="18" charset="0"/>
+              </a:rPr>
+              <a:t>class </a:t>
+            </a:r>
+            <a:r>
+              <a:rPr lang="en-US" sz="1200" dirty="0" err="1" smtClean="0">
+                <a:solidFill>
+                  <a:schemeClr val="tx1"/>
+                </a:solidFill>
+                <a:latin typeface="Times New Roman" pitchFamily="18" charset="0"/>
+                <a:cs typeface="Times New Roman" pitchFamily="18" charset="0"/>
+              </a:rPr>
+              <a:t>MenuOutException</a:t>
+            </a:r>
+            <a:endParaRPr lang="en-US" sz="1200" dirty="0" smtClean="0">
+              <a:solidFill>
+                <a:schemeClr val="tx1"/>
+              </a:solidFill>
+              <a:latin typeface="Times New Roman" pitchFamily="18" charset="0"/>
+              <a:cs typeface="Times New Roman" pitchFamily="18" charset="0"/>
+            </a:endParaRPr>
+          </a:p>
+        </p:txBody>
+      </p:sp>
+      <p:sp>
+        <p:nvSpPr>
+          <p:cNvPr id="7" name="Прямоугольник 6"/>
+          <p:cNvSpPr/>
+          <p:nvPr/>
+        </p:nvSpPr>
+        <p:spPr>
+          <a:xfrm>
+            <a:off x="7572396" y="3071810"/>
+            <a:ext cx="1500198" cy="285752"/>
+          </a:xfrm>
+          <a:prstGeom prst="rect">
+            <a:avLst/>
+          </a:prstGeom>
+          <a:solidFill>
+            <a:schemeClr val="accent1">
+              <a:alpha val="0"/>
+            </a:schemeClr>
+          </a:solidFill>
+        </p:spPr>
+        <p:style>
+          <a:lnRef idx="2">
+            <a:schemeClr val="accent1">
+              <a:shade val="50000"/>
+            </a:schemeClr>
+          </a:lnRef>
+          <a:fillRef idx="1">
+            <a:schemeClr val="accent1"/>
+          </a:fillRef>
+          <a:effectRef idx="0">
+            <a:schemeClr val="accent1"/>
+          </a:effectRef>
+          <a:fontRef idx="minor">
+            <a:schemeClr val="lt1"/>
+          </a:fontRef>
+        </p:style>
+        <p:txBody>
+          <a:bodyPr rtlCol="0" anchor="ctr"/>
+          <a:lstStyle/>
+          <a:p>
+            <a:pPr algn="ctr"/>
+            <a:r>
+              <a:rPr lang="en-US" sz="1200" dirty="0" smtClean="0">
+                <a:solidFill>
+                  <a:schemeClr val="tx1"/>
+                </a:solidFill>
+                <a:latin typeface="Times New Roman" pitchFamily="18" charset="0"/>
+                <a:cs typeface="Times New Roman" pitchFamily="18" charset="0"/>
+              </a:rPr>
+              <a:t>interface </a:t>
+            </a:r>
+            <a:r>
+              <a:rPr lang="en-US" sz="1200" dirty="0" err="1" smtClean="0">
+                <a:solidFill>
+                  <a:schemeClr val="tx1"/>
+                </a:solidFill>
+                <a:latin typeface="Times New Roman" pitchFamily="18" charset="0"/>
+                <a:cs typeface="Times New Roman" pitchFamily="18" charset="0"/>
+              </a:rPr>
+              <a:t>UserAction</a:t>
+            </a:r>
+            <a:endParaRPr lang="en-US" sz="1200" dirty="0" smtClean="0">
+              <a:solidFill>
+                <a:schemeClr val="tx1"/>
+              </a:solidFill>
+              <a:latin typeface="Times New Roman" pitchFamily="18" charset="0"/>
+              <a:cs typeface="Times New Roman" pitchFamily="18" charset="0"/>
+            </a:endParaRPr>
+          </a:p>
+        </p:txBody>
+      </p:sp>
+      <p:sp>
+        <p:nvSpPr>
+          <p:cNvPr id="8" name="Прямоугольник 7"/>
+          <p:cNvSpPr/>
+          <p:nvPr/>
+        </p:nvSpPr>
+        <p:spPr>
+          <a:xfrm>
+            <a:off x="2928926" y="3857628"/>
+            <a:ext cx="1000132" cy="357190"/>
+          </a:xfrm>
+          <a:prstGeom prst="rect">
+            <a:avLst/>
+          </a:prstGeom>
+          <a:solidFill>
+            <a:schemeClr val="accent1">
+              <a:alpha val="0"/>
+            </a:schemeClr>
+          </a:solidFill>
+        </p:spPr>
+        <p:style>
+          <a:lnRef idx="2">
+            <a:schemeClr val="accent1">
+              <a:shade val="50000"/>
+            </a:schemeClr>
+          </a:lnRef>
+          <a:fillRef idx="1">
+            <a:schemeClr val="accent1"/>
+          </a:fillRef>
+          <a:effectRef idx="0">
+            <a:schemeClr val="accent1"/>
+          </a:effectRef>
+          <a:fontRef idx="minor">
+            <a:schemeClr val="lt1"/>
+          </a:fontRef>
+        </p:style>
+        <p:txBody>
+          <a:bodyPr rtlCol="0" anchor="ctr"/>
+          <a:lstStyle/>
+          <a:p>
+            <a:pPr algn="ctr"/>
+            <a:r>
+              <a:rPr lang="en-US" sz="1200" dirty="0" smtClean="0">
+                <a:solidFill>
+                  <a:schemeClr val="tx1"/>
+                </a:solidFill>
+                <a:latin typeface="Times New Roman" pitchFamily="18" charset="0"/>
+                <a:cs typeface="Times New Roman" pitchFamily="18" charset="0"/>
+              </a:rPr>
+              <a:t>class Tracker</a:t>
+            </a:r>
+            <a:endParaRPr lang="en-US" sz="1200" dirty="0" smtClean="0">
+              <a:solidFill>
+                <a:schemeClr val="tx1"/>
+              </a:solidFill>
+              <a:latin typeface="Times New Roman" pitchFamily="18" charset="0"/>
+              <a:cs typeface="Times New Roman" pitchFamily="18" charset="0"/>
+            </a:endParaRPr>
+          </a:p>
+        </p:txBody>
+      </p:sp>
+      <p:sp>
+        <p:nvSpPr>
+          <p:cNvPr id="9" name="Прямоугольник 8"/>
+          <p:cNvSpPr/>
+          <p:nvPr/>
+        </p:nvSpPr>
+        <p:spPr>
+          <a:xfrm>
+            <a:off x="857224" y="5929330"/>
+            <a:ext cx="1143008" cy="357190"/>
+          </a:xfrm>
+          <a:prstGeom prst="rect">
+            <a:avLst/>
+          </a:prstGeom>
+          <a:solidFill>
+            <a:schemeClr val="accent1">
+              <a:alpha val="0"/>
+            </a:schemeClr>
+          </a:solidFill>
+        </p:spPr>
+        <p:style>
+          <a:lnRef idx="2">
+            <a:schemeClr val="accent1">
+              <a:shade val="50000"/>
+            </a:schemeClr>
+          </a:lnRef>
+          <a:fillRef idx="1">
+            <a:schemeClr val="accent1"/>
+          </a:fillRef>
+          <a:effectRef idx="0">
+            <a:schemeClr val="accent1"/>
+          </a:effectRef>
+          <a:fontRef idx="minor">
+            <a:schemeClr val="lt1"/>
+          </a:fontRef>
+        </p:style>
+        <p:txBody>
+          <a:bodyPr rtlCol="0" anchor="ctr"/>
+          <a:lstStyle/>
+          <a:p>
+            <a:pPr algn="ctr"/>
+            <a:r>
+              <a:rPr lang="en-US" sz="1200" dirty="0" smtClean="0">
+                <a:solidFill>
+                  <a:schemeClr val="tx1"/>
+                </a:solidFill>
+                <a:latin typeface="Times New Roman" pitchFamily="18" charset="0"/>
+                <a:cs typeface="Times New Roman" pitchFamily="18" charset="0"/>
+              </a:rPr>
+              <a:t>class </a:t>
+            </a:r>
+            <a:r>
+              <a:rPr lang="en-US" sz="1200" dirty="0" err="1" smtClean="0">
+                <a:solidFill>
+                  <a:schemeClr val="tx1"/>
+                </a:solidFill>
+                <a:latin typeface="Times New Roman" pitchFamily="18" charset="0"/>
+                <a:cs typeface="Times New Roman" pitchFamily="18" charset="0"/>
+              </a:rPr>
+              <a:t>StubInput</a:t>
+            </a:r>
+            <a:endParaRPr lang="en-US" sz="1200" dirty="0" smtClean="0">
+              <a:solidFill>
+                <a:schemeClr val="tx1"/>
+              </a:solidFill>
+              <a:latin typeface="Times New Roman" pitchFamily="18" charset="0"/>
+              <a:cs typeface="Times New Roman" pitchFamily="18" charset="0"/>
+            </a:endParaRPr>
+          </a:p>
+        </p:txBody>
+      </p:sp>
+      <p:sp>
+        <p:nvSpPr>
+          <p:cNvPr id="10" name="Прямоугольник 9"/>
+          <p:cNvSpPr/>
+          <p:nvPr/>
+        </p:nvSpPr>
+        <p:spPr>
+          <a:xfrm>
+            <a:off x="2857488" y="6000768"/>
+            <a:ext cx="1285884" cy="285752"/>
+          </a:xfrm>
+          <a:prstGeom prst="rect">
+            <a:avLst/>
+          </a:prstGeom>
+          <a:solidFill>
+            <a:schemeClr val="accent1">
+              <a:alpha val="0"/>
+            </a:schemeClr>
+          </a:solidFill>
+        </p:spPr>
+        <p:style>
+          <a:lnRef idx="2">
+            <a:schemeClr val="accent1">
+              <a:shade val="50000"/>
+            </a:schemeClr>
+          </a:lnRef>
+          <a:fillRef idx="1">
+            <a:schemeClr val="accent1"/>
+          </a:fillRef>
+          <a:effectRef idx="0">
+            <a:schemeClr val="accent1"/>
+          </a:effectRef>
+          <a:fontRef idx="minor">
+            <a:schemeClr val="lt1"/>
+          </a:fontRef>
+        </p:style>
+        <p:txBody>
+          <a:bodyPr rtlCol="0" anchor="ctr"/>
+          <a:lstStyle/>
+          <a:p>
+            <a:pPr algn="ctr"/>
+            <a:r>
+              <a:rPr lang="en-US" sz="1200" dirty="0" smtClean="0">
+                <a:solidFill>
+                  <a:schemeClr val="tx1"/>
+                </a:solidFill>
+                <a:latin typeface="Times New Roman" pitchFamily="18" charset="0"/>
+                <a:cs typeface="Times New Roman" pitchFamily="18" charset="0"/>
+              </a:rPr>
+              <a:t>class </a:t>
+            </a:r>
+            <a:r>
+              <a:rPr lang="en-US" sz="1200" dirty="0" err="1" smtClean="0">
+                <a:solidFill>
+                  <a:schemeClr val="tx1"/>
+                </a:solidFill>
+                <a:latin typeface="Times New Roman" pitchFamily="18" charset="0"/>
+                <a:cs typeface="Times New Roman" pitchFamily="18" charset="0"/>
+              </a:rPr>
+              <a:t>StartUITest</a:t>
+            </a:r>
+            <a:endParaRPr lang="en-US" sz="1200" dirty="0" smtClean="0">
+              <a:solidFill>
+                <a:schemeClr val="tx1"/>
+              </a:solidFill>
+              <a:latin typeface="Times New Roman" pitchFamily="18" charset="0"/>
+              <a:cs typeface="Times New Roman" pitchFamily="18" charset="0"/>
+            </a:endParaRPr>
+          </a:p>
+        </p:txBody>
+      </p:sp>
+      <p:sp>
+        <p:nvSpPr>
+          <p:cNvPr id="11" name="Прямоугольник 10"/>
+          <p:cNvSpPr/>
+          <p:nvPr/>
+        </p:nvSpPr>
+        <p:spPr>
+          <a:xfrm>
+            <a:off x="714348" y="3857628"/>
+            <a:ext cx="1428760" cy="357190"/>
+          </a:xfrm>
+          <a:prstGeom prst="rect">
+            <a:avLst/>
+          </a:prstGeom>
+          <a:solidFill>
+            <a:schemeClr val="accent1">
+              <a:alpha val="0"/>
+            </a:schemeClr>
+          </a:solidFill>
+        </p:spPr>
+        <p:style>
+          <a:lnRef idx="2">
+            <a:schemeClr val="accent1">
+              <a:shade val="50000"/>
+            </a:schemeClr>
+          </a:lnRef>
+          <a:fillRef idx="1">
+            <a:schemeClr val="accent1"/>
+          </a:fillRef>
+          <a:effectRef idx="0">
+            <a:schemeClr val="accent1"/>
+          </a:effectRef>
+          <a:fontRef idx="minor">
+            <a:schemeClr val="lt1"/>
+          </a:fontRef>
+        </p:style>
+        <p:txBody>
+          <a:bodyPr rtlCol="0" anchor="ctr"/>
+          <a:lstStyle/>
+          <a:p>
+            <a:pPr algn="ctr"/>
+            <a:r>
+              <a:rPr lang="en-US" sz="1200" dirty="0" smtClean="0">
+                <a:solidFill>
+                  <a:schemeClr val="tx1"/>
+                </a:solidFill>
+                <a:latin typeface="Times New Roman" pitchFamily="18" charset="0"/>
+                <a:cs typeface="Times New Roman" pitchFamily="18" charset="0"/>
+              </a:rPr>
+              <a:t>class </a:t>
+            </a:r>
+            <a:r>
+              <a:rPr lang="en-US" sz="1200" dirty="0" err="1" smtClean="0">
+                <a:solidFill>
+                  <a:schemeClr val="tx1"/>
+                </a:solidFill>
+                <a:latin typeface="Times New Roman" pitchFamily="18" charset="0"/>
+                <a:cs typeface="Times New Roman" pitchFamily="18" charset="0"/>
+              </a:rPr>
+              <a:t>ValidateInput</a:t>
+            </a:r>
+            <a:endParaRPr lang="en-US" sz="1200" dirty="0" smtClean="0">
+              <a:solidFill>
+                <a:schemeClr val="tx1"/>
+              </a:solidFill>
+              <a:latin typeface="Times New Roman" pitchFamily="18" charset="0"/>
+              <a:cs typeface="Times New Roman" pitchFamily="18" charset="0"/>
+            </a:endParaRPr>
+          </a:p>
+        </p:txBody>
+      </p:sp>
+      <p:sp>
+        <p:nvSpPr>
+          <p:cNvPr id="12" name="Прямоугольник 11"/>
+          <p:cNvSpPr/>
+          <p:nvPr/>
+        </p:nvSpPr>
+        <p:spPr>
+          <a:xfrm>
+            <a:off x="2928926" y="4929198"/>
+            <a:ext cx="1000132" cy="285753"/>
+          </a:xfrm>
+          <a:prstGeom prst="rect">
+            <a:avLst/>
+          </a:prstGeom>
+          <a:solidFill>
+            <a:schemeClr val="accent1">
+              <a:alpha val="0"/>
+            </a:schemeClr>
+          </a:solidFill>
+        </p:spPr>
+        <p:style>
+          <a:lnRef idx="2">
+            <a:schemeClr val="accent1">
+              <a:shade val="50000"/>
+            </a:schemeClr>
+          </a:lnRef>
+          <a:fillRef idx="1">
+            <a:schemeClr val="accent1"/>
+          </a:fillRef>
+          <a:effectRef idx="0">
+            <a:schemeClr val="accent1"/>
+          </a:effectRef>
+          <a:fontRef idx="minor">
+            <a:schemeClr val="lt1"/>
+          </a:fontRef>
+        </p:style>
+        <p:txBody>
+          <a:bodyPr rtlCol="0" anchor="ctr"/>
+          <a:lstStyle/>
+          <a:p>
+            <a:pPr algn="ctr"/>
+            <a:r>
+              <a:rPr lang="en-US" sz="1200" dirty="0" smtClean="0">
+                <a:solidFill>
+                  <a:schemeClr val="tx1"/>
+                </a:solidFill>
+                <a:latin typeface="Times New Roman" pitchFamily="18" charset="0"/>
+                <a:cs typeface="Times New Roman" pitchFamily="18" charset="0"/>
+              </a:rPr>
+              <a:t>class </a:t>
+            </a:r>
+            <a:r>
+              <a:rPr lang="en-US" sz="1200" dirty="0" err="1" smtClean="0">
+                <a:solidFill>
+                  <a:schemeClr val="tx1"/>
+                </a:solidFill>
+                <a:latin typeface="Times New Roman" pitchFamily="18" charset="0"/>
+                <a:cs typeface="Times New Roman" pitchFamily="18" charset="0"/>
+              </a:rPr>
+              <a:t>StartUI</a:t>
+            </a:r>
+            <a:endParaRPr lang="en-US" sz="1200" dirty="0" smtClean="0">
+              <a:solidFill>
+                <a:schemeClr val="tx1"/>
+              </a:solidFill>
+              <a:latin typeface="Times New Roman" pitchFamily="18" charset="0"/>
+              <a:cs typeface="Times New Roman" pitchFamily="18" charset="0"/>
+            </a:endParaRPr>
+          </a:p>
+        </p:txBody>
+      </p:sp>
+      <p:sp>
+        <p:nvSpPr>
+          <p:cNvPr id="13" name="Прямоугольник 12"/>
+          <p:cNvSpPr/>
+          <p:nvPr/>
+        </p:nvSpPr>
+        <p:spPr>
+          <a:xfrm>
+            <a:off x="3786182" y="3071810"/>
+            <a:ext cx="857256" cy="214314"/>
+          </a:xfrm>
+          <a:prstGeom prst="rect">
+            <a:avLst/>
+          </a:prstGeom>
+          <a:solidFill>
+            <a:schemeClr val="accent1">
+              <a:alpha val="0"/>
+            </a:schemeClr>
+          </a:solidFill>
+        </p:spPr>
+        <p:style>
+          <a:lnRef idx="2">
+            <a:schemeClr val="accent1">
+              <a:shade val="50000"/>
+            </a:schemeClr>
+          </a:lnRef>
+          <a:fillRef idx="1">
+            <a:schemeClr val="accent1"/>
+          </a:fillRef>
+          <a:effectRef idx="0">
+            <a:schemeClr val="accent1"/>
+          </a:effectRef>
+          <a:fontRef idx="minor">
+            <a:schemeClr val="lt1"/>
+          </a:fontRef>
+        </p:style>
+        <p:txBody>
+          <a:bodyPr rtlCol="0" anchor="ctr"/>
+          <a:lstStyle/>
+          <a:p>
+            <a:pPr algn="ctr"/>
+            <a:r>
+              <a:rPr lang="en-US" sz="1200" dirty="0" smtClean="0">
+                <a:solidFill>
+                  <a:schemeClr val="tx1"/>
+                </a:solidFill>
+                <a:latin typeface="Times New Roman" pitchFamily="18" charset="0"/>
+                <a:cs typeface="Times New Roman" pitchFamily="18" charset="0"/>
+              </a:rPr>
+              <a:t>class Item</a:t>
+            </a:r>
+            <a:endParaRPr lang="en-US" sz="1200" dirty="0" smtClean="0">
+              <a:solidFill>
+                <a:schemeClr val="tx1"/>
+              </a:solidFill>
+              <a:latin typeface="Times New Roman" pitchFamily="18" charset="0"/>
+              <a:cs typeface="Times New Roman" pitchFamily="18" charset="0"/>
+            </a:endParaRPr>
+          </a:p>
+        </p:txBody>
+      </p:sp>
+      <p:sp>
+        <p:nvSpPr>
+          <p:cNvPr id="14" name="Прямоугольник 13"/>
+          <p:cNvSpPr/>
+          <p:nvPr/>
+        </p:nvSpPr>
+        <p:spPr>
+          <a:xfrm>
+            <a:off x="2285984" y="3000372"/>
+            <a:ext cx="1143008" cy="285752"/>
+          </a:xfrm>
+          <a:prstGeom prst="rect">
+            <a:avLst/>
+          </a:prstGeom>
+          <a:solidFill>
+            <a:schemeClr val="accent1">
+              <a:alpha val="0"/>
+            </a:schemeClr>
+          </a:solidFill>
+        </p:spPr>
+        <p:style>
+          <a:lnRef idx="2">
+            <a:schemeClr val="accent1">
+              <a:shade val="50000"/>
+            </a:schemeClr>
+          </a:lnRef>
+          <a:fillRef idx="1">
+            <a:schemeClr val="accent1"/>
+          </a:fillRef>
+          <a:effectRef idx="0">
+            <a:schemeClr val="accent1"/>
+          </a:effectRef>
+          <a:fontRef idx="minor">
+            <a:schemeClr val="lt1"/>
+          </a:fontRef>
+        </p:style>
+        <p:txBody>
+          <a:bodyPr rtlCol="0" anchor="ctr"/>
+          <a:lstStyle/>
+          <a:p>
+            <a:pPr algn="ctr"/>
+            <a:r>
+              <a:rPr lang="en-US" sz="1200" dirty="0" smtClean="0">
+                <a:solidFill>
+                  <a:schemeClr val="tx1"/>
+                </a:solidFill>
+                <a:latin typeface="Times New Roman" pitchFamily="18" charset="0"/>
+                <a:cs typeface="Times New Roman" pitchFamily="18" charset="0"/>
+              </a:rPr>
+              <a:t>class Comment</a:t>
+            </a:r>
+            <a:endParaRPr lang="en-US" sz="1200" dirty="0" smtClean="0">
+              <a:solidFill>
+                <a:schemeClr val="tx1"/>
+              </a:solidFill>
+              <a:latin typeface="Times New Roman" pitchFamily="18" charset="0"/>
+              <a:cs typeface="Times New Roman" pitchFamily="18" charset="0"/>
+            </a:endParaRPr>
+          </a:p>
+        </p:txBody>
+      </p:sp>
+      <p:sp>
+        <p:nvSpPr>
+          <p:cNvPr id="15" name="Прямоугольник 14"/>
+          <p:cNvSpPr/>
+          <p:nvPr/>
+        </p:nvSpPr>
+        <p:spPr>
+          <a:xfrm>
+            <a:off x="6286512" y="2500306"/>
+            <a:ext cx="1143008" cy="299160"/>
+          </a:xfrm>
+          <a:prstGeom prst="rect">
+            <a:avLst/>
+          </a:prstGeom>
+          <a:solidFill>
+            <a:schemeClr val="accent1">
+              <a:alpha val="0"/>
+            </a:schemeClr>
+          </a:solidFill>
+        </p:spPr>
+        <p:style>
+          <a:lnRef idx="2">
+            <a:schemeClr val="accent1">
+              <a:shade val="50000"/>
+            </a:schemeClr>
+          </a:lnRef>
+          <a:fillRef idx="1">
+            <a:schemeClr val="accent1"/>
+          </a:fillRef>
+          <a:effectRef idx="0">
+            <a:schemeClr val="accent1"/>
+          </a:effectRef>
+          <a:fontRef idx="minor">
+            <a:schemeClr val="lt1"/>
+          </a:fontRef>
+        </p:style>
+        <p:txBody>
+          <a:bodyPr rtlCol="0" anchor="ctr"/>
+          <a:lstStyle/>
+          <a:p>
+            <a:pPr algn="ctr"/>
+            <a:r>
+              <a:rPr lang="en-US" sz="1200" dirty="0" smtClean="0">
+                <a:solidFill>
+                  <a:schemeClr val="tx1"/>
+                </a:solidFill>
+                <a:latin typeface="Times New Roman" pitchFamily="18" charset="0"/>
+                <a:cs typeface="Times New Roman" pitchFamily="18" charset="0"/>
+              </a:rPr>
+              <a:t>class </a:t>
+            </a:r>
+            <a:r>
+              <a:rPr lang="en-US" sz="1200" dirty="0" err="1" smtClean="0">
+                <a:solidFill>
+                  <a:schemeClr val="tx1"/>
+                </a:solidFill>
+                <a:latin typeface="Times New Roman" pitchFamily="18" charset="0"/>
+                <a:cs typeface="Times New Roman" pitchFamily="18" charset="0"/>
+              </a:rPr>
+              <a:t>EditItem</a:t>
+            </a:r>
+            <a:endParaRPr lang="en-US" sz="1200" dirty="0" smtClean="0">
+              <a:solidFill>
+                <a:schemeClr val="tx1"/>
+              </a:solidFill>
+              <a:latin typeface="Times New Roman" pitchFamily="18" charset="0"/>
+              <a:cs typeface="Times New Roman" pitchFamily="18" charset="0"/>
+            </a:endParaRPr>
+          </a:p>
+        </p:txBody>
+      </p:sp>
+      <p:sp>
+        <p:nvSpPr>
+          <p:cNvPr id="16" name="Прямоугольник 15"/>
+          <p:cNvSpPr/>
+          <p:nvPr/>
+        </p:nvSpPr>
+        <p:spPr>
+          <a:xfrm>
+            <a:off x="6286512" y="1857364"/>
+            <a:ext cx="1071570" cy="285752"/>
+          </a:xfrm>
+          <a:prstGeom prst="rect">
+            <a:avLst/>
+          </a:prstGeom>
+          <a:solidFill>
+            <a:schemeClr val="accent1">
+              <a:alpha val="0"/>
+            </a:schemeClr>
+          </a:solidFill>
+        </p:spPr>
+        <p:style>
+          <a:lnRef idx="2">
+            <a:schemeClr val="accent1">
+              <a:shade val="50000"/>
+            </a:schemeClr>
+          </a:lnRef>
+          <a:fillRef idx="1">
+            <a:schemeClr val="accent1"/>
+          </a:fillRef>
+          <a:effectRef idx="0">
+            <a:schemeClr val="accent1"/>
+          </a:effectRef>
+          <a:fontRef idx="minor">
+            <a:schemeClr val="lt1"/>
+          </a:fontRef>
+        </p:style>
+        <p:txBody>
+          <a:bodyPr rtlCol="0" anchor="ctr"/>
+          <a:lstStyle/>
+          <a:p>
+            <a:pPr algn="ctr"/>
+            <a:r>
+              <a:rPr lang="en-US" sz="1200" dirty="0" smtClean="0">
+                <a:solidFill>
+                  <a:schemeClr val="tx1"/>
+                </a:solidFill>
+                <a:latin typeface="Times New Roman" pitchFamily="18" charset="0"/>
+                <a:cs typeface="Times New Roman" pitchFamily="18" charset="0"/>
+              </a:rPr>
+              <a:t>class </a:t>
+            </a:r>
+            <a:r>
+              <a:rPr lang="en-US" sz="1200" dirty="0" err="1" smtClean="0">
+                <a:solidFill>
+                  <a:schemeClr val="tx1"/>
+                </a:solidFill>
+                <a:latin typeface="Times New Roman" pitchFamily="18" charset="0"/>
+                <a:cs typeface="Times New Roman" pitchFamily="18" charset="0"/>
+              </a:rPr>
+              <a:t>AddItem</a:t>
+            </a:r>
+            <a:endParaRPr lang="en-US" sz="1200" dirty="0" smtClean="0">
+              <a:solidFill>
+                <a:schemeClr val="tx1"/>
+              </a:solidFill>
+              <a:latin typeface="Times New Roman" pitchFamily="18" charset="0"/>
+              <a:cs typeface="Times New Roman" pitchFamily="18" charset="0"/>
+            </a:endParaRPr>
+          </a:p>
+        </p:txBody>
+      </p:sp>
+      <p:sp>
+        <p:nvSpPr>
+          <p:cNvPr id="17" name="Прямоугольник 16"/>
+          <p:cNvSpPr/>
+          <p:nvPr/>
+        </p:nvSpPr>
+        <p:spPr>
+          <a:xfrm>
+            <a:off x="6215074" y="3643314"/>
+            <a:ext cx="1214446" cy="299160"/>
+          </a:xfrm>
+          <a:prstGeom prst="rect">
+            <a:avLst/>
+          </a:prstGeom>
+          <a:solidFill>
+            <a:schemeClr val="accent1">
+              <a:alpha val="0"/>
+            </a:schemeClr>
+          </a:solidFill>
+        </p:spPr>
+        <p:style>
+          <a:lnRef idx="2">
+            <a:schemeClr val="accent1">
+              <a:shade val="50000"/>
+            </a:schemeClr>
+          </a:lnRef>
+          <a:fillRef idx="1">
+            <a:schemeClr val="accent1"/>
+          </a:fillRef>
+          <a:effectRef idx="0">
+            <a:schemeClr val="accent1"/>
+          </a:effectRef>
+          <a:fontRef idx="minor">
+            <a:schemeClr val="lt1"/>
+          </a:fontRef>
+        </p:style>
+        <p:txBody>
+          <a:bodyPr rtlCol="0" anchor="ctr"/>
+          <a:lstStyle/>
+          <a:p>
+            <a:pPr algn="ctr"/>
+            <a:r>
+              <a:rPr lang="en-US" sz="1200" dirty="0" smtClean="0">
+                <a:solidFill>
+                  <a:schemeClr val="tx1"/>
+                </a:solidFill>
+                <a:latin typeface="Times New Roman" pitchFamily="18" charset="0"/>
+                <a:cs typeface="Times New Roman" pitchFamily="18" charset="0"/>
+              </a:rPr>
+              <a:t>class </a:t>
+            </a:r>
+            <a:r>
+              <a:rPr lang="en-US" sz="1200" dirty="0" err="1" smtClean="0">
+                <a:solidFill>
+                  <a:schemeClr val="tx1"/>
+                </a:solidFill>
+                <a:latin typeface="Times New Roman" pitchFamily="18" charset="0"/>
+                <a:cs typeface="Times New Roman" pitchFamily="18" charset="0"/>
+              </a:rPr>
+              <a:t>ShowItems</a:t>
+            </a:r>
+            <a:endParaRPr lang="en-US" sz="1200" dirty="0" smtClean="0">
+              <a:solidFill>
+                <a:schemeClr val="tx1"/>
+              </a:solidFill>
+              <a:latin typeface="Times New Roman" pitchFamily="18" charset="0"/>
+              <a:cs typeface="Times New Roman" pitchFamily="18" charset="0"/>
+            </a:endParaRPr>
+          </a:p>
+        </p:txBody>
+      </p:sp>
+      <p:sp>
+        <p:nvSpPr>
+          <p:cNvPr id="18" name="Прямоугольник 17"/>
+          <p:cNvSpPr/>
+          <p:nvPr/>
+        </p:nvSpPr>
+        <p:spPr>
+          <a:xfrm>
+            <a:off x="6215074" y="4429132"/>
+            <a:ext cx="1857388" cy="357166"/>
+          </a:xfrm>
+          <a:prstGeom prst="rect">
+            <a:avLst/>
+          </a:prstGeom>
+          <a:solidFill>
+            <a:schemeClr val="accent1">
+              <a:alpha val="0"/>
+            </a:schemeClr>
+          </a:solidFill>
+        </p:spPr>
+        <p:style>
+          <a:lnRef idx="2">
+            <a:schemeClr val="accent1">
+              <a:shade val="50000"/>
+            </a:schemeClr>
+          </a:lnRef>
+          <a:fillRef idx="1">
+            <a:schemeClr val="accent1"/>
+          </a:fillRef>
+          <a:effectRef idx="0">
+            <a:schemeClr val="accent1"/>
+          </a:effectRef>
+          <a:fontRef idx="minor">
+            <a:schemeClr val="lt1"/>
+          </a:fontRef>
+        </p:style>
+        <p:txBody>
+          <a:bodyPr rtlCol="0" anchor="ctr"/>
+          <a:lstStyle/>
+          <a:p>
+            <a:pPr algn="ctr"/>
+            <a:r>
+              <a:rPr lang="en-US" sz="1200" dirty="0" smtClean="0">
+                <a:solidFill>
+                  <a:schemeClr val="tx1"/>
+                </a:solidFill>
+                <a:latin typeface="Times New Roman" pitchFamily="18" charset="0"/>
+                <a:cs typeface="Times New Roman" pitchFamily="18" charset="0"/>
+              </a:rPr>
+              <a:t>class </a:t>
+            </a:r>
+            <a:r>
+              <a:rPr lang="en-US" sz="1200" dirty="0" err="1" smtClean="0">
+                <a:solidFill>
+                  <a:schemeClr val="tx1"/>
+                </a:solidFill>
+                <a:latin typeface="Times New Roman" pitchFamily="18" charset="0"/>
+                <a:cs typeface="Times New Roman" pitchFamily="18" charset="0"/>
+              </a:rPr>
+              <a:t>ShowWithFilterItem</a:t>
+            </a:r>
+            <a:endParaRPr lang="en-US" sz="1200" dirty="0" smtClean="0">
+              <a:solidFill>
+                <a:schemeClr val="tx1"/>
+              </a:solidFill>
+              <a:latin typeface="Times New Roman" pitchFamily="18" charset="0"/>
+              <a:cs typeface="Times New Roman" pitchFamily="18" charset="0"/>
+            </a:endParaRPr>
+          </a:p>
+        </p:txBody>
+      </p:sp>
+      <p:sp>
+        <p:nvSpPr>
+          <p:cNvPr id="19" name="Прямоугольник 18"/>
+          <p:cNvSpPr/>
+          <p:nvPr/>
+        </p:nvSpPr>
+        <p:spPr>
+          <a:xfrm>
+            <a:off x="4357686" y="5000636"/>
+            <a:ext cx="1357322" cy="357166"/>
+          </a:xfrm>
+          <a:prstGeom prst="rect">
+            <a:avLst/>
+          </a:prstGeom>
+          <a:solidFill>
+            <a:schemeClr val="accent1">
+              <a:alpha val="0"/>
+            </a:schemeClr>
+          </a:solidFill>
+        </p:spPr>
+        <p:style>
+          <a:lnRef idx="2">
+            <a:schemeClr val="accent1">
+              <a:shade val="50000"/>
+            </a:schemeClr>
+          </a:lnRef>
+          <a:fillRef idx="1">
+            <a:schemeClr val="accent1"/>
+          </a:fillRef>
+          <a:effectRef idx="0">
+            <a:schemeClr val="accent1"/>
+          </a:effectRef>
+          <a:fontRef idx="minor">
+            <a:schemeClr val="lt1"/>
+          </a:fontRef>
+        </p:style>
+        <p:txBody>
+          <a:bodyPr rtlCol="0" anchor="ctr"/>
+          <a:lstStyle/>
+          <a:p>
+            <a:pPr algn="ctr"/>
+            <a:r>
+              <a:rPr lang="en-US" sz="1200" dirty="0" smtClean="0">
+                <a:solidFill>
+                  <a:schemeClr val="tx1"/>
+                </a:solidFill>
+                <a:latin typeface="Times New Roman" pitchFamily="18" charset="0"/>
+                <a:cs typeface="Times New Roman" pitchFamily="18" charset="0"/>
+              </a:rPr>
+              <a:t>class </a:t>
+            </a:r>
+            <a:r>
+              <a:rPr lang="en-US" sz="1200" dirty="0" err="1" smtClean="0">
+                <a:solidFill>
+                  <a:schemeClr val="tx1"/>
+                </a:solidFill>
+                <a:latin typeface="Times New Roman" pitchFamily="18" charset="0"/>
+                <a:cs typeface="Times New Roman" pitchFamily="18" charset="0"/>
+              </a:rPr>
+              <a:t>MenuTracker</a:t>
+            </a:r>
+            <a:endParaRPr lang="en-US" sz="1200" dirty="0" smtClean="0">
+              <a:solidFill>
+                <a:schemeClr val="tx1"/>
+              </a:solidFill>
+              <a:latin typeface="Times New Roman" pitchFamily="18" charset="0"/>
+              <a:cs typeface="Times New Roman" pitchFamily="18" charset="0"/>
+            </a:endParaRPr>
+          </a:p>
         </p:txBody>
       </p:sp>
       <p:cxnSp>
         <p:nvCxnSpPr>
-          <p:cNvPr id="20" name="Прямая со стрелкой 19"/>
+          <p:cNvPr id="36" name="Прямая со стрелкой 35"/>
           <p:cNvCxnSpPr>
-            <a:stCxn id="14" idx="1"/>
+            <a:stCxn id="8" idx="2"/>
+            <a:endCxn id="12" idx="0"/>
           </p:cNvCxnSpPr>
           <p:nvPr/>
         </p:nvCxnSpPr>
         <p:spPr>
-          <a:xfrm rot="10800000">
-            <a:off x="4786314" y="714357"/>
-            <a:ext cx="2214546" cy="107181"/>
+          <a:xfrm rot="5400000">
+            <a:off x="3071802" y="4572008"/>
+            <a:ext cx="714380" cy="1588"/>
           </a:xfrm>
           <a:prstGeom prst="straightConnector1">
             <a:avLst/>
@@ -6153,17 +9406,17 @@
       </p:cxnSp>
       <p:cxnSp>
         <p:nvCxnSpPr>
-          <p:cNvPr id="22" name="Прямая со стрелкой 21"/>
+          <p:cNvPr id="51" name="Прямая со стрелкой 50"/>
           <p:cNvCxnSpPr>
-            <a:stCxn id="15" idx="1"/>
-            <a:endCxn id="9" idx="3"/>
+            <a:stCxn id="11" idx="3"/>
+            <a:endCxn id="12" idx="1"/>
           </p:cNvCxnSpPr>
           <p:nvPr/>
         </p:nvCxnSpPr>
         <p:spPr>
-          <a:xfrm rot="10800000">
-            <a:off x="4786315" y="1321568"/>
-            <a:ext cx="2721105" cy="796701"/>
+          <a:xfrm>
+            <a:off x="2143108" y="4036223"/>
+            <a:ext cx="785818" cy="1035852"/>
           </a:xfrm>
           <a:prstGeom prst="straightConnector1">
             <a:avLst/>
@@ -6189,16 +9442,17 @@
       </p:cxnSp>
       <p:cxnSp>
         <p:nvCxnSpPr>
-          <p:cNvPr id="24" name="Прямая со стрелкой 23"/>
+          <p:cNvPr id="68" name="Прямая со стрелкой 67"/>
           <p:cNvCxnSpPr>
-            <a:stCxn id="16" idx="1"/>
+            <a:stCxn id="4" idx="0"/>
+            <a:endCxn id="11" idx="2"/>
           </p:cNvCxnSpPr>
           <p:nvPr/>
         </p:nvCxnSpPr>
         <p:spPr>
-          <a:xfrm rot="10800000">
-            <a:off x="4786314" y="1928802"/>
-            <a:ext cx="2428860" cy="1043616"/>
+          <a:xfrm rot="5400000" flipH="1" flipV="1">
+            <a:off x="1232273" y="4375554"/>
+            <a:ext cx="357190" cy="35719"/>
           </a:xfrm>
           <a:prstGeom prst="straightConnector1">
             <a:avLst/>
@@ -6224,17 +9478,17 @@
       </p:cxnSp>
       <p:cxnSp>
         <p:nvCxnSpPr>
-          <p:cNvPr id="49" name="Прямая со стрелкой 48"/>
+          <p:cNvPr id="70" name="Прямая со стрелкой 69"/>
           <p:cNvCxnSpPr>
-            <a:stCxn id="9" idx="2"/>
-            <a:endCxn id="13" idx="0"/>
+            <a:stCxn id="5" idx="0"/>
+            <a:endCxn id="4" idx="2"/>
           </p:cNvCxnSpPr>
           <p:nvPr/>
         </p:nvCxnSpPr>
         <p:spPr>
-          <a:xfrm rot="5400000">
-            <a:off x="3211315" y="2318348"/>
-            <a:ext cx="642966" cy="721082"/>
+          <a:xfrm rot="16200000" flipV="1">
+            <a:off x="1214416" y="5143513"/>
+            <a:ext cx="392907" cy="35719"/>
           </a:xfrm>
           <a:prstGeom prst="straightConnector1">
             <a:avLst/>
@@ -6260,17 +9514,17 @@
       </p:cxnSp>
       <p:cxnSp>
         <p:nvCxnSpPr>
-          <p:cNvPr id="57" name="Прямая со стрелкой 56"/>
+          <p:cNvPr id="77" name="Прямая со стрелкой 76"/>
           <p:cNvCxnSpPr>
-            <a:stCxn id="5" idx="3"/>
-            <a:endCxn id="4" idx="1"/>
+            <a:stCxn id="5" idx="2"/>
+            <a:endCxn id="9" idx="0"/>
           </p:cNvCxnSpPr>
           <p:nvPr/>
         </p:nvCxnSpPr>
         <p:spPr>
-          <a:xfrm>
-            <a:off x="3723664" y="5453071"/>
-            <a:ext cx="491146" cy="100012"/>
+          <a:xfrm rot="5400000">
+            <a:off x="1285852" y="5786454"/>
+            <a:ext cx="285752" cy="1588"/>
           </a:xfrm>
           <a:prstGeom prst="straightConnector1">
             <a:avLst/>
@@ -6296,17 +9550,17 @@
       </p:cxnSp>
       <p:cxnSp>
         <p:nvCxnSpPr>
-          <p:cNvPr id="59" name="Прямая со стрелкой 58"/>
+          <p:cNvPr id="79" name="Прямая со стрелкой 78"/>
           <p:cNvCxnSpPr>
-            <a:stCxn id="4" idx="0"/>
-            <a:endCxn id="12" idx="2"/>
+            <a:stCxn id="9" idx="3"/>
+            <a:endCxn id="10" idx="1"/>
           </p:cNvCxnSpPr>
           <p:nvPr/>
         </p:nvCxnSpPr>
         <p:spPr>
-          <a:xfrm rot="16200000" flipV="1">
-            <a:off x="4748501" y="4590011"/>
-            <a:ext cx="781064" cy="40185"/>
+          <a:xfrm>
+            <a:off x="2000232" y="6107925"/>
+            <a:ext cx="857256" cy="35719"/>
           </a:xfrm>
           <a:prstGeom prst="straightConnector1">
             <a:avLst/>
@@ -6332,17 +9586,17 @@
       </p:cxnSp>
       <p:cxnSp>
         <p:nvCxnSpPr>
-          <p:cNvPr id="61" name="Прямая со стрелкой 60"/>
+          <p:cNvPr id="81" name="Прямая со стрелкой 80"/>
           <p:cNvCxnSpPr>
-            <a:stCxn id="12" idx="1"/>
-            <a:endCxn id="13" idx="3"/>
+            <a:stCxn id="12" idx="2"/>
+            <a:endCxn id="10" idx="0"/>
           </p:cNvCxnSpPr>
           <p:nvPr/>
         </p:nvCxnSpPr>
         <p:spPr>
-          <a:xfrm rot="10800000">
-            <a:off x="3915654" y="3686168"/>
-            <a:ext cx="299156" cy="209557"/>
+          <a:xfrm rot="16200000" flipH="1">
+            <a:off x="3071803" y="5572140"/>
+            <a:ext cx="785817" cy="71438"/>
           </a:xfrm>
           <a:prstGeom prst="straightConnector1">
             <a:avLst/>
@@ -6368,17 +9622,17 @@
       </p:cxnSp>
       <p:cxnSp>
         <p:nvCxnSpPr>
-          <p:cNvPr id="63" name="Прямая со стрелкой 62"/>
+          <p:cNvPr id="85" name="Прямая со стрелкой 84"/>
           <p:cNvCxnSpPr>
-            <a:stCxn id="5" idx="1"/>
-            <a:endCxn id="10" idx="3"/>
+            <a:stCxn id="6" idx="2"/>
+            <a:endCxn id="11" idx="0"/>
           </p:cNvCxnSpPr>
           <p:nvPr/>
         </p:nvCxnSpPr>
         <p:spPr>
-          <a:xfrm rot="10800000" flipV="1">
-            <a:off x="1861810" y="5453071"/>
-            <a:ext cx="495613" cy="171450"/>
+          <a:xfrm rot="16200000" flipH="1">
+            <a:off x="1089397" y="3518297"/>
+            <a:ext cx="357190" cy="321471"/>
           </a:xfrm>
           <a:prstGeom prst="straightConnector1">
             <a:avLst/>
@@ -6404,17 +9658,16 @@
       </p:cxnSp>
       <p:cxnSp>
         <p:nvCxnSpPr>
-          <p:cNvPr id="65" name="Прямая со стрелкой 64"/>
+          <p:cNvPr id="87" name="Прямая со стрелкой 86"/>
           <p:cNvCxnSpPr>
-            <a:stCxn id="10" idx="0"/>
-            <a:endCxn id="11" idx="2"/>
+            <a:endCxn id="4" idx="1"/>
           </p:cNvCxnSpPr>
           <p:nvPr/>
         </p:nvCxnSpPr>
         <p:spPr>
-          <a:xfrm rot="16200000" flipV="1">
-            <a:off x="700193" y="4734220"/>
-            <a:ext cx="666778" cy="8929"/>
+          <a:xfrm rot="16200000" flipH="1">
+            <a:off x="-98260" y="3955856"/>
+            <a:ext cx="1268026" cy="357190"/>
           </a:xfrm>
           <a:prstGeom prst="straightConnector1">
             <a:avLst/>
@@ -6440,17 +9693,17 @@
       </p:cxnSp>
       <p:cxnSp>
         <p:nvCxnSpPr>
-          <p:cNvPr id="67" name="Прямая со стрелкой 66"/>
+          <p:cNvPr id="93" name="Прямая со стрелкой 92"/>
           <p:cNvCxnSpPr>
-            <a:stCxn id="13" idx="1"/>
-            <a:endCxn id="11" idx="3"/>
+            <a:stCxn id="19" idx="1"/>
+            <a:endCxn id="12" idx="3"/>
           </p:cNvCxnSpPr>
           <p:nvPr/>
         </p:nvCxnSpPr>
         <p:spPr>
-          <a:xfrm rot="10800000" flipV="1">
-            <a:off x="1772514" y="3686167"/>
-            <a:ext cx="656346" cy="338138"/>
+          <a:xfrm rot="10800000">
+            <a:off x="3929058" y="5072075"/>
+            <a:ext cx="428628" cy="107144"/>
           </a:xfrm>
           <a:prstGeom prst="straightConnector1">
             <a:avLst/>
@@ -6476,17 +9729,17 @@
       </p:cxnSp>
       <p:cxnSp>
         <p:nvCxnSpPr>
-          <p:cNvPr id="95" name="Прямая со стрелкой 94"/>
+          <p:cNvPr id="96" name="Прямая со стрелкой 95"/>
           <p:cNvCxnSpPr>
             <a:stCxn id="7" idx="1"/>
-            <a:endCxn id="12" idx="3"/>
+            <a:endCxn id="15" idx="3"/>
           </p:cNvCxnSpPr>
           <p:nvPr/>
         </p:nvCxnSpPr>
         <p:spPr>
           <a:xfrm rot="10800000">
-            <a:off x="6023070" y="3895724"/>
-            <a:ext cx="406318" cy="714380"/>
+            <a:off x="7429520" y="2649886"/>
+            <a:ext cx="142876" cy="564800"/>
           </a:xfrm>
           <a:prstGeom prst="straightConnector1">
             <a:avLst/>
@@ -6512,19 +9765,2568 @@
       </p:cxnSp>
       <p:cxnSp>
         <p:nvCxnSpPr>
-          <p:cNvPr id="97" name="Прямая со стрелкой 96"/>
+          <p:cNvPr id="98" name="Прямая со стрелкой 97"/>
+          <p:cNvCxnSpPr>
+            <a:stCxn id="7" idx="0"/>
+            <a:endCxn id="16" idx="3"/>
+          </p:cNvCxnSpPr>
+          <p:nvPr/>
+        </p:nvCxnSpPr>
+        <p:spPr>
+          <a:xfrm rot="16200000" flipV="1">
+            <a:off x="7304504" y="2053818"/>
+            <a:ext cx="1071570" cy="964413"/>
+          </a:xfrm>
+          <a:prstGeom prst="straightConnector1">
+            <a:avLst/>
+          </a:prstGeom>
+          <a:ln>
+            <a:tailEnd type="arrow"/>
+          </a:ln>
+        </p:spPr>
+        <p:style>
+          <a:lnRef idx="1">
+            <a:schemeClr val="accent1"/>
+          </a:lnRef>
+          <a:fillRef idx="0">
+            <a:schemeClr val="accent1"/>
+          </a:fillRef>
+          <a:effectRef idx="0">
+            <a:schemeClr val="accent1"/>
+          </a:effectRef>
+          <a:fontRef idx="minor">
+            <a:schemeClr val="tx1"/>
+          </a:fontRef>
+        </p:style>
+      </p:cxnSp>
+      <p:cxnSp>
+        <p:nvCxnSpPr>
+          <p:cNvPr id="100" name="Прямая со стрелкой 99"/>
           <p:cNvCxnSpPr>
             <a:stCxn id="7" idx="1"/>
-            <a:endCxn id="4" idx="3"/>
+            <a:endCxn id="17" idx="3"/>
           </p:cNvCxnSpPr>
           <p:nvPr/>
         </p:nvCxnSpPr>
         <p:spPr>
           <a:xfrm rot="10800000" flipV="1">
-            <a:off x="6103440" y="4610103"/>
-            <a:ext cx="325949" cy="942979"/>
+            <a:off x="7429520" y="3214686"/>
+            <a:ext cx="142876" cy="578208"/>
           </a:xfrm>
           <a:prstGeom prst="straightConnector1">
+            <a:avLst/>
+          </a:prstGeom>
+          <a:ln>
+            <a:tailEnd type="arrow"/>
+          </a:ln>
+        </p:spPr>
+        <p:style>
+          <a:lnRef idx="1">
+            <a:schemeClr val="accent1"/>
+          </a:lnRef>
+          <a:fillRef idx="0">
+            <a:schemeClr val="accent1"/>
+          </a:fillRef>
+          <a:effectRef idx="0">
+            <a:schemeClr val="accent1"/>
+          </a:effectRef>
+          <a:fontRef idx="minor">
+            <a:schemeClr val="tx1"/>
+          </a:fontRef>
+        </p:style>
+      </p:cxnSp>
+      <p:cxnSp>
+        <p:nvCxnSpPr>
+          <p:cNvPr id="103" name="Прямая со стрелкой 102"/>
+          <p:cNvCxnSpPr>
+            <a:stCxn id="7" idx="2"/>
+            <a:endCxn id="18" idx="0"/>
+          </p:cNvCxnSpPr>
+          <p:nvPr/>
+        </p:nvCxnSpPr>
+        <p:spPr>
+          <a:xfrm rot="5400000">
+            <a:off x="7197347" y="3303984"/>
+            <a:ext cx="1071570" cy="1178727"/>
+          </a:xfrm>
+          <a:prstGeom prst="straightConnector1">
+            <a:avLst/>
+          </a:prstGeom>
+          <a:ln>
+            <a:tailEnd type="arrow"/>
+          </a:ln>
+        </p:spPr>
+        <p:style>
+          <a:lnRef idx="1">
+            <a:schemeClr val="accent1"/>
+          </a:lnRef>
+          <a:fillRef idx="0">
+            <a:schemeClr val="accent1"/>
+          </a:fillRef>
+          <a:effectRef idx="0">
+            <a:schemeClr val="accent1"/>
+          </a:effectRef>
+          <a:fontRef idx="minor">
+            <a:schemeClr val="tx1"/>
+          </a:fontRef>
+        </p:style>
+      </p:cxnSp>
+      <p:cxnSp>
+        <p:nvCxnSpPr>
+          <p:cNvPr id="115" name="Прямая со стрелкой 114"/>
+          <p:cNvCxnSpPr>
+            <a:stCxn id="14" idx="2"/>
+            <a:endCxn id="8" idx="0"/>
+          </p:cNvCxnSpPr>
+          <p:nvPr/>
+        </p:nvCxnSpPr>
+        <p:spPr>
+          <a:xfrm rot="16200000" flipH="1">
+            <a:off x="2857488" y="3286124"/>
+            <a:ext cx="571504" cy="571504"/>
+          </a:xfrm>
+          <a:prstGeom prst="straightConnector1">
+            <a:avLst/>
+          </a:prstGeom>
+          <a:ln>
+            <a:tailEnd type="arrow"/>
+          </a:ln>
+        </p:spPr>
+        <p:style>
+          <a:lnRef idx="1">
+            <a:schemeClr val="accent1"/>
+          </a:lnRef>
+          <a:fillRef idx="0">
+            <a:schemeClr val="accent1"/>
+          </a:fillRef>
+          <a:effectRef idx="0">
+            <a:schemeClr val="accent1"/>
+          </a:effectRef>
+          <a:fontRef idx="minor">
+            <a:schemeClr val="tx1"/>
+          </a:fontRef>
+        </p:style>
+      </p:cxnSp>
+      <p:cxnSp>
+        <p:nvCxnSpPr>
+          <p:cNvPr id="117" name="Прямая со стрелкой 116"/>
+          <p:cNvCxnSpPr>
+            <a:stCxn id="14" idx="3"/>
+            <a:endCxn id="13" idx="1"/>
+          </p:cNvCxnSpPr>
+          <p:nvPr/>
+        </p:nvCxnSpPr>
+        <p:spPr>
+          <a:xfrm>
+            <a:off x="3428992" y="3143248"/>
+            <a:ext cx="357190" cy="35719"/>
+          </a:xfrm>
+          <a:prstGeom prst="straightConnector1">
+            <a:avLst/>
+          </a:prstGeom>
+          <a:ln>
+            <a:tailEnd type="arrow"/>
+          </a:ln>
+        </p:spPr>
+        <p:style>
+          <a:lnRef idx="1">
+            <a:schemeClr val="accent1"/>
+          </a:lnRef>
+          <a:fillRef idx="0">
+            <a:schemeClr val="accent1"/>
+          </a:fillRef>
+          <a:effectRef idx="0">
+            <a:schemeClr val="accent1"/>
+          </a:effectRef>
+          <a:fontRef idx="minor">
+            <a:schemeClr val="tx1"/>
+          </a:fontRef>
+        </p:style>
+      </p:cxnSp>
+      <p:cxnSp>
+        <p:nvCxnSpPr>
+          <p:cNvPr id="119" name="Прямая со стрелкой 118"/>
+          <p:cNvCxnSpPr>
+            <a:stCxn id="13" idx="2"/>
+          </p:cNvCxnSpPr>
+          <p:nvPr/>
+        </p:nvCxnSpPr>
+        <p:spPr>
+          <a:xfrm rot="5400000">
+            <a:off x="3643306" y="3286124"/>
+            <a:ext cx="571504" cy="571504"/>
+          </a:xfrm>
+          <a:prstGeom prst="straightConnector1">
+            <a:avLst/>
+          </a:prstGeom>
+          <a:ln>
+            <a:tailEnd type="arrow"/>
+          </a:ln>
+        </p:spPr>
+        <p:style>
+          <a:lnRef idx="1">
+            <a:schemeClr val="accent1"/>
+          </a:lnRef>
+          <a:fillRef idx="0">
+            <a:schemeClr val="accent1"/>
+          </a:fillRef>
+          <a:effectRef idx="0">
+            <a:schemeClr val="accent1"/>
+          </a:effectRef>
+          <a:fontRef idx="minor">
+            <a:schemeClr val="tx1"/>
+          </a:fontRef>
+        </p:style>
+      </p:cxnSp>
+      <p:cxnSp>
+        <p:nvCxnSpPr>
+          <p:cNvPr id="121" name="Прямая со стрелкой 120"/>
+          <p:cNvCxnSpPr>
+            <a:stCxn id="16" idx="1"/>
+            <a:endCxn id="8" idx="3"/>
+          </p:cNvCxnSpPr>
+          <p:nvPr/>
+        </p:nvCxnSpPr>
+        <p:spPr>
+          <a:xfrm rot="10800000" flipV="1">
+            <a:off x="3929058" y="2000239"/>
+            <a:ext cx="2357454" cy="2035983"/>
+          </a:xfrm>
+          <a:prstGeom prst="straightConnector1">
+            <a:avLst/>
+          </a:prstGeom>
+          <a:ln>
+            <a:tailEnd type="arrow"/>
+          </a:ln>
+        </p:spPr>
+        <p:style>
+          <a:lnRef idx="1">
+            <a:schemeClr val="accent1"/>
+          </a:lnRef>
+          <a:fillRef idx="0">
+            <a:schemeClr val="accent1"/>
+          </a:fillRef>
+          <a:effectRef idx="0">
+            <a:schemeClr val="accent1"/>
+          </a:effectRef>
+          <a:fontRef idx="minor">
+            <a:schemeClr val="tx1"/>
+          </a:fontRef>
+        </p:style>
+      </p:cxnSp>
+      <p:cxnSp>
+        <p:nvCxnSpPr>
+          <p:cNvPr id="123" name="Прямая со стрелкой 122"/>
+          <p:cNvCxnSpPr>
+            <a:stCxn id="15" idx="1"/>
+            <a:endCxn id="8" idx="3"/>
+          </p:cNvCxnSpPr>
+          <p:nvPr/>
+        </p:nvCxnSpPr>
+        <p:spPr>
+          <a:xfrm rot="10800000" flipV="1">
+            <a:off x="3929058" y="2649885"/>
+            <a:ext cx="2357454" cy="1386337"/>
+          </a:xfrm>
+          <a:prstGeom prst="straightConnector1">
+            <a:avLst/>
+          </a:prstGeom>
+          <a:ln>
+            <a:tailEnd type="arrow"/>
+          </a:ln>
+        </p:spPr>
+        <p:style>
+          <a:lnRef idx="1">
+            <a:schemeClr val="accent1"/>
+          </a:lnRef>
+          <a:fillRef idx="0">
+            <a:schemeClr val="accent1"/>
+          </a:fillRef>
+          <a:effectRef idx="0">
+            <a:schemeClr val="accent1"/>
+          </a:effectRef>
+          <a:fontRef idx="minor">
+            <a:schemeClr val="tx1"/>
+          </a:fontRef>
+        </p:style>
+      </p:cxnSp>
+      <p:cxnSp>
+        <p:nvCxnSpPr>
+          <p:cNvPr id="125" name="Прямая со стрелкой 124"/>
+          <p:cNvCxnSpPr>
+            <a:stCxn id="17" idx="1"/>
+            <a:endCxn id="8" idx="3"/>
+          </p:cNvCxnSpPr>
+          <p:nvPr/>
+        </p:nvCxnSpPr>
+        <p:spPr>
+          <a:xfrm rot="10800000" flipV="1">
+            <a:off x="3929058" y="3792893"/>
+            <a:ext cx="2286016" cy="243329"/>
+          </a:xfrm>
+          <a:prstGeom prst="straightConnector1">
+            <a:avLst/>
+          </a:prstGeom>
+          <a:ln>
+            <a:tailEnd type="arrow"/>
+          </a:ln>
+        </p:spPr>
+        <p:style>
+          <a:lnRef idx="1">
+            <a:schemeClr val="accent1"/>
+          </a:lnRef>
+          <a:fillRef idx="0">
+            <a:schemeClr val="accent1"/>
+          </a:fillRef>
+          <a:effectRef idx="0">
+            <a:schemeClr val="accent1"/>
+          </a:effectRef>
+          <a:fontRef idx="minor">
+            <a:schemeClr val="tx1"/>
+          </a:fontRef>
+        </p:style>
+      </p:cxnSp>
+      <p:cxnSp>
+        <p:nvCxnSpPr>
+          <p:cNvPr id="127" name="Прямая со стрелкой 126"/>
+          <p:cNvCxnSpPr>
+            <a:stCxn id="18" idx="1"/>
+            <a:endCxn id="8" idx="3"/>
+          </p:cNvCxnSpPr>
+          <p:nvPr/>
+        </p:nvCxnSpPr>
+        <p:spPr>
+          <a:xfrm rot="10800000">
+            <a:off x="3929058" y="4036223"/>
+            <a:ext cx="2286016" cy="571492"/>
+          </a:xfrm>
+          <a:prstGeom prst="straightConnector1">
+            <a:avLst/>
+          </a:prstGeom>
+          <a:ln>
+            <a:tailEnd type="arrow"/>
+          </a:ln>
+        </p:spPr>
+        <p:style>
+          <a:lnRef idx="1">
+            <a:schemeClr val="accent1"/>
+          </a:lnRef>
+          <a:fillRef idx="0">
+            <a:schemeClr val="accent1"/>
+          </a:fillRef>
+          <a:effectRef idx="0">
+            <a:schemeClr val="accent1"/>
+          </a:effectRef>
+          <a:fontRef idx="minor">
+            <a:schemeClr val="tx1"/>
+          </a:fontRef>
+        </p:style>
+      </p:cxnSp>
+      <p:cxnSp>
+        <p:nvCxnSpPr>
+          <p:cNvPr id="131" name="Прямая со стрелкой 130"/>
+          <p:cNvCxnSpPr>
+            <a:stCxn id="16" idx="1"/>
+          </p:cNvCxnSpPr>
+          <p:nvPr/>
+        </p:nvCxnSpPr>
+        <p:spPr>
+          <a:xfrm rot="10800000" flipV="1">
+            <a:off x="4572000" y="2000240"/>
+            <a:ext cx="1714512" cy="3000396"/>
+          </a:xfrm>
+          <a:prstGeom prst="straightConnector1">
+            <a:avLst/>
+          </a:prstGeom>
+          <a:ln>
+            <a:tailEnd type="arrow"/>
+          </a:ln>
+        </p:spPr>
+        <p:style>
+          <a:lnRef idx="1">
+            <a:schemeClr val="accent1"/>
+          </a:lnRef>
+          <a:fillRef idx="0">
+            <a:schemeClr val="accent1"/>
+          </a:fillRef>
+          <a:effectRef idx="0">
+            <a:schemeClr val="accent1"/>
+          </a:effectRef>
+          <a:fontRef idx="minor">
+            <a:schemeClr val="tx1"/>
+          </a:fontRef>
+        </p:style>
+      </p:cxnSp>
+      <p:cxnSp>
+        <p:nvCxnSpPr>
+          <p:cNvPr id="133" name="Прямая со стрелкой 132"/>
+          <p:cNvCxnSpPr>
+            <a:stCxn id="15" idx="1"/>
+          </p:cNvCxnSpPr>
+          <p:nvPr/>
+        </p:nvCxnSpPr>
+        <p:spPr>
+          <a:xfrm rot="10800000" flipV="1">
+            <a:off x="4857752" y="2649886"/>
+            <a:ext cx="1428760" cy="2350750"/>
+          </a:xfrm>
+          <a:prstGeom prst="straightConnector1">
+            <a:avLst/>
+          </a:prstGeom>
+          <a:ln>
+            <a:tailEnd type="arrow"/>
+          </a:ln>
+        </p:spPr>
+        <p:style>
+          <a:lnRef idx="1">
+            <a:schemeClr val="accent1"/>
+          </a:lnRef>
+          <a:fillRef idx="0">
+            <a:schemeClr val="accent1"/>
+          </a:fillRef>
+          <a:effectRef idx="0">
+            <a:schemeClr val="accent1"/>
+          </a:effectRef>
+          <a:fontRef idx="minor">
+            <a:schemeClr val="tx1"/>
+          </a:fontRef>
+        </p:style>
+      </p:cxnSp>
+      <p:cxnSp>
+        <p:nvCxnSpPr>
+          <p:cNvPr id="135" name="Прямая со стрелкой 134"/>
+          <p:cNvCxnSpPr>
+            <a:stCxn id="17" idx="1"/>
+            <a:endCxn id="19" idx="0"/>
+          </p:cNvCxnSpPr>
+          <p:nvPr/>
+        </p:nvCxnSpPr>
+        <p:spPr>
+          <a:xfrm rot="10800000" flipV="1">
+            <a:off x="5036348" y="3792894"/>
+            <a:ext cx="1178727" cy="1207742"/>
+          </a:xfrm>
+          <a:prstGeom prst="straightConnector1">
+            <a:avLst/>
+          </a:prstGeom>
+          <a:ln>
+            <a:tailEnd type="arrow"/>
+          </a:ln>
+        </p:spPr>
+        <p:style>
+          <a:lnRef idx="1">
+            <a:schemeClr val="accent1"/>
+          </a:lnRef>
+          <a:fillRef idx="0">
+            <a:schemeClr val="accent1"/>
+          </a:fillRef>
+          <a:effectRef idx="0">
+            <a:schemeClr val="accent1"/>
+          </a:effectRef>
+          <a:fontRef idx="minor">
+            <a:schemeClr val="tx1"/>
+          </a:fontRef>
+        </p:style>
+      </p:cxnSp>
+      <p:cxnSp>
+        <p:nvCxnSpPr>
+          <p:cNvPr id="137" name="Прямая со стрелкой 136"/>
+          <p:cNvCxnSpPr>
+            <a:stCxn id="18" idx="1"/>
+          </p:cNvCxnSpPr>
+          <p:nvPr/>
+        </p:nvCxnSpPr>
+        <p:spPr>
+          <a:xfrm rot="10800000" flipV="1">
+            <a:off x="5357818" y="4607714"/>
+            <a:ext cx="857256" cy="392921"/>
+          </a:xfrm>
+          <a:prstGeom prst="straightConnector1">
+            <a:avLst/>
+          </a:prstGeom>
+          <a:ln>
+            <a:tailEnd type="arrow"/>
+          </a:ln>
+        </p:spPr>
+        <p:style>
+          <a:lnRef idx="1">
+            <a:schemeClr val="accent1"/>
+          </a:lnRef>
+          <a:fillRef idx="0">
+            <a:schemeClr val="accent1"/>
+          </a:fillRef>
+          <a:effectRef idx="0">
+            <a:schemeClr val="accent1"/>
+          </a:effectRef>
+          <a:fontRef idx="minor">
+            <a:schemeClr val="tx1"/>
+          </a:fontRef>
+        </p:style>
+      </p:cxnSp>
+    </p:spTree>
+  </p:cSld>
+  <p:clrMapOvr>
+    <a:masterClrMapping/>
+  </p:clrMapOvr>
+</p:sld>
+</file>
+
+<file path=ppt/slides/slide3.xml><?xml version="1.0" encoding="utf-8"?>
+<p:sld xmlns:a="http://schemas.openxmlformats.org/drawingml/2006/main" xmlns:r="http://schemas.openxmlformats.org/officeDocument/2006/relationships" xmlns:p="http://schemas.openxmlformats.org/presentationml/2006/main">
+  <p:cSld>
+    <p:spTree>
+      <p:nvGrpSpPr>
+        <p:cNvPr id="1" name=""/>
+        <p:cNvGrpSpPr/>
+        <p:nvPr/>
+      </p:nvGrpSpPr>
+      <p:grpSpPr>
+        <a:xfrm>
+          <a:off x="0" y="0"/>
+          <a:ext cx="0" cy="0"/>
+          <a:chOff x="0" y="0"/>
+          <a:chExt cx="0" cy="0"/>
+        </a:xfrm>
+      </p:grpSpPr>
+      <p:sp>
+        <p:nvSpPr>
+          <p:cNvPr id="4" name="Прямоугольник 3"/>
+          <p:cNvSpPr/>
+          <p:nvPr/>
+        </p:nvSpPr>
+        <p:spPr>
+          <a:xfrm>
+            <a:off x="4000496" y="357166"/>
+            <a:ext cx="1071570" cy="357190"/>
+          </a:xfrm>
+          <a:prstGeom prst="rect">
+            <a:avLst/>
+          </a:prstGeom>
+          <a:solidFill>
+            <a:schemeClr val="accent1">
+              <a:alpha val="0"/>
+            </a:schemeClr>
+          </a:solidFill>
+        </p:spPr>
+        <p:style>
+          <a:lnRef idx="2">
+            <a:schemeClr val="accent1">
+              <a:shade val="50000"/>
+            </a:schemeClr>
+          </a:lnRef>
+          <a:fillRef idx="1">
+            <a:schemeClr val="accent1"/>
+          </a:fillRef>
+          <a:effectRef idx="0">
+            <a:schemeClr val="accent1"/>
+          </a:effectRef>
+          <a:fontRef idx="minor">
+            <a:schemeClr val="lt1"/>
+          </a:fontRef>
+        </p:style>
+        <p:txBody>
+          <a:bodyPr rtlCol="0" anchor="ctr"/>
+          <a:lstStyle/>
+          <a:p>
+            <a:pPr algn="ctr"/>
+            <a:r>
+              <a:rPr lang="ru-RU" sz="1200" dirty="0" smtClean="0">
+                <a:solidFill>
+                  <a:schemeClr val="tx1"/>
+                </a:solidFill>
+                <a:latin typeface="Times New Roman" pitchFamily="18" charset="0"/>
+                <a:cs typeface="Times New Roman" pitchFamily="18" charset="0"/>
+              </a:rPr>
+              <a:t>Вывод меню</a:t>
+            </a:r>
+            <a:endParaRPr lang="en-US" sz="1200" dirty="0" smtClean="0">
+              <a:solidFill>
+                <a:schemeClr val="tx1"/>
+              </a:solidFill>
+              <a:latin typeface="Times New Roman" pitchFamily="18" charset="0"/>
+              <a:cs typeface="Times New Roman" pitchFamily="18" charset="0"/>
+            </a:endParaRPr>
+          </a:p>
+        </p:txBody>
+      </p:sp>
+      <p:sp>
+        <p:nvSpPr>
+          <p:cNvPr id="5" name="Прямоугольник 4"/>
+          <p:cNvSpPr/>
+          <p:nvPr/>
+        </p:nvSpPr>
+        <p:spPr>
+          <a:xfrm>
+            <a:off x="2714612" y="1142984"/>
+            <a:ext cx="3714776" cy="357190"/>
+          </a:xfrm>
+          <a:prstGeom prst="rect">
+            <a:avLst/>
+          </a:prstGeom>
+          <a:solidFill>
+            <a:schemeClr val="accent1">
+              <a:alpha val="0"/>
+            </a:schemeClr>
+          </a:solidFill>
+        </p:spPr>
+        <p:style>
+          <a:lnRef idx="2">
+            <a:schemeClr val="accent1">
+              <a:shade val="50000"/>
+            </a:schemeClr>
+          </a:lnRef>
+          <a:fillRef idx="1">
+            <a:schemeClr val="accent1"/>
+          </a:fillRef>
+          <a:effectRef idx="0">
+            <a:schemeClr val="accent1"/>
+          </a:effectRef>
+          <a:fontRef idx="minor">
+            <a:schemeClr val="lt1"/>
+          </a:fontRef>
+        </p:style>
+        <p:txBody>
+          <a:bodyPr rtlCol="0" anchor="ctr"/>
+          <a:lstStyle/>
+          <a:p>
+            <a:pPr algn="ctr"/>
+            <a:r>
+              <a:rPr lang="ru-RU" sz="1200" dirty="0" smtClean="0">
+                <a:solidFill>
+                  <a:schemeClr val="tx1"/>
+                </a:solidFill>
+                <a:latin typeface="Times New Roman" pitchFamily="18" charset="0"/>
+                <a:cs typeface="Times New Roman" pitchFamily="18" charset="0"/>
+              </a:rPr>
+              <a:t>Получение от пользователя выбора действия из меню</a:t>
+            </a:r>
+            <a:endParaRPr lang="en-US" sz="1200" dirty="0" smtClean="0">
+              <a:solidFill>
+                <a:schemeClr val="tx1"/>
+              </a:solidFill>
+              <a:latin typeface="Times New Roman" pitchFamily="18" charset="0"/>
+              <a:cs typeface="Times New Roman" pitchFamily="18" charset="0"/>
+            </a:endParaRPr>
+          </a:p>
+        </p:txBody>
+      </p:sp>
+      <p:sp>
+        <p:nvSpPr>
+          <p:cNvPr id="6" name="Прямоугольник 5"/>
+          <p:cNvSpPr/>
+          <p:nvPr/>
+        </p:nvSpPr>
+        <p:spPr>
+          <a:xfrm>
+            <a:off x="2071670" y="5786454"/>
+            <a:ext cx="5143536" cy="357190"/>
+          </a:xfrm>
+          <a:prstGeom prst="rect">
+            <a:avLst/>
+          </a:prstGeom>
+          <a:solidFill>
+            <a:schemeClr val="accent1">
+              <a:alpha val="0"/>
+            </a:schemeClr>
+          </a:solidFill>
+        </p:spPr>
+        <p:style>
+          <a:lnRef idx="2">
+            <a:schemeClr val="accent1">
+              <a:shade val="50000"/>
+            </a:schemeClr>
+          </a:lnRef>
+          <a:fillRef idx="1">
+            <a:schemeClr val="accent1"/>
+          </a:fillRef>
+          <a:effectRef idx="0">
+            <a:schemeClr val="accent1"/>
+          </a:effectRef>
+          <a:fontRef idx="minor">
+            <a:schemeClr val="lt1"/>
+          </a:fontRef>
+        </p:style>
+        <p:txBody>
+          <a:bodyPr rtlCol="0" anchor="ctr"/>
+          <a:lstStyle/>
+          <a:p>
+            <a:r>
+              <a:rPr lang="ru-RU" sz="1200" dirty="0" smtClean="0">
+                <a:solidFill>
+                  <a:schemeClr val="tx1"/>
+                </a:solidFill>
+                <a:latin typeface="Times New Roman" pitchFamily="18" charset="0"/>
+                <a:cs typeface="Times New Roman" pitchFamily="18" charset="0"/>
+              </a:rPr>
+              <a:t>Предложение пользователю выхода из программы или продолжения работы</a:t>
+            </a:r>
+            <a:endParaRPr lang="en-US" sz="1200" dirty="0" smtClean="0">
+              <a:solidFill>
+                <a:schemeClr val="tx1"/>
+              </a:solidFill>
+              <a:latin typeface="Times New Roman" pitchFamily="18" charset="0"/>
+              <a:cs typeface="Times New Roman" pitchFamily="18" charset="0"/>
+            </a:endParaRPr>
+          </a:p>
+        </p:txBody>
+      </p:sp>
+      <p:sp>
+        <p:nvSpPr>
+          <p:cNvPr id="7" name="Прямоугольник 6"/>
+          <p:cNvSpPr/>
+          <p:nvPr/>
+        </p:nvSpPr>
+        <p:spPr>
+          <a:xfrm>
+            <a:off x="785786" y="1928802"/>
+            <a:ext cx="1643074" cy="357190"/>
+          </a:xfrm>
+          <a:prstGeom prst="rect">
+            <a:avLst/>
+          </a:prstGeom>
+          <a:solidFill>
+            <a:schemeClr val="accent1">
+              <a:alpha val="0"/>
+            </a:schemeClr>
+          </a:solidFill>
+        </p:spPr>
+        <p:style>
+          <a:lnRef idx="2">
+            <a:schemeClr val="accent1">
+              <a:shade val="50000"/>
+            </a:schemeClr>
+          </a:lnRef>
+          <a:fillRef idx="1">
+            <a:schemeClr val="accent1"/>
+          </a:fillRef>
+          <a:effectRef idx="0">
+            <a:schemeClr val="accent1"/>
+          </a:effectRef>
+          <a:fontRef idx="minor">
+            <a:schemeClr val="lt1"/>
+          </a:fontRef>
+        </p:style>
+        <p:txBody>
+          <a:bodyPr rtlCol="0" anchor="ctr"/>
+          <a:lstStyle/>
+          <a:p>
+            <a:pPr algn="ctr"/>
+            <a:r>
+              <a:rPr lang="ru-RU" sz="1200" dirty="0" smtClean="0">
+                <a:solidFill>
+                  <a:schemeClr val="tx1"/>
+                </a:solidFill>
+                <a:latin typeface="Times New Roman" pitchFamily="18" charset="0"/>
+                <a:cs typeface="Times New Roman" pitchFamily="18" charset="0"/>
+              </a:rPr>
+              <a:t>Добавление записи</a:t>
+            </a:r>
+            <a:endParaRPr lang="en-US" sz="1200" dirty="0" smtClean="0">
+              <a:solidFill>
+                <a:schemeClr val="tx1"/>
+              </a:solidFill>
+              <a:latin typeface="Times New Roman" pitchFamily="18" charset="0"/>
+              <a:cs typeface="Times New Roman" pitchFamily="18" charset="0"/>
+            </a:endParaRPr>
+          </a:p>
+        </p:txBody>
+      </p:sp>
+      <p:sp>
+        <p:nvSpPr>
+          <p:cNvPr id="8" name="Прямоугольник 7"/>
+          <p:cNvSpPr/>
+          <p:nvPr/>
+        </p:nvSpPr>
+        <p:spPr>
+          <a:xfrm>
+            <a:off x="2357422" y="2571744"/>
+            <a:ext cx="1785950" cy="357190"/>
+          </a:xfrm>
+          <a:prstGeom prst="rect">
+            <a:avLst/>
+          </a:prstGeom>
+          <a:solidFill>
+            <a:schemeClr val="accent1">
+              <a:alpha val="0"/>
+            </a:schemeClr>
+          </a:solidFill>
+        </p:spPr>
+        <p:style>
+          <a:lnRef idx="2">
+            <a:schemeClr val="accent1">
+              <a:shade val="50000"/>
+            </a:schemeClr>
+          </a:lnRef>
+          <a:fillRef idx="1">
+            <a:schemeClr val="accent1"/>
+          </a:fillRef>
+          <a:effectRef idx="0">
+            <a:schemeClr val="accent1"/>
+          </a:effectRef>
+          <a:fontRef idx="minor">
+            <a:schemeClr val="lt1"/>
+          </a:fontRef>
+        </p:style>
+        <p:txBody>
+          <a:bodyPr rtlCol="0" anchor="ctr"/>
+          <a:lstStyle/>
+          <a:p>
+            <a:pPr algn="ctr"/>
+            <a:r>
+              <a:rPr lang="ru-RU" sz="1200" dirty="0" smtClean="0">
+                <a:solidFill>
+                  <a:schemeClr val="tx1"/>
+                </a:solidFill>
+                <a:latin typeface="Times New Roman" pitchFamily="18" charset="0"/>
+                <a:cs typeface="Times New Roman" pitchFamily="18" charset="0"/>
+              </a:rPr>
+              <a:t>Редактирование записи</a:t>
+            </a:r>
+            <a:endParaRPr lang="en-US" sz="1200" dirty="0" smtClean="0">
+              <a:solidFill>
+                <a:schemeClr val="tx1"/>
+              </a:solidFill>
+              <a:latin typeface="Times New Roman" pitchFamily="18" charset="0"/>
+              <a:cs typeface="Times New Roman" pitchFamily="18" charset="0"/>
+            </a:endParaRPr>
+          </a:p>
+        </p:txBody>
+      </p:sp>
+      <p:sp>
+        <p:nvSpPr>
+          <p:cNvPr id="9" name="Прямоугольник 8"/>
+          <p:cNvSpPr/>
+          <p:nvPr/>
+        </p:nvSpPr>
+        <p:spPr>
+          <a:xfrm>
+            <a:off x="3714744" y="2000240"/>
+            <a:ext cx="1643074" cy="357190"/>
+          </a:xfrm>
+          <a:prstGeom prst="rect">
+            <a:avLst/>
+          </a:prstGeom>
+          <a:solidFill>
+            <a:schemeClr val="accent1">
+              <a:alpha val="0"/>
+            </a:schemeClr>
+          </a:solidFill>
+        </p:spPr>
+        <p:style>
+          <a:lnRef idx="2">
+            <a:schemeClr val="accent1">
+              <a:shade val="50000"/>
+            </a:schemeClr>
+          </a:lnRef>
+          <a:fillRef idx="1">
+            <a:schemeClr val="accent1"/>
+          </a:fillRef>
+          <a:effectRef idx="0">
+            <a:schemeClr val="accent1"/>
+          </a:effectRef>
+          <a:fontRef idx="minor">
+            <a:schemeClr val="lt1"/>
+          </a:fontRef>
+        </p:style>
+        <p:txBody>
+          <a:bodyPr rtlCol="0" anchor="ctr"/>
+          <a:lstStyle/>
+          <a:p>
+            <a:pPr algn="ctr"/>
+            <a:r>
+              <a:rPr lang="ru-RU" sz="1200" dirty="0" smtClean="0">
+                <a:solidFill>
+                  <a:schemeClr val="tx1"/>
+                </a:solidFill>
+                <a:latin typeface="Times New Roman" pitchFamily="18" charset="0"/>
+                <a:cs typeface="Times New Roman" pitchFamily="18" charset="0"/>
+              </a:rPr>
+              <a:t>Удаление записи</a:t>
+            </a:r>
+            <a:endParaRPr lang="en-US" sz="1200" dirty="0" smtClean="0">
+              <a:solidFill>
+                <a:schemeClr val="tx1"/>
+              </a:solidFill>
+              <a:latin typeface="Times New Roman" pitchFamily="18" charset="0"/>
+              <a:cs typeface="Times New Roman" pitchFamily="18" charset="0"/>
+            </a:endParaRPr>
+          </a:p>
+        </p:txBody>
+      </p:sp>
+      <p:sp>
+        <p:nvSpPr>
+          <p:cNvPr id="10" name="Прямоугольник 9"/>
+          <p:cNvSpPr/>
+          <p:nvPr/>
+        </p:nvSpPr>
+        <p:spPr>
+          <a:xfrm>
+            <a:off x="5000628" y="2571744"/>
+            <a:ext cx="2357422" cy="357190"/>
+          </a:xfrm>
+          <a:prstGeom prst="rect">
+            <a:avLst/>
+          </a:prstGeom>
+          <a:solidFill>
+            <a:schemeClr val="accent1">
+              <a:alpha val="0"/>
+            </a:schemeClr>
+          </a:solidFill>
+        </p:spPr>
+        <p:style>
+          <a:lnRef idx="2">
+            <a:schemeClr val="accent1">
+              <a:shade val="50000"/>
+            </a:schemeClr>
+          </a:lnRef>
+          <a:fillRef idx="1">
+            <a:schemeClr val="accent1"/>
+          </a:fillRef>
+          <a:effectRef idx="0">
+            <a:schemeClr val="accent1"/>
+          </a:effectRef>
+          <a:fontRef idx="minor">
+            <a:schemeClr val="lt1"/>
+          </a:fontRef>
+        </p:style>
+        <p:txBody>
+          <a:bodyPr rtlCol="0" anchor="ctr"/>
+          <a:lstStyle/>
+          <a:p>
+            <a:pPr algn="ctr"/>
+            <a:r>
+              <a:rPr lang="ru-RU" sz="1200" dirty="0" smtClean="0">
+                <a:solidFill>
+                  <a:schemeClr val="tx1"/>
+                </a:solidFill>
+                <a:latin typeface="Times New Roman" pitchFamily="18" charset="0"/>
+                <a:cs typeface="Times New Roman" pitchFamily="18" charset="0"/>
+              </a:rPr>
+              <a:t>Вывод полного списка записей</a:t>
+            </a:r>
+            <a:endParaRPr lang="en-US" sz="1200" dirty="0" smtClean="0">
+              <a:solidFill>
+                <a:schemeClr val="tx1"/>
+              </a:solidFill>
+              <a:latin typeface="Times New Roman" pitchFamily="18" charset="0"/>
+              <a:cs typeface="Times New Roman" pitchFamily="18" charset="0"/>
+            </a:endParaRPr>
+          </a:p>
+        </p:txBody>
+      </p:sp>
+      <p:sp>
+        <p:nvSpPr>
+          <p:cNvPr id="11" name="Прямоугольник 10"/>
+          <p:cNvSpPr/>
+          <p:nvPr/>
+        </p:nvSpPr>
+        <p:spPr>
+          <a:xfrm>
+            <a:off x="5929322" y="2000240"/>
+            <a:ext cx="3000396" cy="357190"/>
+          </a:xfrm>
+          <a:prstGeom prst="rect">
+            <a:avLst/>
+          </a:prstGeom>
+          <a:solidFill>
+            <a:schemeClr val="accent1">
+              <a:alpha val="0"/>
+            </a:schemeClr>
+          </a:solidFill>
+        </p:spPr>
+        <p:style>
+          <a:lnRef idx="2">
+            <a:schemeClr val="accent1">
+              <a:shade val="50000"/>
+            </a:schemeClr>
+          </a:lnRef>
+          <a:fillRef idx="1">
+            <a:schemeClr val="accent1"/>
+          </a:fillRef>
+          <a:effectRef idx="0">
+            <a:schemeClr val="accent1"/>
+          </a:effectRef>
+          <a:fontRef idx="minor">
+            <a:schemeClr val="lt1"/>
+          </a:fontRef>
+        </p:style>
+        <p:txBody>
+          <a:bodyPr rtlCol="0" anchor="ctr"/>
+          <a:lstStyle/>
+          <a:p>
+            <a:pPr algn="ctr"/>
+            <a:r>
+              <a:rPr lang="ru-RU" sz="1200" dirty="0" smtClean="0">
+                <a:solidFill>
+                  <a:schemeClr val="tx1"/>
+                </a:solidFill>
+                <a:latin typeface="Times New Roman" pitchFamily="18" charset="0"/>
+                <a:cs typeface="Times New Roman" pitchFamily="18" charset="0"/>
+              </a:rPr>
+              <a:t>Вывод списка записей с учетом фильтра</a:t>
+            </a:r>
+            <a:endParaRPr lang="en-US" sz="1200" dirty="0" smtClean="0">
+              <a:solidFill>
+                <a:schemeClr val="tx1"/>
+              </a:solidFill>
+              <a:latin typeface="Times New Roman" pitchFamily="18" charset="0"/>
+              <a:cs typeface="Times New Roman" pitchFamily="18" charset="0"/>
+            </a:endParaRPr>
+          </a:p>
+        </p:txBody>
+      </p:sp>
+      <p:sp>
+        <p:nvSpPr>
+          <p:cNvPr id="12" name="Прямоугольник 11"/>
+          <p:cNvSpPr/>
+          <p:nvPr/>
+        </p:nvSpPr>
+        <p:spPr>
+          <a:xfrm>
+            <a:off x="714348" y="3286124"/>
+            <a:ext cx="1500198" cy="357190"/>
+          </a:xfrm>
+          <a:prstGeom prst="rect">
+            <a:avLst/>
+          </a:prstGeom>
+          <a:solidFill>
+            <a:schemeClr val="accent1">
+              <a:alpha val="0"/>
+            </a:schemeClr>
+          </a:solidFill>
+        </p:spPr>
+        <p:style>
+          <a:lnRef idx="2">
+            <a:schemeClr val="accent1">
+              <a:shade val="50000"/>
+            </a:schemeClr>
+          </a:lnRef>
+          <a:fillRef idx="1">
+            <a:schemeClr val="accent1"/>
+          </a:fillRef>
+          <a:effectRef idx="0">
+            <a:schemeClr val="accent1"/>
+          </a:effectRef>
+          <a:fontRef idx="minor">
+            <a:schemeClr val="lt1"/>
+          </a:fontRef>
+        </p:style>
+        <p:txBody>
+          <a:bodyPr rtlCol="0" anchor="ctr"/>
+          <a:lstStyle/>
+          <a:p>
+            <a:pPr algn="ctr"/>
+            <a:r>
+              <a:rPr lang="ru-RU" sz="1200" dirty="0" smtClean="0">
+                <a:solidFill>
+                  <a:schemeClr val="tx1"/>
+                </a:solidFill>
+                <a:latin typeface="Times New Roman" pitchFamily="18" charset="0"/>
+                <a:cs typeface="Times New Roman" pitchFamily="18" charset="0"/>
+              </a:rPr>
+              <a:t>Получение ввода от пользователя</a:t>
+            </a:r>
+            <a:endParaRPr lang="en-US" sz="1200" dirty="0" smtClean="0">
+              <a:solidFill>
+                <a:schemeClr val="tx1"/>
+              </a:solidFill>
+              <a:latin typeface="Times New Roman" pitchFamily="18" charset="0"/>
+              <a:cs typeface="Times New Roman" pitchFamily="18" charset="0"/>
+            </a:endParaRPr>
+          </a:p>
+        </p:txBody>
+      </p:sp>
+      <p:sp>
+        <p:nvSpPr>
+          <p:cNvPr id="13" name="Прямоугольник 12"/>
+          <p:cNvSpPr/>
+          <p:nvPr/>
+        </p:nvSpPr>
+        <p:spPr>
+          <a:xfrm>
+            <a:off x="3643306" y="3071810"/>
+            <a:ext cx="1785950" cy="357190"/>
+          </a:xfrm>
+          <a:prstGeom prst="rect">
+            <a:avLst/>
+          </a:prstGeom>
+          <a:solidFill>
+            <a:schemeClr val="accent1">
+              <a:alpha val="0"/>
+            </a:schemeClr>
+          </a:solidFill>
+        </p:spPr>
+        <p:style>
+          <a:lnRef idx="2">
+            <a:schemeClr val="accent1">
+              <a:shade val="50000"/>
+            </a:schemeClr>
+          </a:lnRef>
+          <a:fillRef idx="1">
+            <a:schemeClr val="accent1"/>
+          </a:fillRef>
+          <a:effectRef idx="0">
+            <a:schemeClr val="accent1"/>
+          </a:effectRef>
+          <a:fontRef idx="minor">
+            <a:schemeClr val="lt1"/>
+          </a:fontRef>
+        </p:style>
+        <p:txBody>
+          <a:bodyPr rtlCol="0" anchor="ctr"/>
+          <a:lstStyle/>
+          <a:p>
+            <a:pPr algn="ctr"/>
+            <a:r>
+              <a:rPr lang="ru-RU" sz="1200" dirty="0" smtClean="0">
+                <a:solidFill>
+                  <a:schemeClr val="tx1"/>
+                </a:solidFill>
+                <a:latin typeface="Times New Roman" pitchFamily="18" charset="0"/>
+                <a:cs typeface="Times New Roman" pitchFamily="18" charset="0"/>
+              </a:rPr>
+              <a:t>Получение от пользователя </a:t>
+            </a:r>
+            <a:r>
+              <a:rPr lang="en-US" sz="1200" dirty="0" smtClean="0">
+                <a:solidFill>
+                  <a:schemeClr val="tx1"/>
+                </a:solidFill>
+                <a:latin typeface="Times New Roman" pitchFamily="18" charset="0"/>
+                <a:cs typeface="Times New Roman" pitchFamily="18" charset="0"/>
+              </a:rPr>
+              <a:t>id </a:t>
+            </a:r>
+            <a:r>
+              <a:rPr lang="ru-RU" sz="1200" dirty="0" smtClean="0">
+                <a:solidFill>
+                  <a:schemeClr val="tx1"/>
+                </a:solidFill>
+                <a:latin typeface="Times New Roman" pitchFamily="18" charset="0"/>
+                <a:cs typeface="Times New Roman" pitchFamily="18" charset="0"/>
+              </a:rPr>
+              <a:t>записи</a:t>
+            </a:r>
+            <a:endParaRPr lang="en-US" sz="1200" dirty="0" smtClean="0">
+              <a:solidFill>
+                <a:schemeClr val="tx1"/>
+              </a:solidFill>
+              <a:latin typeface="Times New Roman" pitchFamily="18" charset="0"/>
+              <a:cs typeface="Times New Roman" pitchFamily="18" charset="0"/>
+            </a:endParaRPr>
+          </a:p>
+        </p:txBody>
+      </p:sp>
+      <p:sp>
+        <p:nvSpPr>
+          <p:cNvPr id="14" name="Прямоугольник 13"/>
+          <p:cNvSpPr/>
+          <p:nvPr/>
+        </p:nvSpPr>
+        <p:spPr>
+          <a:xfrm>
+            <a:off x="3643306" y="3643314"/>
+            <a:ext cx="1785950" cy="357190"/>
+          </a:xfrm>
+          <a:prstGeom prst="rect">
+            <a:avLst/>
+          </a:prstGeom>
+          <a:solidFill>
+            <a:schemeClr val="accent1">
+              <a:alpha val="0"/>
+            </a:schemeClr>
+          </a:solidFill>
+        </p:spPr>
+        <p:style>
+          <a:lnRef idx="2">
+            <a:schemeClr val="accent1">
+              <a:shade val="50000"/>
+            </a:schemeClr>
+          </a:lnRef>
+          <a:fillRef idx="1">
+            <a:schemeClr val="accent1"/>
+          </a:fillRef>
+          <a:effectRef idx="0">
+            <a:schemeClr val="accent1"/>
+          </a:effectRef>
+          <a:fontRef idx="minor">
+            <a:schemeClr val="lt1"/>
+          </a:fontRef>
+        </p:style>
+        <p:txBody>
+          <a:bodyPr rtlCol="0" anchor="ctr"/>
+          <a:lstStyle/>
+          <a:p>
+            <a:pPr algn="ctr"/>
+            <a:r>
+              <a:rPr lang="ru-RU" sz="1200" dirty="0" smtClean="0">
+                <a:solidFill>
+                  <a:schemeClr val="tx1"/>
+                </a:solidFill>
+                <a:latin typeface="Times New Roman" pitchFamily="18" charset="0"/>
+                <a:cs typeface="Times New Roman" pitchFamily="18" charset="0"/>
+              </a:rPr>
+              <a:t>Удаление записи из списка</a:t>
+            </a:r>
+            <a:endParaRPr lang="en-US" sz="1200" dirty="0" smtClean="0">
+              <a:solidFill>
+                <a:schemeClr val="tx1"/>
+              </a:solidFill>
+              <a:latin typeface="Times New Roman" pitchFamily="18" charset="0"/>
+              <a:cs typeface="Times New Roman" pitchFamily="18" charset="0"/>
+            </a:endParaRPr>
+          </a:p>
+        </p:txBody>
+      </p:sp>
+      <p:sp>
+        <p:nvSpPr>
+          <p:cNvPr id="15" name="Прямоугольник 14"/>
+          <p:cNvSpPr/>
+          <p:nvPr/>
+        </p:nvSpPr>
+        <p:spPr>
+          <a:xfrm>
+            <a:off x="5643570" y="3643314"/>
+            <a:ext cx="1785950" cy="357190"/>
+          </a:xfrm>
+          <a:prstGeom prst="rect">
+            <a:avLst/>
+          </a:prstGeom>
+          <a:solidFill>
+            <a:schemeClr val="accent1">
+              <a:alpha val="0"/>
+            </a:schemeClr>
+          </a:solidFill>
+        </p:spPr>
+        <p:style>
+          <a:lnRef idx="2">
+            <a:schemeClr val="accent1">
+              <a:shade val="50000"/>
+            </a:schemeClr>
+          </a:lnRef>
+          <a:fillRef idx="1">
+            <a:schemeClr val="accent1"/>
+          </a:fillRef>
+          <a:effectRef idx="0">
+            <a:schemeClr val="accent1"/>
+          </a:effectRef>
+          <a:fontRef idx="minor">
+            <a:schemeClr val="lt1"/>
+          </a:fontRef>
+        </p:style>
+        <p:txBody>
+          <a:bodyPr rtlCol="0" anchor="ctr"/>
+          <a:lstStyle/>
+          <a:p>
+            <a:pPr algn="ctr"/>
+            <a:r>
+              <a:rPr lang="ru-RU" sz="1200" dirty="0" smtClean="0">
+                <a:solidFill>
+                  <a:schemeClr val="tx1"/>
+                </a:solidFill>
+                <a:latin typeface="Times New Roman" pitchFamily="18" charset="0"/>
+                <a:cs typeface="Times New Roman" pitchFamily="18" charset="0"/>
+              </a:rPr>
+              <a:t>Вывод на экран полного списка записей</a:t>
+            </a:r>
+            <a:endParaRPr lang="en-US" sz="1200" dirty="0" smtClean="0">
+              <a:solidFill>
+                <a:schemeClr val="tx1"/>
+              </a:solidFill>
+              <a:latin typeface="Times New Roman" pitchFamily="18" charset="0"/>
+              <a:cs typeface="Times New Roman" pitchFamily="18" charset="0"/>
+            </a:endParaRPr>
+          </a:p>
+        </p:txBody>
+      </p:sp>
+      <p:sp>
+        <p:nvSpPr>
+          <p:cNvPr id="16" name="Прямоугольник 15"/>
+          <p:cNvSpPr/>
+          <p:nvPr/>
+        </p:nvSpPr>
+        <p:spPr>
+          <a:xfrm>
+            <a:off x="2357422" y="4071942"/>
+            <a:ext cx="1785950" cy="642942"/>
+          </a:xfrm>
+          <a:prstGeom prst="rect">
+            <a:avLst/>
+          </a:prstGeom>
+          <a:solidFill>
+            <a:schemeClr val="accent1">
+              <a:alpha val="0"/>
+            </a:schemeClr>
+          </a:solidFill>
+        </p:spPr>
+        <p:style>
+          <a:lnRef idx="2">
+            <a:schemeClr val="accent1">
+              <a:shade val="50000"/>
+            </a:schemeClr>
+          </a:lnRef>
+          <a:fillRef idx="1">
+            <a:schemeClr val="accent1"/>
+          </a:fillRef>
+          <a:effectRef idx="0">
+            <a:schemeClr val="accent1"/>
+          </a:effectRef>
+          <a:fontRef idx="minor">
+            <a:schemeClr val="lt1"/>
+          </a:fontRef>
+        </p:style>
+        <p:txBody>
+          <a:bodyPr rtlCol="0" anchor="ctr"/>
+          <a:lstStyle/>
+          <a:p>
+            <a:pPr algn="ctr"/>
+            <a:r>
+              <a:rPr lang="ru-RU" sz="1200" dirty="0" smtClean="0">
+                <a:solidFill>
+                  <a:schemeClr val="tx1"/>
+                </a:solidFill>
+                <a:latin typeface="Times New Roman" pitchFamily="18" charset="0"/>
+                <a:cs typeface="Times New Roman" pitchFamily="18" charset="0"/>
+              </a:rPr>
+              <a:t>Получение от пользователя </a:t>
+            </a:r>
+            <a:r>
+              <a:rPr lang="en-US" sz="1200" dirty="0" smtClean="0">
+                <a:solidFill>
+                  <a:schemeClr val="tx1"/>
+                </a:solidFill>
+                <a:latin typeface="Times New Roman" pitchFamily="18" charset="0"/>
+                <a:cs typeface="Times New Roman" pitchFamily="18" charset="0"/>
+              </a:rPr>
+              <a:t>id </a:t>
+            </a:r>
+            <a:r>
+              <a:rPr lang="ru-RU" sz="1200" dirty="0" smtClean="0">
+                <a:solidFill>
+                  <a:schemeClr val="tx1"/>
+                </a:solidFill>
+                <a:latin typeface="Times New Roman" pitchFamily="18" charset="0"/>
+                <a:cs typeface="Times New Roman" pitchFamily="18" charset="0"/>
+              </a:rPr>
+              <a:t>записи и новых данных</a:t>
+            </a:r>
+            <a:endParaRPr lang="en-US" sz="1200" dirty="0" smtClean="0">
+              <a:solidFill>
+                <a:schemeClr val="tx1"/>
+              </a:solidFill>
+              <a:latin typeface="Times New Roman" pitchFamily="18" charset="0"/>
+              <a:cs typeface="Times New Roman" pitchFamily="18" charset="0"/>
+            </a:endParaRPr>
+          </a:p>
+        </p:txBody>
+      </p:sp>
+      <p:sp>
+        <p:nvSpPr>
+          <p:cNvPr id="17" name="Прямоугольник 16"/>
+          <p:cNvSpPr/>
+          <p:nvPr/>
+        </p:nvSpPr>
+        <p:spPr>
+          <a:xfrm>
+            <a:off x="2357422" y="5000636"/>
+            <a:ext cx="1785950" cy="357190"/>
+          </a:xfrm>
+          <a:prstGeom prst="rect">
+            <a:avLst/>
+          </a:prstGeom>
+          <a:solidFill>
+            <a:schemeClr val="accent1">
+              <a:alpha val="0"/>
+            </a:schemeClr>
+          </a:solidFill>
+        </p:spPr>
+        <p:style>
+          <a:lnRef idx="2">
+            <a:schemeClr val="accent1">
+              <a:shade val="50000"/>
+            </a:schemeClr>
+          </a:lnRef>
+          <a:fillRef idx="1">
+            <a:schemeClr val="accent1"/>
+          </a:fillRef>
+          <a:effectRef idx="0">
+            <a:schemeClr val="accent1"/>
+          </a:effectRef>
+          <a:fontRef idx="minor">
+            <a:schemeClr val="lt1"/>
+          </a:fontRef>
+        </p:style>
+        <p:txBody>
+          <a:bodyPr rtlCol="0" anchor="ctr"/>
+          <a:lstStyle/>
+          <a:p>
+            <a:pPr algn="ctr"/>
+            <a:r>
+              <a:rPr lang="ru-RU" sz="1200" dirty="0" smtClean="0">
+                <a:solidFill>
+                  <a:schemeClr val="tx1"/>
+                </a:solidFill>
+                <a:latin typeface="Times New Roman" pitchFamily="18" charset="0"/>
+                <a:cs typeface="Times New Roman" pitchFamily="18" charset="0"/>
+              </a:rPr>
+              <a:t>Замена старой записи на новую</a:t>
+            </a:r>
+            <a:endParaRPr lang="en-US" sz="1200" dirty="0" smtClean="0">
+              <a:solidFill>
+                <a:schemeClr val="tx1"/>
+              </a:solidFill>
+              <a:latin typeface="Times New Roman" pitchFamily="18" charset="0"/>
+              <a:cs typeface="Times New Roman" pitchFamily="18" charset="0"/>
+            </a:endParaRPr>
+          </a:p>
+        </p:txBody>
+      </p:sp>
+      <p:sp>
+        <p:nvSpPr>
+          <p:cNvPr id="18" name="Прямоугольник 17"/>
+          <p:cNvSpPr/>
+          <p:nvPr/>
+        </p:nvSpPr>
+        <p:spPr>
+          <a:xfrm>
+            <a:off x="7215206" y="3143248"/>
+            <a:ext cx="1785950" cy="357190"/>
+          </a:xfrm>
+          <a:prstGeom prst="rect">
+            <a:avLst/>
+          </a:prstGeom>
+          <a:solidFill>
+            <a:schemeClr val="accent1">
+              <a:alpha val="0"/>
+            </a:schemeClr>
+          </a:solidFill>
+        </p:spPr>
+        <p:style>
+          <a:lnRef idx="2">
+            <a:schemeClr val="accent1">
+              <a:shade val="50000"/>
+            </a:schemeClr>
+          </a:lnRef>
+          <a:fillRef idx="1">
+            <a:schemeClr val="accent1"/>
+          </a:fillRef>
+          <a:effectRef idx="0">
+            <a:schemeClr val="accent1"/>
+          </a:effectRef>
+          <a:fontRef idx="minor">
+            <a:schemeClr val="lt1"/>
+          </a:fontRef>
+        </p:style>
+        <p:txBody>
+          <a:bodyPr rtlCol="0" anchor="ctr"/>
+          <a:lstStyle/>
+          <a:p>
+            <a:pPr algn="ctr"/>
+            <a:r>
+              <a:rPr lang="ru-RU" sz="1200" dirty="0" smtClean="0">
+                <a:solidFill>
+                  <a:schemeClr val="tx1"/>
+                </a:solidFill>
+                <a:latin typeface="Times New Roman" pitchFamily="18" charset="0"/>
+                <a:cs typeface="Times New Roman" pitchFamily="18" charset="0"/>
+              </a:rPr>
+              <a:t>Получение фильтра от пользователя</a:t>
+            </a:r>
+            <a:endParaRPr lang="en-US" sz="1200" dirty="0" smtClean="0">
+              <a:solidFill>
+                <a:schemeClr val="tx1"/>
+              </a:solidFill>
+              <a:latin typeface="Times New Roman" pitchFamily="18" charset="0"/>
+              <a:cs typeface="Times New Roman" pitchFamily="18" charset="0"/>
+            </a:endParaRPr>
+          </a:p>
+        </p:txBody>
+      </p:sp>
+      <p:sp>
+        <p:nvSpPr>
+          <p:cNvPr id="20" name="Прямоугольник 19"/>
+          <p:cNvSpPr/>
+          <p:nvPr/>
+        </p:nvSpPr>
+        <p:spPr>
+          <a:xfrm>
+            <a:off x="7286644" y="4214818"/>
+            <a:ext cx="1785950" cy="357190"/>
+          </a:xfrm>
+          <a:prstGeom prst="rect">
+            <a:avLst/>
+          </a:prstGeom>
+          <a:solidFill>
+            <a:schemeClr val="accent1">
+              <a:alpha val="0"/>
+            </a:schemeClr>
+          </a:solidFill>
+        </p:spPr>
+        <p:style>
+          <a:lnRef idx="2">
+            <a:schemeClr val="accent1">
+              <a:shade val="50000"/>
+            </a:schemeClr>
+          </a:lnRef>
+          <a:fillRef idx="1">
+            <a:schemeClr val="accent1"/>
+          </a:fillRef>
+          <a:effectRef idx="0">
+            <a:schemeClr val="accent1"/>
+          </a:effectRef>
+          <a:fontRef idx="minor">
+            <a:schemeClr val="lt1"/>
+          </a:fontRef>
+        </p:style>
+        <p:txBody>
+          <a:bodyPr rtlCol="0" anchor="ctr"/>
+          <a:lstStyle/>
+          <a:p>
+            <a:pPr algn="ctr"/>
+            <a:r>
+              <a:rPr lang="ru-RU" sz="1200" dirty="0" smtClean="0">
+                <a:solidFill>
+                  <a:schemeClr val="tx1"/>
+                </a:solidFill>
+                <a:latin typeface="Times New Roman" pitchFamily="18" charset="0"/>
+                <a:cs typeface="Times New Roman" pitchFamily="18" charset="0"/>
+              </a:rPr>
+              <a:t>Вывод на экран списка записей</a:t>
+            </a:r>
+            <a:endParaRPr lang="en-US" sz="1200" dirty="0" smtClean="0">
+              <a:solidFill>
+                <a:schemeClr val="tx1"/>
+              </a:solidFill>
+              <a:latin typeface="Times New Roman" pitchFamily="18" charset="0"/>
+              <a:cs typeface="Times New Roman" pitchFamily="18" charset="0"/>
+            </a:endParaRPr>
+          </a:p>
+        </p:txBody>
+      </p:sp>
+      <p:cxnSp>
+        <p:nvCxnSpPr>
+          <p:cNvPr id="22" name="Прямая со стрелкой 21"/>
+          <p:cNvCxnSpPr>
+            <a:stCxn id="5" idx="2"/>
+            <a:endCxn id="9" idx="0"/>
+          </p:cNvCxnSpPr>
+          <p:nvPr/>
+        </p:nvCxnSpPr>
+        <p:spPr>
+          <a:xfrm rot="5400000">
+            <a:off x="4304108" y="1732348"/>
+            <a:ext cx="500066" cy="35719"/>
+          </a:xfrm>
+          <a:prstGeom prst="straightConnector1">
+            <a:avLst/>
+          </a:prstGeom>
+          <a:ln>
+            <a:tailEnd type="arrow"/>
+          </a:ln>
+        </p:spPr>
+        <p:style>
+          <a:lnRef idx="1">
+            <a:schemeClr val="accent1"/>
+          </a:lnRef>
+          <a:fillRef idx="0">
+            <a:schemeClr val="accent1"/>
+          </a:fillRef>
+          <a:effectRef idx="0">
+            <a:schemeClr val="accent1"/>
+          </a:effectRef>
+          <a:fontRef idx="minor">
+            <a:schemeClr val="tx1"/>
+          </a:fontRef>
+        </p:style>
+      </p:cxnSp>
+      <p:cxnSp>
+        <p:nvCxnSpPr>
+          <p:cNvPr id="24" name="Прямая со стрелкой 23"/>
+          <p:cNvCxnSpPr>
+            <a:stCxn id="4" idx="2"/>
+            <a:endCxn id="5" idx="0"/>
+          </p:cNvCxnSpPr>
+          <p:nvPr/>
+        </p:nvCxnSpPr>
+        <p:spPr>
+          <a:xfrm rot="16200000" flipH="1">
+            <a:off x="4339826" y="910810"/>
+            <a:ext cx="428628" cy="35719"/>
+          </a:xfrm>
+          <a:prstGeom prst="straightConnector1">
+            <a:avLst/>
+          </a:prstGeom>
+          <a:ln>
+            <a:tailEnd type="arrow"/>
+          </a:ln>
+        </p:spPr>
+        <p:style>
+          <a:lnRef idx="1">
+            <a:schemeClr val="accent1"/>
+          </a:lnRef>
+          <a:fillRef idx="0">
+            <a:schemeClr val="accent1"/>
+          </a:fillRef>
+          <a:effectRef idx="0">
+            <a:schemeClr val="accent1"/>
+          </a:effectRef>
+          <a:fontRef idx="minor">
+            <a:schemeClr val="tx1"/>
+          </a:fontRef>
+        </p:style>
+      </p:cxnSp>
+      <p:cxnSp>
+        <p:nvCxnSpPr>
+          <p:cNvPr id="28" name="Прямая со стрелкой 27"/>
+          <p:cNvCxnSpPr>
+            <a:endCxn id="7" idx="0"/>
+          </p:cNvCxnSpPr>
+          <p:nvPr/>
+        </p:nvCxnSpPr>
+        <p:spPr>
+          <a:xfrm rot="10800000" flipV="1">
+            <a:off x="1607324" y="1500174"/>
+            <a:ext cx="1393041" cy="428628"/>
+          </a:xfrm>
+          <a:prstGeom prst="straightConnector1">
+            <a:avLst/>
+          </a:prstGeom>
+          <a:ln>
+            <a:tailEnd type="arrow"/>
+          </a:ln>
+        </p:spPr>
+        <p:style>
+          <a:lnRef idx="1">
+            <a:schemeClr val="accent1"/>
+          </a:lnRef>
+          <a:fillRef idx="0">
+            <a:schemeClr val="accent1"/>
+          </a:fillRef>
+          <a:effectRef idx="0">
+            <a:schemeClr val="accent1"/>
+          </a:effectRef>
+          <a:fontRef idx="minor">
+            <a:schemeClr val="tx1"/>
+          </a:fontRef>
+        </p:style>
+      </p:cxnSp>
+      <p:cxnSp>
+        <p:nvCxnSpPr>
+          <p:cNvPr id="30" name="Прямая со стрелкой 29"/>
+          <p:cNvCxnSpPr>
+            <a:endCxn id="8" idx="0"/>
+          </p:cNvCxnSpPr>
+          <p:nvPr/>
+        </p:nvCxnSpPr>
+        <p:spPr>
+          <a:xfrm rot="5400000">
+            <a:off x="3196819" y="1553753"/>
+            <a:ext cx="1071570" cy="964413"/>
+          </a:xfrm>
+          <a:prstGeom prst="straightConnector1">
+            <a:avLst/>
+          </a:prstGeom>
+          <a:ln>
+            <a:tailEnd type="arrow"/>
+          </a:ln>
+        </p:spPr>
+        <p:style>
+          <a:lnRef idx="1">
+            <a:schemeClr val="accent1"/>
+          </a:lnRef>
+          <a:fillRef idx="0">
+            <a:schemeClr val="accent1"/>
+          </a:fillRef>
+          <a:effectRef idx="0">
+            <a:schemeClr val="accent1"/>
+          </a:effectRef>
+          <a:fontRef idx="minor">
+            <a:schemeClr val="tx1"/>
+          </a:fontRef>
+        </p:style>
+      </p:cxnSp>
+      <p:cxnSp>
+        <p:nvCxnSpPr>
+          <p:cNvPr id="32" name="Прямая со стрелкой 31"/>
+          <p:cNvCxnSpPr>
+            <a:endCxn id="11" idx="0"/>
+          </p:cNvCxnSpPr>
+          <p:nvPr/>
+        </p:nvCxnSpPr>
+        <p:spPr>
+          <a:xfrm>
+            <a:off x="6143636" y="1500174"/>
+            <a:ext cx="1285884" cy="500066"/>
+          </a:xfrm>
+          <a:prstGeom prst="straightConnector1">
+            <a:avLst/>
+          </a:prstGeom>
+          <a:ln>
+            <a:tailEnd type="arrow"/>
+          </a:ln>
+        </p:spPr>
+        <p:style>
+          <a:lnRef idx="1">
+            <a:schemeClr val="accent1"/>
+          </a:lnRef>
+          <a:fillRef idx="0">
+            <a:schemeClr val="accent1"/>
+          </a:fillRef>
+          <a:effectRef idx="0">
+            <a:schemeClr val="accent1"/>
+          </a:effectRef>
+          <a:fontRef idx="minor">
+            <a:schemeClr val="tx1"/>
+          </a:fontRef>
+        </p:style>
+      </p:cxnSp>
+      <p:cxnSp>
+        <p:nvCxnSpPr>
+          <p:cNvPr id="34" name="Прямая со стрелкой 33"/>
+          <p:cNvCxnSpPr/>
+          <p:nvPr/>
+        </p:nvCxnSpPr>
+        <p:spPr>
+          <a:xfrm rot="16200000" flipH="1">
+            <a:off x="5179223" y="1821645"/>
+            <a:ext cx="1071570" cy="428628"/>
+          </a:xfrm>
+          <a:prstGeom prst="straightConnector1">
+            <a:avLst/>
+          </a:prstGeom>
+          <a:ln>
+            <a:tailEnd type="arrow"/>
+          </a:ln>
+        </p:spPr>
+        <p:style>
+          <a:lnRef idx="1">
+            <a:schemeClr val="accent1"/>
+          </a:lnRef>
+          <a:fillRef idx="0">
+            <a:schemeClr val="accent1"/>
+          </a:fillRef>
+          <a:effectRef idx="0">
+            <a:schemeClr val="accent1"/>
+          </a:effectRef>
+          <a:fontRef idx="minor">
+            <a:schemeClr val="tx1"/>
+          </a:fontRef>
+        </p:style>
+      </p:cxnSp>
+      <p:cxnSp>
+        <p:nvCxnSpPr>
+          <p:cNvPr id="36" name="Прямая со стрелкой 35"/>
+          <p:cNvCxnSpPr>
+            <a:stCxn id="10" idx="2"/>
+            <a:endCxn id="15" idx="0"/>
+          </p:cNvCxnSpPr>
+          <p:nvPr/>
+        </p:nvCxnSpPr>
+        <p:spPr>
+          <a:xfrm rot="16200000" flipH="1">
+            <a:off x="6000752" y="3107521"/>
+            <a:ext cx="714380" cy="357206"/>
+          </a:xfrm>
+          <a:prstGeom prst="straightConnector1">
+            <a:avLst/>
+          </a:prstGeom>
+          <a:ln>
+            <a:tailEnd type="arrow"/>
+          </a:ln>
+        </p:spPr>
+        <p:style>
+          <a:lnRef idx="1">
+            <a:schemeClr val="accent1"/>
+          </a:lnRef>
+          <a:fillRef idx="0">
+            <a:schemeClr val="accent1"/>
+          </a:fillRef>
+          <a:effectRef idx="0">
+            <a:schemeClr val="accent1"/>
+          </a:effectRef>
+          <a:fontRef idx="minor">
+            <a:schemeClr val="tx1"/>
+          </a:fontRef>
+        </p:style>
+      </p:cxnSp>
+      <p:cxnSp>
+        <p:nvCxnSpPr>
+          <p:cNvPr id="38" name="Прямая со стрелкой 37"/>
+          <p:cNvCxnSpPr>
+            <a:stCxn id="9" idx="2"/>
+            <a:endCxn id="13" idx="0"/>
+          </p:cNvCxnSpPr>
+          <p:nvPr/>
+        </p:nvCxnSpPr>
+        <p:spPr>
+          <a:xfrm rot="5400000">
+            <a:off x="4179091" y="2714620"/>
+            <a:ext cx="714380" cy="1588"/>
+          </a:xfrm>
+          <a:prstGeom prst="straightConnector1">
+            <a:avLst/>
+          </a:prstGeom>
+          <a:ln>
+            <a:tailEnd type="arrow"/>
+          </a:ln>
+        </p:spPr>
+        <p:style>
+          <a:lnRef idx="1">
+            <a:schemeClr val="accent1"/>
+          </a:lnRef>
+          <a:fillRef idx="0">
+            <a:schemeClr val="accent1"/>
+          </a:fillRef>
+          <a:effectRef idx="0">
+            <a:schemeClr val="accent1"/>
+          </a:effectRef>
+          <a:fontRef idx="minor">
+            <a:schemeClr val="tx1"/>
+          </a:fontRef>
+        </p:style>
+      </p:cxnSp>
+      <p:cxnSp>
+        <p:nvCxnSpPr>
+          <p:cNvPr id="40" name="Прямая со стрелкой 39"/>
+          <p:cNvCxnSpPr>
+            <a:stCxn id="13" idx="2"/>
+            <a:endCxn id="14" idx="0"/>
+          </p:cNvCxnSpPr>
+          <p:nvPr/>
+        </p:nvCxnSpPr>
+        <p:spPr>
+          <a:xfrm rot="5400000">
+            <a:off x="4429124" y="3536157"/>
+            <a:ext cx="214314" cy="1588"/>
+          </a:xfrm>
+          <a:prstGeom prst="straightConnector1">
+            <a:avLst/>
+          </a:prstGeom>
+          <a:ln>
+            <a:tailEnd type="arrow"/>
+          </a:ln>
+        </p:spPr>
+        <p:style>
+          <a:lnRef idx="1">
+            <a:schemeClr val="accent1"/>
+          </a:lnRef>
+          <a:fillRef idx="0">
+            <a:schemeClr val="accent1"/>
+          </a:fillRef>
+          <a:effectRef idx="0">
+            <a:schemeClr val="accent1"/>
+          </a:effectRef>
+          <a:fontRef idx="minor">
+            <a:schemeClr val="tx1"/>
+          </a:fontRef>
+        </p:style>
+      </p:cxnSp>
+      <p:cxnSp>
+        <p:nvCxnSpPr>
+          <p:cNvPr id="43" name="Прямая со стрелкой 42"/>
+          <p:cNvCxnSpPr>
+            <a:stCxn id="11" idx="2"/>
+            <a:endCxn id="18" idx="0"/>
+          </p:cNvCxnSpPr>
+          <p:nvPr/>
+        </p:nvCxnSpPr>
+        <p:spPr>
+          <a:xfrm rot="16200000" flipH="1">
+            <a:off x="7375941" y="2411008"/>
+            <a:ext cx="785818" cy="678661"/>
+          </a:xfrm>
+          <a:prstGeom prst="straightConnector1">
+            <a:avLst/>
+          </a:prstGeom>
+          <a:ln>
+            <a:tailEnd type="arrow"/>
+          </a:ln>
+        </p:spPr>
+        <p:style>
+          <a:lnRef idx="1">
+            <a:schemeClr val="accent1"/>
+          </a:lnRef>
+          <a:fillRef idx="0">
+            <a:schemeClr val="accent1"/>
+          </a:fillRef>
+          <a:effectRef idx="0">
+            <a:schemeClr val="accent1"/>
+          </a:effectRef>
+          <a:fontRef idx="minor">
+            <a:schemeClr val="tx1"/>
+          </a:fontRef>
+        </p:style>
+      </p:cxnSp>
+      <p:cxnSp>
+        <p:nvCxnSpPr>
+          <p:cNvPr id="45" name="Прямая со стрелкой 44"/>
+          <p:cNvCxnSpPr>
+            <a:stCxn id="18" idx="2"/>
+            <a:endCxn id="20" idx="0"/>
+          </p:cNvCxnSpPr>
+          <p:nvPr/>
+        </p:nvCxnSpPr>
+        <p:spPr>
+          <a:xfrm rot="16200000" flipH="1">
+            <a:off x="7786710" y="3821909"/>
+            <a:ext cx="714380" cy="71438"/>
+          </a:xfrm>
+          <a:prstGeom prst="straightConnector1">
+            <a:avLst/>
+          </a:prstGeom>
+          <a:ln>
+            <a:tailEnd type="arrow"/>
+          </a:ln>
+        </p:spPr>
+        <p:style>
+          <a:lnRef idx="1">
+            <a:schemeClr val="accent1"/>
+          </a:lnRef>
+          <a:fillRef idx="0">
+            <a:schemeClr val="accent1"/>
+          </a:fillRef>
+          <a:effectRef idx="0">
+            <a:schemeClr val="accent1"/>
+          </a:effectRef>
+          <a:fontRef idx="minor">
+            <a:schemeClr val="tx1"/>
+          </a:fontRef>
+        </p:style>
+      </p:cxnSp>
+      <p:sp>
+        <p:nvSpPr>
+          <p:cNvPr id="46" name="Прямоугольник 45"/>
+          <p:cNvSpPr/>
+          <p:nvPr/>
+        </p:nvSpPr>
+        <p:spPr>
+          <a:xfrm>
+            <a:off x="4143372" y="6286520"/>
+            <a:ext cx="1071570" cy="357190"/>
+          </a:xfrm>
+          <a:prstGeom prst="rect">
+            <a:avLst/>
+          </a:prstGeom>
+          <a:solidFill>
+            <a:schemeClr val="accent1">
+              <a:alpha val="0"/>
+            </a:schemeClr>
+          </a:solidFill>
+        </p:spPr>
+        <p:style>
+          <a:lnRef idx="2">
+            <a:schemeClr val="accent1">
+              <a:shade val="50000"/>
+            </a:schemeClr>
+          </a:lnRef>
+          <a:fillRef idx="1">
+            <a:schemeClr val="accent1"/>
+          </a:fillRef>
+          <a:effectRef idx="0">
+            <a:schemeClr val="accent1"/>
+          </a:effectRef>
+          <a:fontRef idx="minor">
+            <a:schemeClr val="lt1"/>
+          </a:fontRef>
+        </p:style>
+        <p:txBody>
+          <a:bodyPr rtlCol="0" anchor="ctr"/>
+          <a:lstStyle/>
+          <a:p>
+            <a:pPr algn="ctr"/>
+            <a:r>
+              <a:rPr lang="ru-RU" sz="1200" dirty="0" smtClean="0">
+                <a:solidFill>
+                  <a:schemeClr val="tx1"/>
+                </a:solidFill>
+                <a:latin typeface="Times New Roman" pitchFamily="18" charset="0"/>
+                <a:cs typeface="Times New Roman" pitchFamily="18" charset="0"/>
+              </a:rPr>
+              <a:t>Выход</a:t>
+            </a:r>
+            <a:endParaRPr lang="en-US" sz="1200" dirty="0" smtClean="0">
+              <a:solidFill>
+                <a:schemeClr val="tx1"/>
+              </a:solidFill>
+              <a:latin typeface="Times New Roman" pitchFamily="18" charset="0"/>
+              <a:cs typeface="Times New Roman" pitchFamily="18" charset="0"/>
+            </a:endParaRPr>
+          </a:p>
+        </p:txBody>
+      </p:sp>
+      <p:cxnSp>
+        <p:nvCxnSpPr>
+          <p:cNvPr id="48" name="Прямая со стрелкой 47"/>
+          <p:cNvCxnSpPr>
+            <a:stCxn id="6" idx="2"/>
+            <a:endCxn id="46" idx="0"/>
+          </p:cNvCxnSpPr>
+          <p:nvPr/>
+        </p:nvCxnSpPr>
+        <p:spPr>
+          <a:xfrm rot="16200000" flipH="1">
+            <a:off x="4589859" y="6197222"/>
+            <a:ext cx="142876" cy="35719"/>
+          </a:xfrm>
+          <a:prstGeom prst="straightConnector1">
+            <a:avLst/>
+          </a:prstGeom>
+          <a:ln>
+            <a:tailEnd type="arrow"/>
+          </a:ln>
+        </p:spPr>
+        <p:style>
+          <a:lnRef idx="1">
+            <a:schemeClr val="accent1"/>
+          </a:lnRef>
+          <a:fillRef idx="0">
+            <a:schemeClr val="accent1"/>
+          </a:fillRef>
+          <a:effectRef idx="0">
+            <a:schemeClr val="accent1"/>
+          </a:effectRef>
+          <a:fontRef idx="minor">
+            <a:schemeClr val="tx1"/>
+          </a:fontRef>
+        </p:style>
+      </p:cxnSp>
+      <p:cxnSp>
+        <p:nvCxnSpPr>
+          <p:cNvPr id="52" name="Прямая со стрелкой 51"/>
+          <p:cNvCxnSpPr>
+            <a:stCxn id="46" idx="2"/>
+          </p:cNvCxnSpPr>
+          <p:nvPr/>
+        </p:nvCxnSpPr>
+        <p:spPr>
+          <a:xfrm rot="16200000" flipH="1">
+            <a:off x="4589871" y="6732995"/>
+            <a:ext cx="214290" cy="35719"/>
+          </a:xfrm>
+          <a:prstGeom prst="straightConnector1">
+            <a:avLst/>
+          </a:prstGeom>
+          <a:ln>
+            <a:tailEnd type="arrow"/>
+          </a:ln>
+        </p:spPr>
+        <p:style>
+          <a:lnRef idx="1">
+            <a:schemeClr val="accent1"/>
+          </a:lnRef>
+          <a:fillRef idx="0">
+            <a:schemeClr val="accent1"/>
+          </a:fillRef>
+          <a:effectRef idx="0">
+            <a:schemeClr val="accent1"/>
+          </a:effectRef>
+          <a:fontRef idx="minor">
+            <a:schemeClr val="tx1"/>
+          </a:fontRef>
+        </p:style>
+      </p:cxnSp>
+      <p:sp>
+        <p:nvSpPr>
+          <p:cNvPr id="53" name="Прямоугольник 52"/>
+          <p:cNvSpPr/>
+          <p:nvPr/>
+        </p:nvSpPr>
+        <p:spPr>
+          <a:xfrm>
+            <a:off x="214282" y="5786454"/>
+            <a:ext cx="1071570" cy="357190"/>
+          </a:xfrm>
+          <a:prstGeom prst="rect">
+            <a:avLst/>
+          </a:prstGeom>
+          <a:solidFill>
+            <a:schemeClr val="accent1">
+              <a:alpha val="0"/>
+            </a:schemeClr>
+          </a:solidFill>
+        </p:spPr>
+        <p:style>
+          <a:lnRef idx="2">
+            <a:schemeClr val="accent1">
+              <a:shade val="50000"/>
+            </a:schemeClr>
+          </a:lnRef>
+          <a:fillRef idx="1">
+            <a:schemeClr val="accent1"/>
+          </a:fillRef>
+          <a:effectRef idx="0">
+            <a:schemeClr val="accent1"/>
+          </a:effectRef>
+          <a:fontRef idx="minor">
+            <a:schemeClr val="lt1"/>
+          </a:fontRef>
+        </p:style>
+        <p:txBody>
+          <a:bodyPr rtlCol="0" anchor="ctr"/>
+          <a:lstStyle/>
+          <a:p>
+            <a:pPr algn="ctr"/>
+            <a:r>
+              <a:rPr lang="ru-RU" sz="1200" dirty="0" smtClean="0">
+                <a:solidFill>
+                  <a:schemeClr val="tx1"/>
+                </a:solidFill>
+                <a:latin typeface="Times New Roman" pitchFamily="18" charset="0"/>
+                <a:cs typeface="Times New Roman" pitchFamily="18" charset="0"/>
+              </a:rPr>
+              <a:t>Продолжение </a:t>
+            </a:r>
+            <a:r>
+              <a:rPr lang="ru-RU" sz="1200" dirty="0" smtClean="0">
+                <a:solidFill>
+                  <a:schemeClr val="tx1"/>
+                </a:solidFill>
+                <a:latin typeface="Times New Roman" pitchFamily="18" charset="0"/>
+                <a:cs typeface="Times New Roman" pitchFamily="18" charset="0"/>
+              </a:rPr>
+              <a:t>работы</a:t>
+            </a:r>
+            <a:endParaRPr lang="en-US" sz="1200" dirty="0" smtClean="0">
+              <a:solidFill>
+                <a:schemeClr val="tx1"/>
+              </a:solidFill>
+              <a:latin typeface="Times New Roman" pitchFamily="18" charset="0"/>
+              <a:cs typeface="Times New Roman" pitchFamily="18" charset="0"/>
+            </a:endParaRPr>
+          </a:p>
+        </p:txBody>
+      </p:sp>
+      <p:cxnSp>
+        <p:nvCxnSpPr>
+          <p:cNvPr id="55" name="Прямая со стрелкой 54"/>
+          <p:cNvCxnSpPr>
+            <a:stCxn id="6" idx="1"/>
+            <a:endCxn id="53" idx="3"/>
+          </p:cNvCxnSpPr>
+          <p:nvPr/>
+        </p:nvCxnSpPr>
+        <p:spPr>
+          <a:xfrm rot="10800000">
+            <a:off x="1285852" y="5965049"/>
+            <a:ext cx="785818" cy="1588"/>
+          </a:xfrm>
+          <a:prstGeom prst="straightConnector1">
+            <a:avLst/>
+          </a:prstGeom>
+          <a:ln>
+            <a:tailEnd type="arrow"/>
+          </a:ln>
+        </p:spPr>
+        <p:style>
+          <a:lnRef idx="1">
+            <a:schemeClr val="accent1"/>
+          </a:lnRef>
+          <a:fillRef idx="0">
+            <a:schemeClr val="accent1"/>
+          </a:fillRef>
+          <a:effectRef idx="0">
+            <a:schemeClr val="accent1"/>
+          </a:effectRef>
+          <a:fontRef idx="minor">
+            <a:schemeClr val="tx1"/>
+          </a:fontRef>
+        </p:style>
+      </p:cxnSp>
+      <p:cxnSp>
+        <p:nvCxnSpPr>
+          <p:cNvPr id="57" name="Прямая со стрелкой 56"/>
+          <p:cNvCxnSpPr>
+            <a:stCxn id="14" idx="2"/>
+            <a:endCxn id="6" idx="0"/>
+          </p:cNvCxnSpPr>
+          <p:nvPr/>
+        </p:nvCxnSpPr>
+        <p:spPr>
+          <a:xfrm rot="16200000" flipH="1">
+            <a:off x="3696884" y="4839900"/>
+            <a:ext cx="1785950" cy="107157"/>
+          </a:xfrm>
+          <a:prstGeom prst="straightConnector1">
+            <a:avLst/>
+          </a:prstGeom>
+          <a:ln>
+            <a:tailEnd type="arrow"/>
+          </a:ln>
+        </p:spPr>
+        <p:style>
+          <a:lnRef idx="1">
+            <a:schemeClr val="accent1"/>
+          </a:lnRef>
+          <a:fillRef idx="0">
+            <a:schemeClr val="accent1"/>
+          </a:fillRef>
+          <a:effectRef idx="0">
+            <a:schemeClr val="accent1"/>
+          </a:effectRef>
+          <a:fontRef idx="minor">
+            <a:schemeClr val="tx1"/>
+          </a:fontRef>
+        </p:style>
+      </p:cxnSp>
+      <p:cxnSp>
+        <p:nvCxnSpPr>
+          <p:cNvPr id="59" name="Прямая со стрелкой 58"/>
+          <p:cNvCxnSpPr>
+            <a:stCxn id="15" idx="2"/>
+          </p:cNvCxnSpPr>
+          <p:nvPr/>
+        </p:nvCxnSpPr>
+        <p:spPr>
+          <a:xfrm rot="5400000">
+            <a:off x="5054207" y="4304116"/>
+            <a:ext cx="1785950" cy="1178727"/>
+          </a:xfrm>
+          <a:prstGeom prst="straightConnector1">
+            <a:avLst/>
+          </a:prstGeom>
+          <a:ln>
+            <a:tailEnd type="arrow"/>
+          </a:ln>
+        </p:spPr>
+        <p:style>
+          <a:lnRef idx="1">
+            <a:schemeClr val="accent1"/>
+          </a:lnRef>
+          <a:fillRef idx="0">
+            <a:schemeClr val="accent1"/>
+          </a:fillRef>
+          <a:effectRef idx="0">
+            <a:schemeClr val="accent1"/>
+          </a:effectRef>
+          <a:fontRef idx="minor">
+            <a:schemeClr val="tx1"/>
+          </a:fontRef>
+        </p:style>
+      </p:cxnSp>
+      <p:cxnSp>
+        <p:nvCxnSpPr>
+          <p:cNvPr id="61" name="Прямая со стрелкой 60"/>
+          <p:cNvCxnSpPr>
+            <a:stCxn id="20" idx="2"/>
+          </p:cNvCxnSpPr>
+          <p:nvPr/>
+        </p:nvCxnSpPr>
+        <p:spPr>
+          <a:xfrm rot="5400000">
+            <a:off x="6590124" y="4196959"/>
+            <a:ext cx="1214446" cy="1964545"/>
+          </a:xfrm>
+          <a:prstGeom prst="straightConnector1">
+            <a:avLst/>
+          </a:prstGeom>
+          <a:ln>
+            <a:tailEnd type="arrow"/>
+          </a:ln>
+        </p:spPr>
+        <p:style>
+          <a:lnRef idx="1">
+            <a:schemeClr val="accent1"/>
+          </a:lnRef>
+          <a:fillRef idx="0">
+            <a:schemeClr val="accent1"/>
+          </a:fillRef>
+          <a:effectRef idx="0">
+            <a:schemeClr val="accent1"/>
+          </a:effectRef>
+          <a:fontRef idx="minor">
+            <a:schemeClr val="tx1"/>
+          </a:fontRef>
+        </p:style>
+      </p:cxnSp>
+      <p:cxnSp>
+        <p:nvCxnSpPr>
+          <p:cNvPr id="63" name="Прямая со стрелкой 62"/>
+          <p:cNvCxnSpPr>
+            <a:stCxn id="8" idx="2"/>
+            <a:endCxn id="16" idx="0"/>
+          </p:cNvCxnSpPr>
+          <p:nvPr/>
+        </p:nvCxnSpPr>
+        <p:spPr>
+          <a:xfrm rot="5400000">
+            <a:off x="2678893" y="3500438"/>
+            <a:ext cx="1143008" cy="1588"/>
+          </a:xfrm>
+          <a:prstGeom prst="straightConnector1">
+            <a:avLst/>
+          </a:prstGeom>
+          <a:ln>
+            <a:tailEnd type="arrow"/>
+          </a:ln>
+        </p:spPr>
+        <p:style>
+          <a:lnRef idx="1">
+            <a:schemeClr val="accent1"/>
+          </a:lnRef>
+          <a:fillRef idx="0">
+            <a:schemeClr val="accent1"/>
+          </a:fillRef>
+          <a:effectRef idx="0">
+            <a:schemeClr val="accent1"/>
+          </a:effectRef>
+          <a:fontRef idx="minor">
+            <a:schemeClr val="tx1"/>
+          </a:fontRef>
+        </p:style>
+      </p:cxnSp>
+      <p:cxnSp>
+        <p:nvCxnSpPr>
+          <p:cNvPr id="65" name="Прямая со стрелкой 64"/>
+          <p:cNvCxnSpPr>
+            <a:stCxn id="16" idx="2"/>
+            <a:endCxn id="17" idx="0"/>
+          </p:cNvCxnSpPr>
+          <p:nvPr/>
+        </p:nvCxnSpPr>
+        <p:spPr>
+          <a:xfrm rot="5400000">
+            <a:off x="3107521" y="4857760"/>
+            <a:ext cx="285752" cy="1588"/>
+          </a:xfrm>
+          <a:prstGeom prst="straightConnector1">
+            <a:avLst/>
+          </a:prstGeom>
+          <a:ln>
+            <a:tailEnd type="arrow"/>
+          </a:ln>
+        </p:spPr>
+        <p:style>
+          <a:lnRef idx="1">
+            <a:schemeClr val="accent1"/>
+          </a:lnRef>
+          <a:fillRef idx="0">
+            <a:schemeClr val="accent1"/>
+          </a:fillRef>
+          <a:effectRef idx="0">
+            <a:schemeClr val="accent1"/>
+          </a:effectRef>
+          <a:fontRef idx="minor">
+            <a:schemeClr val="tx1"/>
+          </a:fontRef>
+        </p:style>
+      </p:cxnSp>
+      <p:sp>
+        <p:nvSpPr>
+          <p:cNvPr id="79" name="Прямоугольник 78"/>
+          <p:cNvSpPr/>
+          <p:nvPr/>
+        </p:nvSpPr>
+        <p:spPr>
+          <a:xfrm>
+            <a:off x="642910" y="4214818"/>
+            <a:ext cx="1500198" cy="357190"/>
+          </a:xfrm>
+          <a:prstGeom prst="rect">
+            <a:avLst/>
+          </a:prstGeom>
+          <a:solidFill>
+            <a:schemeClr val="accent1">
+              <a:alpha val="0"/>
+            </a:schemeClr>
+          </a:solidFill>
+        </p:spPr>
+        <p:style>
+          <a:lnRef idx="2">
+            <a:schemeClr val="accent1">
+              <a:shade val="50000"/>
+            </a:schemeClr>
+          </a:lnRef>
+          <a:fillRef idx="1">
+            <a:schemeClr val="accent1"/>
+          </a:fillRef>
+          <a:effectRef idx="0">
+            <a:schemeClr val="accent1"/>
+          </a:effectRef>
+          <a:fontRef idx="minor">
+            <a:schemeClr val="lt1"/>
+          </a:fontRef>
+        </p:style>
+        <p:txBody>
+          <a:bodyPr rtlCol="0" anchor="ctr"/>
+          <a:lstStyle/>
+          <a:p>
+            <a:pPr algn="ctr"/>
+            <a:r>
+              <a:rPr lang="ru-RU" sz="1200" dirty="0" smtClean="0">
+                <a:solidFill>
+                  <a:schemeClr val="tx1"/>
+                </a:solidFill>
+                <a:latin typeface="Times New Roman" pitchFamily="18" charset="0"/>
+                <a:cs typeface="Times New Roman" pitchFamily="18" charset="0"/>
+              </a:rPr>
+              <a:t>Добавление новой записи</a:t>
+            </a:r>
+            <a:endParaRPr lang="en-US" sz="1200" dirty="0" smtClean="0">
+              <a:solidFill>
+                <a:schemeClr val="tx1"/>
+              </a:solidFill>
+              <a:latin typeface="Times New Roman" pitchFamily="18" charset="0"/>
+              <a:cs typeface="Times New Roman" pitchFamily="18" charset="0"/>
+            </a:endParaRPr>
+          </a:p>
+        </p:txBody>
+      </p:sp>
+      <p:cxnSp>
+        <p:nvCxnSpPr>
+          <p:cNvPr id="81" name="Прямая со стрелкой 80"/>
+          <p:cNvCxnSpPr>
+            <a:stCxn id="7" idx="2"/>
+            <a:endCxn id="12" idx="0"/>
+          </p:cNvCxnSpPr>
+          <p:nvPr/>
+        </p:nvCxnSpPr>
+        <p:spPr>
+          <a:xfrm rot="5400000">
+            <a:off x="1035819" y="2714620"/>
+            <a:ext cx="1000132" cy="142876"/>
+          </a:xfrm>
+          <a:prstGeom prst="straightConnector1">
+            <a:avLst/>
+          </a:prstGeom>
+          <a:ln>
+            <a:tailEnd type="arrow"/>
+          </a:ln>
+        </p:spPr>
+        <p:style>
+          <a:lnRef idx="1">
+            <a:schemeClr val="accent1"/>
+          </a:lnRef>
+          <a:fillRef idx="0">
+            <a:schemeClr val="accent1"/>
+          </a:fillRef>
+          <a:effectRef idx="0">
+            <a:schemeClr val="accent1"/>
+          </a:effectRef>
+          <a:fontRef idx="minor">
+            <a:schemeClr val="tx1"/>
+          </a:fontRef>
+        </p:style>
+      </p:cxnSp>
+      <p:cxnSp>
+        <p:nvCxnSpPr>
+          <p:cNvPr id="83" name="Прямая со стрелкой 82"/>
+          <p:cNvCxnSpPr>
+            <a:stCxn id="12" idx="2"/>
+            <a:endCxn id="79" idx="0"/>
+          </p:cNvCxnSpPr>
+          <p:nvPr/>
+        </p:nvCxnSpPr>
+        <p:spPr>
+          <a:xfrm rot="5400000">
+            <a:off x="1142976" y="3893347"/>
+            <a:ext cx="571504" cy="71438"/>
+          </a:xfrm>
+          <a:prstGeom prst="straightConnector1">
+            <a:avLst/>
+          </a:prstGeom>
+          <a:ln>
+            <a:tailEnd type="arrow"/>
+          </a:ln>
+        </p:spPr>
+        <p:style>
+          <a:lnRef idx="1">
+            <a:schemeClr val="accent1"/>
+          </a:lnRef>
+          <a:fillRef idx="0">
+            <a:schemeClr val="accent1"/>
+          </a:fillRef>
+          <a:effectRef idx="0">
+            <a:schemeClr val="accent1"/>
+          </a:effectRef>
+          <a:fontRef idx="minor">
+            <a:schemeClr val="tx1"/>
+          </a:fontRef>
+        </p:style>
+      </p:cxnSp>
+      <p:cxnSp>
+        <p:nvCxnSpPr>
+          <p:cNvPr id="88" name="Прямая со стрелкой 87"/>
+          <p:cNvCxnSpPr>
+            <a:stCxn id="17" idx="2"/>
+          </p:cNvCxnSpPr>
+          <p:nvPr/>
+        </p:nvCxnSpPr>
+        <p:spPr>
+          <a:xfrm rot="16200000" flipH="1">
+            <a:off x="3303975" y="5304247"/>
+            <a:ext cx="428628" cy="535785"/>
+          </a:xfrm>
+          <a:prstGeom prst="straightConnector1">
+            <a:avLst/>
+          </a:prstGeom>
+          <a:ln>
+            <a:tailEnd type="arrow"/>
+          </a:ln>
+        </p:spPr>
+        <p:style>
+          <a:lnRef idx="1">
+            <a:schemeClr val="accent1"/>
+          </a:lnRef>
+          <a:fillRef idx="0">
+            <a:schemeClr val="accent1"/>
+          </a:fillRef>
+          <a:effectRef idx="0">
+            <a:schemeClr val="accent1"/>
+          </a:effectRef>
+          <a:fontRef idx="minor">
+            <a:schemeClr val="tx1"/>
+          </a:fontRef>
+        </p:style>
+      </p:cxnSp>
+      <p:cxnSp>
+        <p:nvCxnSpPr>
+          <p:cNvPr id="90" name="Прямая со стрелкой 89"/>
+          <p:cNvCxnSpPr>
+            <a:stCxn id="79" idx="2"/>
+          </p:cNvCxnSpPr>
+          <p:nvPr/>
+        </p:nvCxnSpPr>
+        <p:spPr>
+          <a:xfrm rot="16200000" flipH="1">
+            <a:off x="1375149" y="4589867"/>
+            <a:ext cx="1214446" cy="1178727"/>
+          </a:xfrm>
+          <a:prstGeom prst="straightConnector1">
+            <a:avLst/>
+          </a:prstGeom>
+          <a:ln>
+            <a:tailEnd type="arrow"/>
+          </a:ln>
+        </p:spPr>
+        <p:style>
+          <a:lnRef idx="1">
+            <a:schemeClr val="accent1"/>
+          </a:lnRef>
+          <a:fillRef idx="0">
+            <a:schemeClr val="accent1"/>
+          </a:fillRef>
+          <a:effectRef idx="0">
+            <a:schemeClr val="accent1"/>
+          </a:effectRef>
+          <a:fontRef idx="minor">
+            <a:schemeClr val="tx1"/>
+          </a:fontRef>
+        </p:style>
+      </p:cxnSp>
+      <p:cxnSp>
+        <p:nvCxnSpPr>
+          <p:cNvPr id="99" name="Shape 98"/>
+          <p:cNvCxnSpPr>
+            <a:endCxn id="4" idx="1"/>
+          </p:cNvCxnSpPr>
+          <p:nvPr/>
+        </p:nvCxnSpPr>
+        <p:spPr>
+          <a:xfrm rot="5400000" flipH="1" flipV="1">
+            <a:off x="-446519" y="1339439"/>
+            <a:ext cx="5250693" cy="3643338"/>
+          </a:xfrm>
+          <a:prstGeom prst="bentConnector2">
             <a:avLst/>
           </a:prstGeom>
           <a:ln>
@@ -6835,4 +12637,287 @@
   <a:objectDefaults/>
   <a:extraClrSchemeLst/>
 </a:theme>
+</file>
+
+<file path=ppt/theme/theme2.xml><?xml version="1.0" encoding="utf-8"?>
+<a:theme xmlns:a="http://schemas.openxmlformats.org/drawingml/2006/main" name="Тема Office">
+  <a:themeElements>
+    <a:clrScheme name="Стандартная">
+      <a:dk1>
+        <a:sysClr val="windowText" lastClr="000000"/>
+      </a:dk1>
+      <a:lt1>
+        <a:sysClr val="window" lastClr="FFFFFF"/>
+      </a:lt1>
+      <a:dk2>
+        <a:srgbClr val="1F497D"/>
+      </a:dk2>
+      <a:lt2>
+        <a:srgbClr val="EEECE1"/>
+      </a:lt2>
+      <a:accent1>
+        <a:srgbClr val="4F81BD"/>
+      </a:accent1>
+      <a:accent2>
+        <a:srgbClr val="C0504D"/>
+      </a:accent2>
+      <a:accent3>
+        <a:srgbClr val="9BBB59"/>
+      </a:accent3>
+      <a:accent4>
+        <a:srgbClr val="8064A2"/>
+      </a:accent4>
+      <a:accent5>
+        <a:srgbClr val="4BACC6"/>
+      </a:accent5>
+      <a:accent6>
+        <a:srgbClr val="F79646"/>
+      </a:accent6>
+      <a:hlink>
+        <a:srgbClr val="0000FF"/>
+      </a:hlink>
+      <a:folHlink>
+        <a:srgbClr val="800080"/>
+      </a:folHlink>
+    </a:clrScheme>
+    <a:fontScheme name="Стандартная">
+      <a:majorFont>
+        <a:latin typeface="Calibri"/>
+        <a:ea typeface=""/>
+        <a:cs typeface=""/>
+        <a:font script="Jpan" typeface="ＭＳ Ｐゴシック"/>
+        <a:font script="Hang" typeface="맑은 고딕"/>
+        <a:font script="Hans" typeface="宋体"/>
+        <a:font script="Hant" typeface="新細明體"/>
+        <a:font script="Arab" typeface="Times New Roman"/>
+        <a:font script="Hebr" typeface="Times New Roman"/>
+        <a:font script="Thai" typeface="Angsana New"/>
+        <a:font script="Ethi" typeface="Nyala"/>
+        <a:font script="Beng" typeface="Vrinda"/>
+        <a:font script="Gujr" typeface="Shruti"/>
+        <a:font script="Khmr" typeface="MoolBoran"/>
+        <a:font script="Knda" typeface="Tunga"/>
+        <a:font script="Guru" typeface="Raavi"/>
+        <a:font script="Cans" typeface="Euphemia"/>
+        <a:font script="Cher" typeface="Plantagenet Cherokee"/>
+        <a:font script="Yiii" typeface="Microsoft Yi Baiti"/>
+        <a:font script="Tibt" typeface="Microsoft Himalaya"/>
+        <a:font script="Thaa" typeface="MV Boli"/>
+        <a:font script="Deva" typeface="Mangal"/>
+        <a:font script="Telu" typeface="Gautami"/>
+        <a:font script="Taml" typeface="Latha"/>
+        <a:font script="Syrc" typeface="Estrangelo Edessa"/>
+        <a:font script="Orya" typeface="Kalinga"/>
+        <a:font script="Mlym" typeface="Kartika"/>
+        <a:font script="Laoo" typeface="DokChampa"/>
+        <a:font script="Sinh" typeface="Iskoola Pota"/>
+        <a:font script="Mong" typeface="Mongolian Baiti"/>
+        <a:font script="Viet" typeface="Times New Roman"/>
+        <a:font script="Uigh" typeface="Microsoft Uighur"/>
+      </a:majorFont>
+      <a:minorFont>
+        <a:latin typeface="Calibri"/>
+        <a:ea typeface=""/>
+        <a:cs typeface=""/>
+        <a:font script="Jpan" typeface="ＭＳ Ｐゴシック"/>
+        <a:font script="Hang" typeface="맑은 고딕"/>
+        <a:font script="Hans" typeface="宋体"/>
+        <a:font script="Hant" typeface="新細明體"/>
+        <a:font script="Arab" typeface="Arial"/>
+        <a:font script="Hebr" typeface="Arial"/>
+        <a:font script="Thai" typeface="Cordia New"/>
+        <a:font script="Ethi" typeface="Nyala"/>
+        <a:font script="Beng" typeface="Vrinda"/>
+        <a:font script="Gujr" typeface="Shruti"/>
+        <a:font script="Khmr" typeface="DaunPenh"/>
+        <a:font script="Knda" typeface="Tunga"/>
+        <a:font script="Guru" typeface="Raavi"/>
+        <a:font script="Cans" typeface="Euphemia"/>
+        <a:font script="Cher" typeface="Plantagenet Cherokee"/>
+        <a:font script="Yiii" typeface="Microsoft Yi Baiti"/>
+        <a:font script="Tibt" typeface="Microsoft Himalaya"/>
+        <a:font script="Thaa" typeface="MV Boli"/>
+        <a:font script="Deva" typeface="Mangal"/>
+        <a:font script="Telu" typeface="Gautami"/>
+        <a:font script="Taml" typeface="Latha"/>
+        <a:font script="Syrc" typeface="Estrangelo Edessa"/>
+        <a:font script="Orya" typeface="Kalinga"/>
+        <a:font script="Mlym" typeface="Kartika"/>
+        <a:font script="Laoo" typeface="DokChampa"/>
+        <a:font script="Sinh" typeface="Iskoola Pota"/>
+        <a:font script="Mong" typeface="Mongolian Baiti"/>
+        <a:font script="Viet" typeface="Arial"/>
+        <a:font script="Uigh" typeface="Microsoft Uighur"/>
+      </a:minorFont>
+    </a:fontScheme>
+    <a:fmtScheme name="Стандартная">
+      <a:fillStyleLst>
+        <a:solidFill>
+          <a:schemeClr val="phClr"/>
+        </a:solidFill>
+        <a:gradFill rotWithShape="1">
+          <a:gsLst>
+            <a:gs pos="0">
+              <a:schemeClr val="phClr">
+                <a:tint val="50000"/>
+                <a:satMod val="300000"/>
+              </a:schemeClr>
+            </a:gs>
+            <a:gs pos="35000">
+              <a:schemeClr val="phClr">
+                <a:tint val="37000"/>
+                <a:satMod val="300000"/>
+              </a:schemeClr>
+            </a:gs>
+            <a:gs pos="100000">
+              <a:schemeClr val="phClr">
+                <a:tint val="15000"/>
+                <a:satMod val="350000"/>
+              </a:schemeClr>
+            </a:gs>
+          </a:gsLst>
+          <a:lin ang="16200000" scaled="1"/>
+        </a:gradFill>
+        <a:gradFill rotWithShape="1">
+          <a:gsLst>
+            <a:gs pos="0">
+              <a:schemeClr val="phClr">
+                <a:shade val="51000"/>
+                <a:satMod val="130000"/>
+              </a:schemeClr>
+            </a:gs>
+            <a:gs pos="80000">
+              <a:schemeClr val="phClr">
+                <a:shade val="93000"/>
+                <a:satMod val="130000"/>
+              </a:schemeClr>
+            </a:gs>
+            <a:gs pos="100000">
+              <a:schemeClr val="phClr">
+                <a:shade val="94000"/>
+                <a:satMod val="135000"/>
+              </a:schemeClr>
+            </a:gs>
+          </a:gsLst>
+          <a:lin ang="16200000" scaled="0"/>
+        </a:gradFill>
+      </a:fillStyleLst>
+      <a:lnStyleLst>
+        <a:ln w="9525" cap="flat" cmpd="sng" algn="ctr">
+          <a:solidFill>
+            <a:schemeClr val="phClr">
+              <a:shade val="95000"/>
+              <a:satMod val="105000"/>
+            </a:schemeClr>
+          </a:solidFill>
+          <a:prstDash val="solid"/>
+        </a:ln>
+        <a:ln w="25400" cap="flat" cmpd="sng" algn="ctr">
+          <a:solidFill>
+            <a:schemeClr val="phClr"/>
+          </a:solidFill>
+          <a:prstDash val="solid"/>
+        </a:ln>
+        <a:ln w="38100" cap="flat" cmpd="sng" algn="ctr">
+          <a:solidFill>
+            <a:schemeClr val="phClr"/>
+          </a:solidFill>
+          <a:prstDash val="solid"/>
+        </a:ln>
+      </a:lnStyleLst>
+      <a:effectStyleLst>
+        <a:effectStyle>
+          <a:effectLst>
+            <a:outerShdw blurRad="40000" dist="20000" dir="5400000" rotWithShape="0">
+              <a:srgbClr val="000000">
+                <a:alpha val="38000"/>
+              </a:srgbClr>
+            </a:outerShdw>
+          </a:effectLst>
+        </a:effectStyle>
+        <a:effectStyle>
+          <a:effectLst>
+            <a:outerShdw blurRad="40000" dist="23000" dir="5400000" rotWithShape="0">
+              <a:srgbClr val="000000">
+                <a:alpha val="35000"/>
+              </a:srgbClr>
+            </a:outerShdw>
+          </a:effectLst>
+        </a:effectStyle>
+        <a:effectStyle>
+          <a:effectLst>
+            <a:outerShdw blurRad="40000" dist="23000" dir="5400000" rotWithShape="0">
+              <a:srgbClr val="000000">
+                <a:alpha val="35000"/>
+              </a:srgbClr>
+            </a:outerShdw>
+          </a:effectLst>
+          <a:scene3d>
+            <a:camera prst="orthographicFront">
+              <a:rot lat="0" lon="0" rev="0"/>
+            </a:camera>
+            <a:lightRig rig="threePt" dir="t">
+              <a:rot lat="0" lon="0" rev="1200000"/>
+            </a:lightRig>
+          </a:scene3d>
+          <a:sp3d>
+            <a:bevelT w="63500" h="25400"/>
+          </a:sp3d>
+        </a:effectStyle>
+      </a:effectStyleLst>
+      <a:bgFillStyleLst>
+        <a:solidFill>
+          <a:schemeClr val="phClr"/>
+        </a:solidFill>
+        <a:gradFill rotWithShape="1">
+          <a:gsLst>
+            <a:gs pos="0">
+              <a:schemeClr val="phClr">
+                <a:tint val="40000"/>
+                <a:satMod val="350000"/>
+              </a:schemeClr>
+            </a:gs>
+            <a:gs pos="40000">
+              <a:schemeClr val="phClr">
+                <a:tint val="45000"/>
+                <a:shade val="99000"/>
+                <a:satMod val="350000"/>
+              </a:schemeClr>
+            </a:gs>
+            <a:gs pos="100000">
+              <a:schemeClr val="phClr">
+                <a:shade val="20000"/>
+                <a:satMod val="255000"/>
+              </a:schemeClr>
+            </a:gs>
+          </a:gsLst>
+          <a:path path="circle">
+            <a:fillToRect l="50000" t="-80000" r="50000" b="180000"/>
+          </a:path>
+        </a:gradFill>
+        <a:gradFill rotWithShape="1">
+          <a:gsLst>
+            <a:gs pos="0">
+              <a:schemeClr val="phClr">
+                <a:tint val="80000"/>
+                <a:satMod val="300000"/>
+              </a:schemeClr>
+            </a:gs>
+            <a:gs pos="100000">
+              <a:schemeClr val="phClr">
+                <a:shade val="30000"/>
+                <a:satMod val="200000"/>
+              </a:schemeClr>
+            </a:gs>
+          </a:gsLst>
+          <a:path path="circle">
+            <a:fillToRect l="50000" t="50000" r="50000" b="50000"/>
+          </a:path>
+        </a:gradFill>
+      </a:bgFillStyleLst>
+    </a:fmtScheme>
+  </a:themeElements>
+  <a:objectDefaults/>
+  <a:extraClrSchemeLst/>
+</a:theme>
 </file>